--- a/処理依存よりデータ依存_エンジニアの輪20250215.pptx
+++ b/処理依存よりデータ依存_エンジニアの輪20250215.pptx
@@ -12,9 +12,10 @@
     <p:sldId id="282" r:id="rId7"/>
     <p:sldId id="284" r:id="rId8"/>
     <p:sldId id="285" r:id="rId9"/>
-    <p:sldId id="299" r:id="rId10"/>
-    <p:sldId id="268" r:id="rId11"/>
-    <p:sldId id="265" r:id="rId12"/>
+    <p:sldId id="302" r:id="rId10"/>
+    <p:sldId id="299" r:id="rId11"/>
+    <p:sldId id="268" r:id="rId12"/>
+    <p:sldId id="265" r:id="rId13"/>
   </p:sldIdLst>
   <p:sldSz cx="12192000" cy="6858000"/>
   <p:notesSz cx="6858000" cy="9144000"/>
@@ -3353,33 +3354,7 @@
                 </a:effectLst>
                 <a:sym typeface="+mn-ea"/>
               </a:rPr>
-              <a:t>（プログラミング</a:t>
-            </a:r>
-            <a:r>
-              <a:rPr lang="ja-JP" altLang="en-US">
-                <a:effectLst>
-                  <a:outerShdw blurRad="50800" dist="38100" algn="l" rotWithShape="0">
-                    <a:prstClr val="black">
-                      <a:alpha val="40000"/>
-                    </a:prstClr>
-                  </a:outerShdw>
-                </a:effectLst>
-                <a:sym typeface="+mn-ea"/>
-              </a:rPr>
-              <a:t>の話</a:t>
-            </a:r>
-            <a:r>
-              <a:rPr lang="ja-JP" altLang="en-US">
-                <a:effectLst>
-                  <a:outerShdw blurRad="50800" dist="38100" algn="l" rotWithShape="0">
-                    <a:prstClr val="black">
-                      <a:alpha val="40000"/>
-                    </a:prstClr>
-                  </a:outerShdw>
-                </a:effectLst>
-                <a:sym typeface="+mn-ea"/>
-              </a:rPr>
-              <a:t>）</a:t>
+              <a:t>（プログラミングの話）</a:t>
             </a:r>
             <a:br>
               <a:rPr lang="ja-JP" altLang="en-US">
@@ -3450,13 +3425,13 @@
         </p:nvSpPr>
         <p:spPr>
           <a:xfrm>
-            <a:off x="7875905" y="4229100"/>
-            <a:ext cx="1771015" cy="749935"/>
+            <a:off x="8192135" y="4180205"/>
+            <a:ext cx="1511935" cy="603885"/>
           </a:xfrm>
           <a:prstGeom prst="wedgeRectCallout">
             <a:avLst>
-              <a:gd name="adj1" fmla="val 43003"/>
-              <a:gd name="adj2" fmla="val 78170"/>
+              <a:gd name="adj1" fmla="val 46220"/>
+              <a:gd name="adj2" fmla="val 71451"/>
             </a:avLst>
           </a:prstGeom>
         </p:spPr>
@@ -3479,7 +3454,7 @@
         <p:txBody>
           <a:bodyPr rtlCol="0" anchor="ctr"/>
           <a:p>
-            <a:pPr algn="l"/>
+            <a:pPr algn="ctr"/>
             <a:r>
               <a:rPr lang="en-US" altLang="ja-JP" sz="1600" b="1"/>
               <a:t>Kuro</a:t>
@@ -3534,2801 +3509,19 @@
           </a:solidFill>
         </p:spPr>
         <p:txBody>
-          <a:bodyPr>
-            <a:normAutofit/>
-          </a:bodyPr>
-          <a:p>
-            <a:r>
-              <a:rPr lang="ja-JP" altLang="en-US" sz="3200"/>
-              <a:t>　</a:t>
-            </a:r>
-            <a:endParaRPr lang="ja-JP" altLang="en-US" sz="3200"/>
-          </a:p>
-        </p:txBody>
-      </p:sp>
-      <p:sp>
-        <p:nvSpPr>
-          <p:cNvPr id="3" name="コンテンツプレースホルダ 2"/>
-          <p:cNvSpPr>
-            <a:spLocks noGrp="1"/>
-          </p:cNvSpPr>
-          <p:nvPr>
-            <p:ph sz="half" idx="1"/>
-          </p:nvPr>
-        </p:nvSpPr>
-        <p:spPr>
-          <a:xfrm>
-            <a:off x="838200" y="983615"/>
-            <a:ext cx="10515600" cy="5250815"/>
-          </a:xfrm>
-        </p:spPr>
-        <p:txBody>
-          <a:bodyPr anchor="ctr" anchorCtr="0">
-            <a:normAutofit/>
-          </a:bodyPr>
-          <a:p>
-            <a:pPr marL="0" indent="0" algn="ctr">
-              <a:buNone/>
-            </a:pPr>
-            <a:r>
-              <a:rPr lang="ja-JP" altLang="en-US" sz="3200">
-                <a:solidFill>
-                  <a:schemeClr val="accent2"/>
-                </a:solidFill>
-                <a:sym typeface="+mn-ea"/>
-              </a:rPr>
-              <a:t>ご清聴ありがとうございました</a:t>
-            </a:r>
-            <a:endParaRPr lang="ja-JP" altLang="en-US" sz="3200">
-              <a:solidFill>
-                <a:schemeClr val="accent2"/>
-              </a:solidFill>
-              <a:sym typeface="+mn-ea"/>
-            </a:endParaRPr>
-          </a:p>
-          <a:p>
-            <a:pPr marL="0" indent="0" algn="ctr">
-              <a:buNone/>
-            </a:pPr>
-            <a:r>
-              <a:rPr lang="ja-JP" altLang="en-US" sz="3200">
-                <a:solidFill>
-                  <a:schemeClr val="accent2"/>
-                </a:solidFill>
-                <a:sym typeface="+mn-ea"/>
-              </a:rPr>
-              <a:t>ｍ（</a:t>
-            </a:r>
-            <a:r>
-              <a:rPr lang="en-US" altLang="ja-JP" sz="3200">
-                <a:solidFill>
-                  <a:schemeClr val="accent2"/>
-                </a:solidFill>
-                <a:sym typeface="+mn-ea"/>
-              </a:rPr>
-              <a:t>_ _</a:t>
-            </a:r>
-            <a:r>
-              <a:rPr lang="ja-JP" altLang="en-US" sz="3200">
-                <a:solidFill>
-                  <a:schemeClr val="accent2"/>
-                </a:solidFill>
-                <a:sym typeface="+mn-ea"/>
-              </a:rPr>
-              <a:t>）</a:t>
-            </a:r>
-            <a:r>
-              <a:rPr lang="ja-JP" altLang="en-US" sz="3200">
-                <a:solidFill>
-                  <a:schemeClr val="accent2"/>
-                </a:solidFill>
-                <a:sym typeface="+mn-ea"/>
-              </a:rPr>
-              <a:t>ｍ</a:t>
-            </a:r>
-            <a:endParaRPr lang="ja-JP" altLang="en-US" sz="3200">
-              <a:solidFill>
-                <a:schemeClr val="accent2"/>
-              </a:solidFill>
-              <a:sym typeface="+mn-ea"/>
-            </a:endParaRPr>
-          </a:p>
-        </p:txBody>
-      </p:sp>
-      <p:sp>
-        <p:nvSpPr>
-          <p:cNvPr id="7" name="テキストボックス 6"/>
-          <p:cNvSpPr txBox="1"/>
-          <p:nvPr/>
-        </p:nvSpPr>
-        <p:spPr>
-          <a:xfrm>
-            <a:off x="955675" y="4191000"/>
-            <a:ext cx="1394460" cy="368300"/>
-          </a:xfrm>
-          <a:prstGeom prst="rect">
-            <a:avLst/>
-          </a:prstGeom>
-          <a:noFill/>
-        </p:spPr>
-        <p:txBody>
-          <a:bodyPr wrap="square" rtlCol="0">
-            <a:spAutoFit/>
-          </a:bodyPr>
-          <a:p>
-            <a:r>
-              <a:rPr lang="ja-JP" altLang="en-US"/>
-              <a:t>　</a:t>
-            </a:r>
-            <a:endParaRPr lang="ja-JP" altLang="en-US"/>
-          </a:p>
-        </p:txBody>
-      </p:sp>
-    </p:spTree>
-  </p:cSld>
-  <p:clrMapOvr>
-    <a:masterClrMapping/>
-  </p:clrMapOvr>
-</p:sld>
-</file>
-
-<file path=ppt/slides/slide2.xml><?xml version="1.0" encoding="utf-8"?>
-<p:sld xmlns:a="http://schemas.openxmlformats.org/drawingml/2006/main" xmlns:r="http://schemas.openxmlformats.org/officeDocument/2006/relationships" xmlns:p="http://schemas.openxmlformats.org/presentationml/2006/main">
-  <p:cSld>
-    <p:spTree>
-      <p:nvGrpSpPr>
-        <p:cNvPr id="1" name=""/>
-        <p:cNvGrpSpPr/>
-        <p:nvPr/>
-      </p:nvGrpSpPr>
-      <p:grpSpPr/>
-      <p:sp>
-        <p:nvSpPr>
-          <p:cNvPr id="2" name="タイトル 1"/>
-          <p:cNvSpPr>
-            <a:spLocks noGrp="1"/>
-          </p:cNvSpPr>
-          <p:nvPr>
-            <p:ph type="title"/>
-          </p:nvPr>
-        </p:nvSpPr>
-        <p:spPr>
-          <a:xfrm>
-            <a:off x="838200" y="365125"/>
-            <a:ext cx="10515600" cy="617855"/>
-          </a:xfrm>
-          <a:solidFill>
-            <a:schemeClr val="accent5">
-              <a:lumMod val="20000"/>
-              <a:lumOff val="80000"/>
-              <a:alpha val="50000"/>
-            </a:schemeClr>
-          </a:solidFill>
-        </p:spPr>
-        <p:txBody>
           <a:bodyPr/>
-          <a:p>
-            <a:r>
-              <a:rPr lang="ja-JP" altLang="en-US" sz="3200"/>
-              <a:t>概要</a:t>
-            </a:r>
-            <a:endParaRPr lang="ja-JP" altLang="en-US" sz="3200"/>
-          </a:p>
-        </p:txBody>
-      </p:sp>
-      <p:sp>
-        <p:nvSpPr>
-          <p:cNvPr id="3" name="コンテンツプレースホルダ 2"/>
-          <p:cNvSpPr>
-            <a:spLocks noGrp="1"/>
-          </p:cNvSpPr>
-          <p:nvPr>
-            <p:ph idx="1"/>
-          </p:nvPr>
-        </p:nvSpPr>
-        <p:spPr>
-          <a:xfrm>
-            <a:off x="838200" y="983615"/>
-            <a:ext cx="10515600" cy="5193665"/>
-          </a:xfrm>
-        </p:spPr>
-        <p:txBody>
-          <a:bodyPr/>
-          <a:p>
-            <a:pPr marL="0" indent="0">
-              <a:buNone/>
-            </a:pPr>
-            <a:endParaRPr lang="ja-JP" altLang="en-US"/>
-          </a:p>
-          <a:p>
-            <a:pPr marL="0" indent="0">
-              <a:buNone/>
-            </a:pPr>
-            <a:r>
-              <a:rPr lang="ja-JP" altLang="en-US"/>
-              <a:t>　１．着地点</a:t>
-            </a:r>
-            <a:endParaRPr lang="ja-JP" altLang="en-US"/>
-          </a:p>
-          <a:p>
-            <a:pPr marL="0" indent="0">
-              <a:buNone/>
-            </a:pPr>
-            <a:r>
-              <a:rPr lang="ja-JP" altLang="en-US"/>
-              <a:t>　２．処理依存とデータ依存の違い</a:t>
-            </a:r>
-            <a:endParaRPr lang="ja-JP" altLang="en-US"/>
-          </a:p>
-          <a:p>
-            <a:pPr marL="0" indent="0">
-              <a:buNone/>
-            </a:pPr>
-            <a:r>
-              <a:rPr lang="ja-JP" altLang="en-US"/>
-              <a:t>　３．デモ①</a:t>
-            </a:r>
-            <a:endParaRPr lang="ja-JP" altLang="en-US"/>
-          </a:p>
-          <a:p>
-            <a:pPr marL="0" indent="0">
-              <a:buNone/>
-            </a:pPr>
-            <a:r>
-              <a:rPr lang="ja-JP" altLang="en-US"/>
-              <a:t>　４．要件は満たせてた？</a:t>
-            </a:r>
-            <a:endParaRPr lang="ja-JP" altLang="en-US"/>
-          </a:p>
-          <a:p>
-            <a:pPr marL="0" indent="0">
-              <a:buNone/>
-            </a:pPr>
-            <a:r>
-              <a:rPr lang="ja-JP" altLang="en-US"/>
-              <a:t>　５．デモ②</a:t>
-            </a:r>
-            <a:endParaRPr lang="ja-JP" altLang="en-US"/>
-          </a:p>
-          <a:p>
-            <a:pPr marL="0" indent="0">
-              <a:buNone/>
-            </a:pPr>
-            <a:r>
-              <a:rPr lang="ja-JP" altLang="en-US"/>
-              <a:t>　６．品質は担保できてた？</a:t>
-            </a:r>
-            <a:endParaRPr lang="ja-JP" altLang="en-US"/>
-          </a:p>
-          <a:p>
-            <a:pPr marL="0" indent="0">
-              <a:buNone/>
-            </a:pPr>
-            <a:r>
-              <a:rPr lang="ja-JP" altLang="en-US"/>
-              <a:t>　７．</a:t>
-            </a:r>
-            <a:r>
-              <a:rPr lang="en-US" altLang="ja-JP"/>
-              <a:t>AI</a:t>
-            </a:r>
-            <a:r>
-              <a:rPr lang="ja-JP" altLang="en-US"/>
-              <a:t>と絡めるよ！</a:t>
-            </a:r>
-            <a:endParaRPr lang="ja-JP" altLang="en-US"/>
-          </a:p>
-          <a:p>
-            <a:pPr marL="0" indent="0">
-              <a:buNone/>
-            </a:pPr>
-            <a:endParaRPr lang="ja-JP" altLang="en-US"/>
-          </a:p>
-        </p:txBody>
-      </p:sp>
-      <p:pic>
-        <p:nvPicPr>
-          <p:cNvPr id="5" name="図形 4" descr="images"/>
-          <p:cNvPicPr>
-            <a:picLocks noChangeAspect="1"/>
-          </p:cNvPicPr>
-          <p:nvPr/>
-        </p:nvPicPr>
-        <p:blipFill>
-          <a:blip r:embed="rId1"/>
-          <a:stretch>
-            <a:fillRect/>
-          </a:stretch>
-        </p:blipFill>
-        <p:spPr>
-          <a:xfrm>
-            <a:off x="10325100" y="4379595"/>
-            <a:ext cx="1028700" cy="1797685"/>
-          </a:xfrm>
-          <a:prstGeom prst="rect">
-            <a:avLst/>
-          </a:prstGeom>
-        </p:spPr>
-      </p:pic>
-      <p:sp>
-        <p:nvSpPr>
-          <p:cNvPr id="6" name="テキストボックス 5"/>
-          <p:cNvSpPr txBox="1"/>
-          <p:nvPr/>
-        </p:nvSpPr>
-        <p:spPr>
-          <a:xfrm>
-            <a:off x="10149840" y="3980815"/>
-            <a:ext cx="1203960" cy="460375"/>
-          </a:xfrm>
-          <a:prstGeom prst="rect">
-            <a:avLst/>
-          </a:prstGeom>
-          <a:noFill/>
-        </p:spPr>
-        <p:txBody>
-          <a:bodyPr wrap="square" rtlCol="0">
-            <a:spAutoFit/>
-          </a:bodyPr>
-          <a:p>
-            <a:endParaRPr lang="ja-JP" altLang="en-US" sz="1200"/>
-          </a:p>
-          <a:p>
-            <a:r>
-              <a:rPr lang="ja-JP" altLang="en-US" sz="1200"/>
-              <a:t>　　スカスカやな</a:t>
-            </a:r>
-            <a:endParaRPr lang="ja-JP" altLang="en-US" sz="1200"/>
-          </a:p>
-        </p:txBody>
-      </p:sp>
-    </p:spTree>
-  </p:cSld>
-  <p:clrMapOvr>
-    <a:masterClrMapping/>
-  </p:clrMapOvr>
-</p:sld>
-</file>
-
-<file path=ppt/slides/slide3.xml><?xml version="1.0" encoding="utf-8"?>
-<p:sld xmlns:a="http://schemas.openxmlformats.org/drawingml/2006/main" xmlns:r="http://schemas.openxmlformats.org/officeDocument/2006/relationships" xmlns:p="http://schemas.openxmlformats.org/presentationml/2006/main">
-  <p:cSld>
-    <p:spTree>
-      <p:nvGrpSpPr>
-        <p:cNvPr id="1" name=""/>
-        <p:cNvGrpSpPr/>
-        <p:nvPr/>
-      </p:nvGrpSpPr>
-      <p:grpSpPr/>
-      <p:sp>
-        <p:nvSpPr>
-          <p:cNvPr id="2" name="タイトル 1"/>
-          <p:cNvSpPr>
-            <a:spLocks noGrp="1"/>
-          </p:cNvSpPr>
-          <p:nvPr>
-            <p:ph type="title"/>
-          </p:nvPr>
-        </p:nvSpPr>
-        <p:spPr>
-          <a:xfrm>
-            <a:off x="838200" y="365125"/>
-            <a:ext cx="10515600" cy="619200"/>
-          </a:xfrm>
-          <a:solidFill>
-            <a:schemeClr val="accent5">
-              <a:lumMod val="20000"/>
-              <a:lumOff val="80000"/>
-              <a:alpha val="50000"/>
-            </a:schemeClr>
-          </a:solidFill>
-        </p:spPr>
-        <p:txBody>
-          <a:bodyPr/>
-          <a:p>
-            <a:r>
-              <a:rPr lang="ja-JP" altLang="en-US" sz="3200"/>
-              <a:t>１．着地点</a:t>
-            </a:r>
-            <a:endParaRPr lang="ja-JP" altLang="en-US" sz="3200"/>
-          </a:p>
-        </p:txBody>
-      </p:sp>
-      <p:sp>
-        <p:nvSpPr>
-          <p:cNvPr id="3" name="コンテンツプレースホルダ 2"/>
-          <p:cNvSpPr>
-            <a:spLocks noGrp="1"/>
-          </p:cNvSpPr>
-          <p:nvPr>
-            <p:ph sz="half" idx="1"/>
-          </p:nvPr>
-        </p:nvSpPr>
-        <p:spPr>
-          <a:xfrm>
-            <a:off x="838200" y="983615"/>
-            <a:ext cx="10515600" cy="5193665"/>
-          </a:xfrm>
-        </p:spPr>
-        <p:txBody>
-          <a:bodyPr>
-            <a:normAutofit lnSpcReduction="10000"/>
-          </a:bodyPr>
-          <a:p>
-            <a:endParaRPr lang="ja-JP" altLang="en-US"/>
-          </a:p>
-          <a:p>
-            <a:pPr marL="0" indent="0">
-              <a:buNone/>
-            </a:pPr>
-            <a:r>
-              <a:rPr lang="ja-JP" altLang="en-US"/>
-              <a:t>　比較</a:t>
-            </a:r>
-            <a:endParaRPr lang="en-US" altLang="ja-JP"/>
-          </a:p>
-          <a:p>
-            <a:pPr marL="0" indent="0">
-              <a:buNone/>
-            </a:pPr>
-            <a:endParaRPr lang="ja-JP" altLang="en-US"/>
-          </a:p>
-          <a:p>
-            <a:pPr marL="0" indent="0">
-              <a:buNone/>
-            </a:pPr>
-            <a:endParaRPr lang="ja-JP" altLang="en-US"/>
-          </a:p>
-          <a:p>
-            <a:pPr marL="0" indent="0">
-              <a:buNone/>
-            </a:pPr>
-            <a:r>
-              <a:rPr lang="ja-JP" altLang="en-US"/>
-              <a:t>　　　　　　</a:t>
-            </a:r>
-            <a:endParaRPr lang="ja-JP" altLang="en-US"/>
-          </a:p>
-        </p:txBody>
-      </p:sp>
-      <p:pic>
-        <p:nvPicPr>
-          <p:cNvPr id="5" name="図形 4" descr="images"/>
-          <p:cNvPicPr>
-            <a:picLocks noChangeAspect="1"/>
-          </p:cNvPicPr>
-          <p:nvPr/>
-        </p:nvPicPr>
-        <p:blipFill>
-          <a:blip r:embed="rId1"/>
-          <a:stretch>
-            <a:fillRect/>
-          </a:stretch>
-        </p:blipFill>
-        <p:spPr>
-          <a:xfrm>
-            <a:off x="10325100" y="4379595"/>
-            <a:ext cx="1028700" cy="1797685"/>
-          </a:xfrm>
-          <a:prstGeom prst="rect">
-            <a:avLst/>
-          </a:prstGeom>
-        </p:spPr>
-      </p:pic>
-      <p:sp>
-        <p:nvSpPr>
-          <p:cNvPr id="6" name="テキストボックス 5"/>
-          <p:cNvSpPr txBox="1"/>
-          <p:nvPr/>
-        </p:nvSpPr>
-        <p:spPr>
-          <a:xfrm>
-            <a:off x="10265410" y="3980815"/>
-            <a:ext cx="1238885" cy="460375"/>
-          </a:xfrm>
-          <a:prstGeom prst="rect">
-            <a:avLst/>
-          </a:prstGeom>
-          <a:noFill/>
-        </p:spPr>
-        <p:txBody>
-          <a:bodyPr wrap="square" rtlCol="0">
-            <a:spAutoFit/>
-          </a:bodyPr>
-          <a:p>
-            <a:r>
-              <a:rPr lang="ja-JP" altLang="en-US" sz="1200"/>
-              <a:t>　着地点も</a:t>
-            </a:r>
-            <a:endParaRPr lang="ja-JP" altLang="en-US" sz="1200"/>
-          </a:p>
-          <a:p>
-            <a:r>
-              <a:rPr lang="ja-JP" altLang="en-US" sz="1200"/>
-              <a:t>　スカスカやな</a:t>
-            </a:r>
-            <a:endParaRPr lang="ja-JP" altLang="en-US" sz="1200"/>
-          </a:p>
-        </p:txBody>
-      </p:sp>
-      <p:graphicFrame>
-        <p:nvGraphicFramePr>
-          <p:cNvPr id="7" name="表 6"/>
-          <p:cNvGraphicFramePr/>
-          <p:nvPr/>
-        </p:nvGraphicFramePr>
-        <p:xfrm>
-          <a:off x="1172845" y="1908810"/>
-          <a:ext cx="8532495" cy="2922270"/>
-        </p:xfrm>
-        <a:graphic>
-          <a:graphicData uri="http://schemas.openxmlformats.org/drawingml/2006/table">
-            <a:tbl>
-              <a:tblPr firstRow="1" bandRow="1">
-                <a:tableStyleId>{5C22544A-7EE6-4342-B048-85BDC9FD1C3A}</a:tableStyleId>
-              </a:tblPr>
-              <a:tblGrid>
-                <a:gridCol w="3690620"/>
-                <a:gridCol w="2292350"/>
-                <a:gridCol w="2549525"/>
-              </a:tblGrid>
-              <a:tr h="974090">
-                <a:tc>
-                  <a:txBody>
-                    <a:bodyPr/>
-                    <a:p>
-                      <a:pPr>
-                        <a:buNone/>
-                      </a:pPr>
-                      <a:endParaRPr lang="ja-JP" altLang="en-US" sz="3200" b="1"/>
-                    </a:p>
-                  </a:txBody>
-                  <a:tcPr/>
-                </a:tc>
-                <a:tc>
-                  <a:txBody>
-                    <a:bodyPr/>
-                    <a:p>
-                      <a:pPr algn="ctr">
-                        <a:buNone/>
-                      </a:pPr>
-                      <a:r>
-                        <a:rPr lang="ja-JP" altLang="en-US" sz="3200" b="1"/>
-                        <a:t>処理依存</a:t>
-                      </a:r>
-                      <a:endParaRPr lang="ja-JP" altLang="en-US" sz="3200" b="1"/>
-                    </a:p>
-                  </a:txBody>
-                  <a:tcPr/>
-                </a:tc>
-                <a:tc>
-                  <a:txBody>
-                    <a:bodyPr/>
-                    <a:p>
-                      <a:pPr algn="ctr">
-                        <a:buNone/>
-                      </a:pPr>
-                      <a:r>
-                        <a:rPr lang="ja-JP" altLang="en-US" sz="3200" b="1"/>
-                        <a:t>データ依存</a:t>
-                      </a:r>
-                      <a:endParaRPr lang="ja-JP" altLang="en-US" sz="3200" b="1"/>
-                    </a:p>
-                  </a:txBody>
-                  <a:tcPr/>
-                </a:tc>
-              </a:tr>
-              <a:tr h="974090">
-                <a:tc>
-                  <a:txBody>
-                    <a:bodyPr/>
-                    <a:p>
-                      <a:pPr>
-                        <a:buNone/>
-                      </a:pPr>
-                      <a:r>
-                        <a:rPr lang="ja-JP" altLang="en-US" sz="3200" b="1"/>
-                        <a:t>要件を満たせる？</a:t>
-                      </a:r>
-                      <a:endParaRPr lang="ja-JP" altLang="en-US" sz="3200" b="1"/>
-                    </a:p>
-                  </a:txBody>
-                  <a:tcPr/>
-                </a:tc>
-                <a:tc>
-                  <a:txBody>
-                    <a:bodyPr/>
-                    <a:p>
-                      <a:pPr algn="ctr">
-                        <a:buNone/>
-                      </a:pPr>
-                      <a:r>
-                        <a:rPr lang="ja-JP" altLang="en-US" sz="3200" b="1">
-                          <a:solidFill>
-                            <a:srgbClr val="0070C0"/>
-                          </a:solidFill>
-                        </a:rPr>
-                        <a:t>可</a:t>
-                      </a:r>
-                      <a:endParaRPr lang="ja-JP" altLang="en-US" sz="3200" b="1">
-                        <a:solidFill>
-                          <a:srgbClr val="0070C0"/>
-                        </a:solidFill>
-                      </a:endParaRPr>
-                    </a:p>
-                  </a:txBody>
-                  <a:tcPr/>
-                </a:tc>
-                <a:tc>
-                  <a:txBody>
-                    <a:bodyPr/>
-                    <a:p>
-                      <a:pPr algn="ctr">
-                        <a:buNone/>
-                      </a:pPr>
-                      <a:r>
-                        <a:rPr lang="ja-JP" altLang="en-US" sz="3200" b="1">
-                          <a:solidFill>
-                            <a:srgbClr val="0070C0"/>
-                          </a:solidFill>
-                        </a:rPr>
-                        <a:t>可</a:t>
-                      </a:r>
-                      <a:endParaRPr lang="ja-JP" altLang="en-US" sz="3200" b="1">
-                        <a:solidFill>
-                          <a:srgbClr val="0070C0"/>
-                        </a:solidFill>
-                      </a:endParaRPr>
-                    </a:p>
-                  </a:txBody>
-                  <a:tcPr/>
-                </a:tc>
-              </a:tr>
-              <a:tr h="974090">
-                <a:tc>
-                  <a:txBody>
-                    <a:bodyPr/>
-                    <a:p>
-                      <a:pPr>
-                        <a:buNone/>
-                      </a:pPr>
-                      <a:r>
-                        <a:rPr lang="ja-JP" altLang="en-US" sz="3200" b="1"/>
-                        <a:t>品質は高い？</a:t>
-                      </a:r>
-                      <a:endParaRPr lang="ja-JP" altLang="en-US" sz="3200" b="1"/>
-                    </a:p>
-                  </a:txBody>
-                  <a:tcPr/>
-                </a:tc>
-                <a:tc>
-                  <a:txBody>
-                    <a:bodyPr/>
-                    <a:p>
-                      <a:pPr algn="ctr">
-                        <a:buNone/>
-                      </a:pPr>
-                      <a:r>
-                        <a:rPr lang="ja-JP" altLang="en-US" sz="3200" b="1">
-                          <a:solidFill>
-                            <a:srgbClr val="FF0000"/>
-                          </a:solidFill>
-                        </a:rPr>
-                        <a:t>低</a:t>
-                      </a:r>
-                      <a:endParaRPr lang="ja-JP" altLang="en-US" sz="3200" b="1">
-                        <a:solidFill>
-                          <a:srgbClr val="FF0000"/>
-                        </a:solidFill>
-                      </a:endParaRPr>
-                    </a:p>
-                  </a:txBody>
-                  <a:tcPr/>
-                </a:tc>
-                <a:tc>
-                  <a:txBody>
-                    <a:bodyPr/>
-                    <a:p>
-                      <a:pPr algn="ctr">
-                        <a:buNone/>
-                      </a:pPr>
-                      <a:r>
-                        <a:rPr lang="ja-JP" altLang="en-US" sz="3200" b="1">
-                          <a:solidFill>
-                            <a:srgbClr val="0070C0"/>
-                          </a:solidFill>
-                        </a:rPr>
-                        <a:t>高</a:t>
-                      </a:r>
-                      <a:endParaRPr lang="ja-JP" altLang="en-US" sz="3200" b="1">
-                        <a:solidFill>
-                          <a:srgbClr val="0070C0"/>
-                        </a:solidFill>
-                      </a:endParaRPr>
-                    </a:p>
-                  </a:txBody>
-                  <a:tcPr/>
-                </a:tc>
-              </a:tr>
-            </a:tbl>
-          </a:graphicData>
-        </a:graphic>
-      </p:graphicFrame>
-    </p:spTree>
-  </p:cSld>
-  <p:clrMapOvr>
-    <a:masterClrMapping/>
-  </p:clrMapOvr>
-</p:sld>
-</file>
-
-<file path=ppt/slides/slide4.xml><?xml version="1.0" encoding="utf-8"?>
-<p:sld xmlns:a="http://schemas.openxmlformats.org/drawingml/2006/main" xmlns:r="http://schemas.openxmlformats.org/officeDocument/2006/relationships" xmlns:p="http://schemas.openxmlformats.org/presentationml/2006/main">
-  <p:cSld>
-    <p:spTree>
-      <p:nvGrpSpPr>
-        <p:cNvPr id="1" name=""/>
-        <p:cNvGrpSpPr/>
-        <p:nvPr/>
-      </p:nvGrpSpPr>
-      <p:grpSpPr/>
-      <p:pic>
-        <p:nvPicPr>
-          <p:cNvPr id="5" name="図形 4" descr="images"/>
-          <p:cNvPicPr>
-            <a:picLocks noChangeAspect="1"/>
-          </p:cNvPicPr>
-          <p:nvPr/>
-        </p:nvPicPr>
-        <p:blipFill>
-          <a:blip r:embed="rId1"/>
-          <a:stretch>
-            <a:fillRect/>
-          </a:stretch>
-        </p:blipFill>
-        <p:spPr>
-          <a:xfrm>
-            <a:off x="10325100" y="4379595"/>
-            <a:ext cx="1028700" cy="1797685"/>
-          </a:xfrm>
-          <a:prstGeom prst="rect">
-            <a:avLst/>
-          </a:prstGeom>
-        </p:spPr>
-      </p:pic>
-      <p:pic>
-        <p:nvPicPr>
-          <p:cNvPr id="7" name="図形 6"/>
-          <p:cNvPicPr>
-            <a:picLocks noChangeAspect="1"/>
-          </p:cNvPicPr>
-          <p:nvPr/>
-        </p:nvPicPr>
-        <p:blipFill>
-          <a:blip r:embed="rId2"/>
-          <a:stretch>
-            <a:fillRect/>
-          </a:stretch>
-        </p:blipFill>
-        <p:spPr>
-          <a:xfrm>
-            <a:off x="941705" y="1539875"/>
-            <a:ext cx="9590405" cy="4394200"/>
-          </a:xfrm>
-          <a:prstGeom prst="rect">
-            <a:avLst/>
-          </a:prstGeom>
-        </p:spPr>
-      </p:pic>
-      <p:sp>
-        <p:nvSpPr>
-          <p:cNvPr id="2" name="タイトル 1"/>
-          <p:cNvSpPr>
-            <a:spLocks noGrp="1"/>
-          </p:cNvSpPr>
-          <p:nvPr>
-            <p:ph type="title"/>
-          </p:nvPr>
-        </p:nvSpPr>
-        <p:spPr>
-          <a:xfrm>
-            <a:off x="838200" y="365125"/>
-            <a:ext cx="10515600" cy="619200"/>
-          </a:xfrm>
-          <a:solidFill>
-            <a:schemeClr val="accent5">
-              <a:lumMod val="20000"/>
-              <a:lumOff val="80000"/>
-              <a:alpha val="50000"/>
-            </a:schemeClr>
-          </a:solidFill>
-        </p:spPr>
-        <p:txBody>
-          <a:bodyPr>
-            <a:normAutofit/>
-          </a:bodyPr>
           <a:p>
             <a:r>
               <a:rPr lang="ja-JP" altLang="en-US" sz="3200">
                 <a:sym typeface="+mn-ea"/>
               </a:rPr>
-              <a:t>２．</a:t>
+              <a:t>８</a:t>
             </a:r>
             <a:r>
               <a:rPr lang="ja-JP" altLang="en-US" sz="3200">
                 <a:sym typeface="+mn-ea"/>
               </a:rPr>
-              <a:t>処理依存とデータ依存の違い</a:t>
-            </a:r>
-            <a:endParaRPr lang="ja-JP" altLang="en-US" sz="3200"/>
-          </a:p>
-        </p:txBody>
-      </p:sp>
-      <p:sp>
-        <p:nvSpPr>
-          <p:cNvPr id="3" name="コンテンツプレースホルダ 2"/>
-          <p:cNvSpPr>
-            <a:spLocks noGrp="1"/>
-          </p:cNvSpPr>
-          <p:nvPr>
-            <p:ph sz="half" idx="1"/>
-          </p:nvPr>
-        </p:nvSpPr>
-        <p:spPr>
-          <a:xfrm>
-            <a:off x="838200" y="984885"/>
-            <a:ext cx="10515600" cy="5192395"/>
-          </a:xfrm>
-        </p:spPr>
-        <p:txBody>
-          <a:bodyPr>
-            <a:normAutofit lnSpcReduction="20000"/>
-          </a:bodyPr>
-          <a:p>
-            <a:pPr marL="0" indent="0">
-              <a:buNone/>
-            </a:pPr>
-            <a:endParaRPr lang="en-US" altLang="ja-JP" sz="600"/>
-          </a:p>
-          <a:p>
-            <a:pPr marL="0" indent="0">
-              <a:buNone/>
-            </a:pPr>
-            <a:r>
-              <a:rPr lang="en-US" altLang="ja-JP"/>
-              <a:t>←</a:t>
-            </a:r>
-            <a:r>
-              <a:rPr lang="ja-JP" altLang="en-US"/>
-              <a:t>処理依存　　　　　　　　　　　　　　　　　　　　　　　　　データ依存</a:t>
-            </a:r>
-            <a:r>
-              <a:rPr lang="en-US" altLang="ja-JP"/>
-              <a:t>→</a:t>
-            </a:r>
-            <a:endParaRPr lang="ja-JP" altLang="en-US"/>
-          </a:p>
-          <a:p>
-            <a:pPr marL="0" indent="0">
-              <a:buNone/>
-            </a:pPr>
-            <a:endParaRPr lang="ja-JP" altLang="en-US"/>
-          </a:p>
-          <a:p>
-            <a:pPr marL="0" indent="0">
-              <a:buNone/>
-            </a:pPr>
-            <a:endParaRPr lang="ja-JP" altLang="en-US"/>
-          </a:p>
-          <a:p>
-            <a:endParaRPr lang="ja-JP" altLang="en-US"/>
-          </a:p>
-          <a:p>
-            <a:endParaRPr lang="ja-JP" altLang="en-US"/>
-          </a:p>
-          <a:p>
-            <a:endParaRPr lang="ja-JP" altLang="en-US"/>
-          </a:p>
-          <a:p>
-            <a:endParaRPr lang="ja-JP" altLang="en-US"/>
-          </a:p>
-          <a:p>
-            <a:endParaRPr lang="ja-JP" altLang="en-US"/>
-          </a:p>
-          <a:p>
-            <a:endParaRPr lang="ja-JP" altLang="en-US"/>
-          </a:p>
-          <a:p>
-            <a:endParaRPr lang="ja-JP" altLang="en-US"/>
-          </a:p>
-        </p:txBody>
-      </p:sp>
-      <p:sp>
-        <p:nvSpPr>
-          <p:cNvPr id="6" name="テキストボックス 5"/>
-          <p:cNvSpPr txBox="1"/>
-          <p:nvPr/>
-        </p:nvSpPr>
-        <p:spPr>
-          <a:xfrm>
-            <a:off x="10119360" y="3891915"/>
-            <a:ext cx="1385570" cy="460375"/>
-          </a:xfrm>
-          <a:prstGeom prst="rect">
-            <a:avLst/>
-          </a:prstGeom>
-          <a:noFill/>
-        </p:spPr>
-        <p:txBody>
-          <a:bodyPr wrap="square" rtlCol="0">
-            <a:spAutoFit/>
-          </a:bodyPr>
-          <a:p>
-            <a:endParaRPr lang="ja-JP" altLang="en-US" sz="1200"/>
-          </a:p>
-          <a:p>
-            <a:r>
-              <a:rPr lang="ja-JP" altLang="en-US" sz="1200"/>
-              <a:t>　　　　被ってん</a:t>
-            </a:r>
-            <a:r>
-              <a:rPr lang="ja-JP" altLang="en-US" sz="1200"/>
-              <a:t>ぞ！</a:t>
-            </a:r>
-            <a:endParaRPr lang="ja-JP" altLang="en-US" sz="1200"/>
-          </a:p>
-        </p:txBody>
-      </p:sp>
-      <p:sp>
-        <p:nvSpPr>
-          <p:cNvPr id="16" name="四角形吹き出し 15"/>
-          <p:cNvSpPr/>
-          <p:nvPr/>
-        </p:nvSpPr>
-        <p:spPr>
-          <a:xfrm>
-            <a:off x="2642870" y="5311775"/>
-            <a:ext cx="2495550" cy="999490"/>
-          </a:xfrm>
-          <a:prstGeom prst="wedgeRectCallout">
-            <a:avLst>
-              <a:gd name="adj1" fmla="val -25623"/>
-              <a:gd name="adj2" fmla="val -64070"/>
-            </a:avLst>
-          </a:prstGeom>
-          <a:gradFill>
-            <a:gsLst>
-              <a:gs pos="0">
-                <a:srgbClr val="FE4444"/>
-              </a:gs>
-              <a:gs pos="100000">
-                <a:srgbClr val="832B2B"/>
-              </a:gs>
-            </a:gsLst>
-            <a:lin ang="5400000" scaled="0"/>
-          </a:gradFill>
-          <a:ln>
-            <a:solidFill>
-              <a:srgbClr val="FF0000"/>
-            </a:solidFill>
-          </a:ln>
-        </p:spPr>
-        <p:style>
-          <a:lnRef idx="2">
-            <a:schemeClr val="accent1">
-              <a:shade val="50000"/>
-            </a:schemeClr>
-          </a:lnRef>
-          <a:fillRef idx="1">
-            <a:schemeClr val="accent1"/>
-          </a:fillRef>
-          <a:effectRef idx="0">
-            <a:schemeClr val="accent1"/>
-          </a:effectRef>
-          <a:fontRef idx="minor">
-            <a:schemeClr val="lt1"/>
-          </a:fontRef>
-        </p:style>
-        <p:txBody>
-          <a:bodyPr rtlCol="0" anchor="ctr"/>
-          <a:p>
-            <a:pPr algn="l"/>
-            <a:r>
-              <a:rPr lang="ja-JP" altLang="en-US" sz="1600" b="1"/>
-              <a:t>ぱっとみは綺麗</a:t>
-            </a:r>
-            <a:r>
-              <a:rPr lang="ja-JP" altLang="en-US" sz="1600" b="1"/>
-              <a:t>・・</a:t>
-            </a:r>
-            <a:endParaRPr lang="ja-JP" altLang="en-US" sz="1600" b="1"/>
-          </a:p>
-          <a:p>
-            <a:pPr algn="l"/>
-            <a:r>
-              <a:rPr lang="ja-JP" altLang="en-US" sz="1600" b="1"/>
-              <a:t>・処理に矛盾は</a:t>
-            </a:r>
-            <a:r>
-              <a:rPr lang="ja-JP" altLang="en-US" sz="1600" b="1"/>
-              <a:t>無いデス</a:t>
-            </a:r>
-            <a:endParaRPr lang="ja-JP" altLang="en-US" sz="1600" b="1"/>
-          </a:p>
-          <a:p>
-            <a:pPr algn="l"/>
-            <a:r>
-              <a:rPr lang="ja-JP" altLang="en-US" sz="1600" b="1"/>
-              <a:t>・スコープ小さいデス</a:t>
-            </a:r>
-            <a:endParaRPr lang="ja-JP" altLang="en-US" sz="1600" b="1" u="sng">
-              <a:solidFill>
-                <a:srgbClr val="FFFF00"/>
-              </a:solidFill>
-            </a:endParaRPr>
-          </a:p>
-        </p:txBody>
-      </p:sp>
-    </p:spTree>
-  </p:cSld>
-  <p:clrMapOvr>
-    <a:masterClrMapping/>
-  </p:clrMapOvr>
-</p:sld>
-</file>
-
-<file path=ppt/slides/slide5.xml><?xml version="1.0" encoding="utf-8"?>
-<p:sld xmlns:a="http://schemas.openxmlformats.org/drawingml/2006/main" xmlns:r="http://schemas.openxmlformats.org/officeDocument/2006/relationships" xmlns:p="http://schemas.openxmlformats.org/presentationml/2006/main">
-  <p:cSld>
-    <p:spTree>
-      <p:nvGrpSpPr>
-        <p:cNvPr id="1" name=""/>
-        <p:cNvGrpSpPr/>
-        <p:nvPr/>
-      </p:nvGrpSpPr>
-      <p:grpSpPr/>
-      <p:sp>
-        <p:nvSpPr>
-          <p:cNvPr id="2" name="タイトル 1"/>
-          <p:cNvSpPr>
-            <a:spLocks noGrp="1"/>
-          </p:cNvSpPr>
-          <p:nvPr>
-            <p:ph type="title"/>
-          </p:nvPr>
-        </p:nvSpPr>
-        <p:spPr>
-          <a:xfrm>
-            <a:off x="838200" y="365125"/>
-            <a:ext cx="10515600" cy="619200"/>
-          </a:xfrm>
-          <a:solidFill>
-            <a:schemeClr val="accent5">
-              <a:lumMod val="20000"/>
-              <a:lumOff val="80000"/>
-              <a:alpha val="50000"/>
-            </a:schemeClr>
-          </a:solidFill>
-        </p:spPr>
-        <p:txBody>
-          <a:bodyPr/>
-          <a:p>
-            <a:r>
-              <a:rPr lang="ja-JP" altLang="en-US" sz="3200"/>
-              <a:t>３．デモ①</a:t>
-            </a:r>
-            <a:endParaRPr lang="ja-JP" altLang="en-US" sz="3200"/>
-          </a:p>
-        </p:txBody>
-      </p:sp>
-      <p:sp>
-        <p:nvSpPr>
-          <p:cNvPr id="3" name="コンテンツプレースホルダ 2"/>
-          <p:cNvSpPr>
-            <a:spLocks noGrp="1"/>
-          </p:cNvSpPr>
-          <p:nvPr>
-            <p:ph sz="half" idx="1"/>
-          </p:nvPr>
-        </p:nvSpPr>
-        <p:spPr>
-          <a:xfrm>
-            <a:off x="838200" y="983615"/>
-            <a:ext cx="10515600" cy="5193665"/>
-          </a:xfrm>
-        </p:spPr>
-        <p:txBody>
-          <a:bodyPr>
-            <a:normAutofit lnSpcReduction="10000"/>
-          </a:bodyPr>
-          <a:p>
-            <a:pPr marL="0" indent="0">
-              <a:buNone/>
-            </a:pPr>
-            <a:endParaRPr lang="ja-JP" altLang="en-US" sz="800"/>
-          </a:p>
-          <a:p>
-            <a:pPr marL="0" indent="0">
-              <a:buNone/>
-            </a:pPr>
-            <a:r>
-              <a:rPr lang="ja-JP" altLang="en-US"/>
-              <a:t>デモやります！</a:t>
-            </a:r>
-            <a:endParaRPr lang="en-US" altLang="ja-JP"/>
-          </a:p>
-          <a:p>
-            <a:pPr marL="0" indent="0">
-              <a:buNone/>
-            </a:pPr>
-            <a:r>
-              <a:rPr lang="ja-JP" altLang="en-US"/>
-              <a:t>　</a:t>
-            </a:r>
-            <a:r>
-              <a:rPr lang="ja-JP" altLang="en-US" sz="1600"/>
-              <a:t>https://github.com/RyotoKuroki/QualityDependsOnDataApplication</a:t>
-            </a:r>
-            <a:endParaRPr lang="ja-JP" altLang="en-US"/>
-          </a:p>
-          <a:p>
-            <a:pPr marL="0" indent="0">
-              <a:buNone/>
-            </a:pPr>
-            <a:endParaRPr lang="ja-JP" altLang="en-US"/>
-          </a:p>
-          <a:p>
-            <a:pPr marL="0" indent="0">
-              <a:buNone/>
-            </a:pPr>
-            <a:endParaRPr lang="ja-JP" altLang="en-US"/>
-          </a:p>
-          <a:p>
-            <a:pPr marL="0" indent="0">
-              <a:buNone/>
-            </a:pPr>
-            <a:endParaRPr lang="ja-JP" altLang="en-US"/>
-          </a:p>
-          <a:p>
-            <a:pPr marL="0" indent="0">
-              <a:buNone/>
-            </a:pPr>
-            <a:endParaRPr lang="ja-JP" altLang="en-US"/>
-          </a:p>
-          <a:p>
-            <a:pPr marL="0" indent="0">
-              <a:buNone/>
-            </a:pPr>
-            <a:endParaRPr lang="ja-JP" altLang="en-US"/>
-          </a:p>
-          <a:p>
-            <a:pPr marL="0" indent="0">
-              <a:buNone/>
-            </a:pPr>
-            <a:endParaRPr lang="ja-JP" altLang="en-US"/>
-          </a:p>
-          <a:p>
-            <a:pPr marL="0" indent="0">
-              <a:buNone/>
-            </a:pPr>
-            <a:endParaRPr lang="ja-JP" altLang="en-US"/>
-          </a:p>
-        </p:txBody>
-      </p:sp>
-      <p:pic>
-        <p:nvPicPr>
-          <p:cNvPr id="5" name="図形 4" descr="images"/>
-          <p:cNvPicPr>
-            <a:picLocks noChangeAspect="1"/>
-          </p:cNvPicPr>
-          <p:nvPr/>
-        </p:nvPicPr>
-        <p:blipFill>
-          <a:blip r:embed="rId1"/>
-          <a:stretch>
-            <a:fillRect/>
-          </a:stretch>
-        </p:blipFill>
-        <p:spPr>
-          <a:xfrm>
-            <a:off x="10325100" y="4379595"/>
-            <a:ext cx="1028700" cy="1797685"/>
-          </a:xfrm>
-          <a:prstGeom prst="rect">
-            <a:avLst/>
-          </a:prstGeom>
-        </p:spPr>
-      </p:pic>
-      <p:sp>
-        <p:nvSpPr>
-          <p:cNvPr id="6" name="テキストボックス 5"/>
-          <p:cNvSpPr txBox="1"/>
-          <p:nvPr/>
-        </p:nvSpPr>
-        <p:spPr>
-          <a:xfrm>
-            <a:off x="10265410" y="3980815"/>
-            <a:ext cx="1088390" cy="460375"/>
-          </a:xfrm>
-          <a:prstGeom prst="rect">
-            <a:avLst/>
-          </a:prstGeom>
-          <a:noFill/>
-        </p:spPr>
-        <p:txBody>
-          <a:bodyPr wrap="square" rtlCol="0">
-            <a:spAutoFit/>
-          </a:bodyPr>
-          <a:p>
-            <a:r>
-              <a:rPr lang="ja-JP" altLang="en-US" sz="1200"/>
-              <a:t>　</a:t>
-            </a:r>
-            <a:endParaRPr lang="ja-JP" altLang="en-US" sz="1200"/>
-          </a:p>
-          <a:p>
-            <a:r>
-              <a:rPr lang="ja-JP" altLang="en-US" sz="1200"/>
-              <a:t>　　ケーキっ！</a:t>
-            </a:r>
-            <a:endParaRPr lang="ja-JP" altLang="en-US" sz="1200"/>
-          </a:p>
-        </p:txBody>
-      </p:sp>
-      <p:pic>
-        <p:nvPicPr>
-          <p:cNvPr id="11" name="図形 10"/>
-          <p:cNvPicPr>
-            <a:picLocks noChangeAspect="1"/>
-          </p:cNvPicPr>
-          <p:nvPr/>
-        </p:nvPicPr>
-        <p:blipFill>
-          <a:blip r:embed="rId2"/>
-          <a:stretch>
-            <a:fillRect/>
-          </a:stretch>
-        </p:blipFill>
-        <p:spPr>
-          <a:xfrm>
-            <a:off x="1152525" y="2086610"/>
-            <a:ext cx="5222240" cy="2545080"/>
-          </a:xfrm>
-          <a:prstGeom prst="rect">
-            <a:avLst/>
-          </a:prstGeom>
-          <a:ln>
-            <a:solidFill>
-              <a:schemeClr val="accent1"/>
-            </a:solidFill>
-          </a:ln>
-        </p:spPr>
-      </p:pic>
-      <p:pic>
-        <p:nvPicPr>
-          <p:cNvPr id="12" name="図形 11"/>
-          <p:cNvPicPr>
-            <a:picLocks noChangeAspect="1"/>
-          </p:cNvPicPr>
-          <p:nvPr/>
-        </p:nvPicPr>
-        <p:blipFill>
-          <a:blip r:embed="rId3"/>
-          <a:stretch>
-            <a:fillRect/>
-          </a:stretch>
-        </p:blipFill>
-        <p:spPr>
-          <a:xfrm>
-            <a:off x="2836545" y="3632200"/>
-            <a:ext cx="5222240" cy="2545080"/>
-          </a:xfrm>
-          <a:prstGeom prst="rect">
-            <a:avLst/>
-          </a:prstGeom>
-          <a:ln>
-            <a:solidFill>
-              <a:schemeClr val="accent1"/>
-            </a:solidFill>
-          </a:ln>
-        </p:spPr>
-      </p:pic>
-      <p:sp>
-        <p:nvSpPr>
-          <p:cNvPr id="10" name="四角形吹き出し 9"/>
-          <p:cNvSpPr/>
-          <p:nvPr/>
-        </p:nvSpPr>
-        <p:spPr>
-          <a:xfrm>
-            <a:off x="7565390" y="3467100"/>
-            <a:ext cx="2759710" cy="1164590"/>
-          </a:xfrm>
-          <a:prstGeom prst="wedgeRectCallout">
-            <a:avLst>
-              <a:gd name="adj1" fmla="val -70000"/>
-              <a:gd name="adj2" fmla="val 15703"/>
-            </a:avLst>
-          </a:prstGeom>
-          <a:gradFill>
-            <a:gsLst>
-              <a:gs pos="0">
-                <a:srgbClr val="FE4444"/>
-              </a:gs>
-              <a:gs pos="100000">
-                <a:srgbClr val="832B2B"/>
-              </a:gs>
-            </a:gsLst>
-            <a:lin ang="5400000" scaled="0"/>
-          </a:gradFill>
-          <a:ln>
-            <a:solidFill>
-              <a:srgbClr val="FF0000"/>
-            </a:solidFill>
-          </a:ln>
-        </p:spPr>
-        <p:style>
-          <a:lnRef idx="2">
-            <a:schemeClr val="accent1">
-              <a:shade val="50000"/>
-            </a:schemeClr>
-          </a:lnRef>
-          <a:fillRef idx="1">
-            <a:schemeClr val="accent1"/>
-          </a:fillRef>
-          <a:effectRef idx="0">
-            <a:schemeClr val="accent1"/>
-          </a:effectRef>
-          <a:fontRef idx="minor">
-            <a:schemeClr val="lt1"/>
-          </a:fontRef>
-        </p:style>
-        <p:txBody>
-          <a:bodyPr rtlCol="0" anchor="ctr"/>
-          <a:p>
-            <a:pPr algn="l"/>
-            <a:r>
-              <a:rPr lang="ja-JP" altLang="en-US" sz="1600" b="1"/>
-              <a:t>ロウソク上部の枠を</a:t>
-            </a:r>
-            <a:endParaRPr lang="ja-JP" altLang="en-US" sz="1600" b="1"/>
-          </a:p>
-          <a:p>
-            <a:pPr algn="l"/>
-            <a:r>
-              <a:rPr lang="ja-JP" altLang="en-US" sz="1600" b="1"/>
-              <a:t>クリックすると火が付きます。</a:t>
-            </a:r>
-            <a:endParaRPr lang="ja-JP" altLang="en-US" sz="1600" b="1"/>
-          </a:p>
-          <a:p>
-            <a:pPr algn="l"/>
-            <a:r>
-              <a:rPr lang="ja-JP" altLang="en-US" sz="1600" b="1" u="sng">
-                <a:solidFill>
-                  <a:srgbClr val="FFFF00"/>
-                </a:solidFill>
-              </a:rPr>
-              <a:t>また、本数をカウントします！</a:t>
-            </a:r>
-            <a:endParaRPr lang="ja-JP" altLang="en-US" sz="1600" b="1" u="sng">
-              <a:solidFill>
-                <a:srgbClr val="FFFF00"/>
-              </a:solidFill>
-            </a:endParaRPr>
-          </a:p>
-        </p:txBody>
-      </p:sp>
-      <p:cxnSp>
-        <p:nvCxnSpPr>
-          <p:cNvPr id="13" name="直線矢印コネクタ 12"/>
-          <p:cNvCxnSpPr/>
-          <p:nvPr/>
-        </p:nvCxnSpPr>
-        <p:spPr>
-          <a:xfrm>
-            <a:off x="5106670" y="3172460"/>
-            <a:ext cx="1541145" cy="1383030"/>
-          </a:xfrm>
-          <a:prstGeom prst="straightConnector1">
-            <a:avLst/>
-          </a:prstGeom>
-          <a:ln w="76200">
-            <a:solidFill>
-              <a:srgbClr val="FF0000"/>
-            </a:solidFill>
-            <a:tailEnd type="arrow"/>
-          </a:ln>
-        </p:spPr>
-        <p:style>
-          <a:lnRef idx="1">
-            <a:schemeClr val="accent1"/>
-          </a:lnRef>
-          <a:fillRef idx="0">
-            <a:schemeClr val="accent1"/>
-          </a:fillRef>
-          <a:effectRef idx="0">
-            <a:schemeClr val="accent1"/>
-          </a:effectRef>
-          <a:fontRef idx="minor">
-            <a:schemeClr val="tx1"/>
-          </a:fontRef>
-        </p:style>
-      </p:cxnSp>
-    </p:spTree>
-  </p:cSld>
-  <p:clrMapOvr>
-    <a:masterClrMapping/>
-  </p:clrMapOvr>
-</p:sld>
-</file>
-
-<file path=ppt/slides/slide6.xml><?xml version="1.0" encoding="utf-8"?>
-<p:sld xmlns:a="http://schemas.openxmlformats.org/drawingml/2006/main" xmlns:r="http://schemas.openxmlformats.org/officeDocument/2006/relationships" xmlns:p="http://schemas.openxmlformats.org/presentationml/2006/main">
-  <p:cSld>
-    <p:spTree>
-      <p:nvGrpSpPr>
-        <p:cNvPr id="1" name=""/>
-        <p:cNvGrpSpPr/>
-        <p:nvPr/>
-      </p:nvGrpSpPr>
-      <p:grpSpPr/>
-      <p:sp>
-        <p:nvSpPr>
-          <p:cNvPr id="2" name="タイトル 1"/>
-          <p:cNvSpPr>
-            <a:spLocks noGrp="1"/>
-          </p:cNvSpPr>
-          <p:nvPr>
-            <p:ph type="title"/>
-          </p:nvPr>
-        </p:nvSpPr>
-        <p:spPr>
-          <a:xfrm>
-            <a:off x="838200" y="365125"/>
-            <a:ext cx="10515600" cy="619200"/>
-          </a:xfrm>
-          <a:solidFill>
-            <a:schemeClr val="accent5">
-              <a:lumMod val="20000"/>
-              <a:lumOff val="80000"/>
-              <a:alpha val="50000"/>
-            </a:schemeClr>
-          </a:solidFill>
-        </p:spPr>
-        <p:txBody>
-          <a:bodyPr/>
-          <a:p>
-            <a:r>
-              <a:rPr lang="ja-JP" altLang="en-US" sz="3200"/>
-              <a:t>４．要件は満たせてた？</a:t>
-            </a:r>
-            <a:endParaRPr lang="ja-JP" altLang="en-US" sz="3200"/>
-          </a:p>
-        </p:txBody>
-      </p:sp>
-      <p:sp>
-        <p:nvSpPr>
-          <p:cNvPr id="3" name="コンテンツプレースホルダ 2"/>
-          <p:cNvSpPr>
-            <a:spLocks noGrp="1"/>
-          </p:cNvSpPr>
-          <p:nvPr>
-            <p:ph sz="half" idx="1"/>
-          </p:nvPr>
-        </p:nvSpPr>
-        <p:spPr>
-          <a:xfrm>
-            <a:off x="838200" y="983615"/>
-            <a:ext cx="10515600" cy="5193665"/>
-          </a:xfrm>
-        </p:spPr>
-        <p:txBody>
-          <a:bodyPr>
-            <a:normAutofit lnSpcReduction="10000"/>
-          </a:bodyPr>
-          <a:p>
-            <a:endParaRPr lang="ja-JP" altLang="en-US"/>
-          </a:p>
-          <a:p>
-            <a:pPr marL="0" indent="0">
-              <a:buNone/>
-            </a:pPr>
-            <a:r>
-              <a:rPr lang="ja-JP" altLang="en-US"/>
-              <a:t>　比較</a:t>
-            </a:r>
-            <a:endParaRPr lang="en-US" altLang="ja-JP"/>
-          </a:p>
-          <a:p>
-            <a:pPr marL="0" indent="0">
-              <a:buNone/>
-            </a:pPr>
-            <a:endParaRPr lang="ja-JP" altLang="en-US"/>
-          </a:p>
-          <a:p>
-            <a:pPr marL="0" indent="0">
-              <a:buNone/>
-            </a:pPr>
-            <a:endParaRPr lang="ja-JP" altLang="en-US"/>
-          </a:p>
-          <a:p>
-            <a:pPr marL="0" indent="0">
-              <a:buNone/>
-            </a:pPr>
-            <a:r>
-              <a:rPr lang="ja-JP" altLang="en-US"/>
-              <a:t>　　　　　　</a:t>
-            </a:r>
-            <a:endParaRPr lang="ja-JP" altLang="en-US"/>
-          </a:p>
-        </p:txBody>
-      </p:sp>
-      <p:pic>
-        <p:nvPicPr>
-          <p:cNvPr id="5" name="図形 4" descr="images"/>
-          <p:cNvPicPr>
-            <a:picLocks noChangeAspect="1"/>
-          </p:cNvPicPr>
-          <p:nvPr/>
-        </p:nvPicPr>
-        <p:blipFill>
-          <a:blip r:embed="rId1"/>
-          <a:stretch>
-            <a:fillRect/>
-          </a:stretch>
-        </p:blipFill>
-        <p:spPr>
-          <a:xfrm>
-            <a:off x="10325100" y="4379595"/>
-            <a:ext cx="1028700" cy="1797685"/>
-          </a:xfrm>
-          <a:prstGeom prst="rect">
-            <a:avLst/>
-          </a:prstGeom>
-        </p:spPr>
-      </p:pic>
-      <p:sp>
-        <p:nvSpPr>
-          <p:cNvPr id="6" name="テキストボックス 5"/>
-          <p:cNvSpPr txBox="1"/>
-          <p:nvPr/>
-        </p:nvSpPr>
-        <p:spPr>
-          <a:xfrm>
-            <a:off x="10265410" y="3980815"/>
-            <a:ext cx="1249045" cy="460375"/>
-          </a:xfrm>
-          <a:prstGeom prst="rect">
-            <a:avLst/>
-          </a:prstGeom>
-          <a:noFill/>
-        </p:spPr>
-        <p:txBody>
-          <a:bodyPr wrap="square" rtlCol="0">
-            <a:spAutoFit/>
-          </a:bodyPr>
-          <a:p>
-            <a:endParaRPr lang="ja-JP" altLang="en-US" sz="1200"/>
-          </a:p>
-          <a:p>
-            <a:r>
-              <a:rPr lang="ja-JP" altLang="en-US" sz="1200"/>
-              <a:t>　　満足やで</a:t>
-            </a:r>
-            <a:endParaRPr lang="ja-JP" altLang="en-US" sz="1200"/>
-          </a:p>
-        </p:txBody>
-      </p:sp>
-      <p:graphicFrame>
-        <p:nvGraphicFramePr>
-          <p:cNvPr id="7" name="表 6"/>
-          <p:cNvGraphicFramePr/>
-          <p:nvPr/>
-        </p:nvGraphicFramePr>
-        <p:xfrm>
-          <a:off x="1172845" y="1908810"/>
-          <a:ext cx="8532495" cy="2922270"/>
-        </p:xfrm>
-        <a:graphic>
-          <a:graphicData uri="http://schemas.openxmlformats.org/drawingml/2006/table">
-            <a:tbl>
-              <a:tblPr firstRow="1" bandRow="1">
-                <a:tableStyleId>{5C22544A-7EE6-4342-B048-85BDC9FD1C3A}</a:tableStyleId>
-              </a:tblPr>
-              <a:tblGrid>
-                <a:gridCol w="3690620"/>
-                <a:gridCol w="2292350"/>
-                <a:gridCol w="2549525"/>
-              </a:tblGrid>
-              <a:tr h="974090">
-                <a:tc>
-                  <a:txBody>
-                    <a:bodyPr/>
-                    <a:p>
-                      <a:pPr>
-                        <a:buNone/>
-                      </a:pPr>
-                      <a:endParaRPr lang="ja-JP" altLang="en-US" sz="3200" b="1"/>
-                    </a:p>
-                  </a:txBody>
-                  <a:tcPr anchor="ctr" anchorCtr="0"/>
-                </a:tc>
-                <a:tc>
-                  <a:txBody>
-                    <a:bodyPr/>
-                    <a:p>
-                      <a:pPr algn="ctr">
-                        <a:buNone/>
-                      </a:pPr>
-                      <a:r>
-                        <a:rPr lang="ja-JP" altLang="en-US" sz="3200" b="1"/>
-                        <a:t>処理依存</a:t>
-                      </a:r>
-                      <a:endParaRPr lang="ja-JP" altLang="en-US" sz="3200" b="1"/>
-                    </a:p>
-                  </a:txBody>
-                  <a:tcPr anchor="ctr" anchorCtr="0"/>
-                </a:tc>
-                <a:tc>
-                  <a:txBody>
-                    <a:bodyPr/>
-                    <a:p>
-                      <a:pPr algn="ctr">
-                        <a:buNone/>
-                      </a:pPr>
-                      <a:r>
-                        <a:rPr lang="ja-JP" altLang="en-US" sz="3200" b="1"/>
-                        <a:t>データ依存</a:t>
-                      </a:r>
-                      <a:endParaRPr lang="ja-JP" altLang="en-US" sz="3200" b="1"/>
-                    </a:p>
-                  </a:txBody>
-                  <a:tcPr anchor="ctr" anchorCtr="0"/>
-                </a:tc>
-              </a:tr>
-              <a:tr h="974090">
-                <a:tc>
-                  <a:txBody>
-                    <a:bodyPr/>
-                    <a:p>
-                      <a:pPr>
-                        <a:buNone/>
-                      </a:pPr>
-                      <a:r>
-                        <a:rPr lang="ja-JP" altLang="en-US" sz="3200" b="1"/>
-                        <a:t>要件を満たせる？</a:t>
-                      </a:r>
-                      <a:endParaRPr lang="ja-JP" altLang="en-US" sz="3200" b="1"/>
-                    </a:p>
-                  </a:txBody>
-                  <a:tcPr anchor="ctr" anchorCtr="0"/>
-                </a:tc>
-                <a:tc>
-                  <a:txBody>
-                    <a:bodyPr/>
-                    <a:p>
-                      <a:pPr algn="ctr">
-                        <a:buNone/>
-                      </a:pPr>
-                      <a:r>
-                        <a:rPr lang="ja-JP" altLang="en-US" sz="3200" b="1">
-                          <a:solidFill>
-                            <a:srgbClr val="0070C0"/>
-                          </a:solidFill>
-                        </a:rPr>
-                        <a:t>可</a:t>
-                      </a:r>
-                      <a:endParaRPr lang="ja-JP" altLang="en-US" sz="3200" b="1">
-                        <a:solidFill>
-                          <a:srgbClr val="0070C0"/>
-                        </a:solidFill>
-                      </a:endParaRPr>
-                    </a:p>
-                  </a:txBody>
-                  <a:tcPr anchor="ctr" anchorCtr="0"/>
-                </a:tc>
-                <a:tc>
-                  <a:txBody>
-                    <a:bodyPr/>
-                    <a:p>
-                      <a:pPr algn="ctr">
-                        <a:buNone/>
-                      </a:pPr>
-                      <a:r>
-                        <a:rPr lang="ja-JP" altLang="en-US" sz="3200" b="1">
-                          <a:solidFill>
-                            <a:srgbClr val="0070C0"/>
-                          </a:solidFill>
-                        </a:rPr>
-                        <a:t>可</a:t>
-                      </a:r>
-                      <a:endParaRPr lang="ja-JP" altLang="en-US" sz="3200" b="1">
-                        <a:solidFill>
-                          <a:srgbClr val="0070C0"/>
-                        </a:solidFill>
-                      </a:endParaRPr>
-                    </a:p>
-                  </a:txBody>
-                  <a:tcPr anchor="ctr" anchorCtr="0"/>
-                </a:tc>
-              </a:tr>
-              <a:tr h="974090">
-                <a:tc>
-                  <a:txBody>
-                    <a:bodyPr/>
-                    <a:p>
-                      <a:pPr>
-                        <a:buNone/>
-                      </a:pPr>
-                      <a:r>
-                        <a:rPr lang="ja-JP" altLang="en-US" sz="3200" b="1"/>
-                        <a:t>品質は高い？</a:t>
-                      </a:r>
-                      <a:endParaRPr lang="ja-JP" altLang="en-US" sz="3200" b="1"/>
-                    </a:p>
-                  </a:txBody>
-                  <a:tcPr anchor="ctr" anchorCtr="0"/>
-                </a:tc>
-                <a:tc>
-                  <a:txBody>
-                    <a:bodyPr/>
-                    <a:p>
-                      <a:pPr algn="ctr">
-                        <a:buNone/>
-                      </a:pPr>
-                      <a:r>
-                        <a:rPr lang="ja-JP" altLang="en-US" sz="3200" b="1">
-                          <a:solidFill>
-                            <a:srgbClr val="FF0000"/>
-                          </a:solidFill>
-                        </a:rPr>
-                        <a:t>低</a:t>
-                      </a:r>
-                      <a:endParaRPr lang="ja-JP" altLang="en-US" sz="3200" b="1">
-                        <a:solidFill>
-                          <a:srgbClr val="FF0000"/>
-                        </a:solidFill>
-                      </a:endParaRPr>
-                    </a:p>
-                  </a:txBody>
-                  <a:tcPr anchor="ctr" anchorCtr="0"/>
-                </a:tc>
-                <a:tc>
-                  <a:txBody>
-                    <a:bodyPr/>
-                    <a:p>
-                      <a:pPr algn="ctr">
-                        <a:buNone/>
-                      </a:pPr>
-                      <a:r>
-                        <a:rPr lang="ja-JP" altLang="en-US" sz="3200" b="1">
-                          <a:solidFill>
-                            <a:srgbClr val="0070C0"/>
-                          </a:solidFill>
-                        </a:rPr>
-                        <a:t>高</a:t>
-                      </a:r>
-                      <a:endParaRPr lang="ja-JP" altLang="en-US" sz="3200" b="1">
-                        <a:solidFill>
-                          <a:srgbClr val="0070C0"/>
-                        </a:solidFill>
-                      </a:endParaRPr>
-                    </a:p>
-                  </a:txBody>
-                  <a:tcPr anchor="ctr" anchorCtr="0"/>
-                </a:tc>
-              </a:tr>
-            </a:tbl>
-          </a:graphicData>
-        </a:graphic>
-      </p:graphicFrame>
-      <p:sp>
-        <p:nvSpPr>
-          <p:cNvPr id="4" name="楕円 3"/>
-          <p:cNvSpPr/>
-          <p:nvPr/>
-        </p:nvSpPr>
-        <p:spPr>
-          <a:xfrm>
-            <a:off x="5537835" y="3009265"/>
-            <a:ext cx="982345" cy="661670"/>
-          </a:xfrm>
-          <a:prstGeom prst="ellipse">
-            <a:avLst/>
-          </a:prstGeom>
-          <a:noFill/>
-          <a:ln w="50800">
-            <a:solidFill>
-              <a:schemeClr val="accent6"/>
-            </a:solidFill>
-          </a:ln>
-        </p:spPr>
-        <p:style>
-          <a:lnRef idx="2">
-            <a:schemeClr val="accent1">
-              <a:shade val="50000"/>
-            </a:schemeClr>
-          </a:lnRef>
-          <a:fillRef idx="1">
-            <a:schemeClr val="accent1"/>
-          </a:fillRef>
-          <a:effectRef idx="0">
-            <a:schemeClr val="accent1"/>
-          </a:effectRef>
-          <a:fontRef idx="minor">
-            <a:schemeClr val="lt1"/>
-          </a:fontRef>
-        </p:style>
-        <p:txBody>
-          <a:bodyPr rtlCol="0" anchor="ctr"/>
-          <a:p>
-            <a:pPr algn="ctr"/>
-            <a:endParaRPr lang="ja-JP" altLang="en-US"/>
-          </a:p>
-        </p:txBody>
-      </p:sp>
-      <p:sp>
-        <p:nvSpPr>
-          <p:cNvPr id="8" name="楕円 7"/>
-          <p:cNvSpPr/>
-          <p:nvPr/>
-        </p:nvSpPr>
-        <p:spPr>
-          <a:xfrm>
-            <a:off x="7933055" y="3009265"/>
-            <a:ext cx="982345" cy="661670"/>
-          </a:xfrm>
-          <a:prstGeom prst="ellipse">
-            <a:avLst/>
-          </a:prstGeom>
-          <a:noFill/>
-          <a:ln w="50800">
-            <a:solidFill>
-              <a:schemeClr val="accent6"/>
-            </a:solidFill>
-          </a:ln>
-        </p:spPr>
-        <p:style>
-          <a:lnRef idx="2">
-            <a:schemeClr val="accent1">
-              <a:shade val="50000"/>
-            </a:schemeClr>
-          </a:lnRef>
-          <a:fillRef idx="1">
-            <a:schemeClr val="accent1"/>
-          </a:fillRef>
-          <a:effectRef idx="0">
-            <a:schemeClr val="accent1"/>
-          </a:effectRef>
-          <a:fontRef idx="minor">
-            <a:schemeClr val="lt1"/>
-          </a:fontRef>
-        </p:style>
-        <p:txBody>
-          <a:bodyPr rtlCol="0" anchor="ctr"/>
-          <a:p>
-            <a:pPr algn="ctr"/>
-            <a:endParaRPr lang="ja-JP" altLang="en-US"/>
-          </a:p>
-        </p:txBody>
-      </p:sp>
-      <p:sp>
-        <p:nvSpPr>
-          <p:cNvPr id="10" name="四角形吹き出し 9"/>
-          <p:cNvSpPr/>
-          <p:nvPr/>
-        </p:nvSpPr>
-        <p:spPr>
-          <a:xfrm>
-            <a:off x="9925050" y="3144520"/>
-            <a:ext cx="1289050" cy="451485"/>
-          </a:xfrm>
-          <a:prstGeom prst="wedgeRectCallout">
-            <a:avLst>
-              <a:gd name="adj1" fmla="val -65942"/>
-              <a:gd name="adj2" fmla="val -17088"/>
-            </a:avLst>
-          </a:prstGeom>
-          <a:gradFill>
-            <a:gsLst>
-              <a:gs pos="0">
-                <a:srgbClr val="FE4444"/>
-              </a:gs>
-              <a:gs pos="100000">
-                <a:srgbClr val="832B2B"/>
-              </a:gs>
-            </a:gsLst>
-            <a:lin ang="5400000" scaled="0"/>
-          </a:gradFill>
-          <a:ln>
-            <a:solidFill>
-              <a:srgbClr val="FF0000"/>
-            </a:solidFill>
-          </a:ln>
-        </p:spPr>
-        <p:style>
-          <a:lnRef idx="2">
-            <a:schemeClr val="accent1">
-              <a:shade val="50000"/>
-            </a:schemeClr>
-          </a:lnRef>
-          <a:fillRef idx="1">
-            <a:schemeClr val="accent1"/>
-          </a:fillRef>
-          <a:effectRef idx="0">
-            <a:schemeClr val="accent1"/>
-          </a:effectRef>
-          <a:fontRef idx="minor">
-            <a:schemeClr val="lt1"/>
-          </a:fontRef>
-        </p:style>
-        <p:txBody>
-          <a:bodyPr rtlCol="0" anchor="ctr"/>
-          <a:p>
-            <a:pPr algn="l"/>
-            <a:r>
-              <a:rPr lang="ja-JP" altLang="en-US" sz="1600" b="1"/>
-              <a:t>満たせた</a:t>
-            </a:r>
-            <a:r>
-              <a:rPr lang="ja-JP" altLang="en-US" sz="1600" b="1"/>
-              <a:t>！</a:t>
-            </a:r>
-            <a:endParaRPr lang="ja-JP" altLang="en-US" sz="1600" b="1" u="sng">
-              <a:solidFill>
-                <a:srgbClr val="FFFF00"/>
-              </a:solidFill>
-            </a:endParaRPr>
-          </a:p>
-        </p:txBody>
-      </p:sp>
-    </p:spTree>
-  </p:cSld>
-  <p:clrMapOvr>
-    <a:masterClrMapping/>
-  </p:clrMapOvr>
-</p:sld>
-</file>
-
-<file path=ppt/slides/slide7.xml><?xml version="1.0" encoding="utf-8"?>
-<p:sld xmlns:a="http://schemas.openxmlformats.org/drawingml/2006/main" xmlns:r="http://schemas.openxmlformats.org/officeDocument/2006/relationships" xmlns:p="http://schemas.openxmlformats.org/presentationml/2006/main">
-  <p:cSld>
-    <p:spTree>
-      <p:nvGrpSpPr>
-        <p:cNvPr id="1" name=""/>
-        <p:cNvGrpSpPr/>
-        <p:nvPr/>
-      </p:nvGrpSpPr>
-      <p:grpSpPr/>
-      <p:sp>
-        <p:nvSpPr>
-          <p:cNvPr id="2" name="タイトル 1"/>
-          <p:cNvSpPr>
-            <a:spLocks noGrp="1"/>
-          </p:cNvSpPr>
-          <p:nvPr>
-            <p:ph type="title"/>
-          </p:nvPr>
-        </p:nvSpPr>
-        <p:spPr>
-          <a:xfrm>
-            <a:off x="838200" y="365125"/>
-            <a:ext cx="10515600" cy="619200"/>
-          </a:xfrm>
-          <a:solidFill>
-            <a:schemeClr val="accent5">
-              <a:lumMod val="20000"/>
-              <a:lumOff val="80000"/>
-              <a:alpha val="50000"/>
-            </a:schemeClr>
-          </a:solidFill>
-        </p:spPr>
-        <p:txBody>
-          <a:bodyPr/>
-          <a:p>
-            <a:r>
-              <a:rPr lang="ja-JP" altLang="en-US" sz="3200"/>
-              <a:t>５．デモ②</a:t>
-            </a:r>
-            <a:endParaRPr lang="ja-JP" altLang="en-US" sz="3200"/>
-          </a:p>
-        </p:txBody>
-      </p:sp>
-      <p:sp>
-        <p:nvSpPr>
-          <p:cNvPr id="3" name="コンテンツプレースホルダ 2"/>
-          <p:cNvSpPr>
-            <a:spLocks noGrp="1"/>
-          </p:cNvSpPr>
-          <p:nvPr>
-            <p:ph sz="half" idx="1"/>
-          </p:nvPr>
-        </p:nvSpPr>
-        <p:spPr>
-          <a:xfrm>
-            <a:off x="838200" y="983615"/>
-            <a:ext cx="10515600" cy="5193665"/>
-          </a:xfrm>
-        </p:spPr>
-        <p:txBody>
-          <a:bodyPr>
-            <a:normAutofit lnSpcReduction="10000"/>
-          </a:bodyPr>
-          <a:p>
-            <a:pPr marL="0" indent="0">
-              <a:buNone/>
-            </a:pPr>
-            <a:endParaRPr lang="ja-JP" altLang="en-US" sz="800"/>
-          </a:p>
-          <a:p>
-            <a:pPr marL="0" indent="0">
-              <a:buNone/>
-            </a:pPr>
-            <a:r>
-              <a:rPr lang="ja-JP" altLang="en-US"/>
-              <a:t>実は・・　コマンド操作可能です（</a:t>
-            </a:r>
-            <a:r>
-              <a:rPr lang="en-US" altLang="ja-JP"/>
-              <a:t>Ctrl </a:t>
-            </a:r>
-            <a:r>
-              <a:rPr lang="ja-JP" altLang="en-US"/>
-              <a:t>＋ </a:t>
-            </a:r>
-            <a:r>
-              <a:rPr lang="en-US" altLang="ja-JP"/>
-              <a:t>A</a:t>
-            </a:r>
-            <a:r>
-              <a:rPr lang="ja-JP" altLang="en-US"/>
-              <a:t>、 </a:t>
-            </a:r>
-            <a:r>
-              <a:rPr lang="en-US" altLang="ja-JP"/>
-              <a:t>Ctrl </a:t>
-            </a:r>
-            <a:r>
-              <a:rPr lang="ja-JP" altLang="en-US"/>
-              <a:t>＋ </a:t>
-            </a:r>
-            <a:r>
-              <a:rPr lang="en-US" altLang="ja-JP"/>
-              <a:t>Z</a:t>
-            </a:r>
-            <a:r>
-              <a:rPr lang="ja-JP" altLang="en-US"/>
-              <a:t>）</a:t>
-            </a:r>
-            <a:endParaRPr lang="en-US" altLang="ja-JP"/>
-          </a:p>
-          <a:p>
-            <a:pPr marL="0" indent="0">
-              <a:buNone/>
-            </a:pPr>
-            <a:endParaRPr lang="ja-JP" altLang="en-US"/>
-          </a:p>
-          <a:p>
-            <a:pPr marL="0" indent="0">
-              <a:buNone/>
-            </a:pPr>
-            <a:endParaRPr lang="ja-JP" altLang="en-US"/>
-          </a:p>
-          <a:p>
-            <a:pPr marL="0" indent="0">
-              <a:buNone/>
-            </a:pPr>
-            <a:endParaRPr lang="ja-JP" altLang="en-US"/>
-          </a:p>
-          <a:p>
-            <a:pPr marL="0" indent="0">
-              <a:buNone/>
-            </a:pPr>
-            <a:endParaRPr lang="ja-JP" altLang="en-US"/>
-          </a:p>
-          <a:p>
-            <a:pPr marL="0" indent="0">
-              <a:buNone/>
-            </a:pPr>
-            <a:endParaRPr lang="ja-JP" altLang="en-US"/>
-          </a:p>
-          <a:p>
-            <a:pPr marL="0" indent="0">
-              <a:buNone/>
-            </a:pPr>
-            <a:endParaRPr lang="ja-JP" altLang="en-US"/>
-          </a:p>
-          <a:p>
-            <a:pPr marL="0" indent="0">
-              <a:buNone/>
-            </a:pPr>
-            <a:endParaRPr lang="ja-JP" altLang="en-US"/>
-          </a:p>
-          <a:p>
-            <a:pPr marL="0" indent="0">
-              <a:buNone/>
-            </a:pPr>
-            <a:endParaRPr lang="ja-JP" altLang="en-US"/>
-          </a:p>
-        </p:txBody>
-      </p:sp>
-      <p:pic>
-        <p:nvPicPr>
-          <p:cNvPr id="5" name="図形 4" descr="images"/>
-          <p:cNvPicPr>
-            <a:picLocks noChangeAspect="1"/>
-          </p:cNvPicPr>
-          <p:nvPr/>
-        </p:nvPicPr>
-        <p:blipFill>
-          <a:blip r:embed="rId1"/>
-          <a:stretch>
-            <a:fillRect/>
-          </a:stretch>
-        </p:blipFill>
-        <p:spPr>
-          <a:xfrm>
-            <a:off x="10325100" y="4379595"/>
-            <a:ext cx="1028700" cy="1797685"/>
-          </a:xfrm>
-          <a:prstGeom prst="rect">
-            <a:avLst/>
-          </a:prstGeom>
-        </p:spPr>
-      </p:pic>
-      <p:sp>
-        <p:nvSpPr>
-          <p:cNvPr id="6" name="テキストボックス 5"/>
-          <p:cNvSpPr txBox="1"/>
-          <p:nvPr/>
-        </p:nvSpPr>
-        <p:spPr>
-          <a:xfrm>
-            <a:off x="10265410" y="3980815"/>
-            <a:ext cx="1088390" cy="275590"/>
-          </a:xfrm>
-          <a:prstGeom prst="rect">
-            <a:avLst/>
-          </a:prstGeom>
-          <a:noFill/>
-        </p:spPr>
-        <p:txBody>
-          <a:bodyPr wrap="square" rtlCol="0">
-            <a:spAutoFit/>
-          </a:bodyPr>
-          <a:p>
-            <a:r>
-              <a:rPr lang="ja-JP" altLang="en-US" sz="1200"/>
-              <a:t>　　　ん！？</a:t>
-            </a:r>
-            <a:endParaRPr lang="ja-JP" altLang="en-US" sz="1200"/>
-          </a:p>
-        </p:txBody>
-      </p:sp>
-      <p:pic>
-        <p:nvPicPr>
-          <p:cNvPr id="11" name="図形 10"/>
-          <p:cNvPicPr>
-            <a:picLocks noChangeAspect="1"/>
-          </p:cNvPicPr>
-          <p:nvPr/>
-        </p:nvPicPr>
-        <p:blipFill>
-          <a:blip r:embed="rId2"/>
-          <a:stretch>
-            <a:fillRect/>
-          </a:stretch>
-        </p:blipFill>
-        <p:spPr>
-          <a:xfrm>
-            <a:off x="1152525" y="2086610"/>
-            <a:ext cx="5222240" cy="2545080"/>
-          </a:xfrm>
-          <a:prstGeom prst="rect">
-            <a:avLst/>
-          </a:prstGeom>
-          <a:ln>
-            <a:solidFill>
-              <a:schemeClr val="accent1"/>
-            </a:solidFill>
-          </a:ln>
-        </p:spPr>
-      </p:pic>
-      <p:pic>
-        <p:nvPicPr>
-          <p:cNvPr id="4" name="図形 3"/>
-          <p:cNvPicPr>
-            <a:picLocks noChangeAspect="1"/>
-          </p:cNvPicPr>
-          <p:nvPr/>
-        </p:nvPicPr>
-        <p:blipFill>
-          <a:blip r:embed="rId3"/>
-          <a:stretch>
-            <a:fillRect/>
-          </a:stretch>
-        </p:blipFill>
-        <p:spPr>
-          <a:xfrm>
-            <a:off x="2836545" y="3643630"/>
-            <a:ext cx="5176520" cy="2522855"/>
-          </a:xfrm>
-          <a:prstGeom prst="rect">
-            <a:avLst/>
-          </a:prstGeom>
-          <a:ln>
-            <a:solidFill>
-              <a:schemeClr val="accent1"/>
-            </a:solidFill>
-          </a:ln>
-        </p:spPr>
-      </p:pic>
-      <p:sp>
-        <p:nvSpPr>
-          <p:cNvPr id="10" name="四角形吹き出し 9"/>
-          <p:cNvSpPr/>
-          <p:nvPr/>
-        </p:nvSpPr>
-        <p:spPr>
-          <a:xfrm>
-            <a:off x="6593840" y="2938145"/>
-            <a:ext cx="2418080" cy="514350"/>
-          </a:xfrm>
-          <a:prstGeom prst="wedgeRectCallout">
-            <a:avLst>
-              <a:gd name="adj1" fmla="val -142174"/>
-              <a:gd name="adj2" fmla="val 187777"/>
-            </a:avLst>
-          </a:prstGeom>
-          <a:gradFill>
-            <a:gsLst>
-              <a:gs pos="0">
-                <a:srgbClr val="FE4444"/>
-              </a:gs>
-              <a:gs pos="100000">
-                <a:srgbClr val="832B2B"/>
-              </a:gs>
-            </a:gsLst>
-            <a:lin ang="5400000" scaled="0"/>
-          </a:gradFill>
-          <a:ln>
-            <a:solidFill>
-              <a:srgbClr val="FF0000"/>
-            </a:solidFill>
-          </a:ln>
-        </p:spPr>
-        <p:style>
-          <a:lnRef idx="2">
-            <a:schemeClr val="accent1">
-              <a:shade val="50000"/>
-            </a:schemeClr>
-          </a:lnRef>
-          <a:fillRef idx="1">
-            <a:schemeClr val="accent1"/>
-          </a:fillRef>
-          <a:effectRef idx="0">
-            <a:schemeClr val="accent1"/>
-          </a:effectRef>
-          <a:fontRef idx="minor">
-            <a:schemeClr val="lt1"/>
-          </a:fontRef>
-        </p:style>
-        <p:txBody>
-          <a:bodyPr rtlCol="0" anchor="ctr"/>
-          <a:p>
-            <a:pPr algn="l"/>
-            <a:r>
-              <a:rPr lang="ja-JP" altLang="en-US" sz="1600" b="1"/>
-              <a:t>カウント間違ってますよ！</a:t>
-            </a:r>
-            <a:endParaRPr lang="ja-JP" altLang="en-US" sz="1600" b="1"/>
-          </a:p>
-        </p:txBody>
-      </p:sp>
-      <p:cxnSp>
-        <p:nvCxnSpPr>
-          <p:cNvPr id="7" name="直線矢印コネクタ 6"/>
-          <p:cNvCxnSpPr/>
-          <p:nvPr/>
-        </p:nvCxnSpPr>
-        <p:spPr>
-          <a:xfrm>
-            <a:off x="2498725" y="3182620"/>
-            <a:ext cx="1541145" cy="1383030"/>
-          </a:xfrm>
-          <a:prstGeom prst="straightConnector1">
-            <a:avLst/>
-          </a:prstGeom>
-          <a:ln w="76200">
-            <a:solidFill>
-              <a:srgbClr val="FF0000"/>
-            </a:solidFill>
-            <a:tailEnd type="arrow"/>
-          </a:ln>
-        </p:spPr>
-        <p:style>
-          <a:lnRef idx="1">
-            <a:schemeClr val="accent1"/>
-          </a:lnRef>
-          <a:fillRef idx="0">
-            <a:schemeClr val="accent1"/>
-          </a:fillRef>
-          <a:effectRef idx="0">
-            <a:schemeClr val="accent1"/>
-          </a:effectRef>
-          <a:fontRef idx="minor">
-            <a:schemeClr val="tx1"/>
-          </a:fontRef>
-        </p:style>
-      </p:cxnSp>
-    </p:spTree>
-  </p:cSld>
-  <p:clrMapOvr>
-    <a:masterClrMapping/>
-  </p:clrMapOvr>
-</p:sld>
-</file>
-
-<file path=ppt/slides/slide8.xml><?xml version="1.0" encoding="utf-8"?>
-<p:sld xmlns:a="http://schemas.openxmlformats.org/drawingml/2006/main" xmlns:r="http://schemas.openxmlformats.org/officeDocument/2006/relationships" xmlns:p="http://schemas.openxmlformats.org/presentationml/2006/main">
-  <p:cSld>
-    <p:spTree>
-      <p:nvGrpSpPr>
-        <p:cNvPr id="1" name=""/>
-        <p:cNvGrpSpPr/>
-        <p:nvPr/>
-      </p:nvGrpSpPr>
-      <p:grpSpPr/>
-      <p:pic>
-        <p:nvPicPr>
-          <p:cNvPr id="4" name="図形 3"/>
-          <p:cNvPicPr>
-            <a:picLocks noChangeAspect="1"/>
-          </p:cNvPicPr>
-          <p:nvPr/>
-        </p:nvPicPr>
-        <p:blipFill>
-          <a:blip r:embed="rId1"/>
-          <a:stretch>
-            <a:fillRect/>
-          </a:stretch>
-        </p:blipFill>
-        <p:spPr>
-          <a:xfrm>
-            <a:off x="985520" y="1552575"/>
-            <a:ext cx="6939915" cy="4749165"/>
-          </a:xfrm>
-          <a:prstGeom prst="rect">
-            <a:avLst/>
-          </a:prstGeom>
-        </p:spPr>
-      </p:pic>
-      <p:sp>
-        <p:nvSpPr>
-          <p:cNvPr id="2" name="タイトル 1"/>
-          <p:cNvSpPr>
-            <a:spLocks noGrp="1"/>
-          </p:cNvSpPr>
-          <p:nvPr>
-            <p:ph type="title"/>
-          </p:nvPr>
-        </p:nvSpPr>
-        <p:spPr>
-          <a:xfrm>
-            <a:off x="838200" y="365125"/>
-            <a:ext cx="10515600" cy="619200"/>
-          </a:xfrm>
-          <a:solidFill>
-            <a:schemeClr val="accent5">
-              <a:lumMod val="20000"/>
-              <a:lumOff val="80000"/>
-              <a:alpha val="50000"/>
-            </a:schemeClr>
-          </a:solidFill>
-        </p:spPr>
-        <p:txBody>
-          <a:bodyPr>
-            <a:normAutofit/>
-          </a:bodyPr>
-          <a:p>
-            <a:r>
-              <a:rPr lang="ja-JP" altLang="en-US" sz="3200">
-                <a:sym typeface="+mn-ea"/>
-              </a:rPr>
-              <a:t>６．品質は担保できてた</a:t>
-            </a:r>
-            <a:r>
-              <a:rPr lang="ja-JP" altLang="en-US" sz="3200">
-                <a:sym typeface="+mn-ea"/>
-              </a:rPr>
-              <a:t>？</a:t>
-            </a:r>
-            <a:endParaRPr lang="ja-JP" altLang="en-US" sz="3200">
-              <a:sym typeface="+mn-ea"/>
-            </a:endParaRPr>
-          </a:p>
-        </p:txBody>
-      </p:sp>
-      <p:sp>
-        <p:nvSpPr>
-          <p:cNvPr id="3" name="コンテンツプレースホルダ 2"/>
-          <p:cNvSpPr>
-            <a:spLocks noGrp="1"/>
-          </p:cNvSpPr>
-          <p:nvPr>
-            <p:ph sz="half" idx="1"/>
-          </p:nvPr>
-        </p:nvSpPr>
-        <p:spPr>
-          <a:xfrm>
-            <a:off x="838200" y="984885"/>
-            <a:ext cx="10515600" cy="5192395"/>
-          </a:xfrm>
-        </p:spPr>
-        <p:txBody>
-          <a:bodyPr>
-            <a:normAutofit lnSpcReduction="20000"/>
-          </a:bodyPr>
-          <a:p>
-            <a:pPr marL="0" indent="0">
-              <a:buNone/>
-            </a:pPr>
-            <a:endParaRPr lang="en-US" altLang="ja-JP" sz="600"/>
-          </a:p>
-          <a:p>
-            <a:pPr marL="0" indent="0">
-              <a:buNone/>
-            </a:pPr>
-            <a:r>
-              <a:rPr lang="ja-JP" altLang="en-US"/>
-              <a:t>処理</a:t>
-            </a:r>
-            <a:r>
-              <a:rPr lang="en-US" altLang="ja-JP"/>
-              <a:t>/</a:t>
-            </a:r>
-            <a:r>
-              <a:rPr lang="ja-JP" altLang="en-US"/>
-              <a:t>データをまたぐ場所にこんな</a:t>
-            </a:r>
-            <a:r>
-              <a:rPr lang="ja-JP" altLang="en-US"/>
-              <a:t>実装ががががが！！</a:t>
-            </a:r>
-            <a:endParaRPr lang="ja-JP" altLang="en-US"/>
-          </a:p>
-          <a:p>
-            <a:pPr marL="0" indent="0">
-              <a:buNone/>
-            </a:pPr>
-            <a:endParaRPr lang="ja-JP" altLang="en-US"/>
-          </a:p>
-          <a:p>
-            <a:pPr marL="0" indent="0">
-              <a:buNone/>
-            </a:pPr>
-            <a:endParaRPr lang="ja-JP" altLang="en-US"/>
-          </a:p>
-          <a:p>
-            <a:endParaRPr lang="ja-JP" altLang="en-US"/>
-          </a:p>
-          <a:p>
-            <a:endParaRPr lang="ja-JP" altLang="en-US"/>
-          </a:p>
-          <a:p>
-            <a:endParaRPr lang="ja-JP" altLang="en-US"/>
-          </a:p>
-          <a:p>
-            <a:endParaRPr lang="ja-JP" altLang="en-US"/>
-          </a:p>
-          <a:p>
-            <a:endParaRPr lang="ja-JP" altLang="en-US"/>
-          </a:p>
-          <a:p>
-            <a:endParaRPr lang="ja-JP" altLang="en-US"/>
-          </a:p>
-          <a:p>
-            <a:endParaRPr lang="ja-JP" altLang="en-US"/>
-          </a:p>
-        </p:txBody>
-      </p:sp>
-      <p:pic>
-        <p:nvPicPr>
-          <p:cNvPr id="5" name="図形 4" descr="images"/>
-          <p:cNvPicPr>
-            <a:picLocks noChangeAspect="1"/>
-          </p:cNvPicPr>
-          <p:nvPr/>
-        </p:nvPicPr>
-        <p:blipFill>
-          <a:blip r:embed="rId2"/>
-          <a:stretch>
-            <a:fillRect/>
-          </a:stretch>
-        </p:blipFill>
-        <p:spPr>
-          <a:xfrm>
-            <a:off x="10325100" y="4379595"/>
-            <a:ext cx="1028700" cy="1797685"/>
-          </a:xfrm>
-          <a:prstGeom prst="rect">
-            <a:avLst/>
-          </a:prstGeom>
-        </p:spPr>
-      </p:pic>
-      <p:sp>
-        <p:nvSpPr>
-          <p:cNvPr id="6" name="テキストボックス 5"/>
-          <p:cNvSpPr txBox="1"/>
-          <p:nvPr/>
-        </p:nvSpPr>
-        <p:spPr>
-          <a:xfrm>
-            <a:off x="10119360" y="3891915"/>
-            <a:ext cx="1385570" cy="645160"/>
-          </a:xfrm>
-          <a:prstGeom prst="rect">
-            <a:avLst/>
-          </a:prstGeom>
-          <a:noFill/>
-        </p:spPr>
-        <p:txBody>
-          <a:bodyPr wrap="square" rtlCol="0">
-            <a:spAutoFit/>
-          </a:bodyPr>
-          <a:p>
-            <a:r>
-              <a:rPr lang="ja-JP" altLang="en-US" sz="1200"/>
-              <a:t>　　バグったら</a:t>
-            </a:r>
-            <a:endParaRPr lang="ja-JP" altLang="en-US" sz="1200"/>
-          </a:p>
-          <a:p>
-            <a:r>
-              <a:rPr lang="ja-JP" altLang="en-US" sz="1200"/>
-              <a:t>　　あかんやろ！</a:t>
-            </a:r>
-            <a:endParaRPr lang="ja-JP" altLang="en-US" sz="1200"/>
-          </a:p>
-          <a:p>
-            <a:endParaRPr lang="ja-JP" altLang="en-US" sz="1200"/>
-          </a:p>
-        </p:txBody>
-      </p:sp>
-      <p:sp>
-        <p:nvSpPr>
-          <p:cNvPr id="16" name="四角形吹き出し 15"/>
-          <p:cNvSpPr/>
-          <p:nvPr/>
-        </p:nvSpPr>
-        <p:spPr>
-          <a:xfrm>
-            <a:off x="5904230" y="3568700"/>
-            <a:ext cx="3837940" cy="932815"/>
-          </a:xfrm>
-          <a:prstGeom prst="wedgeRectCallout">
-            <a:avLst>
-              <a:gd name="adj1" fmla="val -64046"/>
-              <a:gd name="adj2" fmla="val -1403"/>
-            </a:avLst>
-          </a:prstGeom>
-          <a:gradFill>
-            <a:gsLst>
-              <a:gs pos="0">
-                <a:srgbClr val="FE4444"/>
-              </a:gs>
-              <a:gs pos="100000">
-                <a:srgbClr val="832B2B"/>
-              </a:gs>
-            </a:gsLst>
-            <a:lin ang="5400000" scaled="0"/>
-          </a:gradFill>
-          <a:ln>
-            <a:solidFill>
-              <a:srgbClr val="FF0000"/>
-            </a:solidFill>
-          </a:ln>
-        </p:spPr>
-        <p:style>
-          <a:lnRef idx="2">
-            <a:schemeClr val="accent1">
-              <a:shade val="50000"/>
-            </a:schemeClr>
-          </a:lnRef>
-          <a:fillRef idx="1">
-            <a:schemeClr val="accent1"/>
-          </a:fillRef>
-          <a:effectRef idx="0">
-            <a:schemeClr val="accent1"/>
-          </a:effectRef>
-          <a:fontRef idx="minor">
-            <a:schemeClr val="lt1"/>
-          </a:fontRef>
-        </p:style>
-        <p:txBody>
-          <a:bodyPr rtlCol="0" anchor="ctr"/>
-          <a:p>
-            <a:pPr algn="l"/>
-            <a:r>
-              <a:rPr lang="ja-JP" altLang="en-US" sz="1600" b="1"/>
-              <a:t>点滅しかやってない。。。</a:t>
-            </a:r>
-            <a:endParaRPr lang="ja-JP" altLang="en-US" sz="1600" b="1"/>
-          </a:p>
-          <a:p>
-            <a:pPr algn="l"/>
-            <a:r>
-              <a:rPr lang="ja-JP" altLang="en-US" sz="1600" b="1"/>
-              <a:t>炎の数の計算が漏れてるやん</a:t>
-            </a:r>
-            <a:r>
-              <a:rPr lang="ja-JP" altLang="en-US" sz="1600" b="1"/>
-              <a:t>！</a:t>
-            </a:r>
-            <a:r>
-              <a:rPr lang="ja-JP" altLang="en-US" sz="1600" b="1"/>
-              <a:t>？</a:t>
-            </a:r>
-            <a:endParaRPr lang="ja-JP" altLang="en-US" sz="1600" b="1"/>
-          </a:p>
-        </p:txBody>
-      </p:sp>
-      <p:sp>
-        <p:nvSpPr>
-          <p:cNvPr id="8" name="四角形吹き出し 7"/>
-          <p:cNvSpPr/>
-          <p:nvPr/>
-        </p:nvSpPr>
-        <p:spPr>
-          <a:xfrm>
-            <a:off x="6101715" y="4406265"/>
-            <a:ext cx="3837940" cy="1528445"/>
-          </a:xfrm>
-          <a:prstGeom prst="wedgeRectCallout">
-            <a:avLst>
-              <a:gd name="adj1" fmla="val -50000"/>
-              <a:gd name="adj2" fmla="val -18716"/>
-            </a:avLst>
-          </a:prstGeom>
-          <a:gradFill>
-            <a:gsLst>
-              <a:gs pos="0">
-                <a:srgbClr val="FE4444"/>
-              </a:gs>
-              <a:gs pos="100000">
-                <a:srgbClr val="832B2B"/>
-              </a:gs>
-            </a:gsLst>
-            <a:lin ang="5400000" scaled="0"/>
-          </a:gradFill>
-          <a:ln>
-            <a:solidFill>
-              <a:srgbClr val="FF0000"/>
-            </a:solidFill>
-          </a:ln>
-        </p:spPr>
-        <p:style>
-          <a:lnRef idx="2">
-            <a:schemeClr val="accent1">
-              <a:shade val="50000"/>
-            </a:schemeClr>
-          </a:lnRef>
-          <a:fillRef idx="1">
-            <a:schemeClr val="accent1"/>
-          </a:fillRef>
-          <a:effectRef idx="0">
-            <a:schemeClr val="accent1"/>
-          </a:effectRef>
-          <a:fontRef idx="minor">
-            <a:schemeClr val="lt1"/>
-          </a:fontRef>
-        </p:style>
-        <p:txBody>
-          <a:bodyPr rtlCol="0" anchor="ctr"/>
-          <a:p>
-            <a:pPr algn="l"/>
-            <a:r>
-              <a:rPr lang="ja-JP" altLang="en-US" sz="1600" b="1"/>
-              <a:t>今後、処理がさらに増える可能性・・</a:t>
-            </a:r>
-            <a:endParaRPr lang="ja-JP" altLang="en-US" sz="1600" b="1"/>
-          </a:p>
-          <a:p>
-            <a:pPr algn="l"/>
-            <a:r>
-              <a:rPr lang="ja-JP" altLang="en-US" sz="1600" b="1"/>
-              <a:t>例）</a:t>
-            </a:r>
-            <a:endParaRPr lang="ja-JP" altLang="en-US" sz="1600" b="1"/>
-          </a:p>
-          <a:p>
-            <a:pPr algn="l"/>
-            <a:r>
-              <a:rPr lang="ja-JP" altLang="en-US" sz="1600" b="1"/>
-              <a:t>　　音声で炎</a:t>
-            </a:r>
-            <a:r>
-              <a:rPr lang="ja-JP" altLang="en-US" sz="1600" b="1"/>
-              <a:t>を</a:t>
-            </a:r>
-            <a:r>
-              <a:rPr lang="ja-JP" altLang="en-US" sz="1600" b="1"/>
-              <a:t>・・</a:t>
-            </a:r>
-            <a:endParaRPr lang="ja-JP" altLang="en-US" sz="1600" b="1"/>
-          </a:p>
-          <a:p>
-            <a:pPr algn="l"/>
-            <a:r>
-              <a:rPr lang="ja-JP" altLang="en-US" sz="1600" b="1"/>
-              <a:t>　　 </a:t>
-            </a:r>
-            <a:r>
-              <a:rPr lang="en-US" altLang="ja-JP" sz="1600" b="1"/>
-              <a:t>QR</a:t>
-            </a:r>
-            <a:r>
-              <a:rPr lang="ja-JP" altLang="en-US" sz="1600" b="1"/>
-              <a:t>コードで炎を</a:t>
-            </a:r>
-            <a:r>
-              <a:rPr lang="ja-JP" altLang="en-US" sz="1600" b="1"/>
-              <a:t>・・</a:t>
-            </a:r>
-            <a:endParaRPr lang="ja-JP" altLang="en-US" sz="1600" b="1"/>
-          </a:p>
-        </p:txBody>
-      </p:sp>
-    </p:spTree>
-  </p:cSld>
-  <p:clrMapOvr>
-    <a:masterClrMapping/>
-  </p:clrMapOvr>
-</p:sld>
-</file>
-
-<file path=ppt/slides/slide9.xml><?xml version="1.0" encoding="utf-8"?>
-<p:sld xmlns:a="http://schemas.openxmlformats.org/drawingml/2006/main" xmlns:r="http://schemas.openxmlformats.org/officeDocument/2006/relationships" xmlns:p="http://schemas.openxmlformats.org/presentationml/2006/main">
-  <p:cSld>
-    <p:spTree>
-      <p:nvGrpSpPr>
-        <p:cNvPr id="1" name=""/>
-        <p:cNvGrpSpPr/>
-        <p:nvPr/>
-      </p:nvGrpSpPr>
-      <p:grpSpPr/>
-      <p:sp>
-        <p:nvSpPr>
-          <p:cNvPr id="2" name="タイトル 1"/>
-          <p:cNvSpPr>
-            <a:spLocks noGrp="1"/>
-          </p:cNvSpPr>
-          <p:nvPr>
-            <p:ph type="title"/>
-          </p:nvPr>
-        </p:nvSpPr>
-        <p:spPr>
-          <a:xfrm>
-            <a:off x="838200" y="365125"/>
-            <a:ext cx="10515600" cy="619200"/>
-          </a:xfrm>
-          <a:solidFill>
-            <a:schemeClr val="accent5">
-              <a:lumMod val="20000"/>
-              <a:lumOff val="80000"/>
-              <a:alpha val="50000"/>
-            </a:schemeClr>
-          </a:solidFill>
-        </p:spPr>
-        <p:txBody>
-          <a:bodyPr/>
-          <a:p>
-            <a:r>
-              <a:rPr lang="ja-JP" altLang="en-US" sz="3200">
-                <a:sym typeface="+mn-ea"/>
-              </a:rPr>
-              <a:t>７．</a:t>
+              <a:t>．</a:t>
             </a:r>
             <a:r>
               <a:rPr lang="en-US" altLang="ja-JP" sz="3200">
@@ -6677,11 +3870,7 @@
             </a:r>
             <a:r>
               <a:rPr lang="ja-JP" altLang="en-US" sz="1600" b="1"/>
-              <a:t>で良くね</a:t>
-            </a:r>
-            <a:r>
-              <a:rPr lang="ja-JP" altLang="en-US" sz="1600" b="1"/>
-              <a:t>？</a:t>
+              <a:t>で良くね？</a:t>
             </a:r>
             <a:endParaRPr lang="ja-JP" altLang="en-US" sz="1600" b="1"/>
           </a:p>
@@ -6741,7 +3930,7 @@
         </p:nvGrpSpPr>
         <p:grpSpPr>
           <a:xfrm>
-            <a:off x="3971290" y="3176905"/>
+            <a:off x="3971290" y="3298825"/>
             <a:ext cx="6576060" cy="1998345"/>
             <a:chOff x="6314" y="3024"/>
             <a:chExt cx="10356" cy="3147"/>
@@ -6813,15 +4002,7 @@
                       <a:schemeClr val="tx1"/>
                     </a:solidFill>
                   </a:rPr>
-                  <a:t>論理的に正しいプログラムコードである事が重要</a:t>
-                </a:r>
-                <a:r>
-                  <a:rPr lang="ja-JP" altLang="en-US" sz="1600" b="1">
-                    <a:solidFill>
-                      <a:schemeClr val="tx1"/>
-                    </a:solidFill>
-                  </a:rPr>
-                  <a:t>？</a:t>
+                  <a:t>論理的に正しいプログラムコードである事が重要？</a:t>
                 </a:r>
                 <a:endParaRPr lang="ja-JP" altLang="en-US" sz="1600" b="1">
                   <a:solidFill>
@@ -7305,9 +4486,9 @@
         </p:nvGrpSpPr>
         <p:grpSpPr>
           <a:xfrm>
-            <a:off x="3971290" y="1821815"/>
+            <a:off x="3971290" y="1958340"/>
             <a:ext cx="4932045" cy="1094105"/>
-            <a:chOff x="6314" y="6621"/>
+            <a:chOff x="6314" y="6567"/>
             <a:chExt cx="7767" cy="1723"/>
           </a:xfrm>
         </p:grpSpPr>
@@ -7449,7 +4630,7 @@
           </p:nvSpPr>
           <p:spPr>
             <a:xfrm>
-              <a:off x="8447" y="6621"/>
+              <a:off x="8447" y="6567"/>
               <a:ext cx="1887" cy="1723"/>
             </a:xfrm>
             <a:prstGeom prst="ellipse">
@@ -7498,7 +4679,7 @@
         </p:nvSpPr>
         <p:spPr>
           <a:xfrm>
-            <a:off x="9432925" y="2550160"/>
+            <a:off x="9363075" y="2596515"/>
             <a:ext cx="1778635" cy="814070"/>
           </a:xfrm>
           <a:prstGeom prst="wedgeRectCallout">
@@ -7554,11 +4735,3167 @@
             <a:pPr algn="l"/>
             <a:r>
               <a:rPr lang="ja-JP" altLang="en-US" sz="1600" b="1"/>
-              <a:t>増える</a:t>
-            </a:r>
+              <a:t>増える一方・・・</a:t>
+            </a:r>
+            <a:endParaRPr lang="ja-JP" altLang="en-US" sz="1600" b="1"/>
+          </a:p>
+        </p:txBody>
+      </p:sp>
+    </p:spTree>
+  </p:cSld>
+  <p:clrMapOvr>
+    <a:masterClrMapping/>
+  </p:clrMapOvr>
+</p:sld>
+</file>
+
+<file path=ppt/slides/slide11.xml><?xml version="1.0" encoding="utf-8"?>
+<p:sld xmlns:a="http://schemas.openxmlformats.org/drawingml/2006/main" xmlns:r="http://schemas.openxmlformats.org/officeDocument/2006/relationships" xmlns:p="http://schemas.openxmlformats.org/presentationml/2006/main">
+  <p:cSld>
+    <p:spTree>
+      <p:nvGrpSpPr>
+        <p:cNvPr id="1" name=""/>
+        <p:cNvGrpSpPr/>
+        <p:nvPr/>
+      </p:nvGrpSpPr>
+      <p:grpSpPr/>
+      <p:sp>
+        <p:nvSpPr>
+          <p:cNvPr id="2" name="タイトル 1"/>
+          <p:cNvSpPr>
+            <a:spLocks noGrp="1"/>
+          </p:cNvSpPr>
+          <p:nvPr>
+            <p:ph type="title"/>
+          </p:nvPr>
+        </p:nvSpPr>
+        <p:spPr>
+          <a:xfrm>
+            <a:off x="838200" y="365125"/>
+            <a:ext cx="10515600" cy="619200"/>
+          </a:xfrm>
+          <a:solidFill>
+            <a:schemeClr val="accent5">
+              <a:lumMod val="20000"/>
+              <a:lumOff val="80000"/>
+              <a:alpha val="50000"/>
+            </a:schemeClr>
+          </a:solidFill>
+        </p:spPr>
+        <p:txBody>
+          <a:bodyPr>
+            <a:normAutofit/>
+          </a:bodyPr>
+          <a:p>
+            <a:r>
+              <a:rPr lang="ja-JP" altLang="en-US" sz="3200"/>
+              <a:t>　</a:t>
+            </a:r>
+            <a:endParaRPr lang="ja-JP" altLang="en-US" sz="3200"/>
+          </a:p>
+        </p:txBody>
+      </p:sp>
+      <p:sp>
+        <p:nvSpPr>
+          <p:cNvPr id="3" name="コンテンツプレースホルダ 2"/>
+          <p:cNvSpPr>
+            <a:spLocks noGrp="1"/>
+          </p:cNvSpPr>
+          <p:nvPr>
+            <p:ph sz="half" idx="1"/>
+          </p:nvPr>
+        </p:nvSpPr>
+        <p:spPr>
+          <a:xfrm>
+            <a:off x="838200" y="983615"/>
+            <a:ext cx="10515600" cy="5250815"/>
+          </a:xfrm>
+        </p:spPr>
+        <p:txBody>
+          <a:bodyPr anchor="ctr" anchorCtr="0">
+            <a:normAutofit/>
+          </a:bodyPr>
+          <a:p>
+            <a:pPr marL="0" indent="0" algn="ctr">
+              <a:buNone/>
+            </a:pPr>
+            <a:r>
+              <a:rPr lang="ja-JP" altLang="en-US" sz="3200">
+                <a:solidFill>
+                  <a:schemeClr val="accent2"/>
+                </a:solidFill>
+                <a:sym typeface="+mn-ea"/>
+              </a:rPr>
+              <a:t>ご清聴ありがとうございました</a:t>
+            </a:r>
+            <a:endParaRPr lang="ja-JP" altLang="en-US" sz="3200">
+              <a:solidFill>
+                <a:schemeClr val="accent2"/>
+              </a:solidFill>
+              <a:sym typeface="+mn-ea"/>
+            </a:endParaRPr>
+          </a:p>
+          <a:p>
+            <a:pPr marL="0" indent="0" algn="ctr">
+              <a:buNone/>
+            </a:pPr>
+            <a:r>
+              <a:rPr lang="ja-JP" altLang="en-US" sz="3200">
+                <a:solidFill>
+                  <a:schemeClr val="accent2"/>
+                </a:solidFill>
+                <a:sym typeface="+mn-ea"/>
+              </a:rPr>
+              <a:t>ｍ（</a:t>
+            </a:r>
+            <a:r>
+              <a:rPr lang="en-US" altLang="ja-JP" sz="3200">
+                <a:solidFill>
+                  <a:schemeClr val="accent2"/>
+                </a:solidFill>
+                <a:sym typeface="+mn-ea"/>
+              </a:rPr>
+              <a:t>_ _</a:t>
+            </a:r>
+            <a:r>
+              <a:rPr lang="ja-JP" altLang="en-US" sz="3200">
+                <a:solidFill>
+                  <a:schemeClr val="accent2"/>
+                </a:solidFill>
+                <a:sym typeface="+mn-ea"/>
+              </a:rPr>
+              <a:t>）ｍ</a:t>
+            </a:r>
+            <a:endParaRPr lang="ja-JP" altLang="en-US" sz="3200">
+              <a:solidFill>
+                <a:schemeClr val="accent2"/>
+              </a:solidFill>
+              <a:sym typeface="+mn-ea"/>
+            </a:endParaRPr>
+          </a:p>
+        </p:txBody>
+      </p:sp>
+      <p:sp>
+        <p:nvSpPr>
+          <p:cNvPr id="7" name="テキストボックス 6"/>
+          <p:cNvSpPr txBox="1"/>
+          <p:nvPr/>
+        </p:nvSpPr>
+        <p:spPr>
+          <a:xfrm>
+            <a:off x="955675" y="4191000"/>
+            <a:ext cx="1394460" cy="368300"/>
+          </a:xfrm>
+          <a:prstGeom prst="rect">
+            <a:avLst/>
+          </a:prstGeom>
+          <a:noFill/>
+        </p:spPr>
+        <p:txBody>
+          <a:bodyPr wrap="square" rtlCol="0">
+            <a:spAutoFit/>
+          </a:bodyPr>
+          <a:p>
+            <a:r>
+              <a:rPr lang="ja-JP" altLang="en-US"/>
+              <a:t>　</a:t>
+            </a:r>
+            <a:endParaRPr lang="ja-JP" altLang="en-US"/>
+          </a:p>
+        </p:txBody>
+      </p:sp>
+    </p:spTree>
+  </p:cSld>
+  <p:clrMapOvr>
+    <a:masterClrMapping/>
+  </p:clrMapOvr>
+</p:sld>
+</file>
+
+<file path=ppt/slides/slide2.xml><?xml version="1.0" encoding="utf-8"?>
+<p:sld xmlns:a="http://schemas.openxmlformats.org/drawingml/2006/main" xmlns:r="http://schemas.openxmlformats.org/officeDocument/2006/relationships" xmlns:p="http://schemas.openxmlformats.org/presentationml/2006/main">
+  <p:cSld>
+    <p:spTree>
+      <p:nvGrpSpPr>
+        <p:cNvPr id="1" name=""/>
+        <p:cNvGrpSpPr/>
+        <p:nvPr/>
+      </p:nvGrpSpPr>
+      <p:grpSpPr/>
+      <p:sp>
+        <p:nvSpPr>
+          <p:cNvPr id="2" name="タイトル 1"/>
+          <p:cNvSpPr>
+            <a:spLocks noGrp="1"/>
+          </p:cNvSpPr>
+          <p:nvPr>
+            <p:ph type="title"/>
+          </p:nvPr>
+        </p:nvSpPr>
+        <p:spPr>
+          <a:xfrm>
+            <a:off x="838200" y="365125"/>
+            <a:ext cx="10515600" cy="617855"/>
+          </a:xfrm>
+          <a:solidFill>
+            <a:schemeClr val="accent5">
+              <a:lumMod val="20000"/>
+              <a:lumOff val="80000"/>
+              <a:alpha val="50000"/>
+            </a:schemeClr>
+          </a:solidFill>
+        </p:spPr>
+        <p:txBody>
+          <a:bodyPr/>
+          <a:p>
+            <a:r>
+              <a:rPr lang="ja-JP" altLang="en-US" sz="3200"/>
+              <a:t>概要</a:t>
+            </a:r>
+            <a:endParaRPr lang="ja-JP" altLang="en-US" sz="3200"/>
+          </a:p>
+        </p:txBody>
+      </p:sp>
+      <p:sp>
+        <p:nvSpPr>
+          <p:cNvPr id="3" name="コンテンツプレースホルダ 2"/>
+          <p:cNvSpPr>
+            <a:spLocks noGrp="1"/>
+          </p:cNvSpPr>
+          <p:nvPr>
+            <p:ph idx="1"/>
+          </p:nvPr>
+        </p:nvSpPr>
+        <p:spPr>
+          <a:xfrm>
+            <a:off x="838200" y="983615"/>
+            <a:ext cx="10515600" cy="5193665"/>
+          </a:xfrm>
+        </p:spPr>
+        <p:txBody>
+          <a:bodyPr/>
+          <a:p>
+            <a:pPr marL="0" indent="0">
+              <a:buNone/>
+            </a:pPr>
+            <a:endParaRPr lang="ja-JP" altLang="en-US"/>
+          </a:p>
+          <a:p>
+            <a:pPr marL="0" indent="0">
+              <a:buNone/>
+            </a:pPr>
+            <a:r>
+              <a:rPr lang="ja-JP" altLang="en-US"/>
+              <a:t>　１．着地点</a:t>
+            </a:r>
+            <a:endParaRPr lang="ja-JP" altLang="en-US"/>
+          </a:p>
+          <a:p>
+            <a:pPr marL="0" indent="0">
+              <a:buNone/>
+            </a:pPr>
+            <a:r>
+              <a:rPr lang="ja-JP" altLang="en-US"/>
+              <a:t>　２．処理依存とデータ依存の違い</a:t>
+            </a:r>
+            <a:endParaRPr lang="ja-JP" altLang="en-US"/>
+          </a:p>
+          <a:p>
+            <a:pPr marL="0" indent="0">
+              <a:buNone/>
+            </a:pPr>
+            <a:r>
+              <a:rPr lang="ja-JP" altLang="en-US"/>
+              <a:t>　３．デモ①</a:t>
+            </a:r>
+            <a:endParaRPr lang="ja-JP" altLang="en-US"/>
+          </a:p>
+          <a:p>
+            <a:pPr marL="0" indent="0">
+              <a:buNone/>
+            </a:pPr>
+            <a:r>
+              <a:rPr lang="ja-JP" altLang="en-US"/>
+              <a:t>　４．要件は満たせてる</a:t>
+            </a:r>
+            <a:r>
+              <a:rPr lang="ja-JP" altLang="en-US"/>
+              <a:t>？</a:t>
+            </a:r>
+            <a:endParaRPr lang="ja-JP" altLang="en-US"/>
+          </a:p>
+          <a:p>
+            <a:pPr marL="0" indent="0">
+              <a:buNone/>
+            </a:pPr>
+            <a:r>
+              <a:rPr lang="ja-JP" altLang="en-US"/>
+              <a:t>　５．デモ②</a:t>
+            </a:r>
+            <a:endParaRPr lang="ja-JP" altLang="en-US"/>
+          </a:p>
+          <a:p>
+            <a:pPr marL="0" indent="0">
+              <a:buNone/>
+            </a:pPr>
+            <a:r>
+              <a:rPr lang="ja-JP" altLang="en-US"/>
+              <a:t>　６．品質は高い</a:t>
+            </a:r>
+            <a:r>
+              <a:rPr lang="ja-JP" altLang="en-US"/>
+              <a:t>？</a:t>
+            </a:r>
+            <a:endParaRPr lang="ja-JP" altLang="en-US"/>
+          </a:p>
+          <a:p>
+            <a:pPr marL="0" indent="0">
+              <a:buNone/>
+            </a:pPr>
+            <a:r>
+              <a:rPr lang="ja-JP" altLang="en-US"/>
+              <a:t>　７．処理依存とは、リスクを蓄積する事</a:t>
+            </a:r>
+            <a:r>
+              <a:rPr lang="ja-JP" altLang="en-US"/>
+              <a:t>！</a:t>
+            </a:r>
+            <a:endParaRPr lang="ja-JP" altLang="en-US"/>
+          </a:p>
+          <a:p>
+            <a:pPr marL="0" indent="0">
+              <a:buNone/>
+            </a:pPr>
+            <a:r>
+              <a:rPr lang="ja-JP" altLang="en-US"/>
+              <a:t>　８．</a:t>
+            </a:r>
+            <a:r>
+              <a:rPr lang="en-US" altLang="ja-JP"/>
+              <a:t>AI</a:t>
+            </a:r>
+            <a:r>
+              <a:rPr lang="ja-JP" altLang="en-US"/>
+              <a:t>と絡めるよ！</a:t>
+            </a:r>
+            <a:endParaRPr lang="ja-JP" altLang="en-US"/>
+          </a:p>
+          <a:p>
+            <a:pPr marL="0" indent="0">
+              <a:buNone/>
+            </a:pPr>
+            <a:endParaRPr lang="ja-JP" altLang="en-US"/>
+          </a:p>
+        </p:txBody>
+      </p:sp>
+      <p:pic>
+        <p:nvPicPr>
+          <p:cNvPr id="5" name="図形 4" descr="images"/>
+          <p:cNvPicPr>
+            <a:picLocks noChangeAspect="1"/>
+          </p:cNvPicPr>
+          <p:nvPr/>
+        </p:nvPicPr>
+        <p:blipFill>
+          <a:blip r:embed="rId1"/>
+          <a:stretch>
+            <a:fillRect/>
+          </a:stretch>
+        </p:blipFill>
+        <p:spPr>
+          <a:xfrm>
+            <a:off x="10325100" y="4379595"/>
+            <a:ext cx="1028700" cy="1797685"/>
+          </a:xfrm>
+          <a:prstGeom prst="rect">
+            <a:avLst/>
+          </a:prstGeom>
+        </p:spPr>
+      </p:pic>
+      <p:sp>
+        <p:nvSpPr>
+          <p:cNvPr id="6" name="テキストボックス 5"/>
+          <p:cNvSpPr txBox="1"/>
+          <p:nvPr/>
+        </p:nvSpPr>
+        <p:spPr>
+          <a:xfrm>
+            <a:off x="10149840" y="3980815"/>
+            <a:ext cx="1203960" cy="460375"/>
+          </a:xfrm>
+          <a:prstGeom prst="rect">
+            <a:avLst/>
+          </a:prstGeom>
+          <a:noFill/>
+        </p:spPr>
+        <p:txBody>
+          <a:bodyPr wrap="square" rtlCol="0">
+            <a:spAutoFit/>
+          </a:bodyPr>
+          <a:p>
+            <a:endParaRPr lang="ja-JP" altLang="en-US" sz="1200"/>
+          </a:p>
+          <a:p>
+            <a:r>
+              <a:rPr lang="ja-JP" altLang="en-US" sz="1200"/>
+              <a:t>　　スカスカやな</a:t>
+            </a:r>
+            <a:endParaRPr lang="ja-JP" altLang="en-US" sz="1200"/>
+          </a:p>
+        </p:txBody>
+      </p:sp>
+    </p:spTree>
+  </p:cSld>
+  <p:clrMapOvr>
+    <a:masterClrMapping/>
+  </p:clrMapOvr>
+</p:sld>
+</file>
+
+<file path=ppt/slides/slide3.xml><?xml version="1.0" encoding="utf-8"?>
+<p:sld xmlns:a="http://schemas.openxmlformats.org/drawingml/2006/main" xmlns:r="http://schemas.openxmlformats.org/officeDocument/2006/relationships" xmlns:p="http://schemas.openxmlformats.org/presentationml/2006/main">
+  <p:cSld>
+    <p:spTree>
+      <p:nvGrpSpPr>
+        <p:cNvPr id="1" name=""/>
+        <p:cNvGrpSpPr/>
+        <p:nvPr/>
+      </p:nvGrpSpPr>
+      <p:grpSpPr/>
+      <p:sp>
+        <p:nvSpPr>
+          <p:cNvPr id="2" name="タイトル 1"/>
+          <p:cNvSpPr>
+            <a:spLocks noGrp="1"/>
+          </p:cNvSpPr>
+          <p:nvPr>
+            <p:ph type="title"/>
+          </p:nvPr>
+        </p:nvSpPr>
+        <p:spPr>
+          <a:xfrm>
+            <a:off x="838200" y="365125"/>
+            <a:ext cx="10515600" cy="619200"/>
+          </a:xfrm>
+          <a:solidFill>
+            <a:schemeClr val="accent5">
+              <a:lumMod val="20000"/>
+              <a:lumOff val="80000"/>
+              <a:alpha val="50000"/>
+            </a:schemeClr>
+          </a:solidFill>
+        </p:spPr>
+        <p:txBody>
+          <a:bodyPr/>
+          <a:p>
+            <a:r>
+              <a:rPr lang="ja-JP" altLang="en-US" sz="3200"/>
+              <a:t>１．着地点</a:t>
+            </a:r>
+            <a:endParaRPr lang="ja-JP" altLang="en-US" sz="3200"/>
+          </a:p>
+        </p:txBody>
+      </p:sp>
+      <p:sp>
+        <p:nvSpPr>
+          <p:cNvPr id="3" name="コンテンツプレースホルダ 2"/>
+          <p:cNvSpPr>
+            <a:spLocks noGrp="1"/>
+          </p:cNvSpPr>
+          <p:nvPr>
+            <p:ph sz="half" idx="1"/>
+          </p:nvPr>
+        </p:nvSpPr>
+        <p:spPr>
+          <a:xfrm>
+            <a:off x="838200" y="983615"/>
+            <a:ext cx="10515600" cy="5193665"/>
+          </a:xfrm>
+        </p:spPr>
+        <p:txBody>
+          <a:bodyPr>
+            <a:normAutofit lnSpcReduction="10000"/>
+          </a:bodyPr>
+          <a:p>
+            <a:endParaRPr lang="ja-JP" altLang="en-US"/>
+          </a:p>
+          <a:p>
+            <a:pPr marL="0" indent="0">
+              <a:buNone/>
+            </a:pPr>
+            <a:r>
+              <a:rPr lang="ja-JP" altLang="en-US"/>
+              <a:t>　比較</a:t>
+            </a:r>
+            <a:endParaRPr lang="en-US" altLang="ja-JP"/>
+          </a:p>
+          <a:p>
+            <a:pPr marL="0" indent="0">
+              <a:buNone/>
+            </a:pPr>
+            <a:endParaRPr lang="ja-JP" altLang="en-US"/>
+          </a:p>
+          <a:p>
+            <a:pPr marL="0" indent="0">
+              <a:buNone/>
+            </a:pPr>
+            <a:endParaRPr lang="ja-JP" altLang="en-US"/>
+          </a:p>
+          <a:p>
+            <a:pPr marL="0" indent="0">
+              <a:buNone/>
+            </a:pPr>
+            <a:r>
+              <a:rPr lang="ja-JP" altLang="en-US"/>
+              <a:t>　　　　　　</a:t>
+            </a:r>
+            <a:endParaRPr lang="ja-JP" altLang="en-US"/>
+          </a:p>
+        </p:txBody>
+      </p:sp>
+      <p:pic>
+        <p:nvPicPr>
+          <p:cNvPr id="5" name="図形 4" descr="images"/>
+          <p:cNvPicPr>
+            <a:picLocks noChangeAspect="1"/>
+          </p:cNvPicPr>
+          <p:nvPr/>
+        </p:nvPicPr>
+        <p:blipFill>
+          <a:blip r:embed="rId1"/>
+          <a:stretch>
+            <a:fillRect/>
+          </a:stretch>
+        </p:blipFill>
+        <p:spPr>
+          <a:xfrm>
+            <a:off x="10325100" y="4379595"/>
+            <a:ext cx="1028700" cy="1797685"/>
+          </a:xfrm>
+          <a:prstGeom prst="rect">
+            <a:avLst/>
+          </a:prstGeom>
+        </p:spPr>
+      </p:pic>
+      <p:sp>
+        <p:nvSpPr>
+          <p:cNvPr id="6" name="テキストボックス 5"/>
+          <p:cNvSpPr txBox="1"/>
+          <p:nvPr/>
+        </p:nvSpPr>
+        <p:spPr>
+          <a:xfrm>
+            <a:off x="10265410" y="3980815"/>
+            <a:ext cx="1238885" cy="460375"/>
+          </a:xfrm>
+          <a:prstGeom prst="rect">
+            <a:avLst/>
+          </a:prstGeom>
+          <a:noFill/>
+        </p:spPr>
+        <p:txBody>
+          <a:bodyPr wrap="square" rtlCol="0">
+            <a:spAutoFit/>
+          </a:bodyPr>
+          <a:p>
+            <a:r>
+              <a:rPr lang="ja-JP" altLang="en-US" sz="1200"/>
+              <a:t>　着地点も</a:t>
+            </a:r>
+            <a:endParaRPr lang="ja-JP" altLang="en-US" sz="1200"/>
+          </a:p>
+          <a:p>
+            <a:r>
+              <a:rPr lang="ja-JP" altLang="en-US" sz="1200"/>
+              <a:t>　スカスカやな</a:t>
+            </a:r>
+            <a:endParaRPr lang="ja-JP" altLang="en-US" sz="1200"/>
+          </a:p>
+        </p:txBody>
+      </p:sp>
+      <p:graphicFrame>
+        <p:nvGraphicFramePr>
+          <p:cNvPr id="7" name="表 6"/>
+          <p:cNvGraphicFramePr/>
+          <p:nvPr/>
+        </p:nvGraphicFramePr>
+        <p:xfrm>
+          <a:off x="1172845" y="1900555"/>
+          <a:ext cx="8532495" cy="2922270"/>
+        </p:xfrm>
+        <a:graphic>
+          <a:graphicData uri="http://schemas.openxmlformats.org/drawingml/2006/table">
+            <a:tbl>
+              <a:tblPr firstRow="1" bandRow="1">
+                <a:tableStyleId>{5C22544A-7EE6-4342-B048-85BDC9FD1C3A}</a:tableStyleId>
+              </a:tblPr>
+              <a:tblGrid>
+                <a:gridCol w="3690620"/>
+                <a:gridCol w="2292350"/>
+                <a:gridCol w="2549525"/>
+              </a:tblGrid>
+              <a:tr h="974090">
+                <a:tc>
+                  <a:txBody>
+                    <a:bodyPr/>
+                    <a:p>
+                      <a:pPr>
+                        <a:buNone/>
+                      </a:pPr>
+                      <a:endParaRPr lang="ja-JP" altLang="en-US" sz="3200" b="1"/>
+                    </a:p>
+                  </a:txBody>
+                  <a:tcPr anchor="ctr" anchorCtr="0"/>
+                </a:tc>
+                <a:tc>
+                  <a:txBody>
+                    <a:bodyPr/>
+                    <a:p>
+                      <a:pPr algn="ctr">
+                        <a:buNone/>
+                      </a:pPr>
+                      <a:r>
+                        <a:rPr lang="ja-JP" altLang="en-US" sz="3200" b="1"/>
+                        <a:t>処理依存</a:t>
+                      </a:r>
+                      <a:endParaRPr lang="ja-JP" altLang="en-US" sz="3200" b="1"/>
+                    </a:p>
+                  </a:txBody>
+                  <a:tcPr anchor="ctr" anchorCtr="0"/>
+                </a:tc>
+                <a:tc>
+                  <a:txBody>
+                    <a:bodyPr/>
+                    <a:p>
+                      <a:pPr algn="ctr">
+                        <a:buNone/>
+                      </a:pPr>
+                      <a:r>
+                        <a:rPr lang="ja-JP" altLang="en-US" sz="3200" b="1"/>
+                        <a:t>データ依存</a:t>
+                      </a:r>
+                      <a:endParaRPr lang="ja-JP" altLang="en-US" sz="3200" b="1"/>
+                    </a:p>
+                  </a:txBody>
+                  <a:tcPr anchor="ctr" anchorCtr="0"/>
+                </a:tc>
+              </a:tr>
+              <a:tr h="974090">
+                <a:tc>
+                  <a:txBody>
+                    <a:bodyPr/>
+                    <a:p>
+                      <a:pPr>
+                        <a:buNone/>
+                      </a:pPr>
+                      <a:r>
+                        <a:rPr lang="ja-JP" altLang="en-US" sz="3200" b="1"/>
+                        <a:t>要件を満たせる？</a:t>
+                      </a:r>
+                      <a:endParaRPr lang="ja-JP" altLang="en-US" sz="3200" b="1"/>
+                    </a:p>
+                  </a:txBody>
+                  <a:tcPr anchor="ctr" anchorCtr="0"/>
+                </a:tc>
+                <a:tc>
+                  <a:txBody>
+                    <a:bodyPr/>
+                    <a:p>
+                      <a:pPr algn="ctr">
+                        <a:buNone/>
+                      </a:pPr>
+                      <a:r>
+                        <a:rPr lang="ja-JP" altLang="en-US" sz="3200" b="1">
+                          <a:solidFill>
+                            <a:srgbClr val="0070C0"/>
+                          </a:solidFill>
+                        </a:rPr>
+                        <a:t>可</a:t>
+                      </a:r>
+                      <a:endParaRPr lang="ja-JP" altLang="en-US" sz="3200" b="1">
+                        <a:solidFill>
+                          <a:srgbClr val="0070C0"/>
+                        </a:solidFill>
+                      </a:endParaRPr>
+                    </a:p>
+                  </a:txBody>
+                  <a:tcPr anchor="ctr" anchorCtr="0"/>
+                </a:tc>
+                <a:tc>
+                  <a:txBody>
+                    <a:bodyPr/>
+                    <a:p>
+                      <a:pPr algn="ctr">
+                        <a:buNone/>
+                      </a:pPr>
+                      <a:r>
+                        <a:rPr lang="ja-JP" altLang="en-US" sz="3200" b="1">
+                          <a:solidFill>
+                            <a:srgbClr val="0070C0"/>
+                          </a:solidFill>
+                        </a:rPr>
+                        <a:t>可</a:t>
+                      </a:r>
+                      <a:endParaRPr lang="ja-JP" altLang="en-US" sz="3200" b="1">
+                        <a:solidFill>
+                          <a:srgbClr val="0070C0"/>
+                        </a:solidFill>
+                      </a:endParaRPr>
+                    </a:p>
+                  </a:txBody>
+                  <a:tcPr anchor="ctr" anchorCtr="0"/>
+                </a:tc>
+              </a:tr>
+              <a:tr h="974090">
+                <a:tc>
+                  <a:txBody>
+                    <a:bodyPr/>
+                    <a:p>
+                      <a:pPr>
+                        <a:buNone/>
+                      </a:pPr>
+                      <a:r>
+                        <a:rPr lang="ja-JP" altLang="en-US" sz="3200" b="1"/>
+                        <a:t>品質は高い？</a:t>
+                      </a:r>
+                      <a:endParaRPr lang="ja-JP" altLang="en-US" sz="3200" b="1"/>
+                    </a:p>
+                  </a:txBody>
+                  <a:tcPr anchor="ctr" anchorCtr="0"/>
+                </a:tc>
+                <a:tc>
+                  <a:txBody>
+                    <a:bodyPr/>
+                    <a:p>
+                      <a:pPr algn="ctr">
+                        <a:buNone/>
+                      </a:pPr>
+                      <a:r>
+                        <a:rPr lang="ja-JP" altLang="en-US" sz="3200" b="1">
+                          <a:solidFill>
+                            <a:srgbClr val="FF0000"/>
+                          </a:solidFill>
+                        </a:rPr>
+                        <a:t>低</a:t>
+                      </a:r>
+                      <a:endParaRPr lang="ja-JP" altLang="en-US" sz="3200" b="1">
+                        <a:solidFill>
+                          <a:srgbClr val="FF0000"/>
+                        </a:solidFill>
+                      </a:endParaRPr>
+                    </a:p>
+                  </a:txBody>
+                  <a:tcPr anchor="ctr" anchorCtr="0"/>
+                </a:tc>
+                <a:tc>
+                  <a:txBody>
+                    <a:bodyPr/>
+                    <a:p>
+                      <a:pPr algn="ctr">
+                        <a:buNone/>
+                      </a:pPr>
+                      <a:r>
+                        <a:rPr lang="ja-JP" altLang="en-US" sz="3200" b="1">
+                          <a:solidFill>
+                            <a:srgbClr val="0070C0"/>
+                          </a:solidFill>
+                        </a:rPr>
+                        <a:t>高</a:t>
+                      </a:r>
+                      <a:endParaRPr lang="ja-JP" altLang="en-US" sz="3200" b="1">
+                        <a:solidFill>
+                          <a:srgbClr val="0070C0"/>
+                        </a:solidFill>
+                      </a:endParaRPr>
+                    </a:p>
+                  </a:txBody>
+                  <a:tcPr anchor="ctr" anchorCtr="0"/>
+                </a:tc>
+              </a:tr>
+            </a:tbl>
+          </a:graphicData>
+        </a:graphic>
+      </p:graphicFrame>
+    </p:spTree>
+  </p:cSld>
+  <p:clrMapOvr>
+    <a:masterClrMapping/>
+  </p:clrMapOvr>
+</p:sld>
+</file>
+
+<file path=ppt/slides/slide4.xml><?xml version="1.0" encoding="utf-8"?>
+<p:sld xmlns:a="http://schemas.openxmlformats.org/drawingml/2006/main" xmlns:r="http://schemas.openxmlformats.org/officeDocument/2006/relationships" xmlns:p="http://schemas.openxmlformats.org/presentationml/2006/main">
+  <p:cSld>
+    <p:spTree>
+      <p:nvGrpSpPr>
+        <p:cNvPr id="1" name=""/>
+        <p:cNvGrpSpPr/>
+        <p:nvPr/>
+      </p:nvGrpSpPr>
+      <p:grpSpPr/>
+      <p:pic>
+        <p:nvPicPr>
+          <p:cNvPr id="5" name="図形 4" descr="images"/>
+          <p:cNvPicPr>
+            <a:picLocks noChangeAspect="1"/>
+          </p:cNvPicPr>
+          <p:nvPr/>
+        </p:nvPicPr>
+        <p:blipFill>
+          <a:blip r:embed="rId1"/>
+          <a:stretch>
+            <a:fillRect/>
+          </a:stretch>
+        </p:blipFill>
+        <p:spPr>
+          <a:xfrm>
+            <a:off x="10325100" y="4379595"/>
+            <a:ext cx="1028700" cy="1797685"/>
+          </a:xfrm>
+          <a:prstGeom prst="rect">
+            <a:avLst/>
+          </a:prstGeom>
+        </p:spPr>
+      </p:pic>
+      <p:pic>
+        <p:nvPicPr>
+          <p:cNvPr id="7" name="図形 6"/>
+          <p:cNvPicPr>
+            <a:picLocks noChangeAspect="1"/>
+          </p:cNvPicPr>
+          <p:nvPr/>
+        </p:nvPicPr>
+        <p:blipFill>
+          <a:blip r:embed="rId2"/>
+          <a:stretch>
+            <a:fillRect/>
+          </a:stretch>
+        </p:blipFill>
+        <p:spPr>
+          <a:xfrm>
+            <a:off x="941705" y="1539875"/>
+            <a:ext cx="9590405" cy="4394200"/>
+          </a:xfrm>
+          <a:prstGeom prst="rect">
+            <a:avLst/>
+          </a:prstGeom>
+        </p:spPr>
+      </p:pic>
+      <p:sp>
+        <p:nvSpPr>
+          <p:cNvPr id="2" name="タイトル 1"/>
+          <p:cNvSpPr>
+            <a:spLocks noGrp="1"/>
+          </p:cNvSpPr>
+          <p:nvPr>
+            <p:ph type="title"/>
+          </p:nvPr>
+        </p:nvSpPr>
+        <p:spPr>
+          <a:xfrm>
+            <a:off x="838200" y="365125"/>
+            <a:ext cx="10515600" cy="619200"/>
+          </a:xfrm>
+          <a:solidFill>
+            <a:schemeClr val="accent5">
+              <a:lumMod val="20000"/>
+              <a:lumOff val="80000"/>
+              <a:alpha val="50000"/>
+            </a:schemeClr>
+          </a:solidFill>
+        </p:spPr>
+        <p:txBody>
+          <a:bodyPr>
+            <a:normAutofit/>
+          </a:bodyPr>
+          <a:p>
+            <a:r>
+              <a:rPr lang="ja-JP" altLang="en-US" sz="3200">
+                <a:sym typeface="+mn-ea"/>
+              </a:rPr>
+              <a:t>２．処理依存とデータ依存の違い</a:t>
+            </a:r>
+            <a:endParaRPr lang="ja-JP" altLang="en-US" sz="3200"/>
+          </a:p>
+        </p:txBody>
+      </p:sp>
+      <p:sp>
+        <p:nvSpPr>
+          <p:cNvPr id="3" name="コンテンツプレースホルダ 2"/>
+          <p:cNvSpPr>
+            <a:spLocks noGrp="1"/>
+          </p:cNvSpPr>
+          <p:nvPr>
+            <p:ph sz="half" idx="1"/>
+          </p:nvPr>
+        </p:nvSpPr>
+        <p:spPr>
+          <a:xfrm>
+            <a:off x="838200" y="984885"/>
+            <a:ext cx="10515600" cy="5192395"/>
+          </a:xfrm>
+        </p:spPr>
+        <p:txBody>
+          <a:bodyPr>
+            <a:normAutofit lnSpcReduction="20000"/>
+          </a:bodyPr>
+          <a:p>
+            <a:pPr marL="0" indent="0">
+              <a:buNone/>
+            </a:pPr>
+            <a:endParaRPr lang="en-US" altLang="ja-JP" sz="600"/>
+          </a:p>
+          <a:p>
+            <a:pPr marL="0" indent="0">
+              <a:buNone/>
+            </a:pPr>
+            <a:r>
+              <a:rPr lang="en-US" altLang="ja-JP"/>
+              <a:t>←</a:t>
+            </a:r>
+            <a:r>
+              <a:rPr lang="ja-JP" altLang="en-US"/>
+              <a:t>処理依存　　　　　　　　　　　　　　　　　　　　　　　　　データ依存</a:t>
+            </a:r>
+            <a:r>
+              <a:rPr lang="en-US" altLang="ja-JP"/>
+              <a:t>→</a:t>
+            </a:r>
+            <a:endParaRPr lang="ja-JP" altLang="en-US"/>
+          </a:p>
+          <a:p>
+            <a:pPr marL="0" indent="0">
+              <a:buNone/>
+            </a:pPr>
+            <a:endParaRPr lang="ja-JP" altLang="en-US"/>
+          </a:p>
+          <a:p>
+            <a:pPr marL="0" indent="0">
+              <a:buNone/>
+            </a:pPr>
+            <a:endParaRPr lang="ja-JP" altLang="en-US"/>
+          </a:p>
+          <a:p>
+            <a:endParaRPr lang="ja-JP" altLang="en-US"/>
+          </a:p>
+          <a:p>
+            <a:endParaRPr lang="ja-JP" altLang="en-US"/>
+          </a:p>
+          <a:p>
+            <a:endParaRPr lang="ja-JP" altLang="en-US"/>
+          </a:p>
+          <a:p>
+            <a:endParaRPr lang="ja-JP" altLang="en-US"/>
+          </a:p>
+          <a:p>
+            <a:endParaRPr lang="ja-JP" altLang="en-US"/>
+          </a:p>
+          <a:p>
+            <a:endParaRPr lang="ja-JP" altLang="en-US"/>
+          </a:p>
+          <a:p>
+            <a:endParaRPr lang="ja-JP" altLang="en-US"/>
+          </a:p>
+        </p:txBody>
+      </p:sp>
+      <p:sp>
+        <p:nvSpPr>
+          <p:cNvPr id="6" name="テキストボックス 5"/>
+          <p:cNvSpPr txBox="1"/>
+          <p:nvPr/>
+        </p:nvSpPr>
+        <p:spPr>
+          <a:xfrm>
+            <a:off x="10119360" y="3891915"/>
+            <a:ext cx="1385570" cy="460375"/>
+          </a:xfrm>
+          <a:prstGeom prst="rect">
+            <a:avLst/>
+          </a:prstGeom>
+          <a:noFill/>
+        </p:spPr>
+        <p:txBody>
+          <a:bodyPr wrap="square" rtlCol="0">
+            <a:spAutoFit/>
+          </a:bodyPr>
+          <a:p>
+            <a:endParaRPr lang="ja-JP" altLang="en-US" sz="1200"/>
+          </a:p>
+          <a:p>
+            <a:r>
+              <a:rPr lang="ja-JP" altLang="en-US" sz="1200"/>
+              <a:t>　　　　被ってんぞ！</a:t>
+            </a:r>
+            <a:endParaRPr lang="ja-JP" altLang="en-US" sz="1200"/>
+          </a:p>
+        </p:txBody>
+      </p:sp>
+      <p:sp>
+        <p:nvSpPr>
+          <p:cNvPr id="16" name="四角形吹き出し 15"/>
+          <p:cNvSpPr/>
+          <p:nvPr/>
+        </p:nvSpPr>
+        <p:spPr>
+          <a:xfrm>
+            <a:off x="2642870" y="5311775"/>
+            <a:ext cx="2674620" cy="1027430"/>
+          </a:xfrm>
+          <a:prstGeom prst="wedgeRectCallout">
+            <a:avLst>
+              <a:gd name="adj1" fmla="val -25623"/>
+              <a:gd name="adj2" fmla="val -64070"/>
+            </a:avLst>
+          </a:prstGeom>
+          <a:gradFill>
+            <a:gsLst>
+              <a:gs pos="0">
+                <a:srgbClr val="FE4444"/>
+              </a:gs>
+              <a:gs pos="100000">
+                <a:srgbClr val="832B2B"/>
+              </a:gs>
+            </a:gsLst>
+            <a:lin ang="5400000" scaled="0"/>
+          </a:gradFill>
+          <a:ln>
+            <a:solidFill>
+              <a:srgbClr val="FF0000"/>
+            </a:solidFill>
+          </a:ln>
+        </p:spPr>
+        <p:style>
+          <a:lnRef idx="2">
+            <a:schemeClr val="accent1">
+              <a:shade val="50000"/>
+            </a:schemeClr>
+          </a:lnRef>
+          <a:fillRef idx="1">
+            <a:schemeClr val="accent1"/>
+          </a:fillRef>
+          <a:effectRef idx="0">
+            <a:schemeClr val="accent1"/>
+          </a:effectRef>
+          <a:fontRef idx="minor">
+            <a:schemeClr val="lt1"/>
+          </a:fontRef>
+        </p:style>
+        <p:txBody>
+          <a:bodyPr rtlCol="0" anchor="ctr"/>
+          <a:p>
+            <a:pPr algn="l"/>
             <a:r>
               <a:rPr lang="ja-JP" altLang="en-US" sz="1600" b="1"/>
-              <a:t>一方・・・</a:t>
+              <a:t>ぱっとみは綺麗・・</a:t>
+            </a:r>
+            <a:endParaRPr lang="ja-JP" altLang="en-US" sz="1600" b="1"/>
+          </a:p>
+          <a:p>
+            <a:pPr algn="l"/>
+            <a:r>
+              <a:rPr lang="ja-JP" altLang="en-US" sz="1600" b="1"/>
+              <a:t>・処理に矛盾は無いデス</a:t>
+            </a:r>
+            <a:endParaRPr lang="ja-JP" altLang="en-US" sz="1600" b="1"/>
+          </a:p>
+          <a:p>
+            <a:pPr algn="l"/>
+            <a:r>
+              <a:rPr lang="ja-JP" altLang="en-US" sz="1600" b="1"/>
+              <a:t>・スコープ小さいデス</a:t>
+            </a:r>
+            <a:endParaRPr lang="ja-JP" altLang="en-US" sz="1600" b="1" u="sng">
+              <a:solidFill>
+                <a:srgbClr val="FFFF00"/>
+              </a:solidFill>
+            </a:endParaRPr>
+          </a:p>
+        </p:txBody>
+      </p:sp>
+    </p:spTree>
+  </p:cSld>
+  <p:clrMapOvr>
+    <a:masterClrMapping/>
+  </p:clrMapOvr>
+</p:sld>
+</file>
+
+<file path=ppt/slides/slide5.xml><?xml version="1.0" encoding="utf-8"?>
+<p:sld xmlns:a="http://schemas.openxmlformats.org/drawingml/2006/main" xmlns:r="http://schemas.openxmlformats.org/officeDocument/2006/relationships" xmlns:p="http://schemas.openxmlformats.org/presentationml/2006/main">
+  <p:cSld>
+    <p:spTree>
+      <p:nvGrpSpPr>
+        <p:cNvPr id="1" name=""/>
+        <p:cNvGrpSpPr/>
+        <p:nvPr/>
+      </p:nvGrpSpPr>
+      <p:grpSpPr/>
+      <p:sp>
+        <p:nvSpPr>
+          <p:cNvPr id="2" name="タイトル 1"/>
+          <p:cNvSpPr>
+            <a:spLocks noGrp="1"/>
+          </p:cNvSpPr>
+          <p:nvPr>
+            <p:ph type="title"/>
+          </p:nvPr>
+        </p:nvSpPr>
+        <p:spPr>
+          <a:xfrm>
+            <a:off x="838200" y="365125"/>
+            <a:ext cx="10515600" cy="619200"/>
+          </a:xfrm>
+          <a:solidFill>
+            <a:schemeClr val="accent5">
+              <a:lumMod val="20000"/>
+              <a:lumOff val="80000"/>
+              <a:alpha val="50000"/>
+            </a:schemeClr>
+          </a:solidFill>
+        </p:spPr>
+        <p:txBody>
+          <a:bodyPr/>
+          <a:p>
+            <a:r>
+              <a:rPr lang="ja-JP" altLang="en-US" sz="3200"/>
+              <a:t>３．デモ①</a:t>
+            </a:r>
+            <a:endParaRPr lang="ja-JP" altLang="en-US" sz="3200"/>
+          </a:p>
+        </p:txBody>
+      </p:sp>
+      <p:sp>
+        <p:nvSpPr>
+          <p:cNvPr id="3" name="コンテンツプレースホルダ 2"/>
+          <p:cNvSpPr>
+            <a:spLocks noGrp="1"/>
+          </p:cNvSpPr>
+          <p:nvPr>
+            <p:ph sz="half" idx="1"/>
+          </p:nvPr>
+        </p:nvSpPr>
+        <p:spPr>
+          <a:xfrm>
+            <a:off x="838200" y="983615"/>
+            <a:ext cx="10515600" cy="5193665"/>
+          </a:xfrm>
+        </p:spPr>
+        <p:txBody>
+          <a:bodyPr>
+            <a:normAutofit lnSpcReduction="10000"/>
+          </a:bodyPr>
+          <a:p>
+            <a:pPr marL="0" indent="0">
+              <a:buNone/>
+            </a:pPr>
+            <a:endParaRPr lang="ja-JP" altLang="en-US" sz="800"/>
+          </a:p>
+          <a:p>
+            <a:pPr marL="0" indent="0">
+              <a:buNone/>
+            </a:pPr>
+            <a:r>
+              <a:rPr lang="ja-JP" altLang="en-US"/>
+              <a:t>デモやります！</a:t>
+            </a:r>
+            <a:endParaRPr lang="en-US" altLang="ja-JP"/>
+          </a:p>
+          <a:p>
+            <a:pPr marL="0" indent="0">
+              <a:buNone/>
+            </a:pPr>
+            <a:r>
+              <a:rPr lang="ja-JP" altLang="en-US"/>
+              <a:t>　</a:t>
+            </a:r>
+            <a:r>
+              <a:rPr lang="ja-JP" altLang="en-US" sz="1600"/>
+              <a:t>https://github.com/RyotoKuroki/QualityDependsOnDataApplication</a:t>
+            </a:r>
+            <a:endParaRPr lang="ja-JP" altLang="en-US"/>
+          </a:p>
+          <a:p>
+            <a:pPr marL="0" indent="0">
+              <a:buNone/>
+            </a:pPr>
+            <a:endParaRPr lang="ja-JP" altLang="en-US"/>
+          </a:p>
+          <a:p>
+            <a:pPr marL="0" indent="0">
+              <a:buNone/>
+            </a:pPr>
+            <a:endParaRPr lang="ja-JP" altLang="en-US"/>
+          </a:p>
+          <a:p>
+            <a:pPr marL="0" indent="0">
+              <a:buNone/>
+            </a:pPr>
+            <a:endParaRPr lang="ja-JP" altLang="en-US"/>
+          </a:p>
+          <a:p>
+            <a:pPr marL="0" indent="0">
+              <a:buNone/>
+            </a:pPr>
+            <a:endParaRPr lang="ja-JP" altLang="en-US"/>
+          </a:p>
+          <a:p>
+            <a:pPr marL="0" indent="0">
+              <a:buNone/>
+            </a:pPr>
+            <a:endParaRPr lang="ja-JP" altLang="en-US"/>
+          </a:p>
+          <a:p>
+            <a:pPr marL="0" indent="0">
+              <a:buNone/>
+            </a:pPr>
+            <a:endParaRPr lang="ja-JP" altLang="en-US"/>
+          </a:p>
+          <a:p>
+            <a:pPr marL="0" indent="0">
+              <a:buNone/>
+            </a:pPr>
+            <a:endParaRPr lang="ja-JP" altLang="en-US"/>
+          </a:p>
+        </p:txBody>
+      </p:sp>
+      <p:pic>
+        <p:nvPicPr>
+          <p:cNvPr id="5" name="図形 4" descr="images"/>
+          <p:cNvPicPr>
+            <a:picLocks noChangeAspect="1"/>
+          </p:cNvPicPr>
+          <p:nvPr/>
+        </p:nvPicPr>
+        <p:blipFill>
+          <a:blip r:embed="rId1"/>
+          <a:stretch>
+            <a:fillRect/>
+          </a:stretch>
+        </p:blipFill>
+        <p:spPr>
+          <a:xfrm>
+            <a:off x="10325100" y="4379595"/>
+            <a:ext cx="1028700" cy="1797685"/>
+          </a:xfrm>
+          <a:prstGeom prst="rect">
+            <a:avLst/>
+          </a:prstGeom>
+        </p:spPr>
+      </p:pic>
+      <p:sp>
+        <p:nvSpPr>
+          <p:cNvPr id="6" name="テキストボックス 5"/>
+          <p:cNvSpPr txBox="1"/>
+          <p:nvPr/>
+        </p:nvSpPr>
+        <p:spPr>
+          <a:xfrm>
+            <a:off x="10265410" y="3980815"/>
+            <a:ext cx="1414145" cy="460375"/>
+          </a:xfrm>
+          <a:prstGeom prst="rect">
+            <a:avLst/>
+          </a:prstGeom>
+          <a:noFill/>
+        </p:spPr>
+        <p:txBody>
+          <a:bodyPr wrap="square" rtlCol="0">
+            <a:spAutoFit/>
+          </a:bodyPr>
+          <a:p>
+            <a:endParaRPr lang="ja-JP" altLang="en-US" sz="1200"/>
+          </a:p>
+          <a:p>
+            <a:r>
+              <a:rPr lang="ja-JP" altLang="en-US" sz="1200"/>
+              <a:t>　　ワイ、３才児</a:t>
+            </a:r>
+            <a:r>
+              <a:rPr lang="ja-JP" altLang="en-US" sz="1200"/>
+              <a:t>・・</a:t>
+            </a:r>
+            <a:endParaRPr lang="ja-JP" altLang="en-US" sz="1200"/>
+          </a:p>
+        </p:txBody>
+      </p:sp>
+      <p:pic>
+        <p:nvPicPr>
+          <p:cNvPr id="11" name="図形 10"/>
+          <p:cNvPicPr>
+            <a:picLocks noChangeAspect="1"/>
+          </p:cNvPicPr>
+          <p:nvPr/>
+        </p:nvPicPr>
+        <p:blipFill>
+          <a:blip r:embed="rId2"/>
+          <a:stretch>
+            <a:fillRect/>
+          </a:stretch>
+        </p:blipFill>
+        <p:spPr>
+          <a:xfrm>
+            <a:off x="1152525" y="2086610"/>
+            <a:ext cx="5222240" cy="2545080"/>
+          </a:xfrm>
+          <a:prstGeom prst="rect">
+            <a:avLst/>
+          </a:prstGeom>
+          <a:ln>
+            <a:solidFill>
+              <a:schemeClr val="accent1"/>
+            </a:solidFill>
+          </a:ln>
+        </p:spPr>
+      </p:pic>
+      <p:pic>
+        <p:nvPicPr>
+          <p:cNvPr id="12" name="図形 11"/>
+          <p:cNvPicPr>
+            <a:picLocks noChangeAspect="1"/>
+          </p:cNvPicPr>
+          <p:nvPr/>
+        </p:nvPicPr>
+        <p:blipFill>
+          <a:blip r:embed="rId3"/>
+          <a:stretch>
+            <a:fillRect/>
+          </a:stretch>
+        </p:blipFill>
+        <p:spPr>
+          <a:xfrm>
+            <a:off x="2836545" y="3632200"/>
+            <a:ext cx="5222240" cy="2545080"/>
+          </a:xfrm>
+          <a:prstGeom prst="rect">
+            <a:avLst/>
+          </a:prstGeom>
+          <a:ln>
+            <a:solidFill>
+              <a:schemeClr val="accent1"/>
+            </a:solidFill>
+          </a:ln>
+        </p:spPr>
+      </p:pic>
+      <p:sp>
+        <p:nvSpPr>
+          <p:cNvPr id="10" name="四角形吹き出し 9"/>
+          <p:cNvSpPr/>
+          <p:nvPr/>
+        </p:nvSpPr>
+        <p:spPr>
+          <a:xfrm>
+            <a:off x="7565390" y="3467100"/>
+            <a:ext cx="2759710" cy="1164590"/>
+          </a:xfrm>
+          <a:prstGeom prst="wedgeRectCallout">
+            <a:avLst>
+              <a:gd name="adj1" fmla="val -70000"/>
+              <a:gd name="adj2" fmla="val 15703"/>
+            </a:avLst>
+          </a:prstGeom>
+          <a:gradFill>
+            <a:gsLst>
+              <a:gs pos="0">
+                <a:srgbClr val="FE4444"/>
+              </a:gs>
+              <a:gs pos="100000">
+                <a:srgbClr val="832B2B"/>
+              </a:gs>
+            </a:gsLst>
+            <a:lin ang="5400000" scaled="0"/>
+          </a:gradFill>
+          <a:ln>
+            <a:solidFill>
+              <a:srgbClr val="FF0000"/>
+            </a:solidFill>
+          </a:ln>
+        </p:spPr>
+        <p:style>
+          <a:lnRef idx="2">
+            <a:schemeClr val="accent1">
+              <a:shade val="50000"/>
+            </a:schemeClr>
+          </a:lnRef>
+          <a:fillRef idx="1">
+            <a:schemeClr val="accent1"/>
+          </a:fillRef>
+          <a:effectRef idx="0">
+            <a:schemeClr val="accent1"/>
+          </a:effectRef>
+          <a:fontRef idx="minor">
+            <a:schemeClr val="lt1"/>
+          </a:fontRef>
+        </p:style>
+        <p:txBody>
+          <a:bodyPr rtlCol="0" anchor="ctr"/>
+          <a:p>
+            <a:pPr algn="l"/>
+            <a:r>
+              <a:rPr lang="ja-JP" altLang="en-US" sz="1600" b="1"/>
+              <a:t>ロウソク上部の枠を</a:t>
+            </a:r>
+            <a:endParaRPr lang="ja-JP" altLang="en-US" sz="1600" b="1"/>
+          </a:p>
+          <a:p>
+            <a:pPr algn="l"/>
+            <a:r>
+              <a:rPr lang="ja-JP" altLang="en-US" sz="1600" b="1"/>
+              <a:t>クリックすると火が付きます。</a:t>
+            </a:r>
+            <a:endParaRPr lang="ja-JP" altLang="en-US" sz="1600" b="1"/>
+          </a:p>
+          <a:p>
+            <a:pPr algn="l"/>
+            <a:r>
+              <a:rPr lang="ja-JP" altLang="en-US" sz="1600" b="1" u="sng">
+                <a:solidFill>
+                  <a:srgbClr val="FFFF00"/>
+                </a:solidFill>
+              </a:rPr>
+              <a:t>また、本数をカウントします！</a:t>
+            </a:r>
+            <a:endParaRPr lang="ja-JP" altLang="en-US" sz="1600" b="1" u="sng">
+              <a:solidFill>
+                <a:srgbClr val="FFFF00"/>
+              </a:solidFill>
+            </a:endParaRPr>
+          </a:p>
+        </p:txBody>
+      </p:sp>
+      <p:cxnSp>
+        <p:nvCxnSpPr>
+          <p:cNvPr id="13" name="直線矢印コネクタ 12"/>
+          <p:cNvCxnSpPr/>
+          <p:nvPr/>
+        </p:nvCxnSpPr>
+        <p:spPr>
+          <a:xfrm>
+            <a:off x="5106670" y="3172460"/>
+            <a:ext cx="1541145" cy="1383030"/>
+          </a:xfrm>
+          <a:prstGeom prst="straightConnector1">
+            <a:avLst/>
+          </a:prstGeom>
+          <a:ln w="76200">
+            <a:solidFill>
+              <a:srgbClr val="FF0000"/>
+            </a:solidFill>
+            <a:tailEnd type="arrow"/>
+          </a:ln>
+        </p:spPr>
+        <p:style>
+          <a:lnRef idx="1">
+            <a:schemeClr val="accent1"/>
+          </a:lnRef>
+          <a:fillRef idx="0">
+            <a:schemeClr val="accent1"/>
+          </a:fillRef>
+          <a:effectRef idx="0">
+            <a:schemeClr val="accent1"/>
+          </a:effectRef>
+          <a:fontRef idx="minor">
+            <a:schemeClr val="tx1"/>
+          </a:fontRef>
+        </p:style>
+      </p:cxnSp>
+    </p:spTree>
+  </p:cSld>
+  <p:clrMapOvr>
+    <a:masterClrMapping/>
+  </p:clrMapOvr>
+</p:sld>
+</file>
+
+<file path=ppt/slides/slide6.xml><?xml version="1.0" encoding="utf-8"?>
+<p:sld xmlns:a="http://schemas.openxmlformats.org/drawingml/2006/main" xmlns:r="http://schemas.openxmlformats.org/officeDocument/2006/relationships" xmlns:p="http://schemas.openxmlformats.org/presentationml/2006/main">
+  <p:cSld>
+    <p:spTree>
+      <p:nvGrpSpPr>
+        <p:cNvPr id="1" name=""/>
+        <p:cNvGrpSpPr/>
+        <p:nvPr/>
+      </p:nvGrpSpPr>
+      <p:grpSpPr/>
+      <p:sp>
+        <p:nvSpPr>
+          <p:cNvPr id="2" name="タイトル 1"/>
+          <p:cNvSpPr>
+            <a:spLocks noGrp="1"/>
+          </p:cNvSpPr>
+          <p:nvPr>
+            <p:ph type="title"/>
+          </p:nvPr>
+        </p:nvSpPr>
+        <p:spPr>
+          <a:xfrm>
+            <a:off x="838200" y="365125"/>
+            <a:ext cx="10515600" cy="619200"/>
+          </a:xfrm>
+          <a:solidFill>
+            <a:schemeClr val="accent5">
+              <a:lumMod val="20000"/>
+              <a:lumOff val="80000"/>
+              <a:alpha val="50000"/>
+            </a:schemeClr>
+          </a:solidFill>
+        </p:spPr>
+        <p:txBody>
+          <a:bodyPr/>
+          <a:p>
+            <a:r>
+              <a:rPr lang="ja-JP" altLang="en-US" sz="3200"/>
+              <a:t>４．要件は満たせてる</a:t>
+            </a:r>
+            <a:r>
+              <a:rPr lang="ja-JP" altLang="en-US" sz="3200"/>
+              <a:t>？</a:t>
+            </a:r>
+            <a:endParaRPr lang="ja-JP" altLang="en-US" sz="3200"/>
+          </a:p>
+        </p:txBody>
+      </p:sp>
+      <p:sp>
+        <p:nvSpPr>
+          <p:cNvPr id="3" name="コンテンツプレースホルダ 2"/>
+          <p:cNvSpPr>
+            <a:spLocks noGrp="1"/>
+          </p:cNvSpPr>
+          <p:nvPr>
+            <p:ph sz="half" idx="1"/>
+          </p:nvPr>
+        </p:nvSpPr>
+        <p:spPr>
+          <a:xfrm>
+            <a:off x="838200" y="983615"/>
+            <a:ext cx="10515600" cy="5193665"/>
+          </a:xfrm>
+        </p:spPr>
+        <p:txBody>
+          <a:bodyPr>
+            <a:normAutofit lnSpcReduction="10000"/>
+          </a:bodyPr>
+          <a:p>
+            <a:endParaRPr lang="ja-JP" altLang="en-US"/>
+          </a:p>
+          <a:p>
+            <a:pPr marL="0" indent="0">
+              <a:buNone/>
+            </a:pPr>
+            <a:r>
+              <a:rPr lang="ja-JP" altLang="en-US"/>
+              <a:t>　比較</a:t>
+            </a:r>
+            <a:endParaRPr lang="en-US" altLang="ja-JP"/>
+          </a:p>
+          <a:p>
+            <a:pPr marL="0" indent="0">
+              <a:buNone/>
+            </a:pPr>
+            <a:endParaRPr lang="ja-JP" altLang="en-US"/>
+          </a:p>
+          <a:p>
+            <a:pPr marL="0" indent="0">
+              <a:buNone/>
+            </a:pPr>
+            <a:endParaRPr lang="ja-JP" altLang="en-US"/>
+          </a:p>
+          <a:p>
+            <a:pPr marL="0" indent="0">
+              <a:buNone/>
+            </a:pPr>
+            <a:r>
+              <a:rPr lang="ja-JP" altLang="en-US"/>
+              <a:t>　　　　　　</a:t>
+            </a:r>
+            <a:endParaRPr lang="ja-JP" altLang="en-US"/>
+          </a:p>
+        </p:txBody>
+      </p:sp>
+      <p:pic>
+        <p:nvPicPr>
+          <p:cNvPr id="5" name="図形 4" descr="images"/>
+          <p:cNvPicPr>
+            <a:picLocks noChangeAspect="1"/>
+          </p:cNvPicPr>
+          <p:nvPr/>
+        </p:nvPicPr>
+        <p:blipFill>
+          <a:blip r:embed="rId1"/>
+          <a:stretch>
+            <a:fillRect/>
+          </a:stretch>
+        </p:blipFill>
+        <p:spPr>
+          <a:xfrm>
+            <a:off x="10325100" y="4379595"/>
+            <a:ext cx="1028700" cy="1797685"/>
+          </a:xfrm>
+          <a:prstGeom prst="rect">
+            <a:avLst/>
+          </a:prstGeom>
+        </p:spPr>
+      </p:pic>
+      <p:sp>
+        <p:nvSpPr>
+          <p:cNvPr id="6" name="テキストボックス 5"/>
+          <p:cNvSpPr txBox="1"/>
+          <p:nvPr/>
+        </p:nvSpPr>
+        <p:spPr>
+          <a:xfrm>
+            <a:off x="10265410" y="3980815"/>
+            <a:ext cx="1249045" cy="460375"/>
+          </a:xfrm>
+          <a:prstGeom prst="rect">
+            <a:avLst/>
+          </a:prstGeom>
+          <a:noFill/>
+        </p:spPr>
+        <p:txBody>
+          <a:bodyPr wrap="square" rtlCol="0">
+            <a:spAutoFit/>
+          </a:bodyPr>
+          <a:p>
+            <a:endParaRPr lang="ja-JP" altLang="en-US" sz="1200"/>
+          </a:p>
+          <a:p>
+            <a:r>
+              <a:rPr lang="ja-JP" altLang="en-US" sz="1200"/>
+              <a:t>　　満足やで</a:t>
+            </a:r>
+            <a:endParaRPr lang="ja-JP" altLang="en-US" sz="1200"/>
+          </a:p>
+        </p:txBody>
+      </p:sp>
+      <p:graphicFrame>
+        <p:nvGraphicFramePr>
+          <p:cNvPr id="7" name="表 6"/>
+          <p:cNvGraphicFramePr/>
+          <p:nvPr/>
+        </p:nvGraphicFramePr>
+        <p:xfrm>
+          <a:off x="1172845" y="1908810"/>
+          <a:ext cx="8532495" cy="2922270"/>
+        </p:xfrm>
+        <a:graphic>
+          <a:graphicData uri="http://schemas.openxmlformats.org/drawingml/2006/table">
+            <a:tbl>
+              <a:tblPr firstRow="1" bandRow="1">
+                <a:tableStyleId>{5C22544A-7EE6-4342-B048-85BDC9FD1C3A}</a:tableStyleId>
+              </a:tblPr>
+              <a:tblGrid>
+                <a:gridCol w="3690620"/>
+                <a:gridCol w="2292350"/>
+                <a:gridCol w="2549525"/>
+              </a:tblGrid>
+              <a:tr h="974090">
+                <a:tc>
+                  <a:txBody>
+                    <a:bodyPr/>
+                    <a:p>
+                      <a:pPr>
+                        <a:buNone/>
+                      </a:pPr>
+                      <a:endParaRPr lang="ja-JP" altLang="en-US" sz="3200" b="1"/>
+                    </a:p>
+                  </a:txBody>
+                  <a:tcPr anchor="ctr" anchorCtr="0"/>
+                </a:tc>
+                <a:tc>
+                  <a:txBody>
+                    <a:bodyPr/>
+                    <a:p>
+                      <a:pPr algn="ctr">
+                        <a:buNone/>
+                      </a:pPr>
+                      <a:r>
+                        <a:rPr lang="ja-JP" altLang="en-US" sz="3200" b="1"/>
+                        <a:t>処理依存</a:t>
+                      </a:r>
+                      <a:endParaRPr lang="ja-JP" altLang="en-US" sz="3200" b="1"/>
+                    </a:p>
+                  </a:txBody>
+                  <a:tcPr anchor="ctr" anchorCtr="0"/>
+                </a:tc>
+                <a:tc>
+                  <a:txBody>
+                    <a:bodyPr/>
+                    <a:p>
+                      <a:pPr algn="ctr">
+                        <a:buNone/>
+                      </a:pPr>
+                      <a:r>
+                        <a:rPr lang="ja-JP" altLang="en-US" sz="3200" b="1"/>
+                        <a:t>データ依存</a:t>
+                      </a:r>
+                      <a:endParaRPr lang="ja-JP" altLang="en-US" sz="3200" b="1"/>
+                    </a:p>
+                  </a:txBody>
+                  <a:tcPr anchor="ctr" anchorCtr="0"/>
+                </a:tc>
+              </a:tr>
+              <a:tr h="974090">
+                <a:tc>
+                  <a:txBody>
+                    <a:bodyPr/>
+                    <a:p>
+                      <a:pPr>
+                        <a:buNone/>
+                      </a:pPr>
+                      <a:r>
+                        <a:rPr lang="ja-JP" altLang="en-US" sz="3200" b="1"/>
+                        <a:t>要件を満たせる？</a:t>
+                      </a:r>
+                      <a:endParaRPr lang="ja-JP" altLang="en-US" sz="3200" b="1"/>
+                    </a:p>
+                  </a:txBody>
+                  <a:tcPr anchor="ctr" anchorCtr="0"/>
+                </a:tc>
+                <a:tc>
+                  <a:txBody>
+                    <a:bodyPr/>
+                    <a:p>
+                      <a:pPr algn="ctr">
+                        <a:buNone/>
+                      </a:pPr>
+                      <a:r>
+                        <a:rPr lang="ja-JP" altLang="en-US" sz="3200" b="1">
+                          <a:solidFill>
+                            <a:srgbClr val="0070C0"/>
+                          </a:solidFill>
+                        </a:rPr>
+                        <a:t>可</a:t>
+                      </a:r>
+                      <a:endParaRPr lang="ja-JP" altLang="en-US" sz="3200" b="1">
+                        <a:solidFill>
+                          <a:srgbClr val="0070C0"/>
+                        </a:solidFill>
+                      </a:endParaRPr>
+                    </a:p>
+                  </a:txBody>
+                  <a:tcPr anchor="ctr" anchorCtr="0"/>
+                </a:tc>
+                <a:tc>
+                  <a:txBody>
+                    <a:bodyPr/>
+                    <a:p>
+                      <a:pPr algn="ctr">
+                        <a:buNone/>
+                      </a:pPr>
+                      <a:r>
+                        <a:rPr lang="ja-JP" altLang="en-US" sz="3200" b="1">
+                          <a:solidFill>
+                            <a:srgbClr val="0070C0"/>
+                          </a:solidFill>
+                        </a:rPr>
+                        <a:t>可</a:t>
+                      </a:r>
+                      <a:endParaRPr lang="ja-JP" altLang="en-US" sz="3200" b="1">
+                        <a:solidFill>
+                          <a:srgbClr val="0070C0"/>
+                        </a:solidFill>
+                      </a:endParaRPr>
+                    </a:p>
+                  </a:txBody>
+                  <a:tcPr anchor="ctr" anchorCtr="0"/>
+                </a:tc>
+              </a:tr>
+              <a:tr h="974090">
+                <a:tc>
+                  <a:txBody>
+                    <a:bodyPr/>
+                    <a:p>
+                      <a:pPr>
+                        <a:buNone/>
+                      </a:pPr>
+                      <a:r>
+                        <a:rPr lang="ja-JP" altLang="en-US" sz="3200" b="1"/>
+                        <a:t>品質は高い？</a:t>
+                      </a:r>
+                      <a:endParaRPr lang="ja-JP" altLang="en-US" sz="3200" b="1"/>
+                    </a:p>
+                  </a:txBody>
+                  <a:tcPr anchor="ctr" anchorCtr="0"/>
+                </a:tc>
+                <a:tc>
+                  <a:txBody>
+                    <a:bodyPr/>
+                    <a:p>
+                      <a:pPr algn="ctr">
+                        <a:buNone/>
+                      </a:pPr>
+                      <a:r>
+                        <a:rPr lang="ja-JP" altLang="en-US" sz="3200" b="1">
+                          <a:solidFill>
+                            <a:srgbClr val="FF0000"/>
+                          </a:solidFill>
+                        </a:rPr>
+                        <a:t>低</a:t>
+                      </a:r>
+                      <a:endParaRPr lang="ja-JP" altLang="en-US" sz="3200" b="1">
+                        <a:solidFill>
+                          <a:srgbClr val="FF0000"/>
+                        </a:solidFill>
+                      </a:endParaRPr>
+                    </a:p>
+                  </a:txBody>
+                  <a:tcPr anchor="ctr" anchorCtr="0"/>
+                </a:tc>
+                <a:tc>
+                  <a:txBody>
+                    <a:bodyPr/>
+                    <a:p>
+                      <a:pPr algn="ctr">
+                        <a:buNone/>
+                      </a:pPr>
+                      <a:r>
+                        <a:rPr lang="ja-JP" altLang="en-US" sz="3200" b="1">
+                          <a:solidFill>
+                            <a:srgbClr val="0070C0"/>
+                          </a:solidFill>
+                        </a:rPr>
+                        <a:t>高</a:t>
+                      </a:r>
+                      <a:endParaRPr lang="ja-JP" altLang="en-US" sz="3200" b="1">
+                        <a:solidFill>
+                          <a:srgbClr val="0070C0"/>
+                        </a:solidFill>
+                      </a:endParaRPr>
+                    </a:p>
+                  </a:txBody>
+                  <a:tcPr anchor="ctr" anchorCtr="0"/>
+                </a:tc>
+              </a:tr>
+            </a:tbl>
+          </a:graphicData>
+        </a:graphic>
+      </p:graphicFrame>
+      <p:sp>
+        <p:nvSpPr>
+          <p:cNvPr id="4" name="楕円 3"/>
+          <p:cNvSpPr/>
+          <p:nvPr/>
+        </p:nvSpPr>
+        <p:spPr>
+          <a:xfrm>
+            <a:off x="5537835" y="3009265"/>
+            <a:ext cx="982345" cy="661670"/>
+          </a:xfrm>
+          <a:prstGeom prst="ellipse">
+            <a:avLst/>
+          </a:prstGeom>
+          <a:noFill/>
+          <a:ln w="50800">
+            <a:solidFill>
+              <a:schemeClr val="accent6"/>
+            </a:solidFill>
+          </a:ln>
+        </p:spPr>
+        <p:style>
+          <a:lnRef idx="2">
+            <a:schemeClr val="accent1">
+              <a:shade val="50000"/>
+            </a:schemeClr>
+          </a:lnRef>
+          <a:fillRef idx="1">
+            <a:schemeClr val="accent1"/>
+          </a:fillRef>
+          <a:effectRef idx="0">
+            <a:schemeClr val="accent1"/>
+          </a:effectRef>
+          <a:fontRef idx="minor">
+            <a:schemeClr val="lt1"/>
+          </a:fontRef>
+        </p:style>
+        <p:txBody>
+          <a:bodyPr rtlCol="0" anchor="ctr"/>
+          <a:p>
+            <a:pPr algn="ctr"/>
+            <a:endParaRPr lang="ja-JP" altLang="en-US"/>
+          </a:p>
+        </p:txBody>
+      </p:sp>
+      <p:sp>
+        <p:nvSpPr>
+          <p:cNvPr id="8" name="楕円 7"/>
+          <p:cNvSpPr/>
+          <p:nvPr/>
+        </p:nvSpPr>
+        <p:spPr>
+          <a:xfrm>
+            <a:off x="7933055" y="3009265"/>
+            <a:ext cx="982345" cy="661670"/>
+          </a:xfrm>
+          <a:prstGeom prst="ellipse">
+            <a:avLst/>
+          </a:prstGeom>
+          <a:noFill/>
+          <a:ln w="50800">
+            <a:solidFill>
+              <a:schemeClr val="accent6"/>
+            </a:solidFill>
+          </a:ln>
+        </p:spPr>
+        <p:style>
+          <a:lnRef idx="2">
+            <a:schemeClr val="accent1">
+              <a:shade val="50000"/>
+            </a:schemeClr>
+          </a:lnRef>
+          <a:fillRef idx="1">
+            <a:schemeClr val="accent1"/>
+          </a:fillRef>
+          <a:effectRef idx="0">
+            <a:schemeClr val="accent1"/>
+          </a:effectRef>
+          <a:fontRef idx="minor">
+            <a:schemeClr val="lt1"/>
+          </a:fontRef>
+        </p:style>
+        <p:txBody>
+          <a:bodyPr rtlCol="0" anchor="ctr"/>
+          <a:p>
+            <a:pPr algn="ctr"/>
+            <a:endParaRPr lang="ja-JP" altLang="en-US"/>
+          </a:p>
+        </p:txBody>
+      </p:sp>
+    </p:spTree>
+  </p:cSld>
+  <p:clrMapOvr>
+    <a:masterClrMapping/>
+  </p:clrMapOvr>
+</p:sld>
+</file>
+
+<file path=ppt/slides/slide7.xml><?xml version="1.0" encoding="utf-8"?>
+<p:sld xmlns:a="http://schemas.openxmlformats.org/drawingml/2006/main" xmlns:r="http://schemas.openxmlformats.org/officeDocument/2006/relationships" xmlns:p="http://schemas.openxmlformats.org/presentationml/2006/main">
+  <p:cSld>
+    <p:spTree>
+      <p:nvGrpSpPr>
+        <p:cNvPr id="1" name=""/>
+        <p:cNvGrpSpPr/>
+        <p:nvPr/>
+      </p:nvGrpSpPr>
+      <p:grpSpPr/>
+      <p:sp>
+        <p:nvSpPr>
+          <p:cNvPr id="2" name="タイトル 1"/>
+          <p:cNvSpPr>
+            <a:spLocks noGrp="1"/>
+          </p:cNvSpPr>
+          <p:nvPr>
+            <p:ph type="title"/>
+          </p:nvPr>
+        </p:nvSpPr>
+        <p:spPr>
+          <a:xfrm>
+            <a:off x="838200" y="365125"/>
+            <a:ext cx="10515600" cy="619200"/>
+          </a:xfrm>
+          <a:solidFill>
+            <a:schemeClr val="accent5">
+              <a:lumMod val="20000"/>
+              <a:lumOff val="80000"/>
+              <a:alpha val="50000"/>
+            </a:schemeClr>
+          </a:solidFill>
+        </p:spPr>
+        <p:txBody>
+          <a:bodyPr/>
+          <a:p>
+            <a:r>
+              <a:rPr lang="ja-JP" altLang="en-US" sz="3200"/>
+              <a:t>５．デモ②</a:t>
+            </a:r>
+            <a:endParaRPr lang="ja-JP" altLang="en-US" sz="3200"/>
+          </a:p>
+        </p:txBody>
+      </p:sp>
+      <p:sp>
+        <p:nvSpPr>
+          <p:cNvPr id="3" name="コンテンツプレースホルダ 2"/>
+          <p:cNvSpPr>
+            <a:spLocks noGrp="1"/>
+          </p:cNvSpPr>
+          <p:nvPr>
+            <p:ph sz="half" idx="1"/>
+          </p:nvPr>
+        </p:nvSpPr>
+        <p:spPr>
+          <a:xfrm>
+            <a:off x="838200" y="983615"/>
+            <a:ext cx="10515600" cy="5193665"/>
+          </a:xfrm>
+        </p:spPr>
+        <p:txBody>
+          <a:bodyPr>
+            <a:normAutofit lnSpcReduction="10000"/>
+          </a:bodyPr>
+          <a:p>
+            <a:pPr marL="0" indent="0">
+              <a:buNone/>
+            </a:pPr>
+            <a:endParaRPr lang="ja-JP" altLang="en-US" sz="800"/>
+          </a:p>
+          <a:p>
+            <a:pPr marL="0" indent="0">
+              <a:buNone/>
+            </a:pPr>
+            <a:r>
+              <a:rPr lang="ja-JP" altLang="en-US"/>
+              <a:t>実は・・　コマンド操作可能です（</a:t>
+            </a:r>
+            <a:r>
+              <a:rPr lang="en-US" altLang="ja-JP"/>
+              <a:t>Ctrl </a:t>
+            </a:r>
+            <a:r>
+              <a:rPr lang="ja-JP" altLang="en-US"/>
+              <a:t>＋ </a:t>
+            </a:r>
+            <a:r>
+              <a:rPr lang="en-US" altLang="ja-JP"/>
+              <a:t>A</a:t>
+            </a:r>
+            <a:r>
+              <a:rPr lang="ja-JP" altLang="en-US"/>
+              <a:t>、 </a:t>
+            </a:r>
+            <a:r>
+              <a:rPr lang="en-US" altLang="ja-JP"/>
+              <a:t>Ctrl </a:t>
+            </a:r>
+            <a:r>
+              <a:rPr lang="ja-JP" altLang="en-US"/>
+              <a:t>＋ </a:t>
+            </a:r>
+            <a:r>
+              <a:rPr lang="en-US" altLang="ja-JP"/>
+              <a:t>Z</a:t>
+            </a:r>
+            <a:r>
+              <a:rPr lang="ja-JP" altLang="en-US"/>
+              <a:t>）</a:t>
+            </a:r>
+            <a:endParaRPr lang="en-US" altLang="ja-JP"/>
+          </a:p>
+          <a:p>
+            <a:pPr marL="0" indent="0">
+              <a:buNone/>
+            </a:pPr>
+            <a:endParaRPr lang="ja-JP" altLang="en-US"/>
+          </a:p>
+          <a:p>
+            <a:pPr marL="0" indent="0">
+              <a:buNone/>
+            </a:pPr>
+            <a:endParaRPr lang="ja-JP" altLang="en-US"/>
+          </a:p>
+          <a:p>
+            <a:pPr marL="0" indent="0">
+              <a:buNone/>
+            </a:pPr>
+            <a:endParaRPr lang="ja-JP" altLang="en-US"/>
+          </a:p>
+          <a:p>
+            <a:pPr marL="0" indent="0">
+              <a:buNone/>
+            </a:pPr>
+            <a:endParaRPr lang="ja-JP" altLang="en-US"/>
+          </a:p>
+          <a:p>
+            <a:pPr marL="0" indent="0">
+              <a:buNone/>
+            </a:pPr>
+            <a:endParaRPr lang="ja-JP" altLang="en-US"/>
+          </a:p>
+          <a:p>
+            <a:pPr marL="0" indent="0">
+              <a:buNone/>
+            </a:pPr>
+            <a:endParaRPr lang="ja-JP" altLang="en-US"/>
+          </a:p>
+          <a:p>
+            <a:pPr marL="0" indent="0">
+              <a:buNone/>
+            </a:pPr>
+            <a:endParaRPr lang="ja-JP" altLang="en-US"/>
+          </a:p>
+          <a:p>
+            <a:pPr marL="0" indent="0">
+              <a:buNone/>
+            </a:pPr>
+            <a:endParaRPr lang="ja-JP" altLang="en-US"/>
+          </a:p>
+        </p:txBody>
+      </p:sp>
+      <p:pic>
+        <p:nvPicPr>
+          <p:cNvPr id="5" name="図形 4" descr="images"/>
+          <p:cNvPicPr>
+            <a:picLocks noChangeAspect="1"/>
+          </p:cNvPicPr>
+          <p:nvPr/>
+        </p:nvPicPr>
+        <p:blipFill>
+          <a:blip r:embed="rId1"/>
+          <a:stretch>
+            <a:fillRect/>
+          </a:stretch>
+        </p:blipFill>
+        <p:spPr>
+          <a:xfrm>
+            <a:off x="10325100" y="4379595"/>
+            <a:ext cx="1028700" cy="1797685"/>
+          </a:xfrm>
+          <a:prstGeom prst="rect">
+            <a:avLst/>
+          </a:prstGeom>
+        </p:spPr>
+      </p:pic>
+      <p:sp>
+        <p:nvSpPr>
+          <p:cNvPr id="6" name="テキストボックス 5"/>
+          <p:cNvSpPr txBox="1"/>
+          <p:nvPr/>
+        </p:nvSpPr>
+        <p:spPr>
+          <a:xfrm>
+            <a:off x="10265410" y="3980815"/>
+            <a:ext cx="1088390" cy="460375"/>
+          </a:xfrm>
+          <a:prstGeom prst="rect">
+            <a:avLst/>
+          </a:prstGeom>
+          <a:noFill/>
+        </p:spPr>
+        <p:txBody>
+          <a:bodyPr wrap="square" rtlCol="0">
+            <a:spAutoFit/>
+          </a:bodyPr>
+          <a:p>
+            <a:endParaRPr lang="ja-JP" altLang="en-US" sz="1200"/>
+          </a:p>
+          <a:p>
+            <a:r>
+              <a:rPr lang="ja-JP" altLang="en-US" sz="1200"/>
+              <a:t>　　　ん！？</a:t>
+            </a:r>
+            <a:endParaRPr lang="ja-JP" altLang="en-US" sz="1200"/>
+          </a:p>
+        </p:txBody>
+      </p:sp>
+      <p:pic>
+        <p:nvPicPr>
+          <p:cNvPr id="11" name="図形 10"/>
+          <p:cNvPicPr>
+            <a:picLocks noChangeAspect="1"/>
+          </p:cNvPicPr>
+          <p:nvPr/>
+        </p:nvPicPr>
+        <p:blipFill>
+          <a:blip r:embed="rId2"/>
+          <a:stretch>
+            <a:fillRect/>
+          </a:stretch>
+        </p:blipFill>
+        <p:spPr>
+          <a:xfrm>
+            <a:off x="1152525" y="2086610"/>
+            <a:ext cx="5222240" cy="2545080"/>
+          </a:xfrm>
+          <a:prstGeom prst="rect">
+            <a:avLst/>
+          </a:prstGeom>
+          <a:ln>
+            <a:solidFill>
+              <a:schemeClr val="accent1"/>
+            </a:solidFill>
+          </a:ln>
+        </p:spPr>
+      </p:pic>
+      <p:pic>
+        <p:nvPicPr>
+          <p:cNvPr id="4" name="図形 3"/>
+          <p:cNvPicPr>
+            <a:picLocks noChangeAspect="1"/>
+          </p:cNvPicPr>
+          <p:nvPr/>
+        </p:nvPicPr>
+        <p:blipFill>
+          <a:blip r:embed="rId3"/>
+          <a:stretch>
+            <a:fillRect/>
+          </a:stretch>
+        </p:blipFill>
+        <p:spPr>
+          <a:xfrm>
+            <a:off x="2836545" y="3643630"/>
+            <a:ext cx="5176520" cy="2522855"/>
+          </a:xfrm>
+          <a:prstGeom prst="rect">
+            <a:avLst/>
+          </a:prstGeom>
+          <a:ln>
+            <a:solidFill>
+              <a:schemeClr val="accent1"/>
+            </a:solidFill>
+          </a:ln>
+        </p:spPr>
+      </p:pic>
+      <p:sp>
+        <p:nvSpPr>
+          <p:cNvPr id="10" name="四角形吹き出し 9"/>
+          <p:cNvSpPr/>
+          <p:nvPr/>
+        </p:nvSpPr>
+        <p:spPr>
+          <a:xfrm>
+            <a:off x="6593840" y="2938145"/>
+            <a:ext cx="2418080" cy="514350"/>
+          </a:xfrm>
+          <a:prstGeom prst="wedgeRectCallout">
+            <a:avLst>
+              <a:gd name="adj1" fmla="val -142174"/>
+              <a:gd name="adj2" fmla="val 187777"/>
+            </a:avLst>
+          </a:prstGeom>
+          <a:gradFill>
+            <a:gsLst>
+              <a:gs pos="0">
+                <a:srgbClr val="FE4444"/>
+              </a:gs>
+              <a:gs pos="100000">
+                <a:srgbClr val="832B2B"/>
+              </a:gs>
+            </a:gsLst>
+            <a:lin ang="5400000" scaled="0"/>
+          </a:gradFill>
+          <a:ln>
+            <a:solidFill>
+              <a:srgbClr val="FF0000"/>
+            </a:solidFill>
+          </a:ln>
+        </p:spPr>
+        <p:style>
+          <a:lnRef idx="2">
+            <a:schemeClr val="accent1">
+              <a:shade val="50000"/>
+            </a:schemeClr>
+          </a:lnRef>
+          <a:fillRef idx="1">
+            <a:schemeClr val="accent1"/>
+          </a:fillRef>
+          <a:effectRef idx="0">
+            <a:schemeClr val="accent1"/>
+          </a:effectRef>
+          <a:fontRef idx="minor">
+            <a:schemeClr val="lt1"/>
+          </a:fontRef>
+        </p:style>
+        <p:txBody>
+          <a:bodyPr rtlCol="0" anchor="ctr"/>
+          <a:p>
+            <a:pPr algn="l"/>
+            <a:r>
+              <a:rPr lang="ja-JP" altLang="en-US" sz="1600" b="1"/>
+              <a:t>カウント間違ってますよ！</a:t>
+            </a:r>
+            <a:endParaRPr lang="ja-JP" altLang="en-US" sz="1600" b="1"/>
+          </a:p>
+        </p:txBody>
+      </p:sp>
+      <p:cxnSp>
+        <p:nvCxnSpPr>
+          <p:cNvPr id="7" name="直線矢印コネクタ 6"/>
+          <p:cNvCxnSpPr/>
+          <p:nvPr/>
+        </p:nvCxnSpPr>
+        <p:spPr>
+          <a:xfrm>
+            <a:off x="2498725" y="3182620"/>
+            <a:ext cx="1541145" cy="1383030"/>
+          </a:xfrm>
+          <a:prstGeom prst="straightConnector1">
+            <a:avLst/>
+          </a:prstGeom>
+          <a:ln w="76200">
+            <a:solidFill>
+              <a:srgbClr val="FF0000"/>
+            </a:solidFill>
+            <a:tailEnd type="arrow"/>
+          </a:ln>
+        </p:spPr>
+        <p:style>
+          <a:lnRef idx="1">
+            <a:schemeClr val="accent1"/>
+          </a:lnRef>
+          <a:fillRef idx="0">
+            <a:schemeClr val="accent1"/>
+          </a:fillRef>
+          <a:effectRef idx="0">
+            <a:schemeClr val="accent1"/>
+          </a:effectRef>
+          <a:fontRef idx="minor">
+            <a:schemeClr val="tx1"/>
+          </a:fontRef>
+        </p:style>
+      </p:cxnSp>
+    </p:spTree>
+  </p:cSld>
+  <p:clrMapOvr>
+    <a:masterClrMapping/>
+  </p:clrMapOvr>
+</p:sld>
+</file>
+
+<file path=ppt/slides/slide8.xml><?xml version="1.0" encoding="utf-8"?>
+<p:sld xmlns:a="http://schemas.openxmlformats.org/drawingml/2006/main" xmlns:r="http://schemas.openxmlformats.org/officeDocument/2006/relationships" xmlns:p="http://schemas.openxmlformats.org/presentationml/2006/main">
+  <p:cSld>
+    <p:spTree>
+      <p:nvGrpSpPr>
+        <p:cNvPr id="1" name=""/>
+        <p:cNvGrpSpPr/>
+        <p:nvPr/>
+      </p:nvGrpSpPr>
+      <p:grpSpPr/>
+      <p:sp>
+        <p:nvSpPr>
+          <p:cNvPr id="2" name="タイトル 1"/>
+          <p:cNvSpPr>
+            <a:spLocks noGrp="1"/>
+          </p:cNvSpPr>
+          <p:nvPr>
+            <p:ph type="title"/>
+          </p:nvPr>
+        </p:nvSpPr>
+        <p:spPr>
+          <a:xfrm>
+            <a:off x="838200" y="365125"/>
+            <a:ext cx="10515600" cy="619200"/>
+          </a:xfrm>
+          <a:solidFill>
+            <a:schemeClr val="accent5">
+              <a:lumMod val="20000"/>
+              <a:lumOff val="80000"/>
+              <a:alpha val="50000"/>
+            </a:schemeClr>
+          </a:solidFill>
+        </p:spPr>
+        <p:txBody>
+          <a:bodyPr/>
+          <a:p>
+            <a:r>
+              <a:rPr lang="ja-JP" altLang="en-US" sz="3200">
+                <a:sym typeface="+mn-ea"/>
+              </a:rPr>
+              <a:t>６．品質は高い</a:t>
+            </a:r>
+            <a:r>
+              <a:rPr lang="ja-JP" altLang="en-US" sz="3200">
+                <a:sym typeface="+mn-ea"/>
+              </a:rPr>
+              <a:t>？</a:t>
+            </a:r>
+            <a:endParaRPr lang="ja-JP" altLang="en-US" sz="3200"/>
+          </a:p>
+        </p:txBody>
+      </p:sp>
+      <p:sp>
+        <p:nvSpPr>
+          <p:cNvPr id="3" name="コンテンツプレースホルダ 2"/>
+          <p:cNvSpPr>
+            <a:spLocks noGrp="1"/>
+          </p:cNvSpPr>
+          <p:nvPr>
+            <p:ph sz="half" idx="1"/>
+          </p:nvPr>
+        </p:nvSpPr>
+        <p:spPr>
+          <a:xfrm>
+            <a:off x="838200" y="983615"/>
+            <a:ext cx="10515600" cy="5193665"/>
+          </a:xfrm>
+        </p:spPr>
+        <p:txBody>
+          <a:bodyPr>
+            <a:normAutofit lnSpcReduction="10000"/>
+          </a:bodyPr>
+          <a:p>
+            <a:endParaRPr lang="ja-JP" altLang="en-US"/>
+          </a:p>
+          <a:p>
+            <a:pPr marL="0" indent="0">
+              <a:buNone/>
+            </a:pPr>
+            <a:r>
+              <a:rPr lang="ja-JP" altLang="en-US"/>
+              <a:t>　比較</a:t>
+            </a:r>
+            <a:endParaRPr lang="en-US" altLang="ja-JP"/>
+          </a:p>
+          <a:p>
+            <a:pPr marL="0" indent="0">
+              <a:buNone/>
+            </a:pPr>
+            <a:endParaRPr lang="ja-JP" altLang="en-US"/>
+          </a:p>
+          <a:p>
+            <a:pPr marL="0" indent="0">
+              <a:buNone/>
+            </a:pPr>
+            <a:endParaRPr lang="ja-JP" altLang="en-US"/>
+          </a:p>
+          <a:p>
+            <a:pPr marL="0" indent="0">
+              <a:buNone/>
+            </a:pPr>
+            <a:r>
+              <a:rPr lang="ja-JP" altLang="en-US"/>
+              <a:t>　　　　　　</a:t>
+            </a:r>
+            <a:endParaRPr lang="ja-JP" altLang="en-US"/>
+          </a:p>
+        </p:txBody>
+      </p:sp>
+      <p:pic>
+        <p:nvPicPr>
+          <p:cNvPr id="5" name="図形 4" descr="images"/>
+          <p:cNvPicPr>
+            <a:picLocks noChangeAspect="1"/>
+          </p:cNvPicPr>
+          <p:nvPr/>
+        </p:nvPicPr>
+        <p:blipFill>
+          <a:blip r:embed="rId1"/>
+          <a:stretch>
+            <a:fillRect/>
+          </a:stretch>
+        </p:blipFill>
+        <p:spPr>
+          <a:xfrm>
+            <a:off x="10325100" y="4379595"/>
+            <a:ext cx="1028700" cy="1797685"/>
+          </a:xfrm>
+          <a:prstGeom prst="rect">
+            <a:avLst/>
+          </a:prstGeom>
+        </p:spPr>
+      </p:pic>
+      <p:sp>
+        <p:nvSpPr>
+          <p:cNvPr id="6" name="テキストボックス 5"/>
+          <p:cNvSpPr txBox="1"/>
+          <p:nvPr/>
+        </p:nvSpPr>
+        <p:spPr>
+          <a:xfrm>
+            <a:off x="10265410" y="3980815"/>
+            <a:ext cx="1249045" cy="460375"/>
+          </a:xfrm>
+          <a:prstGeom prst="rect">
+            <a:avLst/>
+          </a:prstGeom>
+          <a:noFill/>
+        </p:spPr>
+        <p:txBody>
+          <a:bodyPr wrap="square" rtlCol="0">
+            <a:spAutoFit/>
+          </a:bodyPr>
+          <a:p>
+            <a:endParaRPr lang="ja-JP" altLang="en-US" sz="1200"/>
+          </a:p>
+          <a:p>
+            <a:r>
+              <a:rPr lang="ja-JP" altLang="en-US" sz="1200"/>
+              <a:t>　　不満</a:t>
+            </a:r>
+            <a:r>
+              <a:rPr lang="ja-JP" altLang="en-US" sz="1200"/>
+              <a:t>やで</a:t>
+            </a:r>
+            <a:endParaRPr lang="ja-JP" altLang="en-US" sz="1200"/>
+          </a:p>
+        </p:txBody>
+      </p:sp>
+      <p:graphicFrame>
+        <p:nvGraphicFramePr>
+          <p:cNvPr id="7" name="表 6"/>
+          <p:cNvGraphicFramePr/>
+          <p:nvPr/>
+        </p:nvGraphicFramePr>
+        <p:xfrm>
+          <a:off x="1172845" y="1908810"/>
+          <a:ext cx="8532495" cy="2922270"/>
+        </p:xfrm>
+        <a:graphic>
+          <a:graphicData uri="http://schemas.openxmlformats.org/drawingml/2006/table">
+            <a:tbl>
+              <a:tblPr firstRow="1" bandRow="1">
+                <a:tableStyleId>{5C22544A-7EE6-4342-B048-85BDC9FD1C3A}</a:tableStyleId>
+              </a:tblPr>
+              <a:tblGrid>
+                <a:gridCol w="3690620"/>
+                <a:gridCol w="2292350"/>
+                <a:gridCol w="2549525"/>
+              </a:tblGrid>
+              <a:tr h="974090">
+                <a:tc>
+                  <a:txBody>
+                    <a:bodyPr/>
+                    <a:p>
+                      <a:pPr>
+                        <a:buNone/>
+                      </a:pPr>
+                      <a:endParaRPr lang="ja-JP" altLang="en-US" sz="3200" b="1"/>
+                    </a:p>
+                  </a:txBody>
+                  <a:tcPr anchor="ctr" anchorCtr="0"/>
+                </a:tc>
+                <a:tc>
+                  <a:txBody>
+                    <a:bodyPr/>
+                    <a:p>
+                      <a:pPr algn="ctr">
+                        <a:buNone/>
+                      </a:pPr>
+                      <a:r>
+                        <a:rPr lang="ja-JP" altLang="en-US" sz="3200" b="1"/>
+                        <a:t>処理依存</a:t>
+                      </a:r>
+                      <a:endParaRPr lang="ja-JP" altLang="en-US" sz="3200" b="1"/>
+                    </a:p>
+                  </a:txBody>
+                  <a:tcPr anchor="ctr" anchorCtr="0"/>
+                </a:tc>
+                <a:tc>
+                  <a:txBody>
+                    <a:bodyPr/>
+                    <a:p>
+                      <a:pPr algn="ctr">
+                        <a:buNone/>
+                      </a:pPr>
+                      <a:r>
+                        <a:rPr lang="ja-JP" altLang="en-US" sz="3200" b="1"/>
+                        <a:t>データ依存</a:t>
+                      </a:r>
+                      <a:endParaRPr lang="ja-JP" altLang="en-US" sz="3200" b="1"/>
+                    </a:p>
+                  </a:txBody>
+                  <a:tcPr anchor="ctr" anchorCtr="0"/>
+                </a:tc>
+              </a:tr>
+              <a:tr h="974090">
+                <a:tc>
+                  <a:txBody>
+                    <a:bodyPr/>
+                    <a:p>
+                      <a:pPr>
+                        <a:buNone/>
+                      </a:pPr>
+                      <a:r>
+                        <a:rPr lang="ja-JP" altLang="en-US" sz="3200" b="1"/>
+                        <a:t>要件を満たせる？</a:t>
+                      </a:r>
+                      <a:endParaRPr lang="ja-JP" altLang="en-US" sz="3200" b="1"/>
+                    </a:p>
+                  </a:txBody>
+                  <a:tcPr anchor="ctr" anchorCtr="0"/>
+                </a:tc>
+                <a:tc>
+                  <a:txBody>
+                    <a:bodyPr/>
+                    <a:p>
+                      <a:pPr algn="ctr">
+                        <a:buNone/>
+                      </a:pPr>
+                      <a:r>
+                        <a:rPr lang="ja-JP" altLang="en-US" sz="3200" b="1">
+                          <a:solidFill>
+                            <a:srgbClr val="0070C0"/>
+                          </a:solidFill>
+                        </a:rPr>
+                        <a:t>可</a:t>
+                      </a:r>
+                      <a:endParaRPr lang="ja-JP" altLang="en-US" sz="3200" b="1">
+                        <a:solidFill>
+                          <a:srgbClr val="0070C0"/>
+                        </a:solidFill>
+                      </a:endParaRPr>
+                    </a:p>
+                  </a:txBody>
+                  <a:tcPr anchor="ctr" anchorCtr="0"/>
+                </a:tc>
+                <a:tc>
+                  <a:txBody>
+                    <a:bodyPr/>
+                    <a:p>
+                      <a:pPr algn="ctr">
+                        <a:buNone/>
+                      </a:pPr>
+                      <a:r>
+                        <a:rPr lang="ja-JP" altLang="en-US" sz="3200" b="1">
+                          <a:solidFill>
+                            <a:srgbClr val="0070C0"/>
+                          </a:solidFill>
+                        </a:rPr>
+                        <a:t>可</a:t>
+                      </a:r>
+                      <a:endParaRPr lang="ja-JP" altLang="en-US" sz="3200" b="1">
+                        <a:solidFill>
+                          <a:srgbClr val="0070C0"/>
+                        </a:solidFill>
+                      </a:endParaRPr>
+                    </a:p>
+                  </a:txBody>
+                  <a:tcPr anchor="ctr" anchorCtr="0"/>
+                </a:tc>
+              </a:tr>
+              <a:tr h="974090">
+                <a:tc>
+                  <a:txBody>
+                    <a:bodyPr/>
+                    <a:p>
+                      <a:pPr>
+                        <a:buNone/>
+                      </a:pPr>
+                      <a:r>
+                        <a:rPr lang="ja-JP" altLang="en-US" sz="3200" b="1"/>
+                        <a:t>品質は高い？</a:t>
+                      </a:r>
+                      <a:endParaRPr lang="ja-JP" altLang="en-US" sz="3200" b="1"/>
+                    </a:p>
+                  </a:txBody>
+                  <a:tcPr anchor="ctr" anchorCtr="0"/>
+                </a:tc>
+                <a:tc>
+                  <a:txBody>
+                    <a:bodyPr/>
+                    <a:p>
+                      <a:pPr algn="ctr">
+                        <a:buNone/>
+                      </a:pPr>
+                      <a:r>
+                        <a:rPr lang="ja-JP" altLang="en-US" sz="3200" b="1">
+                          <a:solidFill>
+                            <a:srgbClr val="FF0000"/>
+                          </a:solidFill>
+                        </a:rPr>
+                        <a:t>低</a:t>
+                      </a:r>
+                      <a:endParaRPr lang="ja-JP" altLang="en-US" sz="3200" b="1">
+                        <a:solidFill>
+                          <a:srgbClr val="FF0000"/>
+                        </a:solidFill>
+                      </a:endParaRPr>
+                    </a:p>
+                  </a:txBody>
+                  <a:tcPr anchor="ctr" anchorCtr="0"/>
+                </a:tc>
+                <a:tc>
+                  <a:txBody>
+                    <a:bodyPr/>
+                    <a:p>
+                      <a:pPr algn="ctr">
+                        <a:buNone/>
+                      </a:pPr>
+                      <a:r>
+                        <a:rPr lang="ja-JP" altLang="en-US" sz="3200" b="1">
+                          <a:solidFill>
+                            <a:srgbClr val="0070C0"/>
+                          </a:solidFill>
+                        </a:rPr>
+                        <a:t>高</a:t>
+                      </a:r>
+                      <a:endParaRPr lang="ja-JP" altLang="en-US" sz="3200" b="1">
+                        <a:solidFill>
+                          <a:srgbClr val="0070C0"/>
+                        </a:solidFill>
+                      </a:endParaRPr>
+                    </a:p>
+                  </a:txBody>
+                  <a:tcPr anchor="ctr" anchorCtr="0"/>
+                </a:tc>
+              </a:tr>
+            </a:tbl>
+          </a:graphicData>
+        </a:graphic>
+      </p:graphicFrame>
+      <p:sp>
+        <p:nvSpPr>
+          <p:cNvPr id="4" name="楕円 3"/>
+          <p:cNvSpPr/>
+          <p:nvPr/>
+        </p:nvSpPr>
+        <p:spPr>
+          <a:xfrm>
+            <a:off x="5537835" y="4003675"/>
+            <a:ext cx="982345" cy="661670"/>
+          </a:xfrm>
+          <a:prstGeom prst="ellipse">
+            <a:avLst/>
+          </a:prstGeom>
+          <a:noFill/>
+          <a:ln w="50800">
+            <a:solidFill>
+              <a:schemeClr val="accent6"/>
+            </a:solidFill>
+          </a:ln>
+        </p:spPr>
+        <p:style>
+          <a:lnRef idx="2">
+            <a:schemeClr val="accent1">
+              <a:shade val="50000"/>
+            </a:schemeClr>
+          </a:lnRef>
+          <a:fillRef idx="1">
+            <a:schemeClr val="accent1"/>
+          </a:fillRef>
+          <a:effectRef idx="0">
+            <a:schemeClr val="accent1"/>
+          </a:effectRef>
+          <a:fontRef idx="minor">
+            <a:schemeClr val="lt1"/>
+          </a:fontRef>
+        </p:style>
+        <p:txBody>
+          <a:bodyPr rtlCol="0" anchor="ctr"/>
+          <a:p>
+            <a:pPr algn="ctr"/>
+            <a:endParaRPr lang="ja-JP" altLang="en-US"/>
+          </a:p>
+        </p:txBody>
+      </p:sp>
+      <p:sp>
+        <p:nvSpPr>
+          <p:cNvPr id="8" name="楕円 7"/>
+          <p:cNvSpPr/>
+          <p:nvPr/>
+        </p:nvSpPr>
+        <p:spPr>
+          <a:xfrm>
+            <a:off x="7933055" y="4003675"/>
+            <a:ext cx="982345" cy="661670"/>
+          </a:xfrm>
+          <a:prstGeom prst="ellipse">
+            <a:avLst/>
+          </a:prstGeom>
+          <a:noFill/>
+          <a:ln w="50800">
+            <a:solidFill>
+              <a:schemeClr val="accent6"/>
+            </a:solidFill>
+          </a:ln>
+        </p:spPr>
+        <p:style>
+          <a:lnRef idx="2">
+            <a:schemeClr val="accent1">
+              <a:shade val="50000"/>
+            </a:schemeClr>
+          </a:lnRef>
+          <a:fillRef idx="1">
+            <a:schemeClr val="accent1"/>
+          </a:fillRef>
+          <a:effectRef idx="0">
+            <a:schemeClr val="accent1"/>
+          </a:effectRef>
+          <a:fontRef idx="minor">
+            <a:schemeClr val="lt1"/>
+          </a:fontRef>
+        </p:style>
+        <p:txBody>
+          <a:bodyPr rtlCol="0" anchor="ctr"/>
+          <a:p>
+            <a:pPr algn="ctr"/>
+            <a:endParaRPr lang="ja-JP" altLang="en-US"/>
+          </a:p>
+        </p:txBody>
+      </p:sp>
+    </p:spTree>
+  </p:cSld>
+  <p:clrMapOvr>
+    <a:masterClrMapping/>
+  </p:clrMapOvr>
+</p:sld>
+</file>
+
+<file path=ppt/slides/slide9.xml><?xml version="1.0" encoding="utf-8"?>
+<p:sld xmlns:a="http://schemas.openxmlformats.org/drawingml/2006/main" xmlns:r="http://schemas.openxmlformats.org/officeDocument/2006/relationships" xmlns:p="http://schemas.openxmlformats.org/presentationml/2006/main">
+  <p:cSld>
+    <p:spTree>
+      <p:nvGrpSpPr>
+        <p:cNvPr id="1" name=""/>
+        <p:cNvGrpSpPr/>
+        <p:nvPr/>
+      </p:nvGrpSpPr>
+      <p:grpSpPr/>
+      <p:pic>
+        <p:nvPicPr>
+          <p:cNvPr id="4" name="図形 3"/>
+          <p:cNvPicPr>
+            <a:picLocks noChangeAspect="1"/>
+          </p:cNvPicPr>
+          <p:nvPr/>
+        </p:nvPicPr>
+        <p:blipFill>
+          <a:blip r:embed="rId1"/>
+          <a:stretch>
+            <a:fillRect/>
+          </a:stretch>
+        </p:blipFill>
+        <p:spPr>
+          <a:xfrm>
+            <a:off x="985520" y="1552575"/>
+            <a:ext cx="6939915" cy="4749165"/>
+          </a:xfrm>
+          <a:prstGeom prst="rect">
+            <a:avLst/>
+          </a:prstGeom>
+        </p:spPr>
+      </p:pic>
+      <p:sp>
+        <p:nvSpPr>
+          <p:cNvPr id="2" name="タイトル 1"/>
+          <p:cNvSpPr>
+            <a:spLocks noGrp="1"/>
+          </p:cNvSpPr>
+          <p:nvPr>
+            <p:ph type="title"/>
+          </p:nvPr>
+        </p:nvSpPr>
+        <p:spPr>
+          <a:xfrm>
+            <a:off x="838200" y="365125"/>
+            <a:ext cx="10515600" cy="619200"/>
+          </a:xfrm>
+          <a:solidFill>
+            <a:schemeClr val="accent5">
+              <a:lumMod val="20000"/>
+              <a:lumOff val="80000"/>
+              <a:alpha val="50000"/>
+            </a:schemeClr>
+          </a:solidFill>
+        </p:spPr>
+        <p:txBody>
+          <a:bodyPr>
+            <a:normAutofit/>
+          </a:bodyPr>
+          <a:p>
+            <a:r>
+              <a:rPr lang="ja-JP" altLang="en-US" sz="3200">
+                <a:sym typeface="+mn-ea"/>
+              </a:rPr>
+              <a:t>７．処理依存とは、リスクを蓄積する事！</a:t>
+            </a:r>
+            <a:endParaRPr lang="ja-JP" altLang="en-US" sz="3200">
+              <a:sym typeface="+mn-ea"/>
+            </a:endParaRPr>
+          </a:p>
+        </p:txBody>
+      </p:sp>
+      <p:sp>
+        <p:nvSpPr>
+          <p:cNvPr id="3" name="コンテンツプレースホルダ 2"/>
+          <p:cNvSpPr>
+            <a:spLocks noGrp="1"/>
+          </p:cNvSpPr>
+          <p:nvPr>
+            <p:ph sz="half" idx="1"/>
+          </p:nvPr>
+        </p:nvSpPr>
+        <p:spPr>
+          <a:xfrm>
+            <a:off x="838200" y="984885"/>
+            <a:ext cx="10515600" cy="5192395"/>
+          </a:xfrm>
+        </p:spPr>
+        <p:txBody>
+          <a:bodyPr>
+            <a:normAutofit lnSpcReduction="20000"/>
+          </a:bodyPr>
+          <a:p>
+            <a:pPr marL="0" indent="0">
+              <a:buNone/>
+            </a:pPr>
+            <a:endParaRPr lang="en-US" altLang="ja-JP" sz="600"/>
+          </a:p>
+          <a:p>
+            <a:pPr marL="0" indent="0">
+              <a:buNone/>
+            </a:pPr>
+            <a:r>
+              <a:rPr lang="ja-JP" altLang="en-US"/>
+              <a:t>処理</a:t>
+            </a:r>
+            <a:r>
+              <a:rPr lang="en-US" altLang="ja-JP"/>
+              <a:t>/</a:t>
+            </a:r>
+            <a:r>
+              <a:rPr lang="ja-JP" altLang="en-US"/>
+              <a:t>データをまたぐ場所にこんな実装ががががが！！</a:t>
+            </a:r>
+            <a:endParaRPr lang="ja-JP" altLang="en-US"/>
+          </a:p>
+          <a:p>
+            <a:pPr marL="0" indent="0">
+              <a:buNone/>
+            </a:pPr>
+            <a:endParaRPr lang="ja-JP" altLang="en-US"/>
+          </a:p>
+          <a:p>
+            <a:pPr marL="0" indent="0">
+              <a:buNone/>
+            </a:pPr>
+            <a:endParaRPr lang="ja-JP" altLang="en-US"/>
+          </a:p>
+          <a:p>
+            <a:endParaRPr lang="ja-JP" altLang="en-US"/>
+          </a:p>
+          <a:p>
+            <a:endParaRPr lang="ja-JP" altLang="en-US"/>
+          </a:p>
+          <a:p>
+            <a:endParaRPr lang="ja-JP" altLang="en-US"/>
+          </a:p>
+          <a:p>
+            <a:endParaRPr lang="ja-JP" altLang="en-US"/>
+          </a:p>
+          <a:p>
+            <a:endParaRPr lang="ja-JP" altLang="en-US"/>
+          </a:p>
+          <a:p>
+            <a:endParaRPr lang="ja-JP" altLang="en-US"/>
+          </a:p>
+          <a:p>
+            <a:endParaRPr lang="ja-JP" altLang="en-US"/>
+          </a:p>
+        </p:txBody>
+      </p:sp>
+      <p:pic>
+        <p:nvPicPr>
+          <p:cNvPr id="5" name="図形 4" descr="images"/>
+          <p:cNvPicPr>
+            <a:picLocks noChangeAspect="1"/>
+          </p:cNvPicPr>
+          <p:nvPr/>
+        </p:nvPicPr>
+        <p:blipFill>
+          <a:blip r:embed="rId2"/>
+          <a:stretch>
+            <a:fillRect/>
+          </a:stretch>
+        </p:blipFill>
+        <p:spPr>
+          <a:xfrm>
+            <a:off x="10325100" y="4379595"/>
+            <a:ext cx="1028700" cy="1797685"/>
+          </a:xfrm>
+          <a:prstGeom prst="rect">
+            <a:avLst/>
+          </a:prstGeom>
+        </p:spPr>
+      </p:pic>
+      <p:sp>
+        <p:nvSpPr>
+          <p:cNvPr id="6" name="テキストボックス 5"/>
+          <p:cNvSpPr txBox="1"/>
+          <p:nvPr/>
+        </p:nvSpPr>
+        <p:spPr>
+          <a:xfrm>
+            <a:off x="10119360" y="3891915"/>
+            <a:ext cx="1385570" cy="645160"/>
+          </a:xfrm>
+          <a:prstGeom prst="rect">
+            <a:avLst/>
+          </a:prstGeom>
+          <a:noFill/>
+        </p:spPr>
+        <p:txBody>
+          <a:bodyPr wrap="square" rtlCol="0">
+            <a:spAutoFit/>
+          </a:bodyPr>
+          <a:p>
+            <a:r>
+              <a:rPr lang="ja-JP" altLang="en-US" sz="1200"/>
+              <a:t>　　バグったら</a:t>
+            </a:r>
+            <a:endParaRPr lang="ja-JP" altLang="en-US" sz="1200"/>
+          </a:p>
+          <a:p>
+            <a:r>
+              <a:rPr lang="ja-JP" altLang="en-US" sz="1200"/>
+              <a:t>　　あかんやろ！</a:t>
+            </a:r>
+            <a:endParaRPr lang="ja-JP" altLang="en-US" sz="1200"/>
+          </a:p>
+          <a:p>
+            <a:endParaRPr lang="ja-JP" altLang="en-US" sz="1200"/>
+          </a:p>
+        </p:txBody>
+      </p:sp>
+      <p:sp>
+        <p:nvSpPr>
+          <p:cNvPr id="16" name="四角形吹き出し 15"/>
+          <p:cNvSpPr/>
+          <p:nvPr/>
+        </p:nvSpPr>
+        <p:spPr>
+          <a:xfrm>
+            <a:off x="5904230" y="3568700"/>
+            <a:ext cx="3837940" cy="932815"/>
+          </a:xfrm>
+          <a:prstGeom prst="wedgeRectCallout">
+            <a:avLst>
+              <a:gd name="adj1" fmla="val -64046"/>
+              <a:gd name="adj2" fmla="val -1403"/>
+            </a:avLst>
+          </a:prstGeom>
+          <a:gradFill>
+            <a:gsLst>
+              <a:gs pos="0">
+                <a:srgbClr val="FE4444"/>
+              </a:gs>
+              <a:gs pos="100000">
+                <a:srgbClr val="832B2B"/>
+              </a:gs>
+            </a:gsLst>
+            <a:lin ang="5400000" scaled="0"/>
+          </a:gradFill>
+          <a:ln>
+            <a:solidFill>
+              <a:srgbClr val="FF0000"/>
+            </a:solidFill>
+          </a:ln>
+        </p:spPr>
+        <p:style>
+          <a:lnRef idx="2">
+            <a:schemeClr val="accent1">
+              <a:shade val="50000"/>
+            </a:schemeClr>
+          </a:lnRef>
+          <a:fillRef idx="1">
+            <a:schemeClr val="accent1"/>
+          </a:fillRef>
+          <a:effectRef idx="0">
+            <a:schemeClr val="accent1"/>
+          </a:effectRef>
+          <a:fontRef idx="minor">
+            <a:schemeClr val="lt1"/>
+          </a:fontRef>
+        </p:style>
+        <p:txBody>
+          <a:bodyPr rtlCol="0" anchor="ctr"/>
+          <a:p>
+            <a:pPr algn="l"/>
+            <a:r>
+              <a:rPr lang="ja-JP" altLang="en-US" sz="1600" b="1"/>
+              <a:t>点滅しかやってない。。。</a:t>
+            </a:r>
+            <a:endParaRPr lang="ja-JP" altLang="en-US" sz="1600" b="1"/>
+          </a:p>
+          <a:p>
+            <a:pPr algn="l"/>
+            <a:r>
+              <a:rPr lang="ja-JP" altLang="en-US" sz="1600" b="1"/>
+              <a:t>炎の数の計算が漏れてるやん！？</a:t>
+            </a:r>
+            <a:endParaRPr lang="ja-JP" altLang="en-US" sz="1600" b="1"/>
+          </a:p>
+        </p:txBody>
+      </p:sp>
+      <p:sp>
+        <p:nvSpPr>
+          <p:cNvPr id="8" name="四角形吹き出し 7"/>
+          <p:cNvSpPr/>
+          <p:nvPr/>
+        </p:nvSpPr>
+        <p:spPr>
+          <a:xfrm>
+            <a:off x="6101715" y="4406265"/>
+            <a:ext cx="3837940" cy="1528445"/>
+          </a:xfrm>
+          <a:prstGeom prst="wedgeRectCallout">
+            <a:avLst>
+              <a:gd name="adj1" fmla="val -50000"/>
+              <a:gd name="adj2" fmla="val -18716"/>
+            </a:avLst>
+          </a:prstGeom>
+          <a:gradFill>
+            <a:gsLst>
+              <a:gs pos="0">
+                <a:srgbClr val="FE4444"/>
+              </a:gs>
+              <a:gs pos="100000">
+                <a:srgbClr val="832B2B"/>
+              </a:gs>
+            </a:gsLst>
+            <a:lin ang="5400000" scaled="0"/>
+          </a:gradFill>
+          <a:ln>
+            <a:solidFill>
+              <a:srgbClr val="FF0000"/>
+            </a:solidFill>
+          </a:ln>
+        </p:spPr>
+        <p:style>
+          <a:lnRef idx="2">
+            <a:schemeClr val="accent1">
+              <a:shade val="50000"/>
+            </a:schemeClr>
+          </a:lnRef>
+          <a:fillRef idx="1">
+            <a:schemeClr val="accent1"/>
+          </a:fillRef>
+          <a:effectRef idx="0">
+            <a:schemeClr val="accent1"/>
+          </a:effectRef>
+          <a:fontRef idx="minor">
+            <a:schemeClr val="lt1"/>
+          </a:fontRef>
+        </p:style>
+        <p:txBody>
+          <a:bodyPr rtlCol="0" anchor="ctr"/>
+          <a:p>
+            <a:pPr algn="l"/>
+            <a:r>
+              <a:rPr lang="ja-JP" altLang="en-US" sz="1600" b="1"/>
+              <a:t>今後、処理がさらに増える可能性・・</a:t>
+            </a:r>
+            <a:endParaRPr lang="ja-JP" altLang="en-US" sz="1600" b="1"/>
+          </a:p>
+          <a:p>
+            <a:pPr algn="l"/>
+            <a:r>
+              <a:rPr lang="ja-JP" altLang="en-US" sz="1600" b="1"/>
+              <a:t>例）</a:t>
+            </a:r>
+            <a:endParaRPr lang="ja-JP" altLang="en-US" sz="1600" b="1"/>
+          </a:p>
+          <a:p>
+            <a:pPr algn="l"/>
+            <a:r>
+              <a:rPr lang="ja-JP" altLang="en-US" sz="1600" b="1"/>
+              <a:t>　　音声で炎を・・</a:t>
+            </a:r>
+            <a:endParaRPr lang="ja-JP" altLang="en-US" sz="1600" b="1"/>
+          </a:p>
+          <a:p>
+            <a:pPr algn="l"/>
+            <a:r>
+              <a:rPr lang="ja-JP" altLang="en-US" sz="1600" b="1"/>
+              <a:t>　　 </a:t>
+            </a:r>
+            <a:r>
+              <a:rPr lang="en-US" altLang="ja-JP" sz="1600" b="1"/>
+              <a:t>QR</a:t>
+            </a:r>
+            <a:r>
+              <a:rPr lang="ja-JP" altLang="en-US" sz="1600" b="1"/>
+              <a:t>コードで炎を・・</a:t>
             </a:r>
             <a:endParaRPr lang="ja-JP" altLang="en-US" sz="1600" b="1"/>
           </a:p>

--- a/処理依存よりデータ依存_エンジニアの輪20250215.pptx
+++ b/処理依存よりデータ依存_エンジニアの輪20250215.pptx
@@ -8,11 +8,11 @@
     <p:sldId id="256" r:id="rId3"/>
     <p:sldId id="257" r:id="rId4"/>
     <p:sldId id="258" r:id="rId5"/>
-    <p:sldId id="267" r:id="rId6"/>
-    <p:sldId id="282" r:id="rId7"/>
-    <p:sldId id="284" r:id="rId8"/>
-    <p:sldId id="285" r:id="rId9"/>
-    <p:sldId id="302" r:id="rId10"/>
+    <p:sldId id="282" r:id="rId6"/>
+    <p:sldId id="284" r:id="rId7"/>
+    <p:sldId id="285" r:id="rId8"/>
+    <p:sldId id="302" r:id="rId9"/>
+    <p:sldId id="267" r:id="rId10"/>
     <p:sldId id="299" r:id="rId11"/>
     <p:sldId id="268" r:id="rId12"/>
     <p:sldId id="265" r:id="rId13"/>
@@ -3515,13 +3515,7 @@
               <a:rPr lang="ja-JP" altLang="en-US" sz="3200">
                 <a:sym typeface="+mn-ea"/>
               </a:rPr>
-              <a:t>８</a:t>
-            </a:r>
-            <a:r>
-              <a:rPr lang="ja-JP" altLang="en-US" sz="3200">
-                <a:sym typeface="+mn-ea"/>
-              </a:rPr>
-              <a:t>．</a:t>
+              <a:t>８．</a:t>
             </a:r>
             <a:r>
               <a:rPr lang="en-US" altLang="ja-JP" sz="3200">
@@ -4996,7 +4990,11 @@
             </a:pPr>
             <a:r>
               <a:rPr lang="ja-JP" altLang="en-US"/>
-              <a:t>　２．処理依存とデータ依存の違い</a:t>
+              <a:t>　２</a:t>
+            </a:r>
+            <a:r>
+              <a:rPr lang="ja-JP" altLang="en-US"/>
+              <a:t>．デモ①</a:t>
             </a:r>
             <a:endParaRPr lang="ja-JP" altLang="en-US"/>
           </a:p>
@@ -5006,7 +5004,11 @@
             </a:pPr>
             <a:r>
               <a:rPr lang="ja-JP" altLang="en-US"/>
-              <a:t>　３．デモ①</a:t>
+              <a:t>　３</a:t>
+            </a:r>
+            <a:r>
+              <a:rPr lang="ja-JP" altLang="en-US"/>
+              <a:t>．要件は満たせてる？</a:t>
             </a:r>
             <a:endParaRPr lang="ja-JP" altLang="en-US"/>
           </a:p>
@@ -5016,11 +5018,11 @@
             </a:pPr>
             <a:r>
               <a:rPr lang="ja-JP" altLang="en-US"/>
-              <a:t>　４．要件は満たせてる</a:t>
+              <a:t>　４</a:t>
             </a:r>
             <a:r>
               <a:rPr lang="ja-JP" altLang="en-US"/>
-              <a:t>？</a:t>
+              <a:t>．デモ②</a:t>
             </a:r>
             <a:endParaRPr lang="ja-JP" altLang="en-US"/>
           </a:p>
@@ -5030,7 +5032,11 @@
             </a:pPr>
             <a:r>
               <a:rPr lang="ja-JP" altLang="en-US"/>
-              <a:t>　５．デモ②</a:t>
+              <a:t>　５</a:t>
+            </a:r>
+            <a:r>
+              <a:rPr lang="ja-JP" altLang="en-US"/>
+              <a:t>．品質は高い？</a:t>
             </a:r>
             <a:endParaRPr lang="ja-JP" altLang="en-US"/>
           </a:p>
@@ -5040,25 +5046,35 @@
             </a:pPr>
             <a:r>
               <a:rPr lang="ja-JP" altLang="en-US"/>
-              <a:t>　６．品質は高い</a:t>
+              <a:t>　</a:t>
+            </a:r>
+            <a:r>
+              <a:rPr lang="ja-JP" altLang="en-US">
+                <a:sym typeface="+mn-ea"/>
+              </a:rPr>
+              <a:t>６</a:t>
+            </a:r>
+            <a:r>
+              <a:rPr lang="ja-JP" altLang="en-US">
+                <a:sym typeface="+mn-ea"/>
+              </a:rPr>
+              <a:t>．処理依存とデータ依存の違い</a:t>
+            </a:r>
+            <a:endParaRPr lang="ja-JP" altLang="en-US"/>
+          </a:p>
+          <a:p>
+            <a:pPr marL="0" indent="0">
+              <a:buNone/>
+            </a:pPr>
+            <a:r>
+              <a:rPr lang="ja-JP" altLang="en-US">
+                <a:sym typeface="+mn-ea"/>
+              </a:rPr>
+              <a:t>　</a:t>
             </a:r>
             <a:r>
               <a:rPr lang="ja-JP" altLang="en-US"/>
-              <a:t>？</a:t>
-            </a:r>
-            <a:endParaRPr lang="ja-JP" altLang="en-US"/>
-          </a:p>
-          <a:p>
-            <a:pPr marL="0" indent="0">
-              <a:buNone/>
-            </a:pPr>
-            <a:r>
-              <a:rPr lang="ja-JP" altLang="en-US"/>
-              <a:t>　７．処理依存とは、リスクを蓄積する事</a:t>
-            </a:r>
-            <a:r>
-              <a:rPr lang="ja-JP" altLang="en-US"/>
-              <a:t>！</a:t>
+              <a:t>７．処理依存とは、リスクを蓄積する事！</a:t>
             </a:r>
             <a:endParaRPr lang="ja-JP" altLang="en-US"/>
           </a:p>
@@ -5534,6 +5550,154 @@
         <p:nvPr/>
       </p:nvGrpSpPr>
       <p:grpSpPr/>
+      <p:sp>
+        <p:nvSpPr>
+          <p:cNvPr id="2" name="タイトル 1"/>
+          <p:cNvSpPr>
+            <a:spLocks noGrp="1"/>
+          </p:cNvSpPr>
+          <p:nvPr>
+            <p:ph type="title"/>
+          </p:nvPr>
+        </p:nvSpPr>
+        <p:spPr>
+          <a:xfrm>
+            <a:off x="838200" y="365125"/>
+            <a:ext cx="10515600" cy="619200"/>
+          </a:xfrm>
+          <a:solidFill>
+            <a:schemeClr val="accent5">
+              <a:lumMod val="20000"/>
+              <a:lumOff val="80000"/>
+              <a:alpha val="50000"/>
+            </a:schemeClr>
+          </a:solidFill>
+        </p:spPr>
+        <p:txBody>
+          <a:bodyPr/>
+          <a:p>
+            <a:r>
+              <a:rPr lang="ja-JP" altLang="en-US" sz="3200"/>
+              <a:t>２</a:t>
+            </a:r>
+            <a:r>
+              <a:rPr lang="ja-JP" altLang="en-US" sz="3200"/>
+              <a:t>．デモ①</a:t>
+            </a:r>
+            <a:endParaRPr lang="ja-JP" altLang="en-US" sz="3200"/>
+          </a:p>
+        </p:txBody>
+      </p:sp>
+      <p:sp>
+        <p:nvSpPr>
+          <p:cNvPr id="3" name="コンテンツプレースホルダ 2"/>
+          <p:cNvSpPr>
+            <a:spLocks noGrp="1"/>
+          </p:cNvSpPr>
+          <p:nvPr>
+            <p:ph sz="half" idx="1"/>
+          </p:nvPr>
+        </p:nvSpPr>
+        <p:spPr>
+          <a:xfrm>
+            <a:off x="838200" y="983615"/>
+            <a:ext cx="10515600" cy="5193665"/>
+          </a:xfrm>
+        </p:spPr>
+        <p:txBody>
+          <a:bodyPr>
+            <a:normAutofit lnSpcReduction="10000"/>
+          </a:bodyPr>
+          <a:p>
+            <a:pPr marL="0" indent="0">
+              <a:buNone/>
+            </a:pPr>
+            <a:endParaRPr lang="ja-JP" altLang="en-US" sz="800"/>
+          </a:p>
+          <a:p>
+            <a:pPr marL="0" indent="0">
+              <a:buNone/>
+            </a:pPr>
+            <a:r>
+              <a:rPr lang="ja-JP" altLang="en-US"/>
+              <a:t>デモやります（当スライドは後で</a:t>
+            </a:r>
+            <a:r>
+              <a:rPr lang="en-US" altLang="ja-JP"/>
+              <a:t>Slack</a:t>
+            </a:r>
+            <a:r>
+              <a:rPr lang="ja-JP" altLang="en-US"/>
+              <a:t>にアップします</a:t>
+            </a:r>
+            <a:r>
+              <a:rPr lang="ja-JP" altLang="en-US"/>
+              <a:t>）</a:t>
+            </a:r>
+            <a:r>
+              <a:rPr lang="ja-JP" altLang="en-US"/>
+              <a:t>！</a:t>
+            </a:r>
+            <a:endParaRPr lang="en-US" altLang="ja-JP"/>
+          </a:p>
+          <a:p>
+            <a:pPr marL="0" indent="0">
+              <a:buNone/>
+            </a:pPr>
+            <a:r>
+              <a:rPr lang="ja-JP" altLang="en-US"/>
+              <a:t>　</a:t>
+            </a:r>
+            <a:r>
+              <a:rPr lang="ja-JP" altLang="en-US" sz="1600"/>
+              <a:t>https://github.com/RyotoKuroki/QualityDependsOnDataApplication</a:t>
+            </a:r>
+            <a:endParaRPr lang="ja-JP" altLang="en-US"/>
+          </a:p>
+          <a:p>
+            <a:pPr marL="0" indent="0">
+              <a:buNone/>
+            </a:pPr>
+            <a:endParaRPr lang="ja-JP" altLang="en-US"/>
+          </a:p>
+          <a:p>
+            <a:pPr marL="0" indent="0">
+              <a:buNone/>
+            </a:pPr>
+            <a:endParaRPr lang="ja-JP" altLang="en-US"/>
+          </a:p>
+          <a:p>
+            <a:pPr marL="0" indent="0">
+              <a:buNone/>
+            </a:pPr>
+            <a:endParaRPr lang="ja-JP" altLang="en-US"/>
+          </a:p>
+          <a:p>
+            <a:pPr marL="0" indent="0">
+              <a:buNone/>
+            </a:pPr>
+            <a:endParaRPr lang="ja-JP" altLang="en-US"/>
+          </a:p>
+          <a:p>
+            <a:pPr marL="0" indent="0">
+              <a:buNone/>
+            </a:pPr>
+            <a:endParaRPr lang="ja-JP" altLang="en-US"/>
+          </a:p>
+          <a:p>
+            <a:pPr marL="0" indent="0">
+              <a:buNone/>
+            </a:pPr>
+            <a:endParaRPr lang="ja-JP" altLang="en-US"/>
+          </a:p>
+          <a:p>
+            <a:pPr marL="0" indent="0">
+              <a:buNone/>
+            </a:pPr>
+            <a:endParaRPr lang="ja-JP" altLang="en-US"/>
+          </a:p>
+        </p:txBody>
+      </p:sp>
       <p:pic>
         <p:nvPicPr>
           <p:cNvPr id="5" name="図形 4" descr="images"/>
@@ -5558,147 +5722,6 @@
           </a:prstGeom>
         </p:spPr>
       </p:pic>
-      <p:pic>
-        <p:nvPicPr>
-          <p:cNvPr id="7" name="図形 6"/>
-          <p:cNvPicPr>
-            <a:picLocks noChangeAspect="1"/>
-          </p:cNvPicPr>
-          <p:nvPr/>
-        </p:nvPicPr>
-        <p:blipFill>
-          <a:blip r:embed="rId2"/>
-          <a:stretch>
-            <a:fillRect/>
-          </a:stretch>
-        </p:blipFill>
-        <p:spPr>
-          <a:xfrm>
-            <a:off x="941705" y="1539875"/>
-            <a:ext cx="9590405" cy="4394200"/>
-          </a:xfrm>
-          <a:prstGeom prst="rect">
-            <a:avLst/>
-          </a:prstGeom>
-        </p:spPr>
-      </p:pic>
-      <p:sp>
-        <p:nvSpPr>
-          <p:cNvPr id="2" name="タイトル 1"/>
-          <p:cNvSpPr>
-            <a:spLocks noGrp="1"/>
-          </p:cNvSpPr>
-          <p:nvPr>
-            <p:ph type="title"/>
-          </p:nvPr>
-        </p:nvSpPr>
-        <p:spPr>
-          <a:xfrm>
-            <a:off x="838200" y="365125"/>
-            <a:ext cx="10515600" cy="619200"/>
-          </a:xfrm>
-          <a:solidFill>
-            <a:schemeClr val="accent5">
-              <a:lumMod val="20000"/>
-              <a:lumOff val="80000"/>
-              <a:alpha val="50000"/>
-            </a:schemeClr>
-          </a:solidFill>
-        </p:spPr>
-        <p:txBody>
-          <a:bodyPr>
-            <a:normAutofit/>
-          </a:bodyPr>
-          <a:p>
-            <a:r>
-              <a:rPr lang="ja-JP" altLang="en-US" sz="3200">
-                <a:sym typeface="+mn-ea"/>
-              </a:rPr>
-              <a:t>２．処理依存とデータ依存の違い</a:t>
-            </a:r>
-            <a:endParaRPr lang="ja-JP" altLang="en-US" sz="3200"/>
-          </a:p>
-        </p:txBody>
-      </p:sp>
-      <p:sp>
-        <p:nvSpPr>
-          <p:cNvPr id="3" name="コンテンツプレースホルダ 2"/>
-          <p:cNvSpPr>
-            <a:spLocks noGrp="1"/>
-          </p:cNvSpPr>
-          <p:nvPr>
-            <p:ph sz="half" idx="1"/>
-          </p:nvPr>
-        </p:nvSpPr>
-        <p:spPr>
-          <a:xfrm>
-            <a:off x="838200" y="984885"/>
-            <a:ext cx="10515600" cy="5192395"/>
-          </a:xfrm>
-        </p:spPr>
-        <p:txBody>
-          <a:bodyPr>
-            <a:normAutofit lnSpcReduction="20000"/>
-          </a:bodyPr>
-          <a:p>
-            <a:pPr marL="0" indent="0">
-              <a:buNone/>
-            </a:pPr>
-            <a:endParaRPr lang="en-US" altLang="ja-JP" sz="600"/>
-          </a:p>
-          <a:p>
-            <a:pPr marL="0" indent="0">
-              <a:buNone/>
-            </a:pPr>
-            <a:r>
-              <a:rPr lang="en-US" altLang="ja-JP"/>
-              <a:t>←</a:t>
-            </a:r>
-            <a:r>
-              <a:rPr lang="ja-JP" altLang="en-US"/>
-              <a:t>処理依存　　　　　　　　　　　　　　　　　　　　　　　　　データ依存</a:t>
-            </a:r>
-            <a:r>
-              <a:rPr lang="en-US" altLang="ja-JP"/>
-              <a:t>→</a:t>
-            </a:r>
-            <a:endParaRPr lang="ja-JP" altLang="en-US"/>
-          </a:p>
-          <a:p>
-            <a:pPr marL="0" indent="0">
-              <a:buNone/>
-            </a:pPr>
-            <a:endParaRPr lang="ja-JP" altLang="en-US"/>
-          </a:p>
-          <a:p>
-            <a:pPr marL="0" indent="0">
-              <a:buNone/>
-            </a:pPr>
-            <a:endParaRPr lang="ja-JP" altLang="en-US"/>
-          </a:p>
-          <a:p>
-            <a:endParaRPr lang="ja-JP" altLang="en-US"/>
-          </a:p>
-          <a:p>
-            <a:endParaRPr lang="ja-JP" altLang="en-US"/>
-          </a:p>
-          <a:p>
-            <a:endParaRPr lang="ja-JP" altLang="en-US"/>
-          </a:p>
-          <a:p>
-            <a:endParaRPr lang="ja-JP" altLang="en-US"/>
-          </a:p>
-          <a:p>
-            <a:endParaRPr lang="ja-JP" altLang="en-US"/>
-          </a:p>
-          <a:p>
-            <a:endParaRPr lang="ja-JP" altLang="en-US"/>
-          </a:p>
-          <a:p>
-            <a:endParaRPr lang="ja-JP" altLang="en-US"/>
-          </a:p>
-        </p:txBody>
-      </p:sp>
       <p:sp>
         <p:nvSpPr>
           <p:cNvPr id="6" name="テキストボックス 5"/>
@@ -5707,8 +5730,8 @@
         </p:nvSpPr>
         <p:spPr>
           <a:xfrm>
-            <a:off x="10119360" y="3891915"/>
-            <a:ext cx="1385570" cy="460375"/>
+            <a:off x="10265410" y="3980815"/>
+            <a:ext cx="1414145" cy="460375"/>
           </a:xfrm>
           <a:prstGeom prst="rect">
             <a:avLst/>
@@ -5725,295 +5748,7 @@
           <a:p>
             <a:r>
               <a:rPr lang="ja-JP" altLang="en-US" sz="1200"/>
-              <a:t>　　　　被ってんぞ！</a:t>
-            </a:r>
-            <a:endParaRPr lang="ja-JP" altLang="en-US" sz="1200"/>
-          </a:p>
-        </p:txBody>
-      </p:sp>
-      <p:sp>
-        <p:nvSpPr>
-          <p:cNvPr id="16" name="四角形吹き出し 15"/>
-          <p:cNvSpPr/>
-          <p:nvPr/>
-        </p:nvSpPr>
-        <p:spPr>
-          <a:xfrm>
-            <a:off x="2642870" y="5311775"/>
-            <a:ext cx="2674620" cy="1027430"/>
-          </a:xfrm>
-          <a:prstGeom prst="wedgeRectCallout">
-            <a:avLst>
-              <a:gd name="adj1" fmla="val -25623"/>
-              <a:gd name="adj2" fmla="val -64070"/>
-            </a:avLst>
-          </a:prstGeom>
-          <a:gradFill>
-            <a:gsLst>
-              <a:gs pos="0">
-                <a:srgbClr val="FE4444"/>
-              </a:gs>
-              <a:gs pos="100000">
-                <a:srgbClr val="832B2B"/>
-              </a:gs>
-            </a:gsLst>
-            <a:lin ang="5400000" scaled="0"/>
-          </a:gradFill>
-          <a:ln>
-            <a:solidFill>
-              <a:srgbClr val="FF0000"/>
-            </a:solidFill>
-          </a:ln>
-        </p:spPr>
-        <p:style>
-          <a:lnRef idx="2">
-            <a:schemeClr val="accent1">
-              <a:shade val="50000"/>
-            </a:schemeClr>
-          </a:lnRef>
-          <a:fillRef idx="1">
-            <a:schemeClr val="accent1"/>
-          </a:fillRef>
-          <a:effectRef idx="0">
-            <a:schemeClr val="accent1"/>
-          </a:effectRef>
-          <a:fontRef idx="minor">
-            <a:schemeClr val="lt1"/>
-          </a:fontRef>
-        </p:style>
-        <p:txBody>
-          <a:bodyPr rtlCol="0" anchor="ctr"/>
-          <a:p>
-            <a:pPr algn="l"/>
-            <a:r>
-              <a:rPr lang="ja-JP" altLang="en-US" sz="1600" b="1"/>
-              <a:t>ぱっとみは綺麗・・</a:t>
-            </a:r>
-            <a:endParaRPr lang="ja-JP" altLang="en-US" sz="1600" b="1"/>
-          </a:p>
-          <a:p>
-            <a:pPr algn="l"/>
-            <a:r>
-              <a:rPr lang="ja-JP" altLang="en-US" sz="1600" b="1"/>
-              <a:t>・処理に矛盾は無いデス</a:t>
-            </a:r>
-            <a:endParaRPr lang="ja-JP" altLang="en-US" sz="1600" b="1"/>
-          </a:p>
-          <a:p>
-            <a:pPr algn="l"/>
-            <a:r>
-              <a:rPr lang="ja-JP" altLang="en-US" sz="1600" b="1"/>
-              <a:t>・スコープ小さいデス</a:t>
-            </a:r>
-            <a:endParaRPr lang="ja-JP" altLang="en-US" sz="1600" b="1" u="sng">
-              <a:solidFill>
-                <a:srgbClr val="FFFF00"/>
-              </a:solidFill>
-            </a:endParaRPr>
-          </a:p>
-        </p:txBody>
-      </p:sp>
-    </p:spTree>
-  </p:cSld>
-  <p:clrMapOvr>
-    <a:masterClrMapping/>
-  </p:clrMapOvr>
-</p:sld>
-</file>
-
-<file path=ppt/slides/slide5.xml><?xml version="1.0" encoding="utf-8"?>
-<p:sld xmlns:a="http://schemas.openxmlformats.org/drawingml/2006/main" xmlns:r="http://schemas.openxmlformats.org/officeDocument/2006/relationships" xmlns:p="http://schemas.openxmlformats.org/presentationml/2006/main">
-  <p:cSld>
-    <p:spTree>
-      <p:nvGrpSpPr>
-        <p:cNvPr id="1" name=""/>
-        <p:cNvGrpSpPr/>
-        <p:nvPr/>
-      </p:nvGrpSpPr>
-      <p:grpSpPr/>
-      <p:sp>
-        <p:nvSpPr>
-          <p:cNvPr id="2" name="タイトル 1"/>
-          <p:cNvSpPr>
-            <a:spLocks noGrp="1"/>
-          </p:cNvSpPr>
-          <p:nvPr>
-            <p:ph type="title"/>
-          </p:nvPr>
-        </p:nvSpPr>
-        <p:spPr>
-          <a:xfrm>
-            <a:off x="838200" y="365125"/>
-            <a:ext cx="10515600" cy="619200"/>
-          </a:xfrm>
-          <a:solidFill>
-            <a:schemeClr val="accent5">
-              <a:lumMod val="20000"/>
-              <a:lumOff val="80000"/>
-              <a:alpha val="50000"/>
-            </a:schemeClr>
-          </a:solidFill>
-        </p:spPr>
-        <p:txBody>
-          <a:bodyPr/>
-          <a:p>
-            <a:r>
-              <a:rPr lang="ja-JP" altLang="en-US" sz="3200"/>
-              <a:t>３．デモ①</a:t>
-            </a:r>
-            <a:endParaRPr lang="ja-JP" altLang="en-US" sz="3200"/>
-          </a:p>
-        </p:txBody>
-      </p:sp>
-      <p:sp>
-        <p:nvSpPr>
-          <p:cNvPr id="3" name="コンテンツプレースホルダ 2"/>
-          <p:cNvSpPr>
-            <a:spLocks noGrp="1"/>
-          </p:cNvSpPr>
-          <p:nvPr>
-            <p:ph sz="half" idx="1"/>
-          </p:nvPr>
-        </p:nvSpPr>
-        <p:spPr>
-          <a:xfrm>
-            <a:off x="838200" y="983615"/>
-            <a:ext cx="10515600" cy="5193665"/>
-          </a:xfrm>
-        </p:spPr>
-        <p:txBody>
-          <a:bodyPr>
-            <a:normAutofit lnSpcReduction="10000"/>
-          </a:bodyPr>
-          <a:p>
-            <a:pPr marL="0" indent="0">
-              <a:buNone/>
-            </a:pPr>
-            <a:endParaRPr lang="ja-JP" altLang="en-US" sz="800"/>
-          </a:p>
-          <a:p>
-            <a:pPr marL="0" indent="0">
-              <a:buNone/>
-            </a:pPr>
-            <a:r>
-              <a:rPr lang="ja-JP" altLang="en-US"/>
-              <a:t>デモやります！</a:t>
-            </a:r>
-            <a:endParaRPr lang="en-US" altLang="ja-JP"/>
-          </a:p>
-          <a:p>
-            <a:pPr marL="0" indent="0">
-              <a:buNone/>
-            </a:pPr>
-            <a:r>
-              <a:rPr lang="ja-JP" altLang="en-US"/>
-              <a:t>　</a:t>
-            </a:r>
-            <a:r>
-              <a:rPr lang="ja-JP" altLang="en-US" sz="1600"/>
-              <a:t>https://github.com/RyotoKuroki/QualityDependsOnDataApplication</a:t>
-            </a:r>
-            <a:endParaRPr lang="ja-JP" altLang="en-US"/>
-          </a:p>
-          <a:p>
-            <a:pPr marL="0" indent="0">
-              <a:buNone/>
-            </a:pPr>
-            <a:endParaRPr lang="ja-JP" altLang="en-US"/>
-          </a:p>
-          <a:p>
-            <a:pPr marL="0" indent="0">
-              <a:buNone/>
-            </a:pPr>
-            <a:endParaRPr lang="ja-JP" altLang="en-US"/>
-          </a:p>
-          <a:p>
-            <a:pPr marL="0" indent="0">
-              <a:buNone/>
-            </a:pPr>
-            <a:endParaRPr lang="ja-JP" altLang="en-US"/>
-          </a:p>
-          <a:p>
-            <a:pPr marL="0" indent="0">
-              <a:buNone/>
-            </a:pPr>
-            <a:endParaRPr lang="ja-JP" altLang="en-US"/>
-          </a:p>
-          <a:p>
-            <a:pPr marL="0" indent="0">
-              <a:buNone/>
-            </a:pPr>
-            <a:endParaRPr lang="ja-JP" altLang="en-US"/>
-          </a:p>
-          <a:p>
-            <a:pPr marL="0" indent="0">
-              <a:buNone/>
-            </a:pPr>
-            <a:endParaRPr lang="ja-JP" altLang="en-US"/>
-          </a:p>
-          <a:p>
-            <a:pPr marL="0" indent="0">
-              <a:buNone/>
-            </a:pPr>
-            <a:endParaRPr lang="ja-JP" altLang="en-US"/>
-          </a:p>
-        </p:txBody>
-      </p:sp>
-      <p:pic>
-        <p:nvPicPr>
-          <p:cNvPr id="5" name="図形 4" descr="images"/>
-          <p:cNvPicPr>
-            <a:picLocks noChangeAspect="1"/>
-          </p:cNvPicPr>
-          <p:nvPr/>
-        </p:nvPicPr>
-        <p:blipFill>
-          <a:blip r:embed="rId1"/>
-          <a:stretch>
-            <a:fillRect/>
-          </a:stretch>
-        </p:blipFill>
-        <p:spPr>
-          <a:xfrm>
-            <a:off x="10325100" y="4379595"/>
-            <a:ext cx="1028700" cy="1797685"/>
-          </a:xfrm>
-          <a:prstGeom prst="rect">
-            <a:avLst/>
-          </a:prstGeom>
-        </p:spPr>
-      </p:pic>
-      <p:sp>
-        <p:nvSpPr>
-          <p:cNvPr id="6" name="テキストボックス 5"/>
-          <p:cNvSpPr txBox="1"/>
-          <p:nvPr/>
-        </p:nvSpPr>
-        <p:spPr>
-          <a:xfrm>
-            <a:off x="10265410" y="3980815"/>
-            <a:ext cx="1414145" cy="460375"/>
-          </a:xfrm>
-          <a:prstGeom prst="rect">
-            <a:avLst/>
-          </a:prstGeom>
-          <a:noFill/>
-        </p:spPr>
-        <p:txBody>
-          <a:bodyPr wrap="square" rtlCol="0">
-            <a:spAutoFit/>
-          </a:bodyPr>
-          <a:p>
-            <a:endParaRPr lang="ja-JP" altLang="en-US" sz="1200"/>
-          </a:p>
-          <a:p>
-            <a:r>
-              <a:rPr lang="ja-JP" altLang="en-US" sz="1200"/>
-              <a:t>　　ワイ、３才児</a:t>
-            </a:r>
-            <a:r>
-              <a:rPr lang="ja-JP" altLang="en-US" sz="1200"/>
-              <a:t>・・</a:t>
+              <a:t>　　ワイ、３才児・・</a:t>
             </a:r>
             <a:endParaRPr lang="ja-JP" altLang="en-US" sz="1200"/>
           </a:p>
@@ -6207,7 +5942,7 @@
 </p:sld>
 </file>
 
-<file path=ppt/slides/slide6.xml><?xml version="1.0" encoding="utf-8"?>
+<file path=ppt/slides/slide5.xml><?xml version="1.0" encoding="utf-8"?>
 <p:sld xmlns:a="http://schemas.openxmlformats.org/drawingml/2006/main" xmlns:r="http://schemas.openxmlformats.org/officeDocument/2006/relationships" xmlns:p="http://schemas.openxmlformats.org/presentationml/2006/main">
   <p:cSld>
     <p:spTree>
@@ -6245,11 +5980,11 @@
           <a:p>
             <a:r>
               <a:rPr lang="ja-JP" altLang="en-US" sz="3200"/>
-              <a:t>４．要件は満たせてる</a:t>
+              <a:t>３</a:t>
             </a:r>
             <a:r>
               <a:rPr lang="ja-JP" altLang="en-US" sz="3200"/>
-              <a:t>？</a:t>
+              <a:t>．要件は満たせてる？</a:t>
             </a:r>
             <a:endParaRPr lang="ja-JP" altLang="en-US" sz="3200"/>
           </a:p>
@@ -6669,7 +6404,7 @@
 </p:sld>
 </file>
 
-<file path=ppt/slides/slide7.xml><?xml version="1.0" encoding="utf-8"?>
+<file path=ppt/slides/slide6.xml><?xml version="1.0" encoding="utf-8"?>
 <p:sld xmlns:a="http://schemas.openxmlformats.org/drawingml/2006/main" xmlns:r="http://schemas.openxmlformats.org/officeDocument/2006/relationships" xmlns:p="http://schemas.openxmlformats.org/presentationml/2006/main">
   <p:cSld>
     <p:spTree>
@@ -6707,7 +6442,11 @@
           <a:p>
             <a:r>
               <a:rPr lang="ja-JP" altLang="en-US" sz="3200"/>
-              <a:t>５．デモ②</a:t>
+              <a:t>４</a:t>
+            </a:r>
+            <a:r>
+              <a:rPr lang="ja-JP" altLang="en-US" sz="3200"/>
+              <a:t>．デモ②</a:t>
             </a:r>
             <a:endParaRPr lang="ja-JP" altLang="en-US" sz="3200"/>
           </a:p>
@@ -7051,7 +6790,7 @@
 </p:sld>
 </file>
 
-<file path=ppt/slides/slide8.xml><?xml version="1.0" encoding="utf-8"?>
+<file path=ppt/slides/slide7.xml><?xml version="1.0" encoding="utf-8"?>
 <p:sld xmlns:a="http://schemas.openxmlformats.org/drawingml/2006/main" xmlns:r="http://schemas.openxmlformats.org/officeDocument/2006/relationships" xmlns:p="http://schemas.openxmlformats.org/presentationml/2006/main">
   <p:cSld>
     <p:spTree>
@@ -7091,13 +6830,13 @@
               <a:rPr lang="ja-JP" altLang="en-US" sz="3200">
                 <a:sym typeface="+mn-ea"/>
               </a:rPr>
-              <a:t>６．品質は高い</a:t>
+              <a:t>５</a:t>
             </a:r>
             <a:r>
               <a:rPr lang="ja-JP" altLang="en-US" sz="3200">
                 <a:sym typeface="+mn-ea"/>
               </a:rPr>
-              <a:t>？</a:t>
+              <a:t>．品質は高い？</a:t>
             </a:r>
             <a:endParaRPr lang="ja-JP" altLang="en-US" sz="3200"/>
           </a:p>
@@ -7210,11 +6949,7 @@
           <a:p>
             <a:r>
               <a:rPr lang="ja-JP" altLang="en-US" sz="1200"/>
-              <a:t>　　不満</a:t>
-            </a:r>
-            <a:r>
-              <a:rPr lang="ja-JP" altLang="en-US" sz="1200"/>
-              <a:t>やで</a:t>
+              <a:t>　　不満やで</a:t>
             </a:r>
             <a:endParaRPr lang="ja-JP" altLang="en-US" sz="1200"/>
           </a:p>
@@ -7510,6 +7245,445 @@
           <a:p>
             <a:pPr algn="ctr"/>
             <a:endParaRPr lang="ja-JP" altLang="en-US"/>
+          </a:p>
+        </p:txBody>
+      </p:sp>
+    </p:spTree>
+  </p:cSld>
+  <p:clrMapOvr>
+    <a:masterClrMapping/>
+  </p:clrMapOvr>
+</p:sld>
+</file>
+
+<file path=ppt/slides/slide8.xml><?xml version="1.0" encoding="utf-8"?>
+<p:sld xmlns:a="http://schemas.openxmlformats.org/drawingml/2006/main" xmlns:r="http://schemas.openxmlformats.org/officeDocument/2006/relationships" xmlns:p="http://schemas.openxmlformats.org/presentationml/2006/main">
+  <p:cSld>
+    <p:spTree>
+      <p:nvGrpSpPr>
+        <p:cNvPr id="1" name=""/>
+        <p:cNvGrpSpPr/>
+        <p:nvPr/>
+      </p:nvGrpSpPr>
+      <p:grpSpPr/>
+      <p:pic>
+        <p:nvPicPr>
+          <p:cNvPr id="5" name="図形 4" descr="images"/>
+          <p:cNvPicPr>
+            <a:picLocks noChangeAspect="1"/>
+          </p:cNvPicPr>
+          <p:nvPr/>
+        </p:nvPicPr>
+        <p:blipFill>
+          <a:blip r:embed="rId1"/>
+          <a:stretch>
+            <a:fillRect/>
+          </a:stretch>
+        </p:blipFill>
+        <p:spPr>
+          <a:xfrm>
+            <a:off x="10325100" y="4379595"/>
+            <a:ext cx="1028700" cy="1797685"/>
+          </a:xfrm>
+          <a:prstGeom prst="rect">
+            <a:avLst/>
+          </a:prstGeom>
+        </p:spPr>
+      </p:pic>
+      <p:pic>
+        <p:nvPicPr>
+          <p:cNvPr id="7" name="図形 6"/>
+          <p:cNvPicPr>
+            <a:picLocks noChangeAspect="1"/>
+          </p:cNvPicPr>
+          <p:nvPr/>
+        </p:nvPicPr>
+        <p:blipFill>
+          <a:blip r:embed="rId2"/>
+          <a:stretch>
+            <a:fillRect/>
+          </a:stretch>
+        </p:blipFill>
+        <p:spPr>
+          <a:xfrm>
+            <a:off x="941705" y="1539875"/>
+            <a:ext cx="9590405" cy="4394200"/>
+          </a:xfrm>
+          <a:prstGeom prst="rect">
+            <a:avLst/>
+          </a:prstGeom>
+        </p:spPr>
+      </p:pic>
+      <p:sp>
+        <p:nvSpPr>
+          <p:cNvPr id="2" name="タイトル 1"/>
+          <p:cNvSpPr>
+            <a:spLocks noGrp="1"/>
+          </p:cNvSpPr>
+          <p:nvPr>
+            <p:ph type="title"/>
+          </p:nvPr>
+        </p:nvSpPr>
+        <p:spPr>
+          <a:xfrm>
+            <a:off x="838200" y="365125"/>
+            <a:ext cx="10515600" cy="619200"/>
+          </a:xfrm>
+          <a:solidFill>
+            <a:schemeClr val="accent5">
+              <a:lumMod val="20000"/>
+              <a:lumOff val="80000"/>
+              <a:alpha val="50000"/>
+            </a:schemeClr>
+          </a:solidFill>
+        </p:spPr>
+        <p:txBody>
+          <a:bodyPr>
+            <a:normAutofit/>
+          </a:bodyPr>
+          <a:p>
+            <a:r>
+              <a:rPr lang="ja-JP" altLang="en-US" sz="3200">
+                <a:sym typeface="+mn-ea"/>
+              </a:rPr>
+              <a:t>６</a:t>
+            </a:r>
+            <a:r>
+              <a:rPr lang="ja-JP" altLang="en-US" sz="3200">
+                <a:sym typeface="+mn-ea"/>
+              </a:rPr>
+              <a:t>．処理依存とデータ依存の違い</a:t>
+            </a:r>
+            <a:endParaRPr lang="ja-JP" altLang="en-US" sz="3200"/>
+          </a:p>
+        </p:txBody>
+      </p:sp>
+      <p:sp>
+        <p:nvSpPr>
+          <p:cNvPr id="3" name="コンテンツプレースホルダ 2"/>
+          <p:cNvSpPr>
+            <a:spLocks noGrp="1"/>
+          </p:cNvSpPr>
+          <p:nvPr>
+            <p:ph sz="half" idx="1"/>
+          </p:nvPr>
+        </p:nvSpPr>
+        <p:spPr>
+          <a:xfrm>
+            <a:off x="838200" y="984885"/>
+            <a:ext cx="10515600" cy="5192395"/>
+          </a:xfrm>
+        </p:spPr>
+        <p:txBody>
+          <a:bodyPr>
+            <a:normAutofit lnSpcReduction="20000"/>
+          </a:bodyPr>
+          <a:p>
+            <a:pPr marL="0" indent="0">
+              <a:buNone/>
+            </a:pPr>
+            <a:endParaRPr lang="en-US" altLang="ja-JP" sz="600"/>
+          </a:p>
+          <a:p>
+            <a:pPr marL="0" indent="0">
+              <a:buNone/>
+            </a:pPr>
+            <a:r>
+              <a:rPr lang="en-US" altLang="ja-JP"/>
+              <a:t>←</a:t>
+            </a:r>
+            <a:r>
+              <a:rPr lang="ja-JP" altLang="en-US"/>
+              <a:t>処理依存　　　　　　　　　　　　　　　　　　　　　　　　　データ依存</a:t>
+            </a:r>
+            <a:r>
+              <a:rPr lang="en-US" altLang="ja-JP"/>
+              <a:t>→</a:t>
+            </a:r>
+            <a:endParaRPr lang="ja-JP" altLang="en-US"/>
+          </a:p>
+          <a:p>
+            <a:pPr marL="0" indent="0">
+              <a:buNone/>
+            </a:pPr>
+            <a:endParaRPr lang="ja-JP" altLang="en-US"/>
+          </a:p>
+          <a:p>
+            <a:pPr marL="0" indent="0">
+              <a:buNone/>
+            </a:pPr>
+            <a:endParaRPr lang="ja-JP" altLang="en-US"/>
+          </a:p>
+          <a:p>
+            <a:endParaRPr lang="ja-JP" altLang="en-US"/>
+          </a:p>
+          <a:p>
+            <a:endParaRPr lang="ja-JP" altLang="en-US"/>
+          </a:p>
+          <a:p>
+            <a:endParaRPr lang="ja-JP" altLang="en-US"/>
+          </a:p>
+          <a:p>
+            <a:endParaRPr lang="ja-JP" altLang="en-US"/>
+          </a:p>
+          <a:p>
+            <a:endParaRPr lang="ja-JP" altLang="en-US"/>
+          </a:p>
+          <a:p>
+            <a:endParaRPr lang="ja-JP" altLang="en-US"/>
+          </a:p>
+          <a:p>
+            <a:endParaRPr lang="ja-JP" altLang="en-US"/>
+          </a:p>
+        </p:txBody>
+      </p:sp>
+      <p:sp>
+        <p:nvSpPr>
+          <p:cNvPr id="6" name="テキストボックス 5"/>
+          <p:cNvSpPr txBox="1"/>
+          <p:nvPr/>
+        </p:nvSpPr>
+        <p:spPr>
+          <a:xfrm>
+            <a:off x="10119360" y="3891915"/>
+            <a:ext cx="1385570" cy="460375"/>
+          </a:xfrm>
+          <a:prstGeom prst="rect">
+            <a:avLst/>
+          </a:prstGeom>
+          <a:noFill/>
+        </p:spPr>
+        <p:txBody>
+          <a:bodyPr wrap="square" rtlCol="0">
+            <a:spAutoFit/>
+          </a:bodyPr>
+          <a:p>
+            <a:endParaRPr lang="ja-JP" altLang="en-US" sz="1200"/>
+          </a:p>
+          <a:p>
+            <a:r>
+              <a:rPr lang="ja-JP" altLang="en-US" sz="1200"/>
+              <a:t>　　　　被ってんぞ！</a:t>
+            </a:r>
+            <a:endParaRPr lang="ja-JP" altLang="en-US" sz="1200"/>
+          </a:p>
+        </p:txBody>
+      </p:sp>
+      <p:sp>
+        <p:nvSpPr>
+          <p:cNvPr id="16" name="四角形吹き出し 15"/>
+          <p:cNvSpPr/>
+          <p:nvPr/>
+        </p:nvSpPr>
+        <p:spPr>
+          <a:xfrm>
+            <a:off x="2642870" y="5311775"/>
+            <a:ext cx="2674620" cy="1027430"/>
+          </a:xfrm>
+          <a:prstGeom prst="wedgeRectCallout">
+            <a:avLst>
+              <a:gd name="adj1" fmla="val -25623"/>
+              <a:gd name="adj2" fmla="val -64070"/>
+            </a:avLst>
+          </a:prstGeom>
+          <a:gradFill>
+            <a:gsLst>
+              <a:gs pos="0">
+                <a:srgbClr val="FE4444"/>
+              </a:gs>
+              <a:gs pos="100000">
+                <a:srgbClr val="832B2B"/>
+              </a:gs>
+            </a:gsLst>
+            <a:lin ang="5400000" scaled="0"/>
+          </a:gradFill>
+          <a:ln>
+            <a:solidFill>
+              <a:srgbClr val="FF0000"/>
+            </a:solidFill>
+          </a:ln>
+        </p:spPr>
+        <p:style>
+          <a:lnRef idx="2">
+            <a:schemeClr val="accent1">
+              <a:shade val="50000"/>
+            </a:schemeClr>
+          </a:lnRef>
+          <a:fillRef idx="1">
+            <a:schemeClr val="accent1"/>
+          </a:fillRef>
+          <a:effectRef idx="0">
+            <a:schemeClr val="accent1"/>
+          </a:effectRef>
+          <a:fontRef idx="minor">
+            <a:schemeClr val="lt1"/>
+          </a:fontRef>
+        </p:style>
+        <p:txBody>
+          <a:bodyPr rtlCol="0" anchor="ctr"/>
+          <a:p>
+            <a:pPr algn="l"/>
+            <a:r>
+              <a:rPr lang="ja-JP" altLang="en-US" sz="1600" b="1"/>
+              <a:t>ぱっとみは綺麗・・</a:t>
+            </a:r>
+            <a:endParaRPr lang="ja-JP" altLang="en-US" sz="1600" b="1"/>
+          </a:p>
+          <a:p>
+            <a:pPr algn="l"/>
+            <a:r>
+              <a:rPr lang="ja-JP" altLang="en-US" sz="1600" b="1"/>
+              <a:t>・処理に矛盾は無いデス</a:t>
+            </a:r>
+            <a:endParaRPr lang="ja-JP" altLang="en-US" sz="1600" b="1"/>
+          </a:p>
+          <a:p>
+            <a:pPr algn="l"/>
+            <a:r>
+              <a:rPr lang="ja-JP" altLang="en-US" sz="1600" b="1"/>
+              <a:t>・スコープ小さいデス</a:t>
+            </a:r>
+            <a:endParaRPr lang="ja-JP" altLang="en-US" sz="1600" b="1" u="sng">
+              <a:solidFill>
+                <a:srgbClr val="FFFF00"/>
+              </a:solidFill>
+            </a:endParaRPr>
+          </a:p>
+        </p:txBody>
+      </p:sp>
+      <p:sp>
+        <p:nvSpPr>
+          <p:cNvPr id="4" name="四角形吹き出し 3"/>
+          <p:cNvSpPr/>
+          <p:nvPr/>
+        </p:nvSpPr>
+        <p:spPr>
+          <a:xfrm>
+            <a:off x="9393555" y="2973705"/>
+            <a:ext cx="2063115" cy="497840"/>
+          </a:xfrm>
+          <a:prstGeom prst="wedgeRectCallout">
+            <a:avLst>
+              <a:gd name="adj1" fmla="val -59048"/>
+              <a:gd name="adj2" fmla="val -24999"/>
+            </a:avLst>
+          </a:prstGeom>
+          <a:gradFill>
+            <a:gsLst>
+              <a:gs pos="0">
+                <a:srgbClr val="FE4444"/>
+              </a:gs>
+              <a:gs pos="100000">
+                <a:srgbClr val="832B2B"/>
+              </a:gs>
+            </a:gsLst>
+            <a:lin ang="5400000" scaled="0"/>
+          </a:gradFill>
+          <a:ln>
+            <a:solidFill>
+              <a:srgbClr val="FF0000"/>
+            </a:solidFill>
+          </a:ln>
+        </p:spPr>
+        <p:style>
+          <a:lnRef idx="2">
+            <a:schemeClr val="accent1">
+              <a:shade val="50000"/>
+            </a:schemeClr>
+          </a:lnRef>
+          <a:fillRef idx="1">
+            <a:schemeClr val="accent1"/>
+          </a:fillRef>
+          <a:effectRef idx="0">
+            <a:schemeClr val="accent1"/>
+          </a:effectRef>
+          <a:fontRef idx="minor">
+            <a:schemeClr val="lt1"/>
+          </a:fontRef>
+        </p:style>
+        <p:txBody>
+          <a:bodyPr rtlCol="0" anchor="ctr"/>
+          <a:p>
+            <a:pPr algn="l"/>
+            <a:r>
+              <a:rPr lang="ja-JP" altLang="en-US" sz="1600" b="1"/>
+              <a:t>本数の再計算は・・</a:t>
+            </a:r>
+            <a:r>
+              <a:rPr lang="ja-JP" altLang="en-US" sz="1600" b="1"/>
+              <a:t>？</a:t>
+            </a:r>
+            <a:endParaRPr lang="ja-JP" altLang="en-US" sz="1600" b="1"/>
+          </a:p>
+        </p:txBody>
+      </p:sp>
+      <p:sp>
+        <p:nvSpPr>
+          <p:cNvPr id="8" name="四角形吹き出し 7"/>
+          <p:cNvSpPr/>
+          <p:nvPr/>
+        </p:nvSpPr>
+        <p:spPr>
+          <a:xfrm>
+            <a:off x="8170545" y="5663565"/>
+            <a:ext cx="1997710" cy="675640"/>
+          </a:xfrm>
+          <a:prstGeom prst="wedgeRectCallout">
+            <a:avLst>
+              <a:gd name="adj1" fmla="val -37349"/>
+              <a:gd name="adj2" fmla="val -88627"/>
+            </a:avLst>
+          </a:prstGeom>
+          <a:gradFill>
+            <a:gsLst>
+              <a:gs pos="0">
+                <a:srgbClr val="FE4444"/>
+              </a:gs>
+              <a:gs pos="100000">
+                <a:srgbClr val="832B2B"/>
+              </a:gs>
+            </a:gsLst>
+            <a:lin ang="5400000" scaled="0"/>
+          </a:gradFill>
+          <a:ln>
+            <a:solidFill>
+              <a:srgbClr val="FF0000"/>
+            </a:solidFill>
+          </a:ln>
+        </p:spPr>
+        <p:style>
+          <a:lnRef idx="2">
+            <a:schemeClr val="accent1">
+              <a:shade val="50000"/>
+            </a:schemeClr>
+          </a:lnRef>
+          <a:fillRef idx="1">
+            <a:schemeClr val="accent1"/>
+          </a:fillRef>
+          <a:effectRef idx="0">
+            <a:schemeClr val="accent1"/>
+          </a:effectRef>
+          <a:fontRef idx="minor">
+            <a:schemeClr val="lt1"/>
+          </a:fontRef>
+        </p:style>
+        <p:txBody>
+          <a:bodyPr rtlCol="0" anchor="ctr"/>
+          <a:p>
+            <a:pPr algn="l"/>
+            <a:r>
+              <a:rPr lang="ja-JP" altLang="en-US" sz="1600" b="1"/>
+              <a:t>メンバー変数・・</a:t>
+            </a:r>
+            <a:endParaRPr lang="ja-JP" altLang="en-US" sz="1600" b="1"/>
+          </a:p>
+          <a:p>
+            <a:pPr algn="l"/>
+            <a:r>
+              <a:rPr lang="ja-JP" altLang="en-US" sz="1600" b="1"/>
+              <a:t>スコープ広くない？</a:t>
+            </a:r>
+            <a:endParaRPr lang="ja-JP" altLang="en-US" sz="1600" b="1"/>
           </a:p>
         </p:txBody>
       </p:sp>

--- a/処理依存よりデータ依存_エンジニアの輪20250215.pptx
+++ b/処理依存よりデータ依存_エンジニアの輪20250215.pptx
@@ -4990,11 +4990,17 @@
             </a:pPr>
             <a:r>
               <a:rPr lang="ja-JP" altLang="en-US"/>
-              <a:t>　２</a:t>
-            </a:r>
+              <a:t>　２．デモ①</a:t>
+            </a:r>
+            <a:endParaRPr lang="ja-JP" altLang="en-US"/>
+          </a:p>
+          <a:p>
+            <a:pPr marL="0" indent="0">
+              <a:buNone/>
+            </a:pPr>
             <a:r>
               <a:rPr lang="ja-JP" altLang="en-US"/>
-              <a:t>．デモ①</a:t>
+              <a:t>　３．要件は満たせてる？</a:t>
             </a:r>
             <a:endParaRPr lang="ja-JP" altLang="en-US"/>
           </a:p>
@@ -5004,39 +5010,17 @@
             </a:pPr>
             <a:r>
               <a:rPr lang="ja-JP" altLang="en-US"/>
-              <a:t>　３</a:t>
-            </a:r>
+              <a:t>　４．デモ②</a:t>
+            </a:r>
+            <a:endParaRPr lang="ja-JP" altLang="en-US"/>
+          </a:p>
+          <a:p>
+            <a:pPr marL="0" indent="0">
+              <a:buNone/>
+            </a:pPr>
             <a:r>
               <a:rPr lang="ja-JP" altLang="en-US"/>
-              <a:t>．要件は満たせてる？</a:t>
-            </a:r>
-            <a:endParaRPr lang="ja-JP" altLang="en-US"/>
-          </a:p>
-          <a:p>
-            <a:pPr marL="0" indent="0">
-              <a:buNone/>
-            </a:pPr>
-            <a:r>
-              <a:rPr lang="ja-JP" altLang="en-US"/>
-              <a:t>　４</a:t>
-            </a:r>
-            <a:r>
-              <a:rPr lang="ja-JP" altLang="en-US"/>
-              <a:t>．デモ②</a:t>
-            </a:r>
-            <a:endParaRPr lang="ja-JP" altLang="en-US"/>
-          </a:p>
-          <a:p>
-            <a:pPr marL="0" indent="0">
-              <a:buNone/>
-            </a:pPr>
-            <a:r>
-              <a:rPr lang="ja-JP" altLang="en-US"/>
-              <a:t>　５</a:t>
-            </a:r>
-            <a:r>
-              <a:rPr lang="ja-JP" altLang="en-US"/>
-              <a:t>．品質は高い？</a:t>
+              <a:t>　５．品質は高い？</a:t>
             </a:r>
             <a:endParaRPr lang="ja-JP" altLang="en-US"/>
           </a:p>
@@ -5052,13 +5036,7 @@
               <a:rPr lang="ja-JP" altLang="en-US">
                 <a:sym typeface="+mn-ea"/>
               </a:rPr>
-              <a:t>６</a:t>
-            </a:r>
-            <a:r>
-              <a:rPr lang="ja-JP" altLang="en-US">
-                <a:sym typeface="+mn-ea"/>
-              </a:rPr>
-              <a:t>．処理依存とデータ依存の違い</a:t>
+              <a:t>６．処理依存とデータ依存の違い</a:t>
             </a:r>
             <a:endParaRPr lang="ja-JP" altLang="en-US"/>
           </a:p>
@@ -5550,157 +5528,9 @@
         <p:nvPr/>
       </p:nvGrpSpPr>
       <p:grpSpPr/>
-      <p:sp>
-        <p:nvSpPr>
-          <p:cNvPr id="2" name="タイトル 1"/>
-          <p:cNvSpPr>
-            <a:spLocks noGrp="1"/>
-          </p:cNvSpPr>
-          <p:nvPr>
-            <p:ph type="title"/>
-          </p:nvPr>
-        </p:nvSpPr>
-        <p:spPr>
-          <a:xfrm>
-            <a:off x="838200" y="365125"/>
-            <a:ext cx="10515600" cy="619200"/>
-          </a:xfrm>
-          <a:solidFill>
-            <a:schemeClr val="accent5">
-              <a:lumMod val="20000"/>
-              <a:lumOff val="80000"/>
-              <a:alpha val="50000"/>
-            </a:schemeClr>
-          </a:solidFill>
-        </p:spPr>
-        <p:txBody>
-          <a:bodyPr/>
-          <a:p>
-            <a:r>
-              <a:rPr lang="ja-JP" altLang="en-US" sz="3200"/>
-              <a:t>２</a:t>
-            </a:r>
-            <a:r>
-              <a:rPr lang="ja-JP" altLang="en-US" sz="3200"/>
-              <a:t>．デモ①</a:t>
-            </a:r>
-            <a:endParaRPr lang="ja-JP" altLang="en-US" sz="3200"/>
-          </a:p>
-        </p:txBody>
-      </p:sp>
-      <p:sp>
-        <p:nvSpPr>
-          <p:cNvPr id="3" name="コンテンツプレースホルダ 2"/>
-          <p:cNvSpPr>
-            <a:spLocks noGrp="1"/>
-          </p:cNvSpPr>
-          <p:nvPr>
-            <p:ph sz="half" idx="1"/>
-          </p:nvPr>
-        </p:nvSpPr>
-        <p:spPr>
-          <a:xfrm>
-            <a:off x="838200" y="983615"/>
-            <a:ext cx="10515600" cy="5193665"/>
-          </a:xfrm>
-        </p:spPr>
-        <p:txBody>
-          <a:bodyPr>
-            <a:normAutofit lnSpcReduction="10000"/>
-          </a:bodyPr>
-          <a:p>
-            <a:pPr marL="0" indent="0">
-              <a:buNone/>
-            </a:pPr>
-            <a:endParaRPr lang="ja-JP" altLang="en-US" sz="800"/>
-          </a:p>
-          <a:p>
-            <a:pPr marL="0" indent="0">
-              <a:buNone/>
-            </a:pPr>
-            <a:r>
-              <a:rPr lang="ja-JP" altLang="en-US"/>
-              <a:t>デモやります（当スライドは後で</a:t>
-            </a:r>
-            <a:r>
-              <a:rPr lang="en-US" altLang="ja-JP"/>
-              <a:t>Slack</a:t>
-            </a:r>
-            <a:r>
-              <a:rPr lang="ja-JP" altLang="en-US"/>
-              <a:t>にアップします</a:t>
-            </a:r>
-            <a:r>
-              <a:rPr lang="ja-JP" altLang="en-US"/>
-              <a:t>）</a:t>
-            </a:r>
-            <a:r>
-              <a:rPr lang="ja-JP" altLang="en-US"/>
-              <a:t>！</a:t>
-            </a:r>
-            <a:endParaRPr lang="en-US" altLang="ja-JP"/>
-          </a:p>
-          <a:p>
-            <a:pPr marL="0" indent="0">
-              <a:buNone/>
-            </a:pPr>
-            <a:r>
-              <a:rPr lang="ja-JP" altLang="en-US"/>
-              <a:t>　</a:t>
-            </a:r>
-            <a:r>
-              <a:rPr lang="ja-JP" altLang="en-US" sz="1600"/>
-              <a:t>https://github.com/RyotoKuroki/QualityDependsOnDataApplication</a:t>
-            </a:r>
-            <a:endParaRPr lang="ja-JP" altLang="en-US"/>
-          </a:p>
-          <a:p>
-            <a:pPr marL="0" indent="0">
-              <a:buNone/>
-            </a:pPr>
-            <a:endParaRPr lang="ja-JP" altLang="en-US"/>
-          </a:p>
-          <a:p>
-            <a:pPr marL="0" indent="0">
-              <a:buNone/>
-            </a:pPr>
-            <a:endParaRPr lang="ja-JP" altLang="en-US"/>
-          </a:p>
-          <a:p>
-            <a:pPr marL="0" indent="0">
-              <a:buNone/>
-            </a:pPr>
-            <a:endParaRPr lang="ja-JP" altLang="en-US"/>
-          </a:p>
-          <a:p>
-            <a:pPr marL="0" indent="0">
-              <a:buNone/>
-            </a:pPr>
-            <a:endParaRPr lang="ja-JP" altLang="en-US"/>
-          </a:p>
-          <a:p>
-            <a:pPr marL="0" indent="0">
-              <a:buNone/>
-            </a:pPr>
-            <a:endParaRPr lang="ja-JP" altLang="en-US"/>
-          </a:p>
-          <a:p>
-            <a:pPr marL="0" indent="0">
-              <a:buNone/>
-            </a:pPr>
-            <a:endParaRPr lang="ja-JP" altLang="en-US"/>
-          </a:p>
-          <a:p>
-            <a:pPr marL="0" indent="0">
-              <a:buNone/>
-            </a:pPr>
-            <a:endParaRPr lang="ja-JP" altLang="en-US"/>
-          </a:p>
-        </p:txBody>
-      </p:sp>
       <p:pic>
         <p:nvPicPr>
-          <p:cNvPr id="5" name="図形 4" descr="images"/>
+          <p:cNvPr id="11" name="図形 10"/>
           <p:cNvPicPr>
             <a:picLocks noChangeAspect="1"/>
           </p:cNvPicPr>
@@ -5714,49 +5544,22 @@
         </p:blipFill>
         <p:spPr>
           <a:xfrm>
-            <a:off x="10325100" y="4379595"/>
-            <a:ext cx="1028700" cy="1797685"/>
+            <a:off x="1152525" y="2086610"/>
+            <a:ext cx="5222240" cy="2545080"/>
           </a:xfrm>
           <a:prstGeom prst="rect">
             <a:avLst/>
           </a:prstGeom>
+          <a:ln>
+            <a:solidFill>
+              <a:schemeClr val="accent1"/>
+            </a:solidFill>
+          </a:ln>
         </p:spPr>
       </p:pic>
-      <p:sp>
-        <p:nvSpPr>
-          <p:cNvPr id="6" name="テキストボックス 5"/>
-          <p:cNvSpPr txBox="1"/>
-          <p:nvPr/>
-        </p:nvSpPr>
-        <p:spPr>
-          <a:xfrm>
-            <a:off x="10265410" y="3980815"/>
-            <a:ext cx="1414145" cy="460375"/>
-          </a:xfrm>
-          <a:prstGeom prst="rect">
-            <a:avLst/>
-          </a:prstGeom>
-          <a:noFill/>
-        </p:spPr>
-        <p:txBody>
-          <a:bodyPr wrap="square" rtlCol="0">
-            <a:spAutoFit/>
-          </a:bodyPr>
-          <a:p>
-            <a:endParaRPr lang="ja-JP" altLang="en-US" sz="1200"/>
-          </a:p>
-          <a:p>
-            <a:r>
-              <a:rPr lang="ja-JP" altLang="en-US" sz="1200"/>
-              <a:t>　　ワイ、３才児・・</a:t>
-            </a:r>
-            <a:endParaRPr lang="ja-JP" altLang="en-US" sz="1200"/>
-          </a:p>
-        </p:txBody>
-      </p:sp>
       <p:pic>
         <p:nvPicPr>
-          <p:cNvPr id="11" name="図形 10"/>
+          <p:cNvPr id="4" name="図形 3"/>
           <p:cNvPicPr>
             <a:picLocks noChangeAspect="1"/>
           </p:cNvPicPr>
@@ -5770,8 +5573,8 @@
         </p:blipFill>
         <p:spPr>
           <a:xfrm>
-            <a:off x="1152525" y="2086610"/>
-            <a:ext cx="5222240" cy="2545080"/>
+            <a:off x="2836545" y="3632200"/>
+            <a:ext cx="5210175" cy="2538730"/>
           </a:xfrm>
           <a:prstGeom prst="rect">
             <a:avLst/>
@@ -5783,9 +5586,145 @@
           </a:ln>
         </p:spPr>
       </p:pic>
+      <p:sp>
+        <p:nvSpPr>
+          <p:cNvPr id="2" name="タイトル 1"/>
+          <p:cNvSpPr>
+            <a:spLocks noGrp="1"/>
+          </p:cNvSpPr>
+          <p:nvPr>
+            <p:ph type="title"/>
+          </p:nvPr>
+        </p:nvSpPr>
+        <p:spPr>
+          <a:xfrm>
+            <a:off x="838200" y="365125"/>
+            <a:ext cx="10515600" cy="619200"/>
+          </a:xfrm>
+          <a:solidFill>
+            <a:schemeClr val="accent5">
+              <a:lumMod val="20000"/>
+              <a:lumOff val="80000"/>
+              <a:alpha val="50000"/>
+            </a:schemeClr>
+          </a:solidFill>
+        </p:spPr>
+        <p:txBody>
+          <a:bodyPr/>
+          <a:p>
+            <a:r>
+              <a:rPr lang="ja-JP" altLang="en-US" sz="3200"/>
+              <a:t>２．デモ①</a:t>
+            </a:r>
+            <a:endParaRPr lang="ja-JP" altLang="en-US" sz="3200"/>
+          </a:p>
+        </p:txBody>
+      </p:sp>
+      <p:sp>
+        <p:nvSpPr>
+          <p:cNvPr id="3" name="コンテンツプレースホルダ 2"/>
+          <p:cNvSpPr>
+            <a:spLocks noGrp="1"/>
+          </p:cNvSpPr>
+          <p:nvPr>
+            <p:ph sz="half" idx="1"/>
+          </p:nvPr>
+        </p:nvSpPr>
+        <p:spPr>
+          <a:xfrm>
+            <a:off x="838200" y="983615"/>
+            <a:ext cx="10515600" cy="5193665"/>
+          </a:xfrm>
+        </p:spPr>
+        <p:txBody>
+          <a:bodyPr>
+            <a:normAutofit lnSpcReduction="10000"/>
+          </a:bodyPr>
+          <a:p>
+            <a:pPr marL="0" indent="0">
+              <a:buNone/>
+            </a:pPr>
+            <a:endParaRPr lang="ja-JP" altLang="en-US" sz="800"/>
+          </a:p>
+          <a:p>
+            <a:pPr marL="0" indent="0">
+              <a:buNone/>
+            </a:pPr>
+            <a:r>
+              <a:rPr lang="ja-JP" altLang="en-US"/>
+              <a:t>デモやります（当スライドは後で</a:t>
+            </a:r>
+            <a:r>
+              <a:rPr lang="en-US" altLang="ja-JP"/>
+              <a:t>Slack</a:t>
+            </a:r>
+            <a:r>
+              <a:rPr lang="ja-JP" altLang="en-US"/>
+              <a:t>にアップします）！</a:t>
+            </a:r>
+            <a:endParaRPr lang="en-US" altLang="ja-JP"/>
+          </a:p>
+          <a:p>
+            <a:pPr marL="0" indent="0">
+              <a:buNone/>
+            </a:pPr>
+            <a:r>
+              <a:rPr lang="ja-JP" altLang="en-US"/>
+              <a:t>　</a:t>
+            </a:r>
+            <a:r>
+              <a:rPr lang="ja-JP" altLang="en-US" sz="1600"/>
+              <a:t>https://github.com/RyotoKuroki/QualityDependsOnDataApplication</a:t>
+            </a:r>
+            <a:endParaRPr lang="ja-JP" altLang="en-US"/>
+          </a:p>
+          <a:p>
+            <a:pPr marL="0" indent="0">
+              <a:buNone/>
+            </a:pPr>
+            <a:endParaRPr lang="ja-JP" altLang="en-US"/>
+          </a:p>
+          <a:p>
+            <a:pPr marL="0" indent="0">
+              <a:buNone/>
+            </a:pPr>
+            <a:endParaRPr lang="ja-JP" altLang="en-US"/>
+          </a:p>
+          <a:p>
+            <a:pPr marL="0" indent="0">
+              <a:buNone/>
+            </a:pPr>
+            <a:endParaRPr lang="ja-JP" altLang="en-US"/>
+          </a:p>
+          <a:p>
+            <a:pPr marL="0" indent="0">
+              <a:buNone/>
+            </a:pPr>
+            <a:endParaRPr lang="ja-JP" altLang="en-US"/>
+          </a:p>
+          <a:p>
+            <a:pPr marL="0" indent="0">
+              <a:buNone/>
+            </a:pPr>
+            <a:endParaRPr lang="ja-JP" altLang="en-US"/>
+          </a:p>
+          <a:p>
+            <a:pPr marL="0" indent="0">
+              <a:buNone/>
+            </a:pPr>
+            <a:endParaRPr lang="ja-JP" altLang="en-US"/>
+          </a:p>
+          <a:p>
+            <a:pPr marL="0" indent="0">
+              <a:buNone/>
+            </a:pPr>
+            <a:endParaRPr lang="ja-JP" altLang="en-US"/>
+          </a:p>
+        </p:txBody>
+      </p:sp>
       <p:pic>
         <p:nvPicPr>
-          <p:cNvPr id="12" name="図形 11"/>
+          <p:cNvPr id="5" name="図形 4" descr="images"/>
           <p:cNvPicPr>
             <a:picLocks noChangeAspect="1"/>
           </p:cNvPicPr>
@@ -5799,19 +5738,46 @@
         </p:blipFill>
         <p:spPr>
           <a:xfrm>
-            <a:off x="2836545" y="3632200"/>
-            <a:ext cx="5222240" cy="2545080"/>
+            <a:off x="10325100" y="4379595"/>
+            <a:ext cx="1028700" cy="1797685"/>
           </a:xfrm>
           <a:prstGeom prst="rect">
             <a:avLst/>
           </a:prstGeom>
-          <a:ln>
-            <a:solidFill>
-              <a:schemeClr val="accent1"/>
-            </a:solidFill>
-          </a:ln>
         </p:spPr>
       </p:pic>
+      <p:sp>
+        <p:nvSpPr>
+          <p:cNvPr id="6" name="テキストボックス 5"/>
+          <p:cNvSpPr txBox="1"/>
+          <p:nvPr/>
+        </p:nvSpPr>
+        <p:spPr>
+          <a:xfrm>
+            <a:off x="10265410" y="3980815"/>
+            <a:ext cx="1414145" cy="460375"/>
+          </a:xfrm>
+          <a:prstGeom prst="rect">
+            <a:avLst/>
+          </a:prstGeom>
+          <a:noFill/>
+        </p:spPr>
+        <p:txBody>
+          <a:bodyPr wrap="square" rtlCol="0">
+            <a:spAutoFit/>
+          </a:bodyPr>
+          <a:p>
+            <a:endParaRPr lang="ja-JP" altLang="en-US" sz="1200"/>
+          </a:p>
+          <a:p>
+            <a:r>
+              <a:rPr lang="ja-JP" altLang="en-US" sz="1200"/>
+              <a:t>　　ワイ、３才児・・</a:t>
+            </a:r>
+            <a:endParaRPr lang="ja-JP" altLang="en-US" sz="1200"/>
+          </a:p>
+        </p:txBody>
+      </p:sp>
       <p:sp>
         <p:nvSpPr>
           <p:cNvPr id="10" name="四角形吹き出し 9"/>
@@ -5980,11 +5946,7 @@
           <a:p>
             <a:r>
               <a:rPr lang="ja-JP" altLang="en-US" sz="3200"/>
-              <a:t>３</a:t>
-            </a:r>
-            <a:r>
-              <a:rPr lang="ja-JP" altLang="en-US" sz="3200"/>
-              <a:t>．要件は満たせてる？</a:t>
+              <a:t>３．要件は満たせてる？</a:t>
             </a:r>
             <a:endParaRPr lang="ja-JP" altLang="en-US" sz="3200"/>
           </a:p>
@@ -6414,165 +6376,9 @@
         <p:nvPr/>
       </p:nvGrpSpPr>
       <p:grpSpPr/>
-      <p:sp>
-        <p:nvSpPr>
-          <p:cNvPr id="2" name="タイトル 1"/>
-          <p:cNvSpPr>
-            <a:spLocks noGrp="1"/>
-          </p:cNvSpPr>
-          <p:nvPr>
-            <p:ph type="title"/>
-          </p:nvPr>
-        </p:nvSpPr>
-        <p:spPr>
-          <a:xfrm>
-            <a:off x="838200" y="365125"/>
-            <a:ext cx="10515600" cy="619200"/>
-          </a:xfrm>
-          <a:solidFill>
-            <a:schemeClr val="accent5">
-              <a:lumMod val="20000"/>
-              <a:lumOff val="80000"/>
-              <a:alpha val="50000"/>
-            </a:schemeClr>
-          </a:solidFill>
-        </p:spPr>
-        <p:txBody>
-          <a:bodyPr/>
-          <a:p>
-            <a:r>
-              <a:rPr lang="ja-JP" altLang="en-US" sz="3200"/>
-              <a:t>４</a:t>
-            </a:r>
-            <a:r>
-              <a:rPr lang="ja-JP" altLang="en-US" sz="3200"/>
-              <a:t>．デモ②</a:t>
-            </a:r>
-            <a:endParaRPr lang="ja-JP" altLang="en-US" sz="3200"/>
-          </a:p>
-        </p:txBody>
-      </p:sp>
-      <p:sp>
-        <p:nvSpPr>
-          <p:cNvPr id="3" name="コンテンツプレースホルダ 2"/>
-          <p:cNvSpPr>
-            <a:spLocks noGrp="1"/>
-          </p:cNvSpPr>
-          <p:nvPr>
-            <p:ph sz="half" idx="1"/>
-          </p:nvPr>
-        </p:nvSpPr>
-        <p:spPr>
-          <a:xfrm>
-            <a:off x="838200" y="983615"/>
-            <a:ext cx="10515600" cy="5193665"/>
-          </a:xfrm>
-        </p:spPr>
-        <p:txBody>
-          <a:bodyPr>
-            <a:normAutofit lnSpcReduction="10000"/>
-          </a:bodyPr>
-          <a:p>
-            <a:pPr marL="0" indent="0">
-              <a:buNone/>
-            </a:pPr>
-            <a:endParaRPr lang="ja-JP" altLang="en-US" sz="800"/>
-          </a:p>
-          <a:p>
-            <a:pPr marL="0" indent="0">
-              <a:buNone/>
-            </a:pPr>
-            <a:r>
-              <a:rPr lang="ja-JP" altLang="en-US"/>
-              <a:t>実は・・　コマンド操作可能です（</a:t>
-            </a:r>
-            <a:r>
-              <a:rPr lang="en-US" altLang="ja-JP"/>
-              <a:t>Ctrl </a:t>
-            </a:r>
-            <a:r>
-              <a:rPr lang="ja-JP" altLang="en-US"/>
-              <a:t>＋ </a:t>
-            </a:r>
-            <a:r>
-              <a:rPr lang="en-US" altLang="ja-JP"/>
-              <a:t>A</a:t>
-            </a:r>
-            <a:r>
-              <a:rPr lang="ja-JP" altLang="en-US"/>
-              <a:t>、 </a:t>
-            </a:r>
-            <a:r>
-              <a:rPr lang="en-US" altLang="ja-JP"/>
-              <a:t>Ctrl </a:t>
-            </a:r>
-            <a:r>
-              <a:rPr lang="ja-JP" altLang="en-US"/>
-              <a:t>＋ </a:t>
-            </a:r>
-            <a:r>
-              <a:rPr lang="en-US" altLang="ja-JP"/>
-              <a:t>Z</a:t>
-            </a:r>
-            <a:r>
-              <a:rPr lang="ja-JP" altLang="en-US"/>
-              <a:t>）</a:t>
-            </a:r>
-            <a:endParaRPr lang="en-US" altLang="ja-JP"/>
-          </a:p>
-          <a:p>
-            <a:pPr marL="0" indent="0">
-              <a:buNone/>
-            </a:pPr>
-            <a:endParaRPr lang="ja-JP" altLang="en-US"/>
-          </a:p>
-          <a:p>
-            <a:pPr marL="0" indent="0">
-              <a:buNone/>
-            </a:pPr>
-            <a:endParaRPr lang="ja-JP" altLang="en-US"/>
-          </a:p>
-          <a:p>
-            <a:pPr marL="0" indent="0">
-              <a:buNone/>
-            </a:pPr>
-            <a:endParaRPr lang="ja-JP" altLang="en-US"/>
-          </a:p>
-          <a:p>
-            <a:pPr marL="0" indent="0">
-              <a:buNone/>
-            </a:pPr>
-            <a:endParaRPr lang="ja-JP" altLang="en-US"/>
-          </a:p>
-          <a:p>
-            <a:pPr marL="0" indent="0">
-              <a:buNone/>
-            </a:pPr>
-            <a:endParaRPr lang="ja-JP" altLang="en-US"/>
-          </a:p>
-          <a:p>
-            <a:pPr marL="0" indent="0">
-              <a:buNone/>
-            </a:pPr>
-            <a:endParaRPr lang="ja-JP" altLang="en-US"/>
-          </a:p>
-          <a:p>
-            <a:pPr marL="0" indent="0">
-              <a:buNone/>
-            </a:pPr>
-            <a:endParaRPr lang="ja-JP" altLang="en-US"/>
-          </a:p>
-          <a:p>
-            <a:pPr marL="0" indent="0">
-              <a:buNone/>
-            </a:pPr>
-            <a:endParaRPr lang="ja-JP" altLang="en-US"/>
-          </a:p>
-        </p:txBody>
-      </p:sp>
       <p:pic>
         <p:nvPicPr>
-          <p:cNvPr id="5" name="図形 4" descr="images"/>
+          <p:cNvPr id="11" name="図形 10"/>
           <p:cNvPicPr>
             <a:picLocks noChangeAspect="1"/>
           </p:cNvPicPr>
@@ -6586,49 +6392,22 @@
         </p:blipFill>
         <p:spPr>
           <a:xfrm>
-            <a:off x="10325100" y="4379595"/>
-            <a:ext cx="1028700" cy="1797685"/>
+            <a:off x="1152525" y="2086610"/>
+            <a:ext cx="5222240" cy="2545080"/>
           </a:xfrm>
           <a:prstGeom prst="rect">
             <a:avLst/>
           </a:prstGeom>
+          <a:ln>
+            <a:solidFill>
+              <a:schemeClr val="accent1"/>
+            </a:solidFill>
+          </a:ln>
         </p:spPr>
       </p:pic>
-      <p:sp>
-        <p:nvSpPr>
-          <p:cNvPr id="6" name="テキストボックス 5"/>
-          <p:cNvSpPr txBox="1"/>
-          <p:nvPr/>
-        </p:nvSpPr>
-        <p:spPr>
-          <a:xfrm>
-            <a:off x="10265410" y="3980815"/>
-            <a:ext cx="1088390" cy="460375"/>
-          </a:xfrm>
-          <a:prstGeom prst="rect">
-            <a:avLst/>
-          </a:prstGeom>
-          <a:noFill/>
-        </p:spPr>
-        <p:txBody>
-          <a:bodyPr wrap="square" rtlCol="0">
-            <a:spAutoFit/>
-          </a:bodyPr>
-          <a:p>
-            <a:endParaRPr lang="ja-JP" altLang="en-US" sz="1200"/>
-          </a:p>
-          <a:p>
-            <a:r>
-              <a:rPr lang="ja-JP" altLang="en-US" sz="1200"/>
-              <a:t>　　　ん！？</a:t>
-            </a:r>
-            <a:endParaRPr lang="ja-JP" altLang="en-US" sz="1200"/>
-          </a:p>
-        </p:txBody>
-      </p:sp>
       <p:pic>
         <p:nvPicPr>
-          <p:cNvPr id="11" name="図形 10"/>
+          <p:cNvPr id="8" name="図形 7"/>
           <p:cNvPicPr>
             <a:picLocks noChangeAspect="1"/>
           </p:cNvPicPr>
@@ -6642,22 +6421,169 @@
         </p:blipFill>
         <p:spPr>
           <a:xfrm>
-            <a:off x="1152525" y="2086610"/>
-            <a:ext cx="5222240" cy="2545080"/>
+            <a:off x="2804160" y="3636010"/>
+            <a:ext cx="5208905" cy="2538095"/>
           </a:xfrm>
           <a:prstGeom prst="rect">
             <a:avLst/>
           </a:prstGeom>
-          <a:ln>
-            <a:solidFill>
-              <a:schemeClr val="accent1"/>
-            </a:solidFill>
-          </a:ln>
         </p:spPr>
       </p:pic>
+      <p:sp>
+        <p:nvSpPr>
+          <p:cNvPr id="2" name="タイトル 1"/>
+          <p:cNvSpPr>
+            <a:spLocks noGrp="1"/>
+          </p:cNvSpPr>
+          <p:nvPr>
+            <p:ph type="title"/>
+          </p:nvPr>
+        </p:nvSpPr>
+        <p:spPr>
+          <a:xfrm>
+            <a:off x="838200" y="365125"/>
+            <a:ext cx="10515600" cy="619200"/>
+          </a:xfrm>
+          <a:solidFill>
+            <a:schemeClr val="accent5">
+              <a:lumMod val="20000"/>
+              <a:lumOff val="80000"/>
+              <a:alpha val="50000"/>
+            </a:schemeClr>
+          </a:solidFill>
+        </p:spPr>
+        <p:txBody>
+          <a:bodyPr/>
+          <a:p>
+            <a:r>
+              <a:rPr lang="ja-JP" altLang="en-US" sz="3200"/>
+              <a:t>４．デモ②</a:t>
+            </a:r>
+            <a:endParaRPr lang="ja-JP" altLang="en-US" sz="3200"/>
+          </a:p>
+        </p:txBody>
+      </p:sp>
+      <p:sp>
+        <p:nvSpPr>
+          <p:cNvPr id="3" name="コンテンツプレースホルダ 2"/>
+          <p:cNvSpPr>
+            <a:spLocks noGrp="1"/>
+          </p:cNvSpPr>
+          <p:nvPr>
+            <p:ph sz="half" idx="1"/>
+          </p:nvPr>
+        </p:nvSpPr>
+        <p:spPr>
+          <a:xfrm>
+            <a:off x="838200" y="983615"/>
+            <a:ext cx="10515600" cy="5193665"/>
+          </a:xfrm>
+        </p:spPr>
+        <p:txBody>
+          <a:bodyPr>
+            <a:normAutofit lnSpcReduction="10000"/>
+          </a:bodyPr>
+          <a:p>
+            <a:pPr marL="0" indent="0">
+              <a:buNone/>
+            </a:pPr>
+            <a:endParaRPr lang="ja-JP" altLang="en-US" sz="800"/>
+          </a:p>
+          <a:p>
+            <a:pPr marL="0" indent="0">
+              <a:buNone/>
+            </a:pPr>
+            <a:r>
+              <a:rPr lang="ja-JP" altLang="en-US"/>
+              <a:t>実は・・　コマンド操作可能です（</a:t>
+            </a:r>
+            <a:r>
+              <a:rPr lang="en-US" altLang="ja-JP"/>
+              <a:t>Ctrl </a:t>
+            </a:r>
+            <a:r>
+              <a:rPr lang="ja-JP" altLang="en-US"/>
+              <a:t>＋ </a:t>
+            </a:r>
+            <a:r>
+              <a:rPr lang="en-US" altLang="ja-JP"/>
+              <a:t>A</a:t>
+            </a:r>
+            <a:r>
+              <a:rPr lang="ja-JP" altLang="en-US"/>
+              <a:t>、 </a:t>
+            </a:r>
+            <a:r>
+              <a:rPr lang="en-US" altLang="ja-JP"/>
+              <a:t>Ctrl </a:t>
+            </a:r>
+            <a:r>
+              <a:rPr lang="ja-JP" altLang="en-US"/>
+              <a:t>＋ </a:t>
+            </a:r>
+            <a:r>
+              <a:rPr lang="en-US" altLang="ja-JP"/>
+              <a:t>Z</a:t>
+            </a:r>
+            <a:r>
+              <a:rPr lang="ja-JP" altLang="en-US"/>
+              <a:t>）</a:t>
+            </a:r>
+            <a:endParaRPr lang="en-US" altLang="ja-JP"/>
+          </a:p>
+          <a:p>
+            <a:pPr marL="0" indent="0">
+              <a:buNone/>
+            </a:pPr>
+            <a:endParaRPr lang="ja-JP" altLang="en-US"/>
+          </a:p>
+          <a:p>
+            <a:pPr marL="0" indent="0">
+              <a:buNone/>
+            </a:pPr>
+            <a:endParaRPr lang="ja-JP" altLang="en-US"/>
+          </a:p>
+          <a:p>
+            <a:pPr marL="0" indent="0">
+              <a:buNone/>
+            </a:pPr>
+            <a:endParaRPr lang="ja-JP" altLang="en-US"/>
+          </a:p>
+          <a:p>
+            <a:pPr marL="0" indent="0">
+              <a:buNone/>
+            </a:pPr>
+            <a:endParaRPr lang="ja-JP" altLang="en-US"/>
+          </a:p>
+          <a:p>
+            <a:pPr marL="0" indent="0">
+              <a:buNone/>
+            </a:pPr>
+            <a:endParaRPr lang="ja-JP" altLang="en-US"/>
+          </a:p>
+          <a:p>
+            <a:pPr marL="0" indent="0">
+              <a:buNone/>
+            </a:pPr>
+            <a:endParaRPr lang="ja-JP" altLang="en-US"/>
+          </a:p>
+          <a:p>
+            <a:pPr marL="0" indent="0">
+              <a:buNone/>
+            </a:pPr>
+            <a:endParaRPr lang="ja-JP" altLang="en-US"/>
+          </a:p>
+          <a:p>
+            <a:pPr marL="0" indent="0">
+              <a:buNone/>
+            </a:pPr>
+            <a:endParaRPr lang="ja-JP" altLang="en-US"/>
+          </a:p>
+        </p:txBody>
+      </p:sp>
       <p:pic>
         <p:nvPicPr>
-          <p:cNvPr id="4" name="図形 3"/>
+          <p:cNvPr id="5" name="図形 4" descr="images"/>
           <p:cNvPicPr>
             <a:picLocks noChangeAspect="1"/>
           </p:cNvPicPr>
@@ -6671,19 +6597,46 @@
         </p:blipFill>
         <p:spPr>
           <a:xfrm>
-            <a:off x="2836545" y="3643630"/>
-            <a:ext cx="5176520" cy="2522855"/>
+            <a:off x="10325100" y="4379595"/>
+            <a:ext cx="1028700" cy="1797685"/>
           </a:xfrm>
           <a:prstGeom prst="rect">
             <a:avLst/>
           </a:prstGeom>
-          <a:ln>
-            <a:solidFill>
-              <a:schemeClr val="accent1"/>
-            </a:solidFill>
-          </a:ln>
         </p:spPr>
       </p:pic>
+      <p:sp>
+        <p:nvSpPr>
+          <p:cNvPr id="6" name="テキストボックス 5"/>
+          <p:cNvSpPr txBox="1"/>
+          <p:nvPr/>
+        </p:nvSpPr>
+        <p:spPr>
+          <a:xfrm>
+            <a:off x="10265410" y="3980815"/>
+            <a:ext cx="1088390" cy="460375"/>
+          </a:xfrm>
+          <a:prstGeom prst="rect">
+            <a:avLst/>
+          </a:prstGeom>
+          <a:noFill/>
+        </p:spPr>
+        <p:txBody>
+          <a:bodyPr wrap="square" rtlCol="0">
+            <a:spAutoFit/>
+          </a:bodyPr>
+          <a:p>
+            <a:endParaRPr lang="ja-JP" altLang="en-US" sz="1200"/>
+          </a:p>
+          <a:p>
+            <a:r>
+              <a:rPr lang="ja-JP" altLang="en-US" sz="1200"/>
+              <a:t>　　　ん！？</a:t>
+            </a:r>
+            <a:endParaRPr lang="ja-JP" altLang="en-US" sz="1200"/>
+          </a:p>
+        </p:txBody>
+      </p:sp>
       <p:sp>
         <p:nvSpPr>
           <p:cNvPr id="10" name="四角形吹き出し 9"/>
@@ -6830,13 +6783,7 @@
               <a:rPr lang="ja-JP" altLang="en-US" sz="3200">
                 <a:sym typeface="+mn-ea"/>
               </a:rPr>
-              <a:t>５</a:t>
-            </a:r>
-            <a:r>
-              <a:rPr lang="ja-JP" altLang="en-US" sz="3200">
-                <a:sym typeface="+mn-ea"/>
-              </a:rPr>
-              <a:t>．品質は高い？</a:t>
+              <a:t>５．品質は高い？</a:t>
             </a:r>
             <a:endParaRPr lang="ja-JP" altLang="en-US" sz="3200"/>
           </a:p>
@@ -7346,13 +7293,7 @@
               <a:rPr lang="ja-JP" altLang="en-US" sz="3200">
                 <a:sym typeface="+mn-ea"/>
               </a:rPr>
-              <a:t>６</a:t>
-            </a:r>
-            <a:r>
-              <a:rPr lang="ja-JP" altLang="en-US" sz="3200">
-                <a:sym typeface="+mn-ea"/>
-              </a:rPr>
-              <a:t>．処理依存とデータ依存の違い</a:t>
+              <a:t>６．処理依存とデータ依存の違い</a:t>
             </a:r>
             <a:endParaRPr lang="ja-JP" altLang="en-US" sz="3200"/>
           </a:p>
@@ -7607,11 +7548,7 @@
             <a:pPr algn="l"/>
             <a:r>
               <a:rPr lang="ja-JP" altLang="en-US" sz="1600" b="1"/>
-              <a:t>本数の再計算は・・</a:t>
-            </a:r>
-            <a:r>
-              <a:rPr lang="ja-JP" altLang="en-US" sz="1600" b="1"/>
-              <a:t>？</a:t>
+              <a:t>本数の再計算は・・？</a:t>
             </a:r>
             <a:endParaRPr lang="ja-JP" altLang="en-US" sz="1600" b="1"/>
           </a:p>

--- a/処理依存よりデータ依存_エンジニアの輪20250215.pptx
+++ b/処理依存よりデータ依存_エンジニアの輪20250215.pptx
@@ -3368,6 +3368,23 @@
                 <a:sym typeface="+mn-ea"/>
               </a:rPr>
             </a:br>
+            <a:r>
+              <a:rPr lang="ja-JP" altLang="en-US">
+                <a:solidFill>
+                  <a:schemeClr val="bg1"/>
+                </a:solidFill>
+                <a:effectLst>
+                  <a:outerShdw blurRad="50800" dist="38100" algn="l" rotWithShape="0">
+                    <a:prstClr val="black">
+                      <a:alpha val="40000"/>
+                    </a:prstClr>
+                  </a:outerShdw>
+                </a:effectLst>
+                <a:uFillTx/>
+                <a:sym typeface="+mn-ea"/>
+              </a:rPr>
+              <a:t>（爆速で行きます！）</a:t>
+            </a:r>
             <a:br>
               <a:rPr lang="ja-JP" altLang="en-US">
                 <a:effectLst>
@@ -3425,13 +3442,13 @@
         </p:nvSpPr>
         <p:spPr>
           <a:xfrm>
-            <a:off x="8192135" y="4180205"/>
+            <a:off x="8013065" y="4806950"/>
             <a:ext cx="1511935" cy="603885"/>
           </a:xfrm>
           <a:prstGeom prst="wedgeRectCallout">
             <a:avLst>
-              <a:gd name="adj1" fmla="val 46220"/>
-              <a:gd name="adj2" fmla="val 71451"/>
+              <a:gd name="adj1" fmla="val 56593"/>
+              <a:gd name="adj2" fmla="val -37276"/>
             </a:avLst>
           </a:prstGeom>
         </p:spPr>
@@ -4045,7 +4062,7 @@
                       <a:schemeClr val="bg1"/>
                     </a:solidFill>
                   </a:rPr>
-                  <a:t>処理依存でも可</a:t>
+                  <a:t>処理依存</a:t>
                 </a:r>
                 <a:endParaRPr lang="ja-JP" altLang="en-US" sz="1000" b="1">
                   <a:solidFill>
@@ -4171,7 +4188,7 @@
                       <a:schemeClr val="bg1"/>
                     </a:solidFill>
                   </a:rPr>
-                  <a:t>処理依存でも可</a:t>
+                  <a:t>処理依存</a:t>
                 </a:r>
                 <a:endParaRPr lang="ja-JP" altLang="en-US" sz="1000" b="1">
                   <a:solidFill>
@@ -4313,7 +4330,7 @@
                       <a:schemeClr val="bg1"/>
                     </a:solidFill>
                   </a:rPr>
-                  <a:t>処理依存でも可</a:t>
+                  <a:t>処理依存</a:t>
                 </a:r>
                 <a:endParaRPr lang="ja-JP" altLang="en-US" sz="1000" b="1">
                   <a:solidFill>
@@ -4481,7 +4498,7 @@
         <p:grpSpPr>
           <a:xfrm>
             <a:off x="3971290" y="1958340"/>
-            <a:ext cx="4932045" cy="1094105"/>
+            <a:ext cx="5186680" cy="1094105"/>
             <a:chOff x="6314" y="6567"/>
             <a:chExt cx="7767" cy="1723"/>
           </a:xfrm>
@@ -4553,6 +4570,22 @@
                     </a:solidFill>
                   </a:rPr>
                   <a:t>将来的にバグりにくい事が重要なのでは！？</a:t>
+                </a:r>
+                <a:endParaRPr lang="ja-JP" altLang="en-US" sz="1600" b="1">
+                  <a:solidFill>
+                    <a:schemeClr val="tx1"/>
+                  </a:solidFill>
+                </a:endParaRPr>
+              </a:p>
+              <a:p>
+                <a:pPr algn="l"/>
+                <a:r>
+                  <a:rPr lang="ja-JP" altLang="en-US" sz="1600" b="1">
+                    <a:solidFill>
+                      <a:schemeClr val="tx1"/>
+                    </a:solidFill>
+                  </a:rPr>
+                  <a:t>バグりにくい ＝ データ状態に依存した実装の事では！？</a:t>
                 </a:r>
                 <a:endParaRPr lang="ja-JP" altLang="en-US" sz="1600" b="1">
                   <a:solidFill>
@@ -4673,8 +4706,8 @@
         </p:nvSpPr>
         <p:spPr>
           <a:xfrm>
-            <a:off x="9363075" y="2596515"/>
-            <a:ext cx="1778635" cy="814070"/>
+            <a:off x="9524365" y="2701925"/>
+            <a:ext cx="1829435" cy="814070"/>
           </a:xfrm>
           <a:prstGeom prst="wedgeRectCallout">
             <a:avLst>
@@ -4721,7 +4754,7 @@
             <a:pPr algn="l"/>
             <a:r>
               <a:rPr lang="ja-JP" altLang="en-US" sz="1600" b="1"/>
-              <a:t>リスクは</a:t>
+              <a:t>リスク、蓄積し</a:t>
             </a:r>
             <a:endParaRPr lang="ja-JP" altLang="en-US" sz="1600" b="1"/>
           </a:p>
@@ -4729,7 +4762,15 @@
             <a:pPr algn="l"/>
             <a:r>
               <a:rPr lang="ja-JP" altLang="en-US" sz="1600" b="1"/>
-              <a:t>増える一方・・・</a:t>
+              <a:t>続けてる</a:t>
+            </a:r>
+            <a:r>
+              <a:rPr lang="ja-JP" altLang="en-US" sz="1600" b="1"/>
+              <a:t>かもよ</a:t>
+            </a:r>
+            <a:r>
+              <a:rPr lang="ja-JP" altLang="en-US" sz="1600" b="1"/>
+              <a:t>。。</a:t>
             </a:r>
             <a:endParaRPr lang="ja-JP" altLang="en-US" sz="1600" b="1"/>
           </a:p>
@@ -5219,7 +5260,7 @@
             </a:pPr>
             <a:r>
               <a:rPr lang="ja-JP" altLang="en-US"/>
-              <a:t>　比較</a:t>
+              <a:t>　</a:t>
             </a:r>
             <a:endParaRPr lang="en-US" altLang="ja-JP"/>
           </a:p>
@@ -5384,7 +5425,7 @@
                       </a:pPr>
                       <a:r>
                         <a:rPr lang="ja-JP" altLang="en-US" sz="3200" b="1"/>
-                        <a:t>要件を満たせる？</a:t>
+                        <a:t>要件は満たせる？</a:t>
                       </a:r>
                       <a:endParaRPr lang="ja-JP" altLang="en-US" sz="3200" b="1"/>
                     </a:p>
@@ -5510,6 +5551,68 @@
           </a:graphicData>
         </a:graphic>
       </p:graphicFrame>
+      <p:sp>
+        <p:nvSpPr>
+          <p:cNvPr id="4" name="四角形吹き出し 3"/>
+          <p:cNvSpPr/>
+          <p:nvPr/>
+        </p:nvSpPr>
+        <p:spPr>
+          <a:xfrm>
+            <a:off x="5960745" y="5015230"/>
+            <a:ext cx="1816735" cy="527050"/>
+          </a:xfrm>
+          <a:prstGeom prst="wedgeRectCallout">
+            <a:avLst>
+              <a:gd name="adj1" fmla="val -39374"/>
+              <a:gd name="adj2" fmla="val -128313"/>
+            </a:avLst>
+          </a:prstGeom>
+          <a:gradFill>
+            <a:gsLst>
+              <a:gs pos="0">
+                <a:srgbClr val="FE4444"/>
+              </a:gs>
+              <a:gs pos="100000">
+                <a:srgbClr val="832B2B"/>
+              </a:gs>
+            </a:gsLst>
+            <a:lin ang="5400000" scaled="0"/>
+          </a:gradFill>
+          <a:ln>
+            <a:solidFill>
+              <a:srgbClr val="FF0000"/>
+            </a:solidFill>
+          </a:ln>
+        </p:spPr>
+        <p:style>
+          <a:lnRef idx="2">
+            <a:schemeClr val="accent1">
+              <a:shade val="50000"/>
+            </a:schemeClr>
+          </a:lnRef>
+          <a:fillRef idx="1">
+            <a:schemeClr val="accent1"/>
+          </a:fillRef>
+          <a:effectRef idx="0">
+            <a:schemeClr val="accent1"/>
+          </a:effectRef>
+          <a:fontRef idx="minor">
+            <a:schemeClr val="lt1"/>
+          </a:fontRef>
+        </p:style>
+        <p:txBody>
+          <a:bodyPr rtlCol="0" anchor="ctr"/>
+          <a:p>
+            <a:pPr algn="l"/>
+            <a:r>
+              <a:rPr lang="ja-JP" altLang="en-US" sz="1600" b="1"/>
+              <a:t>テストに出ます！</a:t>
+            </a:r>
+            <a:endParaRPr lang="ja-JP" altLang="en-US" sz="1600" b="1"/>
+          </a:p>
+        </p:txBody>
+      </p:sp>
     </p:spTree>
   </p:cSld>
   <p:clrMapOvr>
@@ -5981,7 +6084,7 @@
             </a:pPr>
             <a:r>
               <a:rPr lang="ja-JP" altLang="en-US"/>
-              <a:t>　比較</a:t>
+              <a:t>　</a:t>
             </a:r>
             <a:endParaRPr lang="en-US" altLang="ja-JP"/>
           </a:p>
@@ -6142,7 +6245,7 @@
                       </a:pPr>
                       <a:r>
                         <a:rPr lang="ja-JP" altLang="en-US" sz="3200" b="1"/>
-                        <a:t>要件を満たせる？</a:t>
+                        <a:t>要件は満たせる？</a:t>
                       </a:r>
                       <a:endParaRPr lang="ja-JP" altLang="en-US" sz="3200" b="1"/>
                     </a:p>
@@ -6818,7 +6921,7 @@
             </a:pPr>
             <a:r>
               <a:rPr lang="ja-JP" altLang="en-US"/>
-              <a:t>　比較</a:t>
+              <a:t>　</a:t>
             </a:r>
             <a:endParaRPr lang="en-US" altLang="ja-JP"/>
           </a:p>
@@ -6979,7 +7082,7 @@
                       </a:pPr>
                       <a:r>
                         <a:rPr lang="ja-JP" altLang="en-US" sz="3200" b="1"/>
-                        <a:t>要件を満たせる？</a:t>
+                        <a:t>要件は満たせる？</a:t>
                       </a:r>
                       <a:endParaRPr lang="ja-JP" altLang="en-US" sz="3200" b="1"/>
                     </a:p>
@@ -7419,12 +7522,12 @@
         <p:spPr>
           <a:xfrm>
             <a:off x="2642870" y="5311775"/>
-            <a:ext cx="2674620" cy="1027430"/>
+            <a:ext cx="2741295" cy="1027430"/>
           </a:xfrm>
           <a:prstGeom prst="wedgeRectCallout">
             <a:avLst>
-              <a:gd name="adj1" fmla="val -25623"/>
-              <a:gd name="adj2" fmla="val -64070"/>
+              <a:gd name="adj1" fmla="val 9740"/>
+              <a:gd name="adj2" fmla="val -72805"/>
             </a:avLst>
           </a:prstGeom>
           <a:gradFill>
@@ -7474,7 +7577,15 @@
             <a:pPr algn="l"/>
             <a:r>
               <a:rPr lang="ja-JP" altLang="en-US" sz="1600" b="1"/>
-              <a:t>・処理に矛盾は無いデス</a:t>
+              <a:t>　</a:t>
+            </a:r>
+            <a:r>
+              <a:rPr lang="en-US" altLang="ja-JP" sz="1600" b="1"/>
+              <a:t>→</a:t>
+            </a:r>
+            <a:r>
+              <a:rPr lang="ja-JP" altLang="en-US" sz="1600" b="1"/>
+              <a:t>処理に矛盾は無いデス</a:t>
             </a:r>
             <a:endParaRPr lang="ja-JP" altLang="en-US" sz="1600" b="1"/>
           </a:p>
@@ -7482,7 +7593,15 @@
             <a:pPr algn="l"/>
             <a:r>
               <a:rPr lang="ja-JP" altLang="en-US" sz="1600" b="1"/>
-              <a:t>・スコープ小さいデス</a:t>
+              <a:t>　</a:t>
+            </a:r>
+            <a:r>
+              <a:rPr lang="en-US" altLang="ja-JP" sz="1600" b="1"/>
+              <a:t>→</a:t>
+            </a:r>
+            <a:r>
+              <a:rPr lang="ja-JP" altLang="en-US" sz="1600" b="1"/>
+              <a:t>スコープ小さいデス</a:t>
             </a:r>
             <a:endParaRPr lang="ja-JP" altLang="en-US" sz="1600" b="1" u="sng">
               <a:solidFill>
@@ -7500,8 +7619,8 @@
         </p:nvSpPr>
         <p:spPr>
           <a:xfrm>
-            <a:off x="9393555" y="2973705"/>
-            <a:ext cx="2063115" cy="497840"/>
+            <a:off x="9475470" y="2921635"/>
+            <a:ext cx="1779270" cy="699770"/>
           </a:xfrm>
           <a:prstGeom prst="wedgeRectCallout">
             <a:avLst>
@@ -7548,7 +7667,7 @@
             <a:pPr algn="l"/>
             <a:r>
               <a:rPr lang="ja-JP" altLang="en-US" sz="1600" b="1"/>
-              <a:t>本数の再計算は・・？</a:t>
+              <a:t>本数の再計算はどこ？</a:t>
             </a:r>
             <a:endParaRPr lang="ja-JP" altLang="en-US" sz="1600" b="1"/>
           </a:p>
@@ -7642,9 +7761,128 @@
         <p:nvPr/>
       </p:nvGrpSpPr>
       <p:grpSpPr/>
+      <p:sp>
+        <p:nvSpPr>
+          <p:cNvPr id="2" name="タイトル 1"/>
+          <p:cNvSpPr>
+            <a:spLocks noGrp="1"/>
+          </p:cNvSpPr>
+          <p:nvPr>
+            <p:ph type="title"/>
+          </p:nvPr>
+        </p:nvSpPr>
+        <p:spPr>
+          <a:xfrm>
+            <a:off x="838200" y="365125"/>
+            <a:ext cx="10515600" cy="619200"/>
+          </a:xfrm>
+          <a:solidFill>
+            <a:schemeClr val="accent5">
+              <a:lumMod val="20000"/>
+              <a:lumOff val="80000"/>
+              <a:alpha val="50000"/>
+            </a:schemeClr>
+          </a:solidFill>
+        </p:spPr>
+        <p:txBody>
+          <a:bodyPr>
+            <a:normAutofit/>
+          </a:bodyPr>
+          <a:p>
+            <a:r>
+              <a:rPr lang="ja-JP" altLang="en-US" sz="3200">
+                <a:sym typeface="+mn-ea"/>
+              </a:rPr>
+              <a:t>７．処理依存とは、リスクを蓄積する事！</a:t>
+            </a:r>
+            <a:endParaRPr lang="ja-JP" altLang="en-US" sz="3200">
+              <a:sym typeface="+mn-ea"/>
+            </a:endParaRPr>
+          </a:p>
+        </p:txBody>
+      </p:sp>
+      <p:sp>
+        <p:nvSpPr>
+          <p:cNvPr id="3" name="コンテンツプレースホルダ 2"/>
+          <p:cNvSpPr>
+            <a:spLocks noGrp="1"/>
+          </p:cNvSpPr>
+          <p:nvPr>
+            <p:ph sz="half" idx="1"/>
+          </p:nvPr>
+        </p:nvSpPr>
+        <p:spPr>
+          <a:xfrm>
+            <a:off x="838200" y="984885"/>
+            <a:ext cx="10515600" cy="5192395"/>
+          </a:xfrm>
+        </p:spPr>
+        <p:txBody>
+          <a:bodyPr>
+            <a:normAutofit lnSpcReduction="20000"/>
+          </a:bodyPr>
+          <a:p>
+            <a:pPr marL="0" indent="0">
+              <a:buNone/>
+            </a:pPr>
+            <a:endParaRPr lang="en-US" altLang="ja-JP" sz="600"/>
+          </a:p>
+          <a:p>
+            <a:pPr marL="0" indent="0">
+              <a:buNone/>
+            </a:pPr>
+            <a:r>
+              <a:rPr lang="ja-JP" altLang="en-US"/>
+              <a:t>処理</a:t>
+            </a:r>
+            <a:r>
+              <a:rPr lang="en-US" altLang="ja-JP"/>
+              <a:t>/</a:t>
+            </a:r>
+            <a:r>
+              <a:rPr lang="ja-JP" altLang="en-US"/>
+              <a:t>データをまたぐ場所にこんな実装ががががが！！</a:t>
+            </a:r>
+            <a:endParaRPr lang="ja-JP" altLang="en-US"/>
+          </a:p>
+          <a:p>
+            <a:pPr marL="0" indent="0">
+              <a:buNone/>
+            </a:pPr>
+            <a:endParaRPr lang="ja-JP" altLang="en-US"/>
+          </a:p>
+          <a:p>
+            <a:pPr marL="0" indent="0">
+              <a:buNone/>
+            </a:pPr>
+            <a:endParaRPr lang="ja-JP" altLang="en-US"/>
+          </a:p>
+          <a:p>
+            <a:endParaRPr lang="ja-JP" altLang="en-US"/>
+          </a:p>
+          <a:p>
+            <a:endParaRPr lang="ja-JP" altLang="en-US"/>
+          </a:p>
+          <a:p>
+            <a:endParaRPr lang="ja-JP" altLang="en-US"/>
+          </a:p>
+          <a:p>
+            <a:endParaRPr lang="ja-JP" altLang="en-US"/>
+          </a:p>
+          <a:p>
+            <a:endParaRPr lang="ja-JP" altLang="en-US"/>
+          </a:p>
+          <a:p>
+            <a:endParaRPr lang="ja-JP" altLang="en-US"/>
+          </a:p>
+          <a:p>
+            <a:endParaRPr lang="ja-JP" altLang="en-US"/>
+          </a:p>
+        </p:txBody>
+      </p:sp>
       <p:pic>
         <p:nvPicPr>
-          <p:cNvPr id="4" name="図形 3"/>
+          <p:cNvPr id="5" name="図形 4" descr="images"/>
           <p:cNvPicPr>
             <a:picLocks noChangeAspect="1"/>
           </p:cNvPicPr>
@@ -7658,8 +7896,8 @@
         </p:blipFill>
         <p:spPr>
           <a:xfrm>
-            <a:off x="985520" y="1552575"/>
-            <a:ext cx="6939915" cy="4749165"/>
+            <a:off x="10325100" y="4379595"/>
+            <a:ext cx="1028700" cy="1797685"/>
           </a:xfrm>
           <a:prstGeom prst="rect">
             <a:avLst/>
@@ -7668,126 +7906,43 @@
       </p:pic>
       <p:sp>
         <p:nvSpPr>
-          <p:cNvPr id="2" name="タイトル 1"/>
-          <p:cNvSpPr>
-            <a:spLocks noGrp="1"/>
-          </p:cNvSpPr>
-          <p:nvPr>
-            <p:ph type="title"/>
-          </p:nvPr>
-        </p:nvSpPr>
-        <p:spPr>
-          <a:xfrm>
-            <a:off x="838200" y="365125"/>
-            <a:ext cx="10515600" cy="619200"/>
-          </a:xfrm>
-          <a:solidFill>
-            <a:schemeClr val="accent5">
-              <a:lumMod val="20000"/>
-              <a:lumOff val="80000"/>
-              <a:alpha val="50000"/>
-            </a:schemeClr>
-          </a:solidFill>
-        </p:spPr>
-        <p:txBody>
-          <a:bodyPr>
-            <a:normAutofit/>
+          <p:cNvPr id="6" name="テキストボックス 5"/>
+          <p:cNvSpPr txBox="1"/>
+          <p:nvPr/>
+        </p:nvSpPr>
+        <p:spPr>
+          <a:xfrm>
+            <a:off x="10119360" y="3891915"/>
+            <a:ext cx="1385570" cy="460375"/>
+          </a:xfrm>
+          <a:prstGeom prst="rect">
+            <a:avLst/>
+          </a:prstGeom>
+          <a:noFill/>
+        </p:spPr>
+        <p:txBody>
+          <a:bodyPr wrap="square" rtlCol="0">
+            <a:spAutoFit/>
           </a:bodyPr>
           <a:p>
             <a:r>
-              <a:rPr lang="ja-JP" altLang="en-US" sz="3200">
-                <a:sym typeface="+mn-ea"/>
-              </a:rPr>
-              <a:t>７．処理依存とは、リスクを蓄積する事！</a:t>
-            </a:r>
-            <a:endParaRPr lang="ja-JP" altLang="en-US" sz="3200">
-              <a:sym typeface="+mn-ea"/>
-            </a:endParaRPr>
-          </a:p>
-        </p:txBody>
-      </p:sp>
-      <p:sp>
-        <p:nvSpPr>
-          <p:cNvPr id="3" name="コンテンツプレースホルダ 2"/>
-          <p:cNvSpPr>
-            <a:spLocks noGrp="1"/>
-          </p:cNvSpPr>
-          <p:nvPr>
-            <p:ph sz="half" idx="1"/>
-          </p:nvPr>
-        </p:nvSpPr>
-        <p:spPr>
-          <a:xfrm>
-            <a:off x="838200" y="984885"/>
-            <a:ext cx="10515600" cy="5192395"/>
-          </a:xfrm>
-        </p:spPr>
-        <p:txBody>
-          <a:bodyPr>
-            <a:normAutofit lnSpcReduction="20000"/>
-          </a:bodyPr>
-          <a:p>
-            <a:pPr marL="0" indent="0">
-              <a:buNone/>
-            </a:pPr>
-            <a:endParaRPr lang="en-US" altLang="ja-JP" sz="600"/>
-          </a:p>
-          <a:p>
-            <a:pPr marL="0" indent="0">
-              <a:buNone/>
-            </a:pPr>
-            <a:r>
-              <a:rPr lang="ja-JP" altLang="en-US"/>
-              <a:t>処理</a:t>
-            </a:r>
-            <a:r>
-              <a:rPr lang="en-US" altLang="ja-JP"/>
-              <a:t>/</a:t>
-            </a:r>
-            <a:r>
-              <a:rPr lang="ja-JP" altLang="en-US"/>
-              <a:t>データをまたぐ場所にこんな実装ががががが！！</a:t>
-            </a:r>
-            <a:endParaRPr lang="ja-JP" altLang="en-US"/>
-          </a:p>
-          <a:p>
-            <a:pPr marL="0" indent="0">
-              <a:buNone/>
-            </a:pPr>
-            <a:endParaRPr lang="ja-JP" altLang="en-US"/>
-          </a:p>
-          <a:p>
-            <a:pPr marL="0" indent="0">
-              <a:buNone/>
-            </a:pPr>
-            <a:endParaRPr lang="ja-JP" altLang="en-US"/>
-          </a:p>
-          <a:p>
-            <a:endParaRPr lang="ja-JP" altLang="en-US"/>
-          </a:p>
-          <a:p>
-            <a:endParaRPr lang="ja-JP" altLang="en-US"/>
-          </a:p>
-          <a:p>
-            <a:endParaRPr lang="ja-JP" altLang="en-US"/>
-          </a:p>
-          <a:p>
-            <a:endParaRPr lang="ja-JP" altLang="en-US"/>
-          </a:p>
-          <a:p>
-            <a:endParaRPr lang="ja-JP" altLang="en-US"/>
-          </a:p>
-          <a:p>
-            <a:endParaRPr lang="ja-JP" altLang="en-US"/>
-          </a:p>
-          <a:p>
-            <a:endParaRPr lang="ja-JP" altLang="en-US"/>
+              <a:rPr lang="ja-JP" altLang="en-US" sz="1200"/>
+              <a:t>　ワイ、</a:t>
+            </a:r>
+            <a:endParaRPr lang="ja-JP" altLang="en-US" sz="1200"/>
+          </a:p>
+          <a:p>
+            <a:r>
+              <a:rPr lang="ja-JP" altLang="en-US" sz="1200"/>
+              <a:t>　詰められるん？</a:t>
+            </a:r>
+            <a:endParaRPr lang="ja-JP" altLang="en-US" sz="1200"/>
           </a:p>
         </p:txBody>
       </p:sp>
       <p:pic>
         <p:nvPicPr>
-          <p:cNvPr id="5" name="図形 4" descr="images"/>
+          <p:cNvPr id="4" name="図形 3"/>
           <p:cNvPicPr>
             <a:picLocks noChangeAspect="1"/>
           </p:cNvPicPr>
@@ -7801,8 +7956,8 @@
         </p:blipFill>
         <p:spPr>
           <a:xfrm>
-            <a:off x="10325100" y="4379595"/>
-            <a:ext cx="1028700" cy="1797685"/>
+            <a:off x="985520" y="1552575"/>
+            <a:ext cx="6939915" cy="4749165"/>
           </a:xfrm>
           <a:prstGeom prst="rect">
             <a:avLst/>
@@ -7811,58 +7966,19 @@
       </p:pic>
       <p:sp>
         <p:nvSpPr>
-          <p:cNvPr id="6" name="テキストボックス 5"/>
-          <p:cNvSpPr txBox="1"/>
-          <p:nvPr/>
-        </p:nvSpPr>
-        <p:spPr>
-          <a:xfrm>
-            <a:off x="10119360" y="3891915"/>
-            <a:ext cx="1385570" cy="645160"/>
-          </a:xfrm>
-          <a:prstGeom prst="rect">
-            <a:avLst/>
-          </a:prstGeom>
-          <a:noFill/>
-        </p:spPr>
-        <p:txBody>
-          <a:bodyPr wrap="square" rtlCol="0">
-            <a:spAutoFit/>
-          </a:bodyPr>
-          <a:p>
-            <a:r>
-              <a:rPr lang="ja-JP" altLang="en-US" sz="1200"/>
-              <a:t>　　バグったら</a:t>
-            </a:r>
-            <a:endParaRPr lang="ja-JP" altLang="en-US" sz="1200"/>
-          </a:p>
-          <a:p>
-            <a:r>
-              <a:rPr lang="ja-JP" altLang="en-US" sz="1200"/>
-              <a:t>　　あかんやろ！</a:t>
-            </a:r>
-            <a:endParaRPr lang="ja-JP" altLang="en-US" sz="1200"/>
-          </a:p>
-          <a:p>
-            <a:endParaRPr lang="ja-JP" altLang="en-US" sz="1200"/>
-          </a:p>
-        </p:txBody>
-      </p:sp>
-      <p:sp>
-        <p:nvSpPr>
           <p:cNvPr id="16" name="四角形吹き出し 15"/>
           <p:cNvSpPr/>
           <p:nvPr/>
         </p:nvSpPr>
         <p:spPr>
           <a:xfrm>
-            <a:off x="5904230" y="3568700"/>
-            <a:ext cx="3837940" cy="932815"/>
+            <a:off x="5734685" y="3357880"/>
+            <a:ext cx="3837940" cy="735330"/>
           </a:xfrm>
           <a:prstGeom prst="wedgeRectCallout">
             <a:avLst>
-              <a:gd name="adj1" fmla="val -64046"/>
-              <a:gd name="adj2" fmla="val -1403"/>
+              <a:gd name="adj1" fmla="val -59827"/>
+              <a:gd name="adj2" fmla="val 43868"/>
             </a:avLst>
           </a:prstGeom>
           <a:gradFill>
@@ -7912,7 +8028,7 @@
             <a:pPr algn="l"/>
             <a:r>
               <a:rPr lang="ja-JP" altLang="en-US" sz="1600" b="1"/>
-              <a:t>炎の数の計算が漏れてるやん！？</a:t>
+              <a:t>炎の数の計算が漏れてるやん！</a:t>
             </a:r>
             <a:endParaRPr lang="ja-JP" altLang="en-US" sz="1600" b="1"/>
           </a:p>
@@ -7926,8 +8042,8 @@
         </p:nvSpPr>
         <p:spPr>
           <a:xfrm>
-            <a:off x="6101715" y="4406265"/>
-            <a:ext cx="3837940" cy="1528445"/>
+            <a:off x="5902325" y="4044315"/>
+            <a:ext cx="4059555" cy="1036955"/>
           </a:xfrm>
           <a:prstGeom prst="wedgeRectCallout">
             <a:avLst>
@@ -7974,7 +8090,11 @@
             <a:pPr algn="l"/>
             <a:r>
               <a:rPr lang="ja-JP" altLang="en-US" sz="1600" b="1"/>
-              <a:t>今後、処理がさらに増える可能性・・</a:t>
+              <a:t>処理が複数個所に</a:t>
+            </a:r>
+            <a:r>
+              <a:rPr lang="ja-JP" altLang="en-US" sz="1600" b="1"/>
+              <a:t>分散してる事が原因？</a:t>
             </a:r>
             <a:endParaRPr lang="ja-JP" altLang="en-US" sz="1600" b="1"/>
           </a:p>
@@ -7982,7 +8102,15 @@
             <a:pPr algn="l"/>
             <a:r>
               <a:rPr lang="ja-JP" altLang="en-US" sz="1600" b="1"/>
-              <a:t>例）</a:t>
+              <a:t>　</a:t>
+            </a:r>
+            <a:r>
+              <a:rPr lang="en-US" altLang="ja-JP" sz="1600" b="1"/>
+              <a:t>→</a:t>
+            </a:r>
+            <a:r>
+              <a:rPr lang="ja-JP" altLang="en-US" sz="1600" b="1"/>
+              <a:t>いいえ！</a:t>
             </a:r>
             <a:endParaRPr lang="ja-JP" altLang="en-US" sz="1600" b="1"/>
           </a:p>
@@ -7990,23 +8118,125 @@
             <a:pPr algn="l"/>
             <a:r>
               <a:rPr lang="ja-JP" altLang="en-US" sz="1600" b="1"/>
-              <a:t>　　音声で炎を・・</a:t>
+              <a:t>　　 処理なんて今後いくらでも増えます。</a:t>
             </a:r>
             <a:endParaRPr lang="ja-JP" altLang="en-US" sz="1600" b="1"/>
           </a:p>
+        </p:txBody>
+      </p:sp>
+      <p:sp>
+        <p:nvSpPr>
+          <p:cNvPr id="7" name="四角形吹き出し 6"/>
+          <p:cNvSpPr/>
+          <p:nvPr/>
+        </p:nvSpPr>
+        <p:spPr>
+          <a:xfrm>
+            <a:off x="5902325" y="5091430"/>
+            <a:ext cx="4059555" cy="1454150"/>
+          </a:xfrm>
+          <a:prstGeom prst="wedgeRectCallout">
+            <a:avLst>
+              <a:gd name="adj1" fmla="val -50000"/>
+              <a:gd name="adj2" fmla="val -18716"/>
+            </a:avLst>
+          </a:prstGeom>
+          <a:gradFill>
+            <a:gsLst>
+              <a:gs pos="0">
+                <a:srgbClr val="FE4444"/>
+              </a:gs>
+              <a:gs pos="100000">
+                <a:srgbClr val="832B2B"/>
+              </a:gs>
+            </a:gsLst>
+            <a:lin ang="5400000" scaled="0"/>
+          </a:gradFill>
+          <a:ln>
+            <a:solidFill>
+              <a:srgbClr val="FF0000"/>
+            </a:solidFill>
+          </a:ln>
+        </p:spPr>
+        <p:style>
+          <a:lnRef idx="2">
+            <a:schemeClr val="accent1">
+              <a:shade val="50000"/>
+            </a:schemeClr>
+          </a:lnRef>
+          <a:fillRef idx="1">
+            <a:schemeClr val="accent1"/>
+          </a:fillRef>
+          <a:effectRef idx="0">
+            <a:schemeClr val="accent1"/>
+          </a:effectRef>
+          <a:fontRef idx="minor">
+            <a:schemeClr val="lt1"/>
+          </a:fontRef>
+        </p:style>
+        <p:txBody>
+          <a:bodyPr rtlCol="0" anchor="ctr"/>
           <a:p>
             <a:pPr algn="l"/>
             <a:r>
               <a:rPr lang="ja-JP" altLang="en-US" sz="1600" b="1"/>
-              <a:t>　　 </a:t>
+              <a:t>バグらせた担当者が悪い？</a:t>
+            </a:r>
+            <a:endParaRPr lang="ja-JP" altLang="en-US" sz="1600" b="1"/>
+          </a:p>
+          <a:p>
+            <a:pPr algn="l"/>
+            <a:r>
+              <a:rPr lang="ja-JP" altLang="en-US" sz="1600" b="1"/>
+              <a:t>　</a:t>
             </a:r>
             <a:r>
               <a:rPr lang="en-US" altLang="ja-JP" sz="1600" b="1"/>
-              <a:t>QR</a:t>
+              <a:t>→</a:t>
             </a:r>
             <a:r>
               <a:rPr lang="ja-JP" altLang="en-US" sz="1600" b="1"/>
-              <a:t>コードで炎を・・</a:t>
+              <a:t>いいえ！</a:t>
+            </a:r>
+            <a:endParaRPr lang="ja-JP" altLang="en-US" sz="1600" b="1"/>
+          </a:p>
+          <a:p>
+            <a:pPr algn="l"/>
+            <a:r>
+              <a:rPr lang="ja-JP" altLang="en-US" sz="1600" b="1"/>
+              <a:t>　　 どうせ誰かがいつかやります！</a:t>
+            </a:r>
+            <a:endParaRPr lang="ja-JP" altLang="en-US" sz="1600" b="1"/>
+          </a:p>
+          <a:p>
+            <a:pPr algn="l"/>
+            <a:r>
+              <a:rPr lang="ja-JP" altLang="en-US" sz="1600" b="1"/>
+              <a:t>　　今日は</a:t>
+            </a:r>
+            <a:r>
+              <a:rPr lang="en-US" altLang="ja-JP" sz="1600" b="1"/>
+              <a:t>100</a:t>
+            </a:r>
+            <a:r>
+              <a:rPr lang="ja-JP" altLang="en-US" sz="1600" b="1"/>
+              <a:t>点でも、明日</a:t>
+            </a:r>
+            <a:r>
+              <a:rPr lang="en-US" altLang="ja-JP" sz="1600" b="1"/>
+              <a:t>50</a:t>
+            </a:r>
+            <a:r>
+              <a:rPr lang="ja-JP" altLang="en-US" sz="1600" b="1"/>
+              <a:t>点になる</a:t>
+            </a:r>
+            <a:endParaRPr lang="ja-JP" altLang="en-US" sz="1600" b="1"/>
+          </a:p>
+          <a:p>
+            <a:pPr algn="l"/>
+            <a:r>
+              <a:rPr lang="ja-JP" altLang="en-US" sz="1600" b="1"/>
+              <a:t>　　可能性はあります！</a:t>
             </a:r>
             <a:endParaRPr lang="ja-JP" altLang="en-US" sz="1600" b="1"/>
           </a:p>

--- a/処理依存よりデータ依存_エンジニアの輪20250215.pptx
+++ b/処理依存よりデータ依存_エンジニアの輪20250215.pptx
@@ -3526,13 +3526,15 @@
           </a:solidFill>
         </p:spPr>
         <p:txBody>
-          <a:bodyPr/>
+          <a:bodyPr>
+            <a:normAutofit/>
+          </a:bodyPr>
           <a:p>
             <a:r>
               <a:rPr lang="ja-JP" altLang="en-US" sz="3200">
                 <a:sym typeface="+mn-ea"/>
               </a:rPr>
-              <a:t>８．</a:t>
+              <a:t>　８．</a:t>
             </a:r>
             <a:r>
               <a:rPr lang="en-US" altLang="ja-JP" sz="3200">
@@ -3544,7 +3546,7 @@
               <a:rPr lang="ja-JP" altLang="en-US" sz="3200">
                 <a:sym typeface="+mn-ea"/>
               </a:rPr>
-              <a:t>と絡めるよ！</a:t>
+              <a:t>への信頼が限界突破するためには・・・</a:t>
             </a:r>
             <a:endParaRPr lang="ja-JP" altLang="en-US" sz="3200">
               <a:sym typeface="+mn-ea"/>
@@ -3826,7 +3828,7 @@
         <p:spPr>
           <a:xfrm>
             <a:off x="3286760" y="1122045"/>
-            <a:ext cx="3242310" cy="556895"/>
+            <a:ext cx="2959735" cy="556895"/>
           </a:xfrm>
           <a:prstGeom prst="wedgeRectCallout">
             <a:avLst>
@@ -3933,18 +3935,75 @@
           </a:p>
         </p:txBody>
       </p:sp>
+      <p:sp>
+        <p:nvSpPr>
+          <p:cNvPr id="17" name="テキストボックス 16"/>
+          <p:cNvSpPr txBox="1"/>
+          <p:nvPr/>
+        </p:nvSpPr>
+        <p:spPr>
+          <a:xfrm>
+            <a:off x="3971290" y="1852295"/>
+            <a:ext cx="5800725" cy="368300"/>
+          </a:xfrm>
+          <a:prstGeom prst="rect">
+            <a:avLst/>
+          </a:prstGeom>
+          <a:noFill/>
+        </p:spPr>
+        <p:txBody>
+          <a:bodyPr wrap="square" rtlCol="0">
+            <a:spAutoFit/>
+          </a:bodyPr>
+          <a:p>
+            <a:r>
+              <a:rPr lang="ja-JP" altLang="en-US" u="wavyDbl">
+                <a:solidFill>
+                  <a:srgbClr val="00B050"/>
+                </a:solidFill>
+                <a:uFillTx/>
+              </a:rPr>
+              <a:t>「</a:t>
+            </a:r>
+            <a:r>
+              <a:rPr lang="en-US" altLang="ja-JP" u="wavyDbl">
+                <a:solidFill>
+                  <a:srgbClr val="00B050"/>
+                </a:solidFill>
+                <a:uFillTx/>
+              </a:rPr>
+              <a:t>AI</a:t>
+            </a:r>
+            <a:r>
+              <a:rPr lang="ja-JP" altLang="en-US" u="wavyDbl">
+                <a:solidFill>
+                  <a:srgbClr val="00B050"/>
+                </a:solidFill>
+                <a:uFillTx/>
+              </a:rPr>
+              <a:t>に完全に任せて問題ない」と言える品質って何？</a:t>
+            </a:r>
+            <a:endParaRPr lang="ja-JP" altLang="en-US" u="wavyDbl">
+              <a:solidFill>
+                <a:srgbClr val="00B050"/>
+              </a:solidFill>
+              <a:uFillTx/>
+            </a:endParaRPr>
+          </a:p>
+        </p:txBody>
+      </p:sp>
       <p:grpSp>
         <p:nvGrpSpPr>
-          <p:cNvPr id="32" name="グループ化 31"/>
+          <p:cNvPr id="8" name="グループ化 7"/>
           <p:cNvGrpSpPr/>
           <p:nvPr/>
         </p:nvGrpSpPr>
         <p:grpSpPr>
           <a:xfrm>
-            <a:off x="3971290" y="3298825"/>
-            <a:ext cx="6576060" cy="1998345"/>
-            <a:chOff x="6314" y="3024"/>
-            <a:chExt cx="10356" cy="3147"/>
+            <a:off x="3971290" y="3771900"/>
+            <a:ext cx="6576060" cy="1614170"/>
+            <a:chOff x="6254" y="5800"/>
+            <a:chExt cx="10356" cy="2542"/>
           </a:xfrm>
         </p:grpSpPr>
         <p:grpSp>
@@ -3954,8 +4013,8 @@
             <p:nvPr/>
           </p:nvGrpSpPr>
           <p:grpSpPr>
-            <a:xfrm>
-              <a:off x="6314" y="3629"/>
+            <a:xfrm rot="0">
+              <a:off x="6254" y="5800"/>
               <a:ext cx="10356" cy="786"/>
               <a:chOff x="6314" y="4063"/>
               <a:chExt cx="10356" cy="786"/>
@@ -4080,8 +4139,8 @@
             <p:nvPr/>
           </p:nvGrpSpPr>
           <p:grpSpPr>
-            <a:xfrm>
-              <a:off x="6314" y="4510"/>
+            <a:xfrm rot="0">
+              <a:off x="6254" y="6681"/>
               <a:ext cx="10356" cy="786"/>
               <a:chOff x="6314" y="4944"/>
               <a:chExt cx="10356" cy="786"/>
@@ -4206,8 +4265,8 @@
             <p:nvPr/>
           </p:nvGrpSpPr>
           <p:grpSpPr>
-            <a:xfrm>
-              <a:off x="6314" y="5385"/>
+            <a:xfrm rot="0">
+              <a:off x="6254" y="7556"/>
               <a:ext cx="10356" cy="786"/>
               <a:chOff x="6314" y="5819"/>
               <a:chExt cx="10356" cy="786"/>
@@ -4343,50 +4402,13 @@
         </p:grpSp>
         <p:sp>
           <p:nvSpPr>
-            <p:cNvPr id="17" name="テキストボックス 16"/>
-            <p:cNvSpPr txBox="1"/>
-            <p:nvPr/>
-          </p:nvSpPr>
-          <p:spPr>
-            <a:xfrm>
-              <a:off x="6314" y="3024"/>
-              <a:ext cx="9135" cy="580"/>
-            </a:xfrm>
-            <a:prstGeom prst="rect">
-              <a:avLst/>
-            </a:prstGeom>
-            <a:noFill/>
-          </p:spPr>
-          <p:txBody>
-            <a:bodyPr wrap="square" rtlCol="0">
-              <a:spAutoFit/>
-            </a:bodyPr>
-            <a:p>
-              <a:r>
-                <a:rPr lang="ja-JP" altLang="en-US"/>
-                <a:t>「</a:t>
-              </a:r>
-              <a:r>
-                <a:rPr lang="en-US" altLang="ja-JP"/>
-                <a:t>AI</a:t>
-              </a:r>
-              <a:r>
-                <a:rPr lang="ja-JP" altLang="en-US"/>
-                <a:t>に完全に任せて問題ない」と言える品質って何？</a:t>
-              </a:r>
-              <a:endParaRPr lang="ja-JP" altLang="en-US"/>
-            </a:p>
-          </p:txBody>
-        </p:sp>
-        <p:sp>
-          <p:nvSpPr>
             <p:cNvPr id="18" name="フローチャート：抜出し 17"/>
             <p:cNvSpPr/>
             <p:nvPr/>
           </p:nvSpPr>
           <p:spPr>
             <a:xfrm>
-              <a:off x="8106" y="4215"/>
+              <a:off x="8046" y="6386"/>
               <a:ext cx="2570" cy="1375"/>
             </a:xfrm>
             <a:prstGeom prst="flowChartExtract">
@@ -4436,7 +4458,7 @@
         <p:spPr>
           <a:xfrm>
             <a:off x="3286760" y="5544820"/>
-            <a:ext cx="3242310" cy="556895"/>
+            <a:ext cx="2959735" cy="556895"/>
           </a:xfrm>
           <a:prstGeom prst="wedgeRectCallout">
             <a:avLst>
@@ -4491,16 +4513,16 @@
       </p:sp>
       <p:grpSp>
         <p:nvGrpSpPr>
-          <p:cNvPr id="31" name="グループ化 30"/>
+          <p:cNvPr id="10" name="グループ化 9"/>
           <p:cNvGrpSpPr/>
           <p:nvPr/>
         </p:nvGrpSpPr>
         <p:grpSpPr>
           <a:xfrm>
-            <a:off x="3971290" y="1958340"/>
-            <a:ext cx="5186680" cy="1094105"/>
-            <a:chOff x="6314" y="6567"/>
-            <a:chExt cx="7767" cy="1723"/>
+            <a:off x="3971290" y="2419350"/>
+            <a:ext cx="4950460" cy="1093470"/>
+            <a:chOff x="6254" y="3810"/>
+            <a:chExt cx="7796" cy="1722"/>
           </a:xfrm>
         </p:grpSpPr>
         <p:grpSp>
@@ -4510,11 +4532,11 @@
             <p:nvPr/>
           </p:nvGrpSpPr>
           <p:grpSpPr>
-            <a:xfrm>
-              <a:off x="6314" y="6621"/>
-              <a:ext cx="7767" cy="1661"/>
+            <a:xfrm rot="0">
+              <a:off x="6254" y="3840"/>
+              <a:ext cx="7797" cy="1661"/>
               <a:chOff x="6314" y="7106"/>
-              <a:chExt cx="7767" cy="786"/>
+              <a:chExt cx="7414" cy="786"/>
             </a:xfrm>
           </p:grpSpPr>
           <p:sp>
@@ -4526,7 +4548,7 @@
             <p:spPr>
               <a:xfrm>
                 <a:off x="6314" y="7106"/>
-                <a:ext cx="7767" cy="786"/>
+                <a:ext cx="7414" cy="786"/>
               </a:xfrm>
               <a:prstGeom prst="wedgeRectCallout">
                 <a:avLst>
@@ -4569,7 +4591,15 @@
                       <a:schemeClr val="tx1"/>
                     </a:solidFill>
                   </a:rPr>
-                  <a:t>将来的にバグりにくい事が重要なのでは！？</a:t>
+                  <a:t>将来的にバグりにくい作り</a:t>
+                </a:r>
+                <a:r>
+                  <a:rPr lang="ja-JP" altLang="en-US" sz="1600" b="1">
+                    <a:solidFill>
+                      <a:schemeClr val="tx1"/>
+                    </a:solidFill>
+                  </a:rPr>
+                  <a:t>、それは・・・</a:t>
                 </a:r>
                 <a:endParaRPr lang="ja-JP" altLang="en-US" sz="1600" b="1">
                   <a:solidFill>
@@ -4585,7 +4615,15 @@
                       <a:schemeClr val="tx1"/>
                     </a:solidFill>
                   </a:rPr>
-                  <a:t>バグりにくい ＝ データ状態に依存した実装の事では！？</a:t>
+                  <a:t> データの状態に依存した実装の事！（知らんけど</a:t>
+                </a:r>
+                <a:r>
+                  <a:rPr lang="ja-JP" altLang="en-US" sz="1600" b="1">
+                    <a:solidFill>
+                      <a:schemeClr val="tx1"/>
+                    </a:solidFill>
+                  </a:rPr>
+                  <a:t>）</a:t>
                 </a:r>
                 <a:endParaRPr lang="ja-JP" altLang="en-US" sz="1600" b="1">
                   <a:solidFill>
@@ -4603,7 +4641,7 @@
             </p:nvSpPr>
             <p:spPr>
               <a:xfrm>
-                <a:off x="10573" y="7106"/>
+                <a:off x="10220" y="7106"/>
                 <a:ext cx="3508" cy="183"/>
               </a:xfrm>
               <a:prstGeom prst="rect">
@@ -4657,8 +4695,8 @@
           </p:nvSpPr>
           <p:spPr>
             <a:xfrm>
-              <a:off x="8447" y="6567"/>
-              <a:ext cx="1887" cy="1723"/>
+              <a:off x="8497" y="3810"/>
+              <a:ext cx="1984" cy="1723"/>
             </a:xfrm>
             <a:prstGeom prst="ellipse">
               <a:avLst/>
@@ -4706,8 +4744,8 @@
         </p:nvSpPr>
         <p:spPr>
           <a:xfrm>
-            <a:off x="9524365" y="2701925"/>
-            <a:ext cx="1829435" cy="814070"/>
+            <a:off x="9451975" y="2770505"/>
+            <a:ext cx="1901825" cy="814070"/>
           </a:xfrm>
           <a:prstGeom prst="wedgeRectCallout">
             <a:avLst>
@@ -4754,7 +4792,7 @@
             <a:pPr algn="l"/>
             <a:r>
               <a:rPr lang="ja-JP" altLang="en-US" sz="1600" b="1"/>
-              <a:t>リスク、蓄積し</a:t>
+              <a:t>リスク、</a:t>
             </a:r>
             <a:endParaRPr lang="ja-JP" altLang="en-US" sz="1600" b="1"/>
           </a:p>
@@ -4762,15 +4800,7 @@
             <a:pPr algn="l"/>
             <a:r>
               <a:rPr lang="ja-JP" altLang="en-US" sz="1600" b="1"/>
-              <a:t>続けてる</a:t>
-            </a:r>
-            <a:r>
-              <a:rPr lang="ja-JP" altLang="en-US" sz="1600" b="1"/>
-              <a:t>かもよ</a:t>
-            </a:r>
-            <a:r>
-              <a:rPr lang="ja-JP" altLang="en-US" sz="1600" b="1"/>
-              <a:t>。。</a:t>
+              <a:t>蓄積してますよ。。</a:t>
             </a:r>
             <a:endParaRPr lang="ja-JP" altLang="en-US" sz="1600" b="1"/>
           </a:p>
@@ -4861,7 +4891,7 @@
                 </a:solidFill>
                 <a:sym typeface="+mn-ea"/>
               </a:rPr>
-              <a:t>ご清聴ありがとうございました</a:t>
+              <a:t>ご清聴ありがとうございました。</a:t>
             </a:r>
             <a:endParaRPr lang="ja-JP" altLang="en-US" sz="3200">
               <a:solidFill>
@@ -4874,33 +4904,6 @@
             <a:pPr marL="0" indent="0" algn="ctr">
               <a:buNone/>
             </a:pPr>
-            <a:r>
-              <a:rPr lang="ja-JP" altLang="en-US" sz="3200">
-                <a:solidFill>
-                  <a:schemeClr val="accent2"/>
-                </a:solidFill>
-                <a:sym typeface="+mn-ea"/>
-              </a:rPr>
-              <a:t>ｍ（</a:t>
-            </a:r>
-            <a:r>
-              <a:rPr lang="en-US" altLang="ja-JP" sz="3200">
-                <a:solidFill>
-                  <a:schemeClr val="accent2"/>
-                </a:solidFill>
-                <a:sym typeface="+mn-ea"/>
-              </a:rPr>
-              <a:t>_ _</a:t>
-            </a:r>
-            <a:r>
-              <a:rPr lang="ja-JP" altLang="en-US" sz="3200">
-                <a:solidFill>
-                  <a:schemeClr val="accent2"/>
-                </a:solidFill>
-                <a:sym typeface="+mn-ea"/>
-              </a:rPr>
-              <a:t>）ｍ</a:t>
-            </a:r>
             <a:endParaRPr lang="ja-JP" altLang="en-US" sz="3200">
               <a:solidFill>
                 <a:schemeClr val="accent2"/>
@@ -4908,6 +4911,28 @@
               <a:sym typeface="+mn-ea"/>
             </a:endParaRPr>
           </a:p>
+          <a:p>
+            <a:pPr marL="0" indent="0" algn="ctr">
+              <a:buNone/>
+            </a:pPr>
+            <a:endParaRPr lang="ja-JP" altLang="en-US" sz="3200">
+              <a:solidFill>
+                <a:schemeClr val="accent2"/>
+              </a:solidFill>
+              <a:sym typeface="+mn-ea"/>
+            </a:endParaRPr>
+          </a:p>
+          <a:p>
+            <a:pPr marL="0" indent="0" algn="ctr">
+              <a:buNone/>
+            </a:pPr>
+            <a:endParaRPr lang="ja-JP" altLang="en-US" sz="3200">
+              <a:solidFill>
+                <a:schemeClr val="accent2"/>
+              </a:solidFill>
+              <a:sym typeface="+mn-ea"/>
+            </a:endParaRPr>
+          </a:p>
         </p:txBody>
       </p:sp>
       <p:sp>
@@ -4939,6 +4964,30 @@
           </a:p>
         </p:txBody>
       </p:sp>
+      <p:pic>
+        <p:nvPicPr>
+          <p:cNvPr id="5" name="図形 4" descr="images"/>
+          <p:cNvPicPr>
+            <a:picLocks noChangeAspect="1"/>
+          </p:cNvPicPr>
+          <p:nvPr/>
+        </p:nvPicPr>
+        <p:blipFill>
+          <a:blip r:embed="rId1"/>
+          <a:stretch>
+            <a:fillRect/>
+          </a:stretch>
+        </p:blipFill>
+        <p:spPr>
+          <a:xfrm>
+            <a:off x="5458460" y="3086100"/>
+            <a:ext cx="1028700" cy="1797685"/>
+          </a:xfrm>
+          <a:prstGeom prst="rect">
+            <a:avLst/>
+          </a:prstGeom>
+        </p:spPr>
+      </p:pic>
     </p:spTree>
   </p:cSld>
   <p:clrMapOvr>
@@ -5111,7 +5160,7 @@
             </a:r>
             <a:r>
               <a:rPr lang="ja-JP" altLang="en-US"/>
-              <a:t>と絡めるよ！</a:t>
+              <a:t>への信頼が限界突破するためには・・・</a:t>
             </a:r>
             <a:endParaRPr lang="ja-JP" altLang="en-US"/>
           </a:p>
@@ -6084,7 +6133,7 @@
             </a:pPr>
             <a:r>
               <a:rPr lang="ja-JP" altLang="en-US"/>
-              <a:t>　</a:t>
+              <a:t>　満たせてます！！</a:t>
             </a:r>
             <a:endParaRPr lang="en-US" altLang="ja-JP"/>
           </a:p>
@@ -6921,7 +6970,11 @@
             </a:pPr>
             <a:r>
               <a:rPr lang="ja-JP" altLang="en-US"/>
-              <a:t>　</a:t>
+              <a:t>　処理依存の側にバグが見つかりました</a:t>
+            </a:r>
+            <a:r>
+              <a:rPr lang="ja-JP" altLang="en-US"/>
+              <a:t>！！</a:t>
             </a:r>
             <a:endParaRPr lang="en-US" altLang="ja-JP"/>
           </a:p>
@@ -7927,14 +7980,18 @@
           <a:p>
             <a:r>
               <a:rPr lang="ja-JP" altLang="en-US" sz="1200"/>
-              <a:t>　ワイ、</a:t>
+              <a:t>　</a:t>
             </a:r>
             <a:endParaRPr lang="ja-JP" altLang="en-US" sz="1200"/>
           </a:p>
           <a:p>
             <a:r>
               <a:rPr lang="ja-JP" altLang="en-US" sz="1200"/>
-              <a:t>　詰められるん？</a:t>
+              <a:t>　ワイが悪いん</a:t>
+            </a:r>
+            <a:r>
+              <a:rPr lang="ja-JP" altLang="en-US" sz="1200"/>
+              <a:t>？</a:t>
             </a:r>
             <a:endParaRPr lang="ja-JP" altLang="en-US" sz="1200"/>
           </a:p>
@@ -8090,11 +8147,7 @@
             <a:pPr algn="l"/>
             <a:r>
               <a:rPr lang="ja-JP" altLang="en-US" sz="1600" b="1"/>
-              <a:t>処理が複数個所に</a:t>
-            </a:r>
-            <a:r>
-              <a:rPr lang="ja-JP" altLang="en-US" sz="1600" b="1"/>
-              <a:t>分散してる事が原因？</a:t>
+              <a:t>処理が複数個所に分散してる事が原因？</a:t>
             </a:r>
             <a:endParaRPr lang="ja-JP" altLang="en-US" sz="1600" b="1"/>
           </a:p>

--- a/処理依存よりデータ依存_エンジニアの輪20250215.pptx
+++ b/処理依存よりデータ依存_エンジニアの輪20250215.pptx
@@ -4520,9 +4520,9 @@
         <p:grpSpPr>
           <a:xfrm>
             <a:off x="3971290" y="2419350"/>
-            <a:ext cx="4950460" cy="1093470"/>
+            <a:ext cx="4951095" cy="1094105"/>
             <a:chOff x="6254" y="3810"/>
-            <a:chExt cx="7796" cy="1722"/>
+            <a:chExt cx="7797" cy="1723"/>
           </a:xfrm>
         </p:grpSpPr>
         <p:grpSp>
@@ -4591,15 +4591,7 @@
                       <a:schemeClr val="tx1"/>
                     </a:solidFill>
                   </a:rPr>
-                  <a:t>将来的にバグりにくい作り</a:t>
-                </a:r>
-                <a:r>
-                  <a:rPr lang="ja-JP" altLang="en-US" sz="1600" b="1">
-                    <a:solidFill>
-                      <a:schemeClr val="tx1"/>
-                    </a:solidFill>
-                  </a:rPr>
-                  <a:t>、それは・・・</a:t>
+                  <a:t>将来的にバグりにくい作り、それは・・・</a:t>
                 </a:r>
                 <a:endParaRPr lang="ja-JP" altLang="en-US" sz="1600" b="1">
                   <a:solidFill>
@@ -4615,15 +4607,7 @@
                       <a:schemeClr val="tx1"/>
                     </a:solidFill>
                   </a:rPr>
-                  <a:t> データの状態に依存した実装の事！（知らんけど</a:t>
-                </a:r>
-                <a:r>
-                  <a:rPr lang="ja-JP" altLang="en-US" sz="1600" b="1">
-                    <a:solidFill>
-                      <a:schemeClr val="tx1"/>
-                    </a:solidFill>
-                  </a:rPr>
-                  <a:t>）</a:t>
+                  <a:t> データの状態に依存した実装の事！（知らんけど）</a:t>
                 </a:r>
                 <a:endParaRPr lang="ja-JP" altLang="en-US" sz="1600" b="1">
                   <a:solidFill>
@@ -4695,7 +4679,7 @@
           </p:nvSpPr>
           <p:spPr>
             <a:xfrm>
-              <a:off x="8497" y="3810"/>
+              <a:off x="8317" y="3810"/>
               <a:ext cx="1984" cy="1723"/>
             </a:xfrm>
             <a:prstGeom prst="ellipse">
@@ -4744,8 +4728,8 @@
         </p:nvSpPr>
         <p:spPr>
           <a:xfrm>
-            <a:off x="9451975" y="2770505"/>
-            <a:ext cx="1901825" cy="814070"/>
+            <a:off x="9451975" y="2439035"/>
+            <a:ext cx="2441575" cy="1145540"/>
           </a:xfrm>
           <a:prstGeom prst="wedgeRectCallout">
             <a:avLst>
@@ -4792,15 +4776,31 @@
             <a:pPr algn="l"/>
             <a:r>
               <a:rPr lang="ja-JP" altLang="en-US" sz="1600" b="1"/>
-              <a:t>リスク、</a:t>
+              <a:t>リスク蓄積してますよ。。</a:t>
             </a:r>
             <a:endParaRPr lang="ja-JP" altLang="en-US" sz="1600" b="1"/>
           </a:p>
           <a:p>
             <a:pPr algn="l"/>
             <a:r>
+              <a:rPr lang="en-US" altLang="ja-JP" sz="1600" b="1"/>
+              <a:t>prompt</a:t>
+            </a:r>
+            <a:r>
               <a:rPr lang="ja-JP" altLang="en-US" sz="1600" b="1"/>
-              <a:t>蓄積してますよ。。</a:t>
+              <a:t>回数が</a:t>
+            </a:r>
+            <a:r>
+              <a:rPr lang="ja-JP" altLang="en-US" sz="1600" b="1"/>
+              <a:t>激増する</a:t>
+            </a:r>
+            <a:endParaRPr lang="ja-JP" altLang="en-US" sz="1600" b="1"/>
+          </a:p>
+          <a:p>
+            <a:pPr algn="l"/>
+            <a:r>
+              <a:rPr lang="ja-JP" altLang="en-US" sz="1600" b="1"/>
+              <a:t>かもよ！？</a:t>
             </a:r>
             <a:endParaRPr lang="ja-JP" altLang="en-US" sz="1600" b="1"/>
           </a:p>
@@ -5680,6 +5680,108 @@
         <p:nvPr/>
       </p:nvGrpSpPr>
       <p:grpSpPr/>
+      <p:sp>
+        <p:nvSpPr>
+          <p:cNvPr id="3" name="コンテンツプレースホルダ 2"/>
+          <p:cNvSpPr>
+            <a:spLocks noGrp="1"/>
+          </p:cNvSpPr>
+          <p:nvPr>
+            <p:ph sz="half" idx="1"/>
+          </p:nvPr>
+        </p:nvSpPr>
+        <p:spPr>
+          <a:xfrm>
+            <a:off x="838200" y="983615"/>
+            <a:ext cx="10515600" cy="5193665"/>
+          </a:xfrm>
+        </p:spPr>
+        <p:txBody>
+          <a:bodyPr>
+            <a:normAutofit lnSpcReduction="10000"/>
+          </a:bodyPr>
+          <a:p>
+            <a:pPr marL="0" indent="0">
+              <a:buNone/>
+            </a:pPr>
+            <a:endParaRPr lang="ja-JP" altLang="en-US" sz="800"/>
+          </a:p>
+          <a:p>
+            <a:pPr marL="0" indent="0">
+              <a:buNone/>
+            </a:pPr>
+            <a:r>
+              <a:rPr lang="ja-JP" altLang="en-US"/>
+              <a:t>デモやります（当スライドは後で</a:t>
+            </a:r>
+            <a:r>
+              <a:rPr lang="en-US" altLang="ja-JP"/>
+              <a:t>Slack</a:t>
+            </a:r>
+            <a:r>
+              <a:rPr lang="ja-JP" altLang="en-US"/>
+              <a:t>にアップします）！</a:t>
+            </a:r>
+            <a:endParaRPr lang="en-US" altLang="ja-JP"/>
+          </a:p>
+          <a:p>
+            <a:pPr marL="0" indent="0">
+              <a:buNone/>
+            </a:pPr>
+            <a:r>
+              <a:rPr lang="ja-JP" altLang="en-US"/>
+              <a:t>　</a:t>
+            </a:r>
+            <a:r>
+              <a:rPr lang="ja-JP" altLang="en-US" sz="1600"/>
+              <a:t>https://github.com/RyotoKuroki/QualityDependsOnDataApplication</a:t>
+            </a:r>
+            <a:endParaRPr lang="ja-JP" altLang="en-US"/>
+          </a:p>
+          <a:p>
+            <a:pPr marL="0" indent="0">
+              <a:buNone/>
+            </a:pPr>
+            <a:endParaRPr lang="ja-JP" altLang="en-US"/>
+          </a:p>
+          <a:p>
+            <a:pPr marL="0" indent="0">
+              <a:buNone/>
+            </a:pPr>
+            <a:endParaRPr lang="ja-JP" altLang="en-US"/>
+          </a:p>
+          <a:p>
+            <a:pPr marL="0" indent="0">
+              <a:buNone/>
+            </a:pPr>
+            <a:endParaRPr lang="ja-JP" altLang="en-US"/>
+          </a:p>
+          <a:p>
+            <a:pPr marL="0" indent="0">
+              <a:buNone/>
+            </a:pPr>
+            <a:endParaRPr lang="ja-JP" altLang="en-US"/>
+          </a:p>
+          <a:p>
+            <a:pPr marL="0" indent="0">
+              <a:buNone/>
+            </a:pPr>
+            <a:endParaRPr lang="ja-JP" altLang="en-US"/>
+          </a:p>
+          <a:p>
+            <a:pPr marL="0" indent="0">
+              <a:buNone/>
+            </a:pPr>
+            <a:endParaRPr lang="ja-JP" altLang="en-US"/>
+          </a:p>
+          <a:p>
+            <a:pPr marL="0" indent="0">
+              <a:buNone/>
+            </a:pPr>
+            <a:endParaRPr lang="ja-JP" altLang="en-US"/>
+          </a:p>
+        </p:txBody>
+      </p:sp>
       <p:pic>
         <p:nvPicPr>
           <p:cNvPr id="11" name="図形 10"/>
@@ -5769,108 +5871,6 @@
               <a:t>２．デモ①</a:t>
             </a:r>
             <a:endParaRPr lang="ja-JP" altLang="en-US" sz="3200"/>
-          </a:p>
-        </p:txBody>
-      </p:sp>
-      <p:sp>
-        <p:nvSpPr>
-          <p:cNvPr id="3" name="コンテンツプレースホルダ 2"/>
-          <p:cNvSpPr>
-            <a:spLocks noGrp="1"/>
-          </p:cNvSpPr>
-          <p:nvPr>
-            <p:ph sz="half" idx="1"/>
-          </p:nvPr>
-        </p:nvSpPr>
-        <p:spPr>
-          <a:xfrm>
-            <a:off x="838200" y="983615"/>
-            <a:ext cx="10515600" cy="5193665"/>
-          </a:xfrm>
-        </p:spPr>
-        <p:txBody>
-          <a:bodyPr>
-            <a:normAutofit lnSpcReduction="10000"/>
-          </a:bodyPr>
-          <a:p>
-            <a:pPr marL="0" indent="0">
-              <a:buNone/>
-            </a:pPr>
-            <a:endParaRPr lang="ja-JP" altLang="en-US" sz="800"/>
-          </a:p>
-          <a:p>
-            <a:pPr marL="0" indent="0">
-              <a:buNone/>
-            </a:pPr>
-            <a:r>
-              <a:rPr lang="ja-JP" altLang="en-US"/>
-              <a:t>デモやります（当スライドは後で</a:t>
-            </a:r>
-            <a:r>
-              <a:rPr lang="en-US" altLang="ja-JP"/>
-              <a:t>Slack</a:t>
-            </a:r>
-            <a:r>
-              <a:rPr lang="ja-JP" altLang="en-US"/>
-              <a:t>にアップします）！</a:t>
-            </a:r>
-            <a:endParaRPr lang="en-US" altLang="ja-JP"/>
-          </a:p>
-          <a:p>
-            <a:pPr marL="0" indent="0">
-              <a:buNone/>
-            </a:pPr>
-            <a:r>
-              <a:rPr lang="ja-JP" altLang="en-US"/>
-              <a:t>　</a:t>
-            </a:r>
-            <a:r>
-              <a:rPr lang="ja-JP" altLang="en-US" sz="1600"/>
-              <a:t>https://github.com/RyotoKuroki/QualityDependsOnDataApplication</a:t>
-            </a:r>
-            <a:endParaRPr lang="ja-JP" altLang="en-US"/>
-          </a:p>
-          <a:p>
-            <a:pPr marL="0" indent="0">
-              <a:buNone/>
-            </a:pPr>
-            <a:endParaRPr lang="ja-JP" altLang="en-US"/>
-          </a:p>
-          <a:p>
-            <a:pPr marL="0" indent="0">
-              <a:buNone/>
-            </a:pPr>
-            <a:endParaRPr lang="ja-JP" altLang="en-US"/>
-          </a:p>
-          <a:p>
-            <a:pPr marL="0" indent="0">
-              <a:buNone/>
-            </a:pPr>
-            <a:endParaRPr lang="ja-JP" altLang="en-US"/>
-          </a:p>
-          <a:p>
-            <a:pPr marL="0" indent="0">
-              <a:buNone/>
-            </a:pPr>
-            <a:endParaRPr lang="ja-JP" altLang="en-US"/>
-          </a:p>
-          <a:p>
-            <a:pPr marL="0" indent="0">
-              <a:buNone/>
-            </a:pPr>
-            <a:endParaRPr lang="ja-JP" altLang="en-US"/>
-          </a:p>
-          <a:p>
-            <a:pPr marL="0" indent="0">
-              <a:buNone/>
-            </a:pPr>
-            <a:endParaRPr lang="ja-JP" altLang="en-US"/>
-          </a:p>
-          <a:p>
-            <a:pPr marL="0" indent="0">
-              <a:buNone/>
-            </a:pPr>
-            <a:endParaRPr lang="ja-JP" altLang="en-US"/>
           </a:p>
         </p:txBody>
       </p:sp>
@@ -6528,6 +6528,124 @@
         <p:nvPr/>
       </p:nvGrpSpPr>
       <p:grpSpPr/>
+      <p:sp>
+        <p:nvSpPr>
+          <p:cNvPr id="3" name="コンテンツプレースホルダ 2"/>
+          <p:cNvSpPr>
+            <a:spLocks noGrp="1"/>
+          </p:cNvSpPr>
+          <p:nvPr>
+            <p:ph sz="half" idx="1"/>
+          </p:nvPr>
+        </p:nvSpPr>
+        <p:spPr>
+          <a:xfrm>
+            <a:off x="838200" y="983615"/>
+            <a:ext cx="10515600" cy="5193665"/>
+          </a:xfrm>
+        </p:spPr>
+        <p:txBody>
+          <a:bodyPr>
+            <a:normAutofit lnSpcReduction="10000"/>
+          </a:bodyPr>
+          <a:p>
+            <a:pPr marL="0" indent="0">
+              <a:buNone/>
+            </a:pPr>
+            <a:endParaRPr lang="ja-JP" altLang="en-US" sz="800"/>
+          </a:p>
+          <a:p>
+            <a:pPr marL="0" indent="0">
+              <a:buNone/>
+            </a:pPr>
+            <a:r>
+              <a:rPr lang="ja-JP" altLang="en-US"/>
+              <a:t>実は・・　コマンド操作可能です（</a:t>
+            </a:r>
+            <a:r>
+              <a:rPr lang="en-US" altLang="ja-JP"/>
+              <a:t>Ctrl </a:t>
+            </a:r>
+            <a:r>
+              <a:rPr lang="ja-JP" altLang="en-US"/>
+              <a:t>＋ </a:t>
+            </a:r>
+            <a:r>
+              <a:rPr lang="en-US" altLang="ja-JP"/>
+              <a:t>A</a:t>
+            </a:r>
+            <a:r>
+              <a:rPr lang="ja-JP" altLang="en-US"/>
+              <a:t>、 </a:t>
+            </a:r>
+            <a:r>
+              <a:rPr lang="en-US" altLang="ja-JP"/>
+              <a:t>Ctrl </a:t>
+            </a:r>
+            <a:r>
+              <a:rPr lang="ja-JP" altLang="en-US"/>
+              <a:t>＋ </a:t>
+            </a:r>
+            <a:r>
+              <a:rPr lang="en-US" altLang="ja-JP"/>
+              <a:t>Z</a:t>
+            </a:r>
+            <a:r>
+              <a:rPr lang="ja-JP" altLang="en-US"/>
+              <a:t>）</a:t>
+            </a:r>
+            <a:endParaRPr lang="en-US" altLang="ja-JP"/>
+          </a:p>
+          <a:p>
+            <a:pPr marL="0" indent="0">
+              <a:buNone/>
+            </a:pPr>
+            <a:endParaRPr lang="ja-JP" altLang="en-US"/>
+          </a:p>
+          <a:p>
+            <a:pPr marL="0" indent="0">
+              <a:buNone/>
+            </a:pPr>
+            <a:endParaRPr lang="ja-JP" altLang="en-US"/>
+          </a:p>
+          <a:p>
+            <a:pPr marL="0" indent="0">
+              <a:buNone/>
+            </a:pPr>
+            <a:endParaRPr lang="ja-JP" altLang="en-US"/>
+          </a:p>
+          <a:p>
+            <a:pPr marL="0" indent="0">
+              <a:buNone/>
+            </a:pPr>
+            <a:endParaRPr lang="ja-JP" altLang="en-US"/>
+          </a:p>
+          <a:p>
+            <a:pPr marL="0" indent="0">
+              <a:buNone/>
+            </a:pPr>
+            <a:endParaRPr lang="ja-JP" altLang="en-US"/>
+          </a:p>
+          <a:p>
+            <a:pPr marL="0" indent="0">
+              <a:buNone/>
+            </a:pPr>
+            <a:endParaRPr lang="ja-JP" altLang="en-US"/>
+          </a:p>
+          <a:p>
+            <a:pPr marL="0" indent="0">
+              <a:buNone/>
+            </a:pPr>
+            <a:endParaRPr lang="ja-JP" altLang="en-US"/>
+          </a:p>
+          <a:p>
+            <a:pPr marL="0" indent="0">
+              <a:buNone/>
+            </a:pPr>
+            <a:endParaRPr lang="ja-JP" altLang="en-US"/>
+          </a:p>
+        </p:txBody>
+      </p:sp>
       <p:pic>
         <p:nvPicPr>
           <p:cNvPr id="11" name="図形 10"/>
@@ -6612,124 +6730,6 @@
               <a:t>４．デモ②</a:t>
             </a:r>
             <a:endParaRPr lang="ja-JP" altLang="en-US" sz="3200"/>
-          </a:p>
-        </p:txBody>
-      </p:sp>
-      <p:sp>
-        <p:nvSpPr>
-          <p:cNvPr id="3" name="コンテンツプレースホルダ 2"/>
-          <p:cNvSpPr>
-            <a:spLocks noGrp="1"/>
-          </p:cNvSpPr>
-          <p:nvPr>
-            <p:ph sz="half" idx="1"/>
-          </p:nvPr>
-        </p:nvSpPr>
-        <p:spPr>
-          <a:xfrm>
-            <a:off x="838200" y="983615"/>
-            <a:ext cx="10515600" cy="5193665"/>
-          </a:xfrm>
-        </p:spPr>
-        <p:txBody>
-          <a:bodyPr>
-            <a:normAutofit lnSpcReduction="10000"/>
-          </a:bodyPr>
-          <a:p>
-            <a:pPr marL="0" indent="0">
-              <a:buNone/>
-            </a:pPr>
-            <a:endParaRPr lang="ja-JP" altLang="en-US" sz="800"/>
-          </a:p>
-          <a:p>
-            <a:pPr marL="0" indent="0">
-              <a:buNone/>
-            </a:pPr>
-            <a:r>
-              <a:rPr lang="ja-JP" altLang="en-US"/>
-              <a:t>実は・・　コマンド操作可能です（</a:t>
-            </a:r>
-            <a:r>
-              <a:rPr lang="en-US" altLang="ja-JP"/>
-              <a:t>Ctrl </a:t>
-            </a:r>
-            <a:r>
-              <a:rPr lang="ja-JP" altLang="en-US"/>
-              <a:t>＋ </a:t>
-            </a:r>
-            <a:r>
-              <a:rPr lang="en-US" altLang="ja-JP"/>
-              <a:t>A</a:t>
-            </a:r>
-            <a:r>
-              <a:rPr lang="ja-JP" altLang="en-US"/>
-              <a:t>、 </a:t>
-            </a:r>
-            <a:r>
-              <a:rPr lang="en-US" altLang="ja-JP"/>
-              <a:t>Ctrl </a:t>
-            </a:r>
-            <a:r>
-              <a:rPr lang="ja-JP" altLang="en-US"/>
-              <a:t>＋ </a:t>
-            </a:r>
-            <a:r>
-              <a:rPr lang="en-US" altLang="ja-JP"/>
-              <a:t>Z</a:t>
-            </a:r>
-            <a:r>
-              <a:rPr lang="ja-JP" altLang="en-US"/>
-              <a:t>）</a:t>
-            </a:r>
-            <a:endParaRPr lang="en-US" altLang="ja-JP"/>
-          </a:p>
-          <a:p>
-            <a:pPr marL="0" indent="0">
-              <a:buNone/>
-            </a:pPr>
-            <a:endParaRPr lang="ja-JP" altLang="en-US"/>
-          </a:p>
-          <a:p>
-            <a:pPr marL="0" indent="0">
-              <a:buNone/>
-            </a:pPr>
-            <a:endParaRPr lang="ja-JP" altLang="en-US"/>
-          </a:p>
-          <a:p>
-            <a:pPr marL="0" indent="0">
-              <a:buNone/>
-            </a:pPr>
-            <a:endParaRPr lang="ja-JP" altLang="en-US"/>
-          </a:p>
-          <a:p>
-            <a:pPr marL="0" indent="0">
-              <a:buNone/>
-            </a:pPr>
-            <a:endParaRPr lang="ja-JP" altLang="en-US"/>
-          </a:p>
-          <a:p>
-            <a:pPr marL="0" indent="0">
-              <a:buNone/>
-            </a:pPr>
-            <a:endParaRPr lang="ja-JP" altLang="en-US"/>
-          </a:p>
-          <a:p>
-            <a:pPr marL="0" indent="0">
-              <a:buNone/>
-            </a:pPr>
-            <a:endParaRPr lang="ja-JP" altLang="en-US"/>
-          </a:p>
-          <a:p>
-            <a:pPr marL="0" indent="0">
-              <a:buNone/>
-            </a:pPr>
-            <a:endParaRPr lang="ja-JP" altLang="en-US"/>
-          </a:p>
-          <a:p>
-            <a:pPr marL="0" indent="0">
-              <a:buNone/>
-            </a:pPr>
-            <a:endParaRPr lang="ja-JP" altLang="en-US"/>
           </a:p>
         </p:txBody>
       </p:sp>
@@ -6970,11 +6970,7 @@
             </a:pPr>
             <a:r>
               <a:rPr lang="ja-JP" altLang="en-US"/>
-              <a:t>　処理依存の側にバグが見つかりました</a:t>
-            </a:r>
-            <a:r>
-              <a:rPr lang="ja-JP" altLang="en-US"/>
-              <a:t>！！</a:t>
+              <a:t>　処理依存の側にバグが見つかりました！！</a:t>
             </a:r>
             <a:endParaRPr lang="en-US" altLang="ja-JP"/>
           </a:p>
@@ -7393,6 +7389,85 @@
           </a:prstGeom>
         </p:spPr>
       </p:pic>
+      <p:sp>
+        <p:nvSpPr>
+          <p:cNvPr id="3" name="コンテンツプレースホルダ 2"/>
+          <p:cNvSpPr>
+            <a:spLocks noGrp="1"/>
+          </p:cNvSpPr>
+          <p:nvPr>
+            <p:ph sz="half" idx="1"/>
+          </p:nvPr>
+        </p:nvSpPr>
+        <p:spPr>
+          <a:xfrm>
+            <a:off x="838200" y="984885"/>
+            <a:ext cx="10515600" cy="5192395"/>
+          </a:xfrm>
+        </p:spPr>
+        <p:txBody>
+          <a:bodyPr>
+            <a:normAutofit lnSpcReduction="20000"/>
+          </a:bodyPr>
+          <a:p>
+            <a:pPr marL="0" indent="0">
+              <a:buNone/>
+            </a:pPr>
+            <a:endParaRPr lang="en-US" altLang="ja-JP" sz="600"/>
+          </a:p>
+          <a:p>
+            <a:pPr marL="0" indent="0">
+              <a:buNone/>
+            </a:pPr>
+            <a:r>
+              <a:rPr lang="en-US" altLang="ja-JP"/>
+              <a:t>←</a:t>
+            </a:r>
+            <a:r>
+              <a:rPr lang="ja-JP" altLang="en-US"/>
+              <a:t>処理依存　　　　　　　　　　　　　　　　　　　　　　　　　データ依存</a:t>
+            </a:r>
+            <a:r>
+              <a:rPr lang="en-US" altLang="ja-JP"/>
+              <a:t>→</a:t>
+            </a:r>
+            <a:endParaRPr lang="ja-JP" altLang="en-US"/>
+          </a:p>
+          <a:p>
+            <a:pPr marL="0" indent="0">
+              <a:buNone/>
+            </a:pPr>
+            <a:endParaRPr lang="ja-JP" altLang="en-US"/>
+          </a:p>
+          <a:p>
+            <a:pPr marL="0" indent="0">
+              <a:buNone/>
+            </a:pPr>
+            <a:endParaRPr lang="ja-JP" altLang="en-US"/>
+          </a:p>
+          <a:p>
+            <a:endParaRPr lang="ja-JP" altLang="en-US"/>
+          </a:p>
+          <a:p>
+            <a:endParaRPr lang="ja-JP" altLang="en-US"/>
+          </a:p>
+          <a:p>
+            <a:endParaRPr lang="ja-JP" altLang="en-US"/>
+          </a:p>
+          <a:p>
+            <a:endParaRPr lang="ja-JP" altLang="en-US"/>
+          </a:p>
+          <a:p>
+            <a:endParaRPr lang="ja-JP" altLang="en-US"/>
+          </a:p>
+          <a:p>
+            <a:endParaRPr lang="ja-JP" altLang="en-US"/>
+          </a:p>
+          <a:p>
+            <a:endParaRPr lang="ja-JP" altLang="en-US"/>
+          </a:p>
+        </p:txBody>
+      </p:sp>
       <p:pic>
         <p:nvPicPr>
           <p:cNvPr id="7" name="図形 6"/>
@@ -7452,85 +7527,6 @@
               <a:t>６．処理依存とデータ依存の違い</a:t>
             </a:r>
             <a:endParaRPr lang="ja-JP" altLang="en-US" sz="3200"/>
-          </a:p>
-        </p:txBody>
-      </p:sp>
-      <p:sp>
-        <p:nvSpPr>
-          <p:cNvPr id="3" name="コンテンツプレースホルダ 2"/>
-          <p:cNvSpPr>
-            <a:spLocks noGrp="1"/>
-          </p:cNvSpPr>
-          <p:nvPr>
-            <p:ph sz="half" idx="1"/>
-          </p:nvPr>
-        </p:nvSpPr>
-        <p:spPr>
-          <a:xfrm>
-            <a:off x="838200" y="984885"/>
-            <a:ext cx="10515600" cy="5192395"/>
-          </a:xfrm>
-        </p:spPr>
-        <p:txBody>
-          <a:bodyPr>
-            <a:normAutofit lnSpcReduction="20000"/>
-          </a:bodyPr>
-          <a:p>
-            <a:pPr marL="0" indent="0">
-              <a:buNone/>
-            </a:pPr>
-            <a:endParaRPr lang="en-US" altLang="ja-JP" sz="600"/>
-          </a:p>
-          <a:p>
-            <a:pPr marL="0" indent="0">
-              <a:buNone/>
-            </a:pPr>
-            <a:r>
-              <a:rPr lang="en-US" altLang="ja-JP"/>
-              <a:t>←</a:t>
-            </a:r>
-            <a:r>
-              <a:rPr lang="ja-JP" altLang="en-US"/>
-              <a:t>処理依存　　　　　　　　　　　　　　　　　　　　　　　　　データ依存</a:t>
-            </a:r>
-            <a:r>
-              <a:rPr lang="en-US" altLang="ja-JP"/>
-              <a:t>→</a:t>
-            </a:r>
-            <a:endParaRPr lang="ja-JP" altLang="en-US"/>
-          </a:p>
-          <a:p>
-            <a:pPr marL="0" indent="0">
-              <a:buNone/>
-            </a:pPr>
-            <a:endParaRPr lang="ja-JP" altLang="en-US"/>
-          </a:p>
-          <a:p>
-            <a:pPr marL="0" indent="0">
-              <a:buNone/>
-            </a:pPr>
-            <a:endParaRPr lang="ja-JP" altLang="en-US"/>
-          </a:p>
-          <a:p>
-            <a:endParaRPr lang="ja-JP" altLang="en-US"/>
-          </a:p>
-          <a:p>
-            <a:endParaRPr lang="ja-JP" altLang="en-US"/>
-          </a:p>
-          <a:p>
-            <a:endParaRPr lang="ja-JP" altLang="en-US"/>
-          </a:p>
-          <a:p>
-            <a:endParaRPr lang="ja-JP" altLang="en-US"/>
-          </a:p>
-          <a:p>
-            <a:endParaRPr lang="ja-JP" altLang="en-US"/>
-          </a:p>
-          <a:p>
-            <a:endParaRPr lang="ja-JP" altLang="en-US"/>
-          </a:p>
-          <a:p>
-            <a:endParaRPr lang="ja-JP" altLang="en-US"/>
           </a:p>
         </p:txBody>
       </p:sp>
@@ -7987,11 +7983,7 @@
           <a:p>
             <a:r>
               <a:rPr lang="ja-JP" altLang="en-US" sz="1200"/>
-              <a:t>　ワイが悪いん</a:t>
-            </a:r>
-            <a:r>
-              <a:rPr lang="ja-JP" altLang="en-US" sz="1200"/>
-              <a:t>？</a:t>
+              <a:t>　ワイが悪いん？</a:t>
             </a:r>
             <a:endParaRPr lang="ja-JP" altLang="en-US" sz="1200"/>
           </a:p>
@@ -8100,7 +8092,7 @@
         <p:spPr>
           <a:xfrm>
             <a:off x="5902325" y="4044315"/>
-            <a:ext cx="4059555" cy="1036955"/>
+            <a:ext cx="4089400" cy="1036955"/>
           </a:xfrm>
           <a:prstGeom prst="wedgeRectCallout">
             <a:avLst>
@@ -8171,7 +8163,11 @@
             <a:pPr algn="l"/>
             <a:r>
               <a:rPr lang="ja-JP" altLang="en-US" sz="1600" b="1"/>
-              <a:t>　　 処理なんて今後いくらでも増えます。</a:t>
+              <a:t>　　 処理なんて今後いくらでも増えますよ</a:t>
+            </a:r>
+            <a:r>
+              <a:rPr lang="ja-JP" altLang="en-US" sz="1600" b="1"/>
+              <a:t>。</a:t>
             </a:r>
             <a:endParaRPr lang="ja-JP" altLang="en-US" sz="1600" b="1"/>
           </a:p>
@@ -8186,7 +8182,7 @@
         <p:spPr>
           <a:xfrm>
             <a:off x="5902325" y="5091430"/>
-            <a:ext cx="4059555" cy="1454150"/>
+            <a:ext cx="4423410" cy="1287780"/>
           </a:xfrm>
           <a:prstGeom prst="wedgeRectCallout">
             <a:avLst>
@@ -8281,15 +8277,7 @@
             </a:r>
             <a:r>
               <a:rPr lang="ja-JP" altLang="en-US" sz="1600" b="1"/>
-              <a:t>点になる</a:t>
-            </a:r>
-            <a:endParaRPr lang="ja-JP" altLang="en-US" sz="1600" b="1"/>
-          </a:p>
-          <a:p>
-            <a:pPr algn="l"/>
-            <a:r>
-              <a:rPr lang="ja-JP" altLang="en-US" sz="1600" b="1"/>
-              <a:t>　　可能性はあります！</a:t>
+              <a:t>点になるかもよ！？</a:t>
             </a:r>
             <a:endParaRPr lang="ja-JP" altLang="en-US" sz="1600" b="1"/>
           </a:p>

--- a/処理依存よりデータ依存_エンジニアの輪20250215.pptx
+++ b/処理依存よりデータ依存_エンジニアの輪20250215.pptx
@@ -4788,11 +4788,7 @@
             </a:r>
             <a:r>
               <a:rPr lang="ja-JP" altLang="en-US" sz="1600" b="1"/>
-              <a:t>回数が</a:t>
-            </a:r>
-            <a:r>
-              <a:rPr lang="ja-JP" altLang="en-US" sz="1600" b="1"/>
-              <a:t>激増する</a:t>
+              <a:t>回数が激増する</a:t>
             </a:r>
             <a:endParaRPr lang="ja-JP" altLang="en-US" sz="1600" b="1"/>
           </a:p>
@@ -7668,29 +7664,29 @@
         </p:nvSpPr>
         <p:spPr>
           <a:xfrm>
-            <a:off x="9475470" y="2921635"/>
-            <a:ext cx="1779270" cy="699770"/>
+            <a:off x="9353550" y="2820670"/>
+            <a:ext cx="2563495" cy="800735"/>
           </a:xfrm>
           <a:prstGeom prst="wedgeRectCallout">
             <a:avLst>
-              <a:gd name="adj1" fmla="val -59048"/>
-              <a:gd name="adj2" fmla="val -24999"/>
+              <a:gd name="adj1" fmla="val -61790"/>
+              <a:gd name="adj2" fmla="val -16058"/>
             </a:avLst>
           </a:prstGeom>
           <a:gradFill>
             <a:gsLst>
               <a:gs pos="0">
-                <a:srgbClr val="FE4444"/>
+                <a:srgbClr val="14CD68"/>
               </a:gs>
               <a:gs pos="100000">
-                <a:srgbClr val="832B2B"/>
+                <a:srgbClr val="0B6E38"/>
               </a:gs>
             </a:gsLst>
             <a:lin ang="5400000" scaled="0"/>
           </a:gradFill>
           <a:ln>
             <a:solidFill>
-              <a:srgbClr val="FF0000"/>
+              <a:srgbClr val="0070C0"/>
             </a:solidFill>
           </a:ln>
         </p:spPr>
@@ -7716,7 +7712,19 @@
             <a:pPr algn="l"/>
             <a:r>
               <a:rPr lang="ja-JP" altLang="en-US" sz="1600" b="1"/>
-              <a:t>本数の再計算はどこ？</a:t>
+              <a:t>本数計算やってない！</a:t>
+            </a:r>
+            <a:endParaRPr lang="ja-JP" altLang="en-US" sz="1600" b="1"/>
+          </a:p>
+          <a:p>
+            <a:pPr algn="l"/>
+            <a:r>
+              <a:rPr lang="ja-JP" altLang="en-US" sz="1600" b="1"/>
+              <a:t>（＝処理に依存していない</a:t>
+            </a:r>
+            <a:r>
+              <a:rPr lang="ja-JP" altLang="en-US" sz="1600" b="1"/>
+              <a:t>）</a:t>
             </a:r>
             <a:endParaRPr lang="ja-JP" altLang="en-US" sz="1600" b="1"/>
           </a:p>
@@ -7730,29 +7738,29 @@
         </p:nvSpPr>
         <p:spPr>
           <a:xfrm>
-            <a:off x="8170545" y="5663565"/>
-            <a:ext cx="1997710" cy="675640"/>
+            <a:off x="7585075" y="5663565"/>
+            <a:ext cx="2827020" cy="675640"/>
           </a:xfrm>
           <a:prstGeom prst="wedgeRectCallout">
             <a:avLst>
-              <a:gd name="adj1" fmla="val -37349"/>
-              <a:gd name="adj2" fmla="val -88627"/>
+              <a:gd name="adj1" fmla="val -20305"/>
+              <a:gd name="adj2" fmla="val -91447"/>
             </a:avLst>
           </a:prstGeom>
           <a:gradFill>
             <a:gsLst>
               <a:gs pos="0">
-                <a:srgbClr val="FE4444"/>
+                <a:srgbClr val="14CD68"/>
               </a:gs>
               <a:gs pos="100000">
-                <a:srgbClr val="832B2B"/>
+                <a:srgbClr val="0B6E38"/>
               </a:gs>
             </a:gsLst>
             <a:lin ang="5400000" scaled="0"/>
           </a:gradFill>
           <a:ln>
             <a:solidFill>
-              <a:srgbClr val="FF0000"/>
+              <a:srgbClr val="0070C0"/>
             </a:solidFill>
           </a:ln>
         </p:spPr>
@@ -7778,7 +7786,7 @@
             <a:pPr algn="l"/>
             <a:r>
               <a:rPr lang="ja-JP" altLang="en-US" sz="1600" b="1"/>
-              <a:t>メンバー変数・・</a:t>
+              <a:t>データの状態だけを見てる！</a:t>
             </a:r>
             <a:endParaRPr lang="ja-JP" altLang="en-US" sz="1600" b="1"/>
           </a:p>
@@ -7786,7 +7794,11 @@
             <a:pPr algn="l"/>
             <a:r>
               <a:rPr lang="ja-JP" altLang="en-US" sz="1600" b="1"/>
-              <a:t>スコープ広くない？</a:t>
+              <a:t>（＝データのみに依存</a:t>
+            </a:r>
+            <a:r>
+              <a:rPr lang="ja-JP" altLang="en-US" sz="1600" b="1"/>
+              <a:t>）</a:t>
             </a:r>
             <a:endParaRPr lang="ja-JP" altLang="en-US" sz="1600" b="1"/>
           </a:p>
@@ -8163,11 +8175,7 @@
             <a:pPr algn="l"/>
             <a:r>
               <a:rPr lang="ja-JP" altLang="en-US" sz="1600" b="1"/>
-              <a:t>　　 処理なんて今後いくらでも増えますよ</a:t>
-            </a:r>
-            <a:r>
-              <a:rPr lang="ja-JP" altLang="en-US" sz="1600" b="1"/>
-              <a:t>。</a:t>
+              <a:t>　　 処理なんて今後いくらでも増えますよ。</a:t>
             </a:r>
             <a:endParaRPr lang="ja-JP" altLang="en-US" sz="1600" b="1"/>
           </a:p>
@@ -8278,6 +8286,76 @@
             <a:r>
               <a:rPr lang="ja-JP" altLang="en-US" sz="1600" b="1"/>
               <a:t>点になるかもよ！？</a:t>
+            </a:r>
+            <a:endParaRPr lang="ja-JP" altLang="en-US" sz="1600" b="1"/>
+          </a:p>
+        </p:txBody>
+      </p:sp>
+      <p:sp>
+        <p:nvSpPr>
+          <p:cNvPr id="9" name="四角形吹き出し 8"/>
+          <p:cNvSpPr/>
+          <p:nvPr/>
+        </p:nvSpPr>
+        <p:spPr>
+          <a:xfrm>
+            <a:off x="8747760" y="2459990"/>
+            <a:ext cx="2968625" cy="1072515"/>
+          </a:xfrm>
+          <a:prstGeom prst="wedgeRectCallout">
+            <a:avLst>
+              <a:gd name="adj1" fmla="val -57749"/>
+              <a:gd name="adj2" fmla="val 42480"/>
+            </a:avLst>
+          </a:prstGeom>
+          <a:gradFill>
+            <a:gsLst>
+              <a:gs pos="0">
+                <a:srgbClr val="14CD68"/>
+              </a:gs>
+              <a:gs pos="100000">
+                <a:srgbClr val="0B6E38"/>
+              </a:gs>
+            </a:gsLst>
+            <a:lin ang="5400000" scaled="0"/>
+          </a:gradFill>
+          <a:ln>
+            <a:solidFill>
+              <a:srgbClr val="0070C0"/>
+            </a:solidFill>
+          </a:ln>
+        </p:spPr>
+        <p:style>
+          <a:lnRef idx="2">
+            <a:schemeClr val="accent1">
+              <a:shade val="50000"/>
+            </a:schemeClr>
+          </a:lnRef>
+          <a:fillRef idx="1">
+            <a:schemeClr val="accent1"/>
+          </a:fillRef>
+          <a:effectRef idx="0">
+            <a:schemeClr val="accent1"/>
+          </a:effectRef>
+          <a:fontRef idx="minor">
+            <a:schemeClr val="lt1"/>
+          </a:fontRef>
+        </p:style>
+        <p:txBody>
+          <a:bodyPr rtlCol="0" anchor="ctr"/>
+          <a:p>
+            <a:pPr algn="l"/>
+            <a:r>
+              <a:rPr lang="ja-JP" altLang="en-US" sz="1600" b="1"/>
+              <a:t>処理でなく、データのみに依存</a:t>
+            </a:r>
+            <a:endParaRPr lang="ja-JP" altLang="en-US" sz="1600" b="1"/>
+          </a:p>
+          <a:p>
+            <a:pPr algn="l"/>
+            <a:r>
+              <a:rPr lang="ja-JP" altLang="en-US" sz="1600" b="1"/>
+              <a:t>していればバグりません！</a:t>
             </a:r>
             <a:endParaRPr lang="ja-JP" altLang="en-US" sz="1600" b="1"/>
           </a:p>

--- a/処理依存よりデータ依存_エンジニアの輪20250215.pptx
+++ b/処理依存よりデータ依存_エンジニアの輪20250215.pptx
@@ -7664,13 +7664,13 @@
         </p:nvSpPr>
         <p:spPr>
           <a:xfrm>
-            <a:off x="9353550" y="2820670"/>
-            <a:ext cx="2563495" cy="800735"/>
+            <a:off x="9353550" y="2624455"/>
+            <a:ext cx="2563495" cy="996950"/>
           </a:xfrm>
           <a:prstGeom prst="wedgeRectCallout">
             <a:avLst>
-              <a:gd name="adj1" fmla="val -61790"/>
-              <a:gd name="adj2" fmla="val -16058"/>
+              <a:gd name="adj1" fmla="val -62955"/>
+              <a:gd name="adj2" fmla="val 7197"/>
             </a:avLst>
           </a:prstGeom>
           <a:gradFill>
@@ -7712,6 +7712,14 @@
             <a:pPr algn="l"/>
             <a:r>
               <a:rPr lang="ja-JP" altLang="en-US" sz="1600" b="1"/>
+              <a:t>クリック処理の中で</a:t>
+            </a:r>
+            <a:endParaRPr lang="ja-JP" altLang="en-US" sz="1600" b="1"/>
+          </a:p>
+          <a:p>
+            <a:pPr algn="l"/>
+            <a:r>
+              <a:rPr lang="ja-JP" altLang="en-US" sz="1600" b="1"/>
               <a:t>本数計算やってない！</a:t>
             </a:r>
             <a:endParaRPr lang="ja-JP" altLang="en-US" sz="1600" b="1"/>
@@ -7720,11 +7728,7 @@
             <a:pPr algn="l"/>
             <a:r>
               <a:rPr lang="ja-JP" altLang="en-US" sz="1600" b="1"/>
-              <a:t>（＝処理に依存していない</a:t>
-            </a:r>
-            <a:r>
-              <a:rPr lang="ja-JP" altLang="en-US" sz="1600" b="1"/>
-              <a:t>）</a:t>
+              <a:t>（＝処理に依存していない）</a:t>
             </a:r>
             <a:endParaRPr lang="ja-JP" altLang="en-US" sz="1600" b="1"/>
           </a:p>
@@ -7739,7 +7743,7 @@
         <p:spPr>
           <a:xfrm>
             <a:off x="7585075" y="5663565"/>
-            <a:ext cx="2827020" cy="675640"/>
+            <a:ext cx="2827020" cy="822960"/>
           </a:xfrm>
           <a:prstGeom prst="wedgeRectCallout">
             <a:avLst>
@@ -7794,7 +7798,7 @@
             <a:pPr algn="l"/>
             <a:r>
               <a:rPr lang="ja-JP" altLang="en-US" sz="1600" b="1"/>
-              <a:t>（＝データのみに依存</a:t>
+              <a:t>（＝データのみに依存してる</a:t>
             </a:r>
             <a:r>
               <a:rPr lang="ja-JP" altLang="en-US" sz="1600" b="1"/>
